--- a/9.Deep_learning/class_11.1_text_vectorizarion_sentiment_analysis.pptx
+++ b/9.Deep_learning/class_11.1_text_vectorizarion_sentiment_analysis.pptx
@@ -5,20 +5,21 @@
     <p:sldMasterId id="2147483648" r:id="rId1"/>
   </p:sldMasterIdLst>
   <p:notesMasterIdLst>
-    <p:notesMasterId r:id="rId11"/>
+    <p:notesMasterId r:id="rId8"/>
   </p:notesMasterIdLst>
   <p:sldIdLst>
     <p:sldId id="395" r:id="rId3"/>
     <p:sldId id="391" r:id="rId4"/>
     <p:sldId id="392" r:id="rId5"/>
-    <p:sldId id="396" r:id="rId6"/>
-    <p:sldId id="397" r:id="rId7"/>
-    <p:sldId id="398" r:id="rId8"/>
-    <p:sldId id="399" r:id="rId9"/>
-    <p:sldId id="400" r:id="rId10"/>
-    <p:sldId id="368" r:id="rId12"/>
-    <p:sldId id="393" r:id="rId13"/>
-    <p:sldId id="394" r:id="rId14"/>
+    <p:sldId id="399" r:id="rId6"/>
+    <p:sldId id="400" r:id="rId7"/>
+    <p:sldId id="402" r:id="rId9"/>
+    <p:sldId id="403" r:id="rId10"/>
+    <p:sldId id="404" r:id="rId11"/>
+    <p:sldId id="405" r:id="rId12"/>
+    <p:sldId id="406" r:id="rId13"/>
+    <p:sldId id="368" r:id="rId14"/>
+    <p:sldId id="393" r:id="rId15"/>
   </p:sldIdLst>
   <p:sldSz cx="12192000" cy="6858000"/>
   <p:notesSz cx="6858000" cy="9144000"/>
@@ -3538,61 +3539,52 @@
         </p:nvSpPr>
         <p:spPr>
           <a:xfrm>
-            <a:off x="3048000" y="3106420"/>
-            <a:ext cx="6096000" cy="3138170"/>
+            <a:off x="1862455" y="893128"/>
+            <a:ext cx="5080000" cy="2535555"/>
           </a:xfrm>
           <a:prstGeom prst="rect">
             <a:avLst/>
           </a:prstGeom>
-          <a:noFill/>
         </p:spPr>
         <p:txBody>
-          <a:bodyPr wrap="square" rtlCol="0" anchor="t">
+          <a:bodyPr>
             <a:spAutoFit/>
           </a:bodyPr>
           <a:p>
-            <a:r>
-              <a:rPr lang="en-US" altLang="en-US"/>
-              <a:t>https://www.kaggle.com/code/ashishpatel26/beginner-to-intermediate-nlp-tutorial</a:t>
-            </a:r>
-            <a:endParaRPr lang="en-US" altLang="en-US"/>
-          </a:p>
-          <a:p>
-            <a:endParaRPr lang="en-US"/>
-          </a:p>
-          <a:p>
-            <a:r>
-              <a:rPr lang="en-US" altLang="en-US"/>
-              <a:t>https://www.deeplearning.ai/resources/natural-language-processing/</a:t>
-            </a:r>
-            <a:endParaRPr lang="en-US" altLang="en-US"/>
-          </a:p>
-          <a:p>
-            <a:r>
-              <a:rPr lang="en-US" altLang="en-US"/>
-              <a:t>https://www.analyticsvidhya.com/blog/2022/01/nlp-tutorials-part-i-from-basics-to-advance/</a:t>
-            </a:r>
-            <a:endParaRPr lang="en-US" altLang="en-US"/>
-          </a:p>
-          <a:p>
-            <a:endParaRPr lang="en-US" altLang="en-US"/>
-          </a:p>
-          <a:p>
-            <a:r>
-              <a:rPr lang="en-US" altLang="en-US"/>
-              <a:t>https://huggingface.co/learn/nlp-course/en/chapter1/1</a:t>
-            </a:r>
-            <a:endParaRPr lang="en-US" altLang="en-US"/>
-          </a:p>
-          <a:p>
-            <a:endParaRPr lang="en-US" altLang="en-US"/>
-          </a:p>
-          <a:p>
-            <a:r>
-              <a:rPr lang="en-US" altLang="en-US"/>
-              <a:t>https://github.com/graykode/nlp-tutorial</a:t>
-            </a:r>
-            <a:endParaRPr lang="en-US" altLang="en-US"/>
+            <a:pPr>
+              <a:spcAft>
+                <a:spcPct val="60000"/>
+              </a:spcAft>
+            </a:pPr>
+            <a:r>
+              <a:rPr sz="2300" b="1"/>
+              <a:t>⭐ Bonus: Named Entity Recognition using spaCy</a:t>
+            </a:r>
+            <a:endParaRPr sz="2300" b="1"/>
+          </a:p>
+          <a:p>
+            <a:r>
+              <a:rPr sz="1600"/>
+              <a:t>python</a:t>
+            </a:r>
+            <a:endParaRPr sz="1600"/>
+          </a:p>
+          <a:p>
+            <a:r>
+              <a:rPr sz="1600"/>
+              <a:t>CopyEdit</a:t>
+            </a:r>
+            <a:endParaRPr sz="1600"/>
+          </a:p>
+          <a:p>
+            <a:r>
+              <a:rPr sz="1600"/>
+              <a:t>doc = nlp(text)
+print("Named Entities:")
+for ent in doc.ents:
+    print(ent.text, "|", ent.label_)</a:t>
+            </a:r>
+            <a:endParaRPr sz="1600"/>
           </a:p>
         </p:txBody>
       </p:sp>
@@ -3614,28 +3606,515 @@
         <p:nvPr/>
       </p:nvGrpSpPr>
       <p:grpSpPr/>
-      <p:pic>
-        <p:nvPicPr>
-          <p:cNvPr id="2" name="Picture 1"/>
-          <p:cNvPicPr/>
+      <p:sp>
+        <p:nvSpPr>
+          <p:cNvPr id="2" name="Text Box 1"/>
+          <p:cNvSpPr txBox="1"/>
           <p:nvPr/>
-        </p:nvPicPr>
-        <p:blipFill>
-          <a:blip r:embed="rId1"/>
-          <a:stretch>
-            <a:fillRect/>
-          </a:stretch>
-        </p:blipFill>
+        </p:nvSpPr>
         <p:spPr>
           <a:xfrm>
-            <a:off x="288925" y="421005"/>
-            <a:ext cx="11712575" cy="5634355"/>
+            <a:off x="998855" y="248285"/>
+            <a:ext cx="6096000" cy="768350"/>
           </a:xfrm>
           <a:prstGeom prst="rect">
             <a:avLst/>
           </a:prstGeom>
+          <a:noFill/>
         </p:spPr>
-      </p:pic>
+        <p:txBody>
+          <a:bodyPr wrap="square" rtlCol="0" anchor="t">
+            <a:spAutoFit/>
+          </a:bodyPr>
+          <a:p>
+            <a:r>
+              <a:rPr lang="en-IN" altLang="en-US" sz="4400" b="1">
+                <a:solidFill>
+                  <a:srgbClr val="FF0000"/>
+                </a:solidFill>
+                <a:effectLst>
+                  <a:outerShdw blurRad="38100" dist="38100" dir="2700000" algn="tl">
+                    <a:srgbClr val="000000">
+                      <a:alpha val="43137"/>
+                    </a:srgbClr>
+                  </a:outerShdw>
+                </a:effectLst>
+                <a:sym typeface="+mn-ea"/>
+              </a:rPr>
+              <a:t>NLP</a:t>
+            </a:r>
+            <a:endParaRPr lang="en-IN" altLang="en-US" sz="4400" b="1">
+              <a:solidFill>
+                <a:srgbClr val="FF0000"/>
+              </a:solidFill>
+              <a:effectLst>
+                <a:outerShdw blurRad="38100" dist="38100" dir="2700000" algn="tl">
+                  <a:srgbClr val="000000">
+                    <a:alpha val="43137"/>
+                  </a:srgbClr>
+                </a:outerShdw>
+              </a:effectLst>
+              <a:sym typeface="+mn-ea"/>
+            </a:endParaRPr>
+          </a:p>
+        </p:txBody>
+      </p:sp>
+      <p:sp>
+        <p:nvSpPr>
+          <p:cNvPr id="3" name="Text Box 2"/>
+          <p:cNvSpPr txBox="1"/>
+          <p:nvPr/>
+        </p:nvSpPr>
+        <p:spPr>
+          <a:xfrm>
+            <a:off x="5702300" y="3707130"/>
+            <a:ext cx="3290570" cy="1476375"/>
+          </a:xfrm>
+          <a:prstGeom prst="rect">
+            <a:avLst/>
+          </a:prstGeom>
+          <a:noFill/>
+        </p:spPr>
+        <p:txBody>
+          <a:bodyPr wrap="square" rtlCol="0">
+            <a:spAutoFit/>
+          </a:bodyPr>
+          <a:p>
+            <a:pPr marL="285750" indent="-285750">
+              <a:buFont typeface="Arial" panose="020B0604020202020204" pitchFamily="34" charset="0"/>
+              <a:buChar char="•"/>
+            </a:pPr>
+            <a:r>
+              <a:rPr lang="en-IN" altLang="en-US"/>
+              <a:t>Translations</a:t>
+            </a:r>
+            <a:endParaRPr lang="en-IN" altLang="en-US"/>
+          </a:p>
+          <a:p>
+            <a:pPr marL="285750" indent="-285750">
+              <a:buFont typeface="Arial" panose="020B0604020202020204" pitchFamily="34" charset="0"/>
+              <a:buChar char="•"/>
+            </a:pPr>
+            <a:r>
+              <a:rPr lang="en-IN" altLang="en-US"/>
+              <a:t>Text Generations</a:t>
+            </a:r>
+            <a:endParaRPr lang="en-IN" altLang="en-US"/>
+          </a:p>
+          <a:p>
+            <a:pPr marL="285750" indent="-285750">
+              <a:buFont typeface="Arial" panose="020B0604020202020204" pitchFamily="34" charset="0"/>
+              <a:buChar char="•"/>
+            </a:pPr>
+            <a:r>
+              <a:rPr lang="en-IN" altLang="en-US"/>
+              <a:t>text summerization</a:t>
+            </a:r>
+            <a:endParaRPr lang="en-IN" altLang="en-US"/>
+          </a:p>
+          <a:p>
+            <a:pPr marL="285750" indent="-285750">
+              <a:buFont typeface="Arial" panose="020B0604020202020204" pitchFamily="34" charset="0"/>
+              <a:buChar char="•"/>
+            </a:pPr>
+            <a:r>
+              <a:rPr lang="en-IN" altLang="en-US"/>
+              <a:t>speech to text , text to speech</a:t>
+            </a:r>
+            <a:endParaRPr lang="en-IN" altLang="en-US"/>
+          </a:p>
+          <a:p>
+            <a:pPr marL="285750" indent="-285750">
+              <a:buFont typeface="Arial" panose="020B0604020202020204" pitchFamily="34" charset="0"/>
+              <a:buChar char="•"/>
+            </a:pPr>
+            <a:endParaRPr lang="en-IN" altLang="en-US"/>
+          </a:p>
+        </p:txBody>
+      </p:sp>
+      <p:sp>
+        <p:nvSpPr>
+          <p:cNvPr id="5" name="Text Box 4"/>
+          <p:cNvSpPr txBox="1"/>
+          <p:nvPr/>
+        </p:nvSpPr>
+        <p:spPr>
+          <a:xfrm>
+            <a:off x="8736330" y="2558415"/>
+            <a:ext cx="3456305" cy="2861310"/>
+          </a:xfrm>
+          <a:prstGeom prst="rect">
+            <a:avLst/>
+          </a:prstGeom>
+          <a:noFill/>
+        </p:spPr>
+        <p:txBody>
+          <a:bodyPr wrap="square" rtlCol="0">
+            <a:spAutoFit/>
+          </a:bodyPr>
+          <a:p>
+            <a:r>
+              <a:rPr lang="en-IN" altLang="en-US"/>
+              <a:t>NLP problem Solve</a:t>
+            </a:r>
+            <a:endParaRPr lang="en-IN" altLang="en-US"/>
+          </a:p>
+          <a:p>
+            <a:pPr marL="285750" indent="-285750">
+              <a:buFont typeface="Arial" panose="020B0604020202020204" pitchFamily="34" charset="0"/>
+              <a:buChar char="•"/>
+            </a:pPr>
+            <a:r>
+              <a:rPr lang="en-IN" altLang="en-US"/>
+              <a:t>Clasifications (+ve,-ve  issue classifier,Sentiment analysis</a:t>
+            </a:r>
+            <a:endParaRPr lang="en-IN" altLang="en-US"/>
+          </a:p>
+          <a:p>
+            <a:pPr marL="285750" indent="-285750">
+              <a:buFont typeface="Arial" panose="020B0604020202020204" pitchFamily="34" charset="0"/>
+              <a:buChar char="•"/>
+            </a:pPr>
+            <a:r>
+              <a:rPr lang="en-IN" altLang="en-US"/>
+              <a:t>NER (structure our data)</a:t>
+            </a:r>
+            <a:endParaRPr lang="en-IN" altLang="en-US"/>
+          </a:p>
+          <a:p>
+            <a:pPr marL="285750" indent="-285750">
+              <a:buFont typeface="Arial" panose="020B0604020202020204" pitchFamily="34" charset="0"/>
+              <a:buChar char="•"/>
+            </a:pPr>
+            <a:r>
+              <a:rPr lang="en-IN" altLang="en-US"/>
+              <a:t>Language Modeling</a:t>
+            </a:r>
+            <a:endParaRPr lang="en-IN" altLang="en-US"/>
+          </a:p>
+          <a:p>
+            <a:pPr marL="742950" lvl="1" indent="-285750">
+              <a:buFont typeface="Arial" panose="020B0604020202020204" pitchFamily="34" charset="0"/>
+              <a:buChar char="•"/>
+            </a:pPr>
+            <a:r>
+              <a:rPr lang="en-IN" altLang="en-US"/>
+              <a:t>Q &amp;A</a:t>
+            </a:r>
+            <a:endParaRPr lang="en-IN" altLang="en-US"/>
+          </a:p>
+          <a:p>
+            <a:pPr marL="742950" lvl="1" indent="-285750">
+              <a:buFont typeface="Arial" panose="020B0604020202020204" pitchFamily="34" charset="0"/>
+              <a:buChar char="•"/>
+            </a:pPr>
+            <a:r>
+              <a:rPr lang="en-IN" altLang="en-US"/>
+              <a:t>Translations</a:t>
+            </a:r>
+            <a:endParaRPr lang="en-IN" altLang="en-US"/>
+          </a:p>
+          <a:p>
+            <a:pPr marL="742950" lvl="1" indent="-285750">
+              <a:buFont typeface="Arial" panose="020B0604020202020204" pitchFamily="34" charset="0"/>
+              <a:buChar char="•"/>
+            </a:pPr>
+            <a:r>
+              <a:rPr lang="en-IN" altLang="en-US"/>
+              <a:t>summerizations</a:t>
+            </a:r>
+            <a:endParaRPr lang="en-IN" altLang="en-US"/>
+          </a:p>
+          <a:p>
+            <a:pPr marL="742950" lvl="1" indent="-285750">
+              <a:buFont typeface="Arial" panose="020B0604020202020204" pitchFamily="34" charset="0"/>
+              <a:buChar char="•"/>
+            </a:pPr>
+            <a:r>
+              <a:rPr lang="en-IN" altLang="en-US"/>
+              <a:t>next word generations</a:t>
+            </a:r>
+            <a:endParaRPr lang="en-IN" altLang="en-US"/>
+          </a:p>
+          <a:p>
+            <a:pPr marL="742950" lvl="1" indent="-285750">
+              <a:buFont typeface="Arial" panose="020B0604020202020204" pitchFamily="34" charset="0"/>
+              <a:buChar char="•"/>
+            </a:pPr>
+            <a:endParaRPr lang="en-IN" altLang="en-US"/>
+          </a:p>
+        </p:txBody>
+      </p:sp>
+      <p:sp>
+        <p:nvSpPr>
+          <p:cNvPr id="6" name="Text Box 5"/>
+          <p:cNvSpPr txBox="1"/>
+          <p:nvPr/>
+        </p:nvSpPr>
+        <p:spPr>
+          <a:xfrm>
+            <a:off x="5809615" y="5183505"/>
+            <a:ext cx="2861945" cy="1476375"/>
+          </a:xfrm>
+          <a:prstGeom prst="rect">
+            <a:avLst/>
+          </a:prstGeom>
+          <a:noFill/>
+        </p:spPr>
+        <p:txBody>
+          <a:bodyPr wrap="square" rtlCol="0">
+            <a:spAutoFit/>
+          </a:bodyPr>
+          <a:p>
+            <a:r>
+              <a:rPr lang="en-IN" altLang="en-US"/>
+              <a:t>Language Modeling</a:t>
+            </a:r>
+            <a:endParaRPr lang="en-IN" altLang="en-US"/>
+          </a:p>
+          <a:p>
+            <a:pPr indent="457200"/>
+            <a:r>
+              <a:rPr lang="en-IN" altLang="en-US"/>
+              <a:t>pre deep learning</a:t>
+            </a:r>
+            <a:endParaRPr lang="en-IN" altLang="en-US"/>
+          </a:p>
+          <a:p>
+            <a:pPr marL="457200" lvl="1" indent="457200"/>
+            <a:r>
+              <a:rPr lang="en-IN" altLang="en-US"/>
+              <a:t>N-gram</a:t>
+            </a:r>
+            <a:endParaRPr lang="en-IN" altLang="en-US"/>
+          </a:p>
+          <a:p>
+            <a:pPr marL="457200" lvl="1" indent="457200"/>
+            <a:r>
+              <a:rPr lang="en-IN" altLang="en-US"/>
+              <a:t>Neural network</a:t>
+            </a:r>
+            <a:endParaRPr lang="en-IN" altLang="en-US"/>
+          </a:p>
+          <a:p>
+            <a:pPr marL="457200" lvl="1" indent="457200"/>
+            <a:r>
+              <a:rPr lang="en-IN" altLang="en-US"/>
+              <a:t>RNN</a:t>
+            </a:r>
+            <a:endParaRPr lang="en-IN" altLang="en-US"/>
+          </a:p>
+        </p:txBody>
+      </p:sp>
+      <p:sp>
+        <p:nvSpPr>
+          <p:cNvPr id="4" name="Text Box 3"/>
+          <p:cNvSpPr txBox="1"/>
+          <p:nvPr/>
+        </p:nvSpPr>
+        <p:spPr>
+          <a:xfrm>
+            <a:off x="362585" y="1119505"/>
+            <a:ext cx="9230360" cy="368300"/>
+          </a:xfrm>
+          <a:prstGeom prst="rect">
+            <a:avLst/>
+          </a:prstGeom>
+          <a:noFill/>
+        </p:spPr>
+        <p:txBody>
+          <a:bodyPr wrap="square" rtlCol="0" anchor="t">
+            <a:spAutoFit/>
+          </a:bodyPr>
+          <a:p>
+            <a:r>
+              <a:rPr lang="en-US" altLang="en-US" b="1"/>
+              <a:t>https://www.geeksforgeeks.org/natural-language-processing-nlp-tutorial</a:t>
+            </a:r>
+            <a:endParaRPr lang="en-US" b="1"/>
+          </a:p>
+        </p:txBody>
+      </p:sp>
+      <p:sp>
+        <p:nvSpPr>
+          <p:cNvPr id="7" name="Text Box 6"/>
+          <p:cNvSpPr txBox="1"/>
+          <p:nvPr/>
+        </p:nvSpPr>
+        <p:spPr>
+          <a:xfrm>
+            <a:off x="267335" y="2355850"/>
+            <a:ext cx="5349240" cy="3415030"/>
+          </a:xfrm>
+          <a:prstGeom prst="rect">
+            <a:avLst/>
+          </a:prstGeom>
+          <a:noFill/>
+        </p:spPr>
+        <p:txBody>
+          <a:bodyPr wrap="square" rtlCol="0">
+            <a:spAutoFit/>
+          </a:bodyPr>
+          <a:p>
+            <a:r>
+              <a:rPr lang="en-IN" altLang="en-US" b="1"/>
+              <a:t>PROJECT</a:t>
+            </a:r>
+            <a:endParaRPr lang="en-IN" altLang="en-US" b="1"/>
+          </a:p>
+          <a:p>
+            <a:r>
+              <a:rPr lang="en-US" altLang="en-US"/>
+              <a:t>https://www.geeksforgeeks.org/twitter-sentiment-analysis-using-python/</a:t>
+            </a:r>
+            <a:endParaRPr lang="en-US" altLang="en-US"/>
+          </a:p>
+          <a:p>
+            <a:r>
+              <a:rPr lang="en-US" altLang="en-US"/>
+              <a:t>https://www.geeksforgeeks.org/next-sentence-prediction-using-bert/</a:t>
+            </a:r>
+            <a:endParaRPr lang="en-US" altLang="en-US"/>
+          </a:p>
+          <a:p>
+            <a:endParaRPr lang="en-US" altLang="en-US"/>
+          </a:p>
+          <a:p>
+            <a:r>
+              <a:rPr lang="en-US" altLang="en-US"/>
+              <a:t>https://www.geeksforgeeks.org/fine-tuning-bert-model-for-sentiment-analysis/</a:t>
+            </a:r>
+            <a:endParaRPr lang="en-US" altLang="en-US"/>
+          </a:p>
+          <a:p>
+            <a:r>
+              <a:rPr lang="en-US" altLang="en-US"/>
+              <a:t>https://www.geeksforgeeks.org/sentiment-classification-using-bert/</a:t>
+            </a:r>
+            <a:endParaRPr lang="en-US" altLang="en-US"/>
+          </a:p>
+          <a:p>
+            <a:r>
+              <a:rPr lang="en-US" altLang="en-US"/>
+              <a:t>https://www.geeksforgeeks.org/sentiment-analysis-with-an-recurrent-neural-networks-rnn/</a:t>
+            </a:r>
+            <a:endParaRPr lang="en-US" altLang="en-US"/>
+          </a:p>
+        </p:txBody>
+      </p:sp>
+      <p:sp>
+        <p:nvSpPr>
+          <p:cNvPr id="8" name="Text Box 7"/>
+          <p:cNvSpPr txBox="1"/>
+          <p:nvPr/>
+        </p:nvSpPr>
+        <p:spPr>
+          <a:xfrm>
+            <a:off x="5996305" y="359410"/>
+            <a:ext cx="6096000" cy="368300"/>
+          </a:xfrm>
+          <a:prstGeom prst="rect">
+            <a:avLst/>
+          </a:prstGeom>
+          <a:noFill/>
+        </p:spPr>
+        <p:txBody>
+          <a:bodyPr wrap="square" rtlCol="0" anchor="t">
+            <a:spAutoFit/>
+          </a:bodyPr>
+          <a:p>
+            <a:r>
+              <a:rPr lang="en-US" altLang="en-US"/>
+              <a:t>https://www.geeksforgeeks.org/ai-ml-ds-projects/?ref=lbp</a:t>
+            </a:r>
+            <a:endParaRPr lang="en-US"/>
+          </a:p>
+        </p:txBody>
+      </p:sp>
+    </p:spTree>
+  </p:cSld>
+  <p:clrMapOvr>
+    <a:masterClrMapping/>
+  </p:clrMapOvr>
+</p:sld>
+</file>
+
+<file path=ppt/slides/slide12.xml><?xml version="1.0" encoding="utf-8"?>
+<p:sld xmlns:a="http://schemas.openxmlformats.org/drawingml/2006/main" xmlns:r="http://schemas.openxmlformats.org/officeDocument/2006/relationships" xmlns:p="http://schemas.openxmlformats.org/presentationml/2006/main">
+  <p:cSld>
+    <p:spTree>
+      <p:nvGrpSpPr>
+        <p:cNvPr id="1" name=""/>
+        <p:cNvGrpSpPr/>
+        <p:nvPr/>
+      </p:nvGrpSpPr>
+      <p:grpSpPr/>
+      <p:sp>
+        <p:nvSpPr>
+          <p:cNvPr id="2" name="Text Box 1"/>
+          <p:cNvSpPr txBox="1"/>
+          <p:nvPr/>
+        </p:nvSpPr>
+        <p:spPr>
+          <a:xfrm>
+            <a:off x="3048000" y="3106420"/>
+            <a:ext cx="6096000" cy="3138170"/>
+          </a:xfrm>
+          <a:prstGeom prst="rect">
+            <a:avLst/>
+          </a:prstGeom>
+          <a:noFill/>
+        </p:spPr>
+        <p:txBody>
+          <a:bodyPr wrap="square" rtlCol="0" anchor="t">
+            <a:spAutoFit/>
+          </a:bodyPr>
+          <a:p>
+            <a:r>
+              <a:rPr lang="en-US" altLang="en-US"/>
+              <a:t>https://www.kaggle.com/code/ashishpatel26/beginner-to-intermediate-nlp-tutorial</a:t>
+            </a:r>
+            <a:endParaRPr lang="en-US" altLang="en-US"/>
+          </a:p>
+          <a:p>
+            <a:endParaRPr lang="en-US"/>
+          </a:p>
+          <a:p>
+            <a:r>
+              <a:rPr lang="en-US" altLang="en-US"/>
+              <a:t>https://www.deeplearning.ai/resources/natural-language-processing/</a:t>
+            </a:r>
+            <a:endParaRPr lang="en-US" altLang="en-US"/>
+          </a:p>
+          <a:p>
+            <a:r>
+              <a:rPr lang="en-US" altLang="en-US"/>
+              <a:t>https://www.analyticsvidhya.com/blog/2022/01/nlp-tutorials-part-i-from-basics-to-advance/</a:t>
+            </a:r>
+            <a:endParaRPr lang="en-US" altLang="en-US"/>
+          </a:p>
+          <a:p>
+            <a:endParaRPr lang="en-US" altLang="en-US"/>
+          </a:p>
+          <a:p>
+            <a:r>
+              <a:rPr lang="en-US" altLang="en-US"/>
+              <a:t>https://huggingface.co/learn/nlp-course/en/chapter1/1</a:t>
+            </a:r>
+            <a:endParaRPr lang="en-US" altLang="en-US"/>
+          </a:p>
+          <a:p>
+            <a:endParaRPr lang="en-US" altLang="en-US"/>
+          </a:p>
+          <a:p>
+            <a:r>
+              <a:rPr lang="en-US" altLang="en-US"/>
+              <a:t>https://github.com/graykode/nlp-tutorial</a:t>
+            </a:r>
+            <a:endParaRPr lang="en-US" altLang="en-US"/>
+          </a:p>
+        </p:txBody>
+      </p:sp>
     </p:spTree>
   </p:cSld>
   <p:clrMapOvr>
@@ -3656,22 +4135,22 @@
       <p:grpSpPr/>
       <p:sp>
         <p:nvSpPr>
-          <p:cNvPr id="3" name="Text Box 2"/>
+          <p:cNvPr id="4" name="Text Box 3"/>
           <p:cNvSpPr txBox="1"/>
           <p:nvPr/>
         </p:nvSpPr>
         <p:spPr>
           <a:xfrm>
-            <a:off x="240030" y="106045"/>
-            <a:ext cx="5069840" cy="2509520"/>
+            <a:off x="514350" y="407670"/>
+            <a:ext cx="5080000" cy="2616200"/>
           </a:xfrm>
           <a:prstGeom prst="rect">
             <a:avLst/>
           </a:prstGeom>
         </p:spPr>
         <p:txBody>
-          <a:bodyPr wrap="square">
-            <a:spAutoFit/>
+          <a:bodyPr>
+            <a:noAutofit/>
           </a:bodyPr>
           <a:p>
             <a:pPr marL="0" indent="0">
@@ -3683,24 +4162,14 @@
               </a:spcAft>
             </a:pPr>
             <a:r>
-              <a:rPr lang="en-US" sz="2500" b="0" i="0">
+              <a:rPr sz="2500" b="0" i="0">
                 <a:solidFill>
                   <a:srgbClr val="333333"/>
                 </a:solidFill>
                 <a:latin typeface="Tomorrow"/>
                 <a:ea typeface="Tomorrow"/>
               </a:rPr>
-              <a:t>I</a:t>
-            </a:r>
-            <a:r>
-              <a:rPr sz="2500" b="0" i="0">
-                <a:solidFill>
-                  <a:srgbClr val="333333"/>
-                </a:solidFill>
-                <a:latin typeface="Tomorrow"/>
-                <a:ea typeface="Tomorrow"/>
-              </a:rPr>
-              <a:t>ntroduction to NLP  </a:t>
+              <a:t>Text Preprocessing  </a:t>
             </a:r>
             <a:endParaRPr sz="2500" b="0" i="0">
               <a:solidFill>
@@ -3727,7 +4196,7 @@
                 <a:latin typeface="Tomorrow"/>
                 <a:ea typeface="Tomorrow"/>
               </a:rPr>
-              <a:t>What is Natural Language Processing</a:t>
+              <a:t>Tokenization</a:t>
             </a:r>
             <a:endParaRPr sz="1600" b="0" i="0">
               <a:solidFill>
@@ -3754,7 +4223,7 @@
                 <a:latin typeface="Tomorrow"/>
                 <a:ea typeface="Tomorrow"/>
               </a:rPr>
-              <a:t>Uses of NLP</a:t>
+              <a:t>Non Alphabets Removal</a:t>
             </a:r>
             <a:endParaRPr sz="1600" b="0" i="0">
               <a:solidFill>
@@ -3781,7 +4250,7 @@
                 <a:latin typeface="Tomorrow"/>
                 <a:ea typeface="Tomorrow"/>
               </a:rPr>
-              <a:t>Application of NLP</a:t>
+              <a:t>Stopwords Removal</a:t>
             </a:r>
             <a:endParaRPr sz="1600" b="0" i="0">
               <a:solidFill>
@@ -3808,7 +4277,7 @@
                 <a:latin typeface="Tomorrow"/>
                 <a:ea typeface="Tomorrow"/>
               </a:rPr>
-              <a:t>Components of NLP</a:t>
+              <a:t>Bag of Words</a:t>
             </a:r>
             <a:endParaRPr sz="1600" b="0" i="0">
               <a:solidFill>
@@ -3835,7 +4304,7 @@
                 <a:latin typeface="Tomorrow"/>
                 <a:ea typeface="Tomorrow"/>
               </a:rPr>
-              <a:t>Stages of NLP</a:t>
+              <a:t>Stemming &amp; Lemmatization</a:t>
             </a:r>
             <a:endParaRPr sz="1600" b="0" i="0">
               <a:solidFill>
@@ -3855,15 +4324,14 @@
               </a:spcAft>
             </a:pPr>
             <a:r>
-              <a:rPr sz="1600">
+              <a:rPr sz="1600" b="0" i="0">
                 <a:solidFill>
                   <a:srgbClr val="333333"/>
                 </a:solidFill>
                 <a:latin typeface="Tomorrow"/>
                 <a:ea typeface="Tomorrow"/>
-                <a:sym typeface="+mn-ea"/>
               </a:rPr>
-              <a:t>Machine Translation</a:t>
+              <a:t>Part of Speech Taging</a:t>
             </a:r>
             <a:endParaRPr sz="1600" b="0" i="0">
               <a:solidFill>
@@ -3883,15 +4351,14 @@
               </a:spcAft>
             </a:pPr>
             <a:r>
-              <a:rPr sz="1600">
+              <a:rPr sz="1600" b="0" i="0">
                 <a:solidFill>
                   <a:srgbClr val="333333"/>
                 </a:solidFill>
                 <a:latin typeface="Tomorrow"/>
                 <a:ea typeface="Tomorrow"/>
-                <a:sym typeface="+mn-ea"/>
               </a:rPr>
-              <a:t>Introduction to LLM</a:t>
+              <a:t>Name Entity Recognition</a:t>
             </a:r>
             <a:endParaRPr sz="1600" b="0" i="0">
               <a:solidFill>
@@ -3902,7 +4369,7 @@
             </a:endParaRPr>
           </a:p>
           <a:p>
-            <a:pPr marL="0" indent="0">
+            <a:pPr marL="457200" lvl="1" indent="0">
               <a:spcBef>
                 <a:spcPct val="0"/>
               </a:spcBef>
@@ -3910,6 +4377,16 @@
                 <a:spcPct val="0"/>
               </a:spcAft>
             </a:pPr>
+            <a:r>
+              <a:rPr sz="1600" b="0" i="0">
+                <a:solidFill>
+                  <a:srgbClr val="333333"/>
+                </a:solidFill>
+                <a:latin typeface="Tomorrow"/>
+                <a:ea typeface="Tomorrow"/>
+              </a:rPr>
+              <a:t>Text Visualization</a:t>
+            </a:r>
             <a:endParaRPr sz="1600" b="0" i="0">
               <a:solidFill>
                 <a:srgbClr val="333333"/>
@@ -3918,72 +4395,24 @@
               <a:ea typeface="Tomorrow"/>
             </a:endParaRPr>
           </a:p>
-        </p:txBody>
-      </p:sp>
-      <p:sp>
-        <p:nvSpPr>
-          <p:cNvPr id="4" name="Text Box 3"/>
-          <p:cNvSpPr txBox="1"/>
-          <p:nvPr/>
-        </p:nvSpPr>
-        <p:spPr>
-          <a:xfrm>
-            <a:off x="407035" y="2247265"/>
-            <a:ext cx="5080000" cy="2616200"/>
-          </a:xfrm>
-          <a:prstGeom prst="rect">
-            <a:avLst/>
-          </a:prstGeom>
-        </p:spPr>
-        <p:txBody>
-          <a:bodyPr>
-            <a:noAutofit/>
-          </a:bodyPr>
-          <a:p>
-            <a:pPr marL="0" indent="0">
+          <a:p>
+            <a:pPr marL="457200" lvl="1" indent="0">
               <a:spcBef>
-                <a:spcPts val="1000"/>
+                <a:spcPct val="0"/>
               </a:spcBef>
               <a:spcAft>
-                <a:spcPts val="500"/>
-              </a:spcAft>
-            </a:pPr>
-            <a:r>
-              <a:rPr sz="2500" b="0" i="0">
+                <a:spcPct val="0"/>
+              </a:spcAft>
+            </a:pPr>
+            <a:r>
+              <a:rPr sz="1600" b="0" i="0">
                 <a:solidFill>
                   <a:srgbClr val="333333"/>
                 </a:solidFill>
                 <a:latin typeface="Tomorrow"/>
                 <a:ea typeface="Tomorrow"/>
               </a:rPr>
-              <a:t>Text Preprocessing  </a:t>
-            </a:r>
-            <a:endParaRPr sz="2500" b="0" i="0">
-              <a:solidFill>
-                <a:srgbClr val="333333"/>
-              </a:solidFill>
-              <a:latin typeface="Tomorrow"/>
-              <a:ea typeface="Tomorrow"/>
-            </a:endParaRPr>
-          </a:p>
-          <a:p>
-            <a:pPr marL="457200" lvl="1" indent="0">
-              <a:spcBef>
-                <a:spcPct val="0"/>
-              </a:spcBef>
-              <a:spcAft>
-                <a:spcPct val="0"/>
-              </a:spcAft>
-            </a:pPr>
-            <a:r>
-              <a:rPr sz="1600" b="0" i="0">
-                <a:solidFill>
-                  <a:srgbClr val="333333"/>
-                </a:solidFill>
-                <a:latin typeface="Tomorrow"/>
-                <a:ea typeface="Tomorrow"/>
-              </a:rPr>
-              <a:t>Tokenization</a:t>
+              <a:t>Assignment</a:t>
             </a:r>
             <a:endParaRPr sz="1600" b="0" i="0">
               <a:solidFill>
@@ -3993,222 +4422,6 @@
               <a:ea typeface="Tomorrow"/>
             </a:endParaRPr>
           </a:p>
-          <a:p>
-            <a:pPr marL="457200" lvl="1" indent="0">
-              <a:spcBef>
-                <a:spcPct val="0"/>
-              </a:spcBef>
-              <a:spcAft>
-                <a:spcPct val="0"/>
-              </a:spcAft>
-            </a:pPr>
-            <a:r>
-              <a:rPr sz="1600" b="0" i="0">
-                <a:solidFill>
-                  <a:srgbClr val="333333"/>
-                </a:solidFill>
-                <a:latin typeface="Tomorrow"/>
-                <a:ea typeface="Tomorrow"/>
-              </a:rPr>
-              <a:t>Non Alphabets Removal</a:t>
-            </a:r>
-            <a:endParaRPr sz="1600" b="0" i="0">
-              <a:solidFill>
-                <a:srgbClr val="333333"/>
-              </a:solidFill>
-              <a:latin typeface="Tomorrow"/>
-              <a:ea typeface="Tomorrow"/>
-            </a:endParaRPr>
-          </a:p>
-          <a:p>
-            <a:pPr marL="457200" lvl="1" indent="0">
-              <a:spcBef>
-                <a:spcPct val="0"/>
-              </a:spcBef>
-              <a:spcAft>
-                <a:spcPct val="0"/>
-              </a:spcAft>
-            </a:pPr>
-            <a:r>
-              <a:rPr sz="1600" b="0" i="0">
-                <a:solidFill>
-                  <a:srgbClr val="333333"/>
-                </a:solidFill>
-                <a:latin typeface="Tomorrow"/>
-                <a:ea typeface="Tomorrow"/>
-              </a:rPr>
-              <a:t>Stopwords Removal</a:t>
-            </a:r>
-            <a:endParaRPr sz="1600" b="0" i="0">
-              <a:solidFill>
-                <a:srgbClr val="333333"/>
-              </a:solidFill>
-              <a:latin typeface="Tomorrow"/>
-              <a:ea typeface="Tomorrow"/>
-            </a:endParaRPr>
-          </a:p>
-          <a:p>
-            <a:pPr marL="457200" lvl="1" indent="0">
-              <a:spcBef>
-                <a:spcPct val="0"/>
-              </a:spcBef>
-              <a:spcAft>
-                <a:spcPct val="0"/>
-              </a:spcAft>
-            </a:pPr>
-            <a:r>
-              <a:rPr sz="1600" b="0" i="0">
-                <a:solidFill>
-                  <a:srgbClr val="333333"/>
-                </a:solidFill>
-                <a:latin typeface="Tomorrow"/>
-                <a:ea typeface="Tomorrow"/>
-              </a:rPr>
-              <a:t>Bag of Words</a:t>
-            </a:r>
-            <a:endParaRPr sz="1600" b="0" i="0">
-              <a:solidFill>
-                <a:srgbClr val="333333"/>
-              </a:solidFill>
-              <a:latin typeface="Tomorrow"/>
-              <a:ea typeface="Tomorrow"/>
-            </a:endParaRPr>
-          </a:p>
-          <a:p>
-            <a:pPr marL="457200" lvl="1" indent="0">
-              <a:spcBef>
-                <a:spcPct val="0"/>
-              </a:spcBef>
-              <a:spcAft>
-                <a:spcPct val="0"/>
-              </a:spcAft>
-            </a:pPr>
-            <a:r>
-              <a:rPr sz="1600" b="0" i="0">
-                <a:solidFill>
-                  <a:srgbClr val="333333"/>
-                </a:solidFill>
-                <a:latin typeface="Tomorrow"/>
-                <a:ea typeface="Tomorrow"/>
-              </a:rPr>
-              <a:t>Stemming &amp; Lemmatization</a:t>
-            </a:r>
-            <a:endParaRPr sz="1600" b="0" i="0">
-              <a:solidFill>
-                <a:srgbClr val="333333"/>
-              </a:solidFill>
-              <a:latin typeface="Tomorrow"/>
-              <a:ea typeface="Tomorrow"/>
-            </a:endParaRPr>
-          </a:p>
-          <a:p>
-            <a:pPr marL="457200" lvl="1" indent="0">
-              <a:spcBef>
-                <a:spcPct val="0"/>
-              </a:spcBef>
-              <a:spcAft>
-                <a:spcPct val="0"/>
-              </a:spcAft>
-            </a:pPr>
-            <a:r>
-              <a:rPr sz="1600" b="0" i="0">
-                <a:solidFill>
-                  <a:srgbClr val="333333"/>
-                </a:solidFill>
-                <a:latin typeface="Tomorrow"/>
-                <a:ea typeface="Tomorrow"/>
-              </a:rPr>
-              <a:t>Part of Speech Taging</a:t>
-            </a:r>
-            <a:endParaRPr sz="1600" b="0" i="0">
-              <a:solidFill>
-                <a:srgbClr val="333333"/>
-              </a:solidFill>
-              <a:latin typeface="Tomorrow"/>
-              <a:ea typeface="Tomorrow"/>
-            </a:endParaRPr>
-          </a:p>
-          <a:p>
-            <a:pPr marL="457200" lvl="1" indent="0">
-              <a:spcBef>
-                <a:spcPct val="0"/>
-              </a:spcBef>
-              <a:spcAft>
-                <a:spcPct val="0"/>
-              </a:spcAft>
-            </a:pPr>
-            <a:r>
-              <a:rPr sz="1600" b="0" i="0">
-                <a:solidFill>
-                  <a:srgbClr val="333333"/>
-                </a:solidFill>
-                <a:latin typeface="Tomorrow"/>
-                <a:ea typeface="Tomorrow"/>
-              </a:rPr>
-              <a:t>Name Entity Recognition</a:t>
-            </a:r>
-            <a:endParaRPr sz="1600" b="0" i="0">
-              <a:solidFill>
-                <a:srgbClr val="333333"/>
-              </a:solidFill>
-              <a:latin typeface="Tomorrow"/>
-              <a:ea typeface="Tomorrow"/>
-            </a:endParaRPr>
-          </a:p>
-          <a:p>
-            <a:pPr marL="457200" lvl="1" indent="0">
-              <a:spcBef>
-                <a:spcPct val="0"/>
-              </a:spcBef>
-              <a:spcAft>
-                <a:spcPct val="0"/>
-              </a:spcAft>
-            </a:pPr>
-            <a:r>
-              <a:rPr sz="1600" b="0" i="0">
-                <a:solidFill>
-                  <a:srgbClr val="333333"/>
-                </a:solidFill>
-                <a:latin typeface="Tomorrow"/>
-                <a:ea typeface="Tomorrow"/>
-              </a:rPr>
-              <a:t>Text Visualization</a:t>
-            </a:r>
-            <a:endParaRPr sz="1600" b="0" i="0">
-              <a:solidFill>
-                <a:srgbClr val="333333"/>
-              </a:solidFill>
-              <a:latin typeface="Tomorrow"/>
-              <a:ea typeface="Tomorrow"/>
-            </a:endParaRPr>
-          </a:p>
-          <a:p>
-            <a:pPr marL="457200" lvl="1" indent="0">
-              <a:spcBef>
-                <a:spcPct val="0"/>
-              </a:spcBef>
-              <a:spcAft>
-                <a:spcPct val="0"/>
-              </a:spcAft>
-            </a:pPr>
-            <a:r>
-              <a:rPr sz="1600" b="0" i="0">
-                <a:solidFill>
-                  <a:srgbClr val="333333"/>
-                </a:solidFill>
-                <a:latin typeface="Tomorrow"/>
-                <a:ea typeface="Tomorrow"/>
-              </a:rPr>
-              <a:t>Assignment</a:t>
-            </a:r>
-            <a:endParaRPr sz="1600" b="0" i="0">
-              <a:solidFill>
-                <a:srgbClr val="333333"/>
-              </a:solidFill>
-              <a:latin typeface="Tomorrow"/>
-              <a:ea typeface="Tomorrow"/>
-            </a:endParaRPr>
-          </a:p>
         </p:txBody>
       </p:sp>
       <p:sp>
@@ -4219,7 +4432,7 @@
         </p:nvSpPr>
         <p:spPr>
           <a:xfrm>
-            <a:off x="514350" y="4863465"/>
+            <a:off x="514350" y="3357880"/>
             <a:ext cx="4276090" cy="2017395"/>
           </a:xfrm>
           <a:prstGeom prst="rect">
@@ -6047,1022 +6260,6 @@
 </file>
 
 <file path=ppt/slides/slide4.xml><?xml version="1.0" encoding="utf-8"?>
-<p:sld xmlns:a="http://schemas.openxmlformats.org/drawingml/2006/main" xmlns:r="http://schemas.openxmlformats.org/officeDocument/2006/relationships" xmlns:p="http://schemas.openxmlformats.org/presentationml/2006/main">
-  <p:cSld>
-    <p:spTree>
-      <p:nvGrpSpPr>
-        <p:cNvPr id="1" name=""/>
-        <p:cNvGrpSpPr/>
-        <p:nvPr/>
-      </p:nvGrpSpPr>
-      <p:grpSpPr/>
-      <p:sp>
-        <p:nvSpPr>
-          <p:cNvPr id="2" name="Text Box 1"/>
-          <p:cNvSpPr txBox="1"/>
-          <p:nvPr/>
-        </p:nvSpPr>
-        <p:spPr>
-          <a:xfrm>
-            <a:off x="357505" y="435610"/>
-            <a:ext cx="9115425" cy="1568450"/>
-          </a:xfrm>
-          <a:prstGeom prst="rect">
-            <a:avLst/>
-          </a:prstGeom>
-        </p:spPr>
-        <p:txBody>
-          <a:bodyPr wrap="square">
-            <a:spAutoFit/>
-          </a:bodyPr>
-          <a:p>
-            <a:r>
-              <a:rPr sz="1600" b="1"/>
-              <a:t>Natural Language Processing (NLP) i</a:t>
-            </a:r>
-            <a:r>
-              <a:rPr sz="1600"/>
-              <a:t>s a subfield of Artificial Intelligence (AI) and Computational Linguistics that focuses on the interaction between computers and human (natural) languages. The goal is to enable machines to read, understand, interpret, and generate human language in a valuable way.</a:t>
-            </a:r>
-            <a:endParaRPr sz="1600"/>
-          </a:p>
-          <a:p>
-            <a:r>
-              <a:rPr sz="1600"/>
-              <a:t>It combines computer science, linguistics, and machine learning to bridge the gap between human communication and digital data processing.</a:t>
-            </a:r>
-            <a:endParaRPr sz="1600"/>
-          </a:p>
-          <a:p>
-            <a:endParaRPr sz="1600"/>
-          </a:p>
-        </p:txBody>
-      </p:sp>
-      <p:sp>
-        <p:nvSpPr>
-          <p:cNvPr id="3" name="Text Box 2"/>
-          <p:cNvSpPr txBox="1"/>
-          <p:nvPr/>
-        </p:nvSpPr>
-        <p:spPr>
-          <a:xfrm>
-            <a:off x="273685" y="1845627"/>
-            <a:ext cx="5080000" cy="4643755"/>
-          </a:xfrm>
-          <a:prstGeom prst="rect">
-            <a:avLst/>
-          </a:prstGeom>
-        </p:spPr>
-        <p:txBody>
-          <a:bodyPr>
-            <a:spAutoFit/>
-          </a:bodyPr>
-          <a:p>
-            <a:pPr>
-              <a:spcAft>
-                <a:spcPct val="60000"/>
-              </a:spcAft>
-            </a:pPr>
-            <a:r>
-              <a:rPr sz="2300" b="1"/>
-              <a:t>❓What is Natural Language Processing?</a:t>
-            </a:r>
-            <a:endParaRPr sz="2300" b="1"/>
-          </a:p>
-          <a:p>
-            <a:r>
-              <a:rPr sz="1600"/>
-              <a:t>NLP involves the development of algorithms and models that allow computers to process large amounts of natural language data. It includes:</a:t>
-            </a:r>
-            <a:endParaRPr sz="1600"/>
-          </a:p>
-          <a:p>
-            <a:endParaRPr sz="1600"/>
-          </a:p>
-          <a:p>
-            <a:pPr>
-              <a:buFont typeface="Arial" panose="020B0604020202020204"/>
-              <a:buChar char="•"/>
-            </a:pPr>
-            <a:r>
-              <a:rPr sz="1600"/>
-              <a:t>Understanding the structure and meaning of text</a:t>
-            </a:r>
-            <a:endParaRPr sz="1600"/>
-          </a:p>
-          <a:p>
-            <a:pPr>
-              <a:buFont typeface="Arial" panose="020B0604020202020204"/>
-              <a:buChar char="•"/>
-            </a:pPr>
-            <a:r>
-              <a:rPr sz="1600"/>
-              <a:t>Extracting useful information from unstructured text</a:t>
-            </a:r>
-            <a:endParaRPr sz="1600"/>
-          </a:p>
-          <a:p>
-            <a:pPr>
-              <a:buFont typeface="Arial" panose="020B0604020202020204"/>
-              <a:buChar char="•"/>
-            </a:pPr>
-            <a:r>
-              <a:rPr sz="1600"/>
-              <a:t>Converting text to a form that machines can understand and respond to</a:t>
-            </a:r>
-            <a:endParaRPr sz="1600"/>
-          </a:p>
-          <a:p>
-            <a:pPr>
-              <a:buFont typeface="Arial" panose="020B0604020202020204"/>
-              <a:buChar char="•"/>
-            </a:pPr>
-            <a:endParaRPr sz="1600"/>
-          </a:p>
-          <a:p>
-            <a:pPr indent="0">
-              <a:buFont typeface="Arial" panose="020B0604020202020204"/>
-              <a:buNone/>
-            </a:pPr>
-            <a:r>
-              <a:rPr lang="en-US" altLang="en-US" sz="1600" b="1"/>
-              <a:t>Example:</a:t>
-            </a:r>
-            <a:endParaRPr lang="en-US" altLang="en-US" sz="1600" b="1"/>
-          </a:p>
-          <a:p>
-            <a:pPr indent="0">
-              <a:buFont typeface="Arial" panose="020B0604020202020204"/>
-              <a:buNone/>
-            </a:pPr>
-            <a:r>
-              <a:rPr lang="en-US" altLang="en-US" sz="1600"/>
-              <a:t>When you say "What's the weather like today?" to Alexa or Google Assistant, NLP helps the system:</a:t>
-            </a:r>
-            <a:endParaRPr lang="en-US" altLang="en-US" sz="1600"/>
-          </a:p>
-          <a:p>
-            <a:pPr indent="0">
-              <a:buFont typeface="Arial" panose="020B0604020202020204"/>
-              <a:buNone/>
-            </a:pPr>
-            <a:r>
-              <a:rPr lang="en-US" altLang="en-US" sz="1600"/>
-              <a:t>Interpret your question</a:t>
-            </a:r>
-            <a:endParaRPr lang="en-US" altLang="en-US" sz="1600"/>
-          </a:p>
-          <a:p>
-            <a:pPr indent="0">
-              <a:buFont typeface="Arial" panose="020B0604020202020204"/>
-              <a:buNone/>
-            </a:pPr>
-            <a:r>
-              <a:rPr lang="en-US" altLang="en-US" sz="1600"/>
-              <a:t>Extract the intent (get weather info)</a:t>
-            </a:r>
-            <a:endParaRPr lang="en-US" altLang="en-US" sz="1600"/>
-          </a:p>
-          <a:p>
-            <a:pPr indent="0">
-              <a:buFont typeface="Arial" panose="020B0604020202020204"/>
-              <a:buNone/>
-            </a:pPr>
-            <a:r>
-              <a:rPr lang="en-US" altLang="en-US" sz="1600"/>
-              <a:t>Search the weather</a:t>
-            </a:r>
-            <a:endParaRPr lang="en-US" altLang="en-US" sz="1600"/>
-          </a:p>
-          <a:p>
-            <a:pPr indent="0">
-              <a:buFont typeface="Arial" panose="020B0604020202020204"/>
-              <a:buNone/>
-            </a:pPr>
-            <a:r>
-              <a:rPr lang="en-US" altLang="en-US" sz="1600"/>
-              <a:t>Respond in natural language</a:t>
-            </a:r>
-            <a:endParaRPr lang="en-US" altLang="en-US" sz="1600"/>
-          </a:p>
-        </p:txBody>
-      </p:sp>
-    </p:spTree>
-  </p:cSld>
-  <p:clrMapOvr>
-    <a:masterClrMapping/>
-  </p:clrMapOvr>
-</p:sld>
-</file>
-
-<file path=ppt/slides/slide5.xml><?xml version="1.0" encoding="utf-8"?>
-<p:sld xmlns:a="http://schemas.openxmlformats.org/drawingml/2006/main" xmlns:r="http://schemas.openxmlformats.org/officeDocument/2006/relationships" xmlns:p="http://schemas.openxmlformats.org/presentationml/2006/main">
-  <p:cSld>
-    <p:spTree>
-      <p:nvGrpSpPr>
-        <p:cNvPr id="1" name=""/>
-        <p:cNvGrpSpPr/>
-        <p:nvPr/>
-      </p:nvGrpSpPr>
-      <p:grpSpPr/>
-      <p:sp>
-        <p:nvSpPr>
-          <p:cNvPr id="2" name="Text Box 1"/>
-          <p:cNvSpPr txBox="1"/>
-          <p:nvPr/>
-        </p:nvSpPr>
-        <p:spPr>
-          <a:xfrm>
-            <a:off x="240665" y="83185"/>
-            <a:ext cx="5080000" cy="1196340"/>
-          </a:xfrm>
-          <a:prstGeom prst="rect">
-            <a:avLst/>
-          </a:prstGeom>
-        </p:spPr>
-        <p:txBody>
-          <a:bodyPr>
-            <a:spAutoFit/>
-          </a:bodyPr>
-          <a:p>
-            <a:pPr>
-              <a:spcAft>
-                <a:spcPct val="60000"/>
-              </a:spcAft>
-            </a:pPr>
-            <a:r>
-              <a:rPr sz="2300" b="1"/>
-              <a:t>🎯 Uses of NLP</a:t>
-            </a:r>
-            <a:endParaRPr sz="2300" b="1"/>
-          </a:p>
-          <a:p>
-            <a:r>
-              <a:rPr sz="1600"/>
-              <a:t>NLP is used in many areas across industries. Some common uses include:</a:t>
-            </a:r>
-            <a:endParaRPr sz="1600"/>
-          </a:p>
-        </p:txBody>
-      </p:sp>
-      <p:graphicFrame>
-        <p:nvGraphicFramePr>
-          <p:cNvPr id="3" name="Table 2"/>
-          <p:cNvGraphicFramePr/>
-          <p:nvPr/>
-        </p:nvGraphicFramePr>
-        <p:xfrm>
-          <a:off x="240665" y="1279525"/>
-          <a:ext cx="10485120" cy="0"/>
-        </p:xfrm>
-        <a:graphic>
-          <a:graphicData uri="http://schemas.openxmlformats.org/drawingml/2006/table">
-            <a:tbl>
-              <a:tblPr/>
-              <a:tblGrid>
-                <a:gridCol w="5242560"/>
-                <a:gridCol w="5242560"/>
-              </a:tblGrid>
-              <a:tr h="0">
-                <a:tc>
-                  <a:txBody>
-                    <a:bodyPr/>
-                    <a:p>
-                      <a:r>
-                        <a:rPr sz="2400"/>
-                        <a:t>Use Case</a:t>
-                      </a:r>
-                      <a:endParaRPr sz="2400"/>
-                    </a:p>
-                  </a:txBody>
-                  <a:tcPr marL="0" marR="0" marT="0" marB="0" anchor="ctr" anchorCtr="0">
-                    <a:lnL>
-                      <a:noFill/>
-                    </a:lnL>
-                    <a:lnR>
-                      <a:noFill/>
-                    </a:lnR>
-                    <a:lnT>
-                      <a:noFill/>
-                    </a:lnT>
-                    <a:lnB>
-                      <a:noFill/>
-                    </a:lnB>
-                    <a:noFill/>
-                  </a:tcPr>
-                </a:tc>
-                <a:tc>
-                  <a:txBody>
-                    <a:bodyPr/>
-                    <a:p>
-                      <a:r>
-                        <a:rPr sz="2400"/>
-                        <a:t>Description</a:t>
-                      </a:r>
-                      <a:endParaRPr sz="2400"/>
-                    </a:p>
-                  </a:txBody>
-                  <a:tcPr marL="0" marR="0" marT="0" marB="0" anchor="ctr" anchorCtr="0">
-                    <a:lnL>
-                      <a:noFill/>
-                    </a:lnL>
-                    <a:lnR>
-                      <a:noFill/>
-                    </a:lnR>
-                    <a:lnT>
-                      <a:noFill/>
-                    </a:lnT>
-                    <a:lnB>
-                      <a:noFill/>
-                    </a:lnB>
-                    <a:noFill/>
-                  </a:tcPr>
-                </a:tc>
-              </a:tr>
-              <a:tr h="0">
-                <a:tc>
-                  <a:txBody>
-                    <a:bodyPr/>
-                    <a:p>
-                      <a:r>
-                        <a:rPr sz="2400"/>
-                        <a:t>Chatbots &amp; Virtual Assistants</a:t>
-                      </a:r>
-                      <a:endParaRPr sz="2400"/>
-                    </a:p>
-                  </a:txBody>
-                  <a:tcPr marL="0" marR="0" marT="0" marB="0" anchor="ctr" anchorCtr="0">
-                    <a:lnL>
-                      <a:noFill/>
-                    </a:lnL>
-                    <a:lnR>
-                      <a:noFill/>
-                    </a:lnR>
-                    <a:lnT>
-                      <a:noFill/>
-                    </a:lnT>
-                    <a:lnB>
-                      <a:noFill/>
-                    </a:lnB>
-                    <a:noFill/>
-                  </a:tcPr>
-                </a:tc>
-                <a:tc>
-                  <a:txBody>
-                    <a:bodyPr/>
-                    <a:p>
-                      <a:r>
-                        <a:rPr sz="2400"/>
-                        <a:t>Siri, Alexa, ChatGPT</a:t>
-                      </a:r>
-                      <a:endParaRPr sz="2400"/>
-                    </a:p>
-                  </a:txBody>
-                  <a:tcPr marL="0" marR="0" marT="0" marB="0" anchor="ctr" anchorCtr="0">
-                    <a:lnL>
-                      <a:noFill/>
-                    </a:lnL>
-                    <a:lnR>
-                      <a:noFill/>
-                    </a:lnR>
-                    <a:lnT>
-                      <a:noFill/>
-                    </a:lnT>
-                    <a:lnB>
-                      <a:noFill/>
-                    </a:lnB>
-                    <a:noFill/>
-                  </a:tcPr>
-                </a:tc>
-              </a:tr>
-              <a:tr h="0">
-                <a:tc>
-                  <a:txBody>
-                    <a:bodyPr/>
-                    <a:p>
-                      <a:r>
-                        <a:rPr sz="2400"/>
-                        <a:t>Translation Services</a:t>
-                      </a:r>
-                      <a:endParaRPr sz="2400"/>
-                    </a:p>
-                  </a:txBody>
-                  <a:tcPr marL="0" marR="0" marT="0" marB="0" anchor="ctr" anchorCtr="0">
-                    <a:lnL>
-                      <a:noFill/>
-                    </a:lnL>
-                    <a:lnR>
-                      <a:noFill/>
-                    </a:lnR>
-                    <a:lnT>
-                      <a:noFill/>
-                    </a:lnT>
-                    <a:lnB>
-                      <a:noFill/>
-                    </a:lnB>
-                    <a:noFill/>
-                  </a:tcPr>
-                </a:tc>
-                <a:tc>
-                  <a:txBody>
-                    <a:bodyPr/>
-                    <a:p>
-                      <a:r>
-                        <a:rPr sz="2400"/>
-                        <a:t>Google Translate</a:t>
-                      </a:r>
-                      <a:endParaRPr sz="2400"/>
-                    </a:p>
-                  </a:txBody>
-                  <a:tcPr marL="0" marR="0" marT="0" marB="0" anchor="ctr" anchorCtr="0">
-                    <a:lnL>
-                      <a:noFill/>
-                    </a:lnL>
-                    <a:lnR>
-                      <a:noFill/>
-                    </a:lnR>
-                    <a:lnT>
-                      <a:noFill/>
-                    </a:lnT>
-                    <a:lnB>
-                      <a:noFill/>
-                    </a:lnB>
-                    <a:noFill/>
-                  </a:tcPr>
-                </a:tc>
-              </a:tr>
-              <a:tr h="0">
-                <a:tc>
-                  <a:txBody>
-                    <a:bodyPr/>
-                    <a:p>
-                      <a:r>
-                        <a:rPr sz="2400"/>
-                        <a:t>Search Engines</a:t>
-                      </a:r>
-                      <a:endParaRPr sz="2400"/>
-                    </a:p>
-                  </a:txBody>
-                  <a:tcPr marL="0" marR="0" marT="0" marB="0" anchor="ctr" anchorCtr="0">
-                    <a:lnL>
-                      <a:noFill/>
-                    </a:lnL>
-                    <a:lnR>
-                      <a:noFill/>
-                    </a:lnR>
-                    <a:lnT>
-                      <a:noFill/>
-                    </a:lnT>
-                    <a:lnB>
-                      <a:noFill/>
-                    </a:lnB>
-                    <a:noFill/>
-                  </a:tcPr>
-                </a:tc>
-                <a:tc>
-                  <a:txBody>
-                    <a:bodyPr/>
-                    <a:p>
-                      <a:r>
-                        <a:rPr sz="2400"/>
-                        <a:t>Query prediction, document retrieval</a:t>
-                      </a:r>
-                      <a:endParaRPr sz="2400"/>
-                    </a:p>
-                  </a:txBody>
-                  <a:tcPr marL="0" marR="0" marT="0" marB="0" anchor="ctr" anchorCtr="0">
-                    <a:lnL>
-                      <a:noFill/>
-                    </a:lnL>
-                    <a:lnR>
-                      <a:noFill/>
-                    </a:lnR>
-                    <a:lnT>
-                      <a:noFill/>
-                    </a:lnT>
-                    <a:lnB>
-                      <a:noFill/>
-                    </a:lnB>
-                    <a:noFill/>
-                  </a:tcPr>
-                </a:tc>
-              </a:tr>
-              <a:tr h="0">
-                <a:tc>
-                  <a:txBody>
-                    <a:bodyPr/>
-                    <a:p>
-                      <a:r>
-                        <a:rPr sz="2400"/>
-                        <a:t>Email Filters</a:t>
-                      </a:r>
-                      <a:endParaRPr sz="2400"/>
-                    </a:p>
-                  </a:txBody>
-                  <a:tcPr marL="0" marR="0" marT="0" marB="0" anchor="ctr" anchorCtr="0">
-                    <a:lnL>
-                      <a:noFill/>
-                    </a:lnL>
-                    <a:lnR>
-                      <a:noFill/>
-                    </a:lnR>
-                    <a:lnT>
-                      <a:noFill/>
-                    </a:lnT>
-                    <a:lnB>
-                      <a:noFill/>
-                    </a:lnB>
-                    <a:noFill/>
-                  </a:tcPr>
-                </a:tc>
-                <a:tc>
-                  <a:txBody>
-                    <a:bodyPr/>
-                    <a:p>
-                      <a:r>
-                        <a:rPr sz="2400"/>
-                        <a:t>Spam detection</a:t>
-                      </a:r>
-                      <a:endParaRPr sz="2400"/>
-                    </a:p>
-                  </a:txBody>
-                  <a:tcPr marL="0" marR="0" marT="0" marB="0" anchor="ctr" anchorCtr="0">
-                    <a:lnL>
-                      <a:noFill/>
-                    </a:lnL>
-                    <a:lnR>
-                      <a:noFill/>
-                    </a:lnR>
-                    <a:lnT>
-                      <a:noFill/>
-                    </a:lnT>
-                    <a:lnB>
-                      <a:noFill/>
-                    </a:lnB>
-                    <a:noFill/>
-                  </a:tcPr>
-                </a:tc>
-              </a:tr>
-              <a:tr h="0">
-                <a:tc>
-                  <a:txBody>
-                    <a:bodyPr/>
-                    <a:p>
-                      <a:r>
-                        <a:rPr sz="2400"/>
-                        <a:t>Sentiment Analysis</a:t>
-                      </a:r>
-                      <a:endParaRPr sz="2400"/>
-                    </a:p>
-                  </a:txBody>
-                  <a:tcPr marL="0" marR="0" marT="0" marB="0" anchor="ctr" anchorCtr="0">
-                    <a:lnL>
-                      <a:noFill/>
-                    </a:lnL>
-                    <a:lnR>
-                      <a:noFill/>
-                    </a:lnR>
-                    <a:lnT>
-                      <a:noFill/>
-                    </a:lnT>
-                    <a:lnB>
-                      <a:noFill/>
-                    </a:lnB>
-                    <a:noFill/>
-                  </a:tcPr>
-                </a:tc>
-                <a:tc>
-                  <a:txBody>
-                    <a:bodyPr/>
-                    <a:p>
-                      <a:r>
-                        <a:rPr sz="2400"/>
-                        <a:t>Product review analysis</a:t>
-                      </a:r>
-                      <a:endParaRPr sz="2400"/>
-                    </a:p>
-                  </a:txBody>
-                  <a:tcPr marL="0" marR="0" marT="0" marB="0" anchor="ctr" anchorCtr="0">
-                    <a:lnL>
-                      <a:noFill/>
-                    </a:lnL>
-                    <a:lnR>
-                      <a:noFill/>
-                    </a:lnR>
-                    <a:lnT>
-                      <a:noFill/>
-                    </a:lnT>
-                    <a:lnB>
-                      <a:noFill/>
-                    </a:lnB>
-                    <a:noFill/>
-                  </a:tcPr>
-                </a:tc>
-              </a:tr>
-              <a:tr h="0">
-                <a:tc>
-                  <a:txBody>
-                    <a:bodyPr/>
-                    <a:p>
-                      <a:r>
-                        <a:rPr sz="2400"/>
-                        <a:t>Speech Recognition</a:t>
-                      </a:r>
-                      <a:endParaRPr sz="2400"/>
-                    </a:p>
-                  </a:txBody>
-                  <a:tcPr marL="0" marR="0" marT="0" marB="0" anchor="ctr" anchorCtr="0">
-                    <a:lnL>
-                      <a:noFill/>
-                    </a:lnL>
-                    <a:lnR>
-                      <a:noFill/>
-                    </a:lnR>
-                    <a:lnT>
-                      <a:noFill/>
-                    </a:lnT>
-                    <a:lnB>
-                      <a:noFill/>
-                    </a:lnB>
-                    <a:noFill/>
-                  </a:tcPr>
-                </a:tc>
-                <a:tc>
-                  <a:txBody>
-                    <a:bodyPr/>
-                    <a:p>
-                      <a:r>
-                        <a:rPr sz="2400"/>
-                        <a:t>Voice-to-text applications</a:t>
-                      </a:r>
-                      <a:endParaRPr sz="2400"/>
-                    </a:p>
-                  </a:txBody>
-                  <a:tcPr marL="0" marR="0" marT="0" marB="0" anchor="ctr" anchorCtr="0">
-                    <a:lnL>
-                      <a:noFill/>
-                    </a:lnL>
-                    <a:lnR>
-                      <a:noFill/>
-                    </a:lnR>
-                    <a:lnT>
-                      <a:noFill/>
-                    </a:lnT>
-                    <a:lnB>
-                      <a:noFill/>
-                    </a:lnB>
-                    <a:noFill/>
-                  </a:tcPr>
-                </a:tc>
-              </a:tr>
-              <a:tr h="0">
-                <a:tc>
-                  <a:txBody>
-                    <a:bodyPr/>
-                    <a:p>
-                      <a:r>
-                        <a:rPr sz="2400"/>
-                        <a:t>Text Summarization</a:t>
-                      </a:r>
-                      <a:endParaRPr sz="2400"/>
-                    </a:p>
-                  </a:txBody>
-                  <a:tcPr marL="0" marR="0" marT="0" marB="0" anchor="ctr" anchorCtr="0">
-                    <a:lnL>
-                      <a:noFill/>
-                    </a:lnL>
-                    <a:lnR>
-                      <a:noFill/>
-                    </a:lnR>
-                    <a:lnT>
-                      <a:noFill/>
-                    </a:lnT>
-                    <a:lnB>
-                      <a:noFill/>
-                    </a:lnB>
-                    <a:noFill/>
-                  </a:tcPr>
-                </a:tc>
-                <a:tc>
-                  <a:txBody>
-                    <a:bodyPr/>
-                    <a:p>
-                      <a:r>
-                        <a:rPr sz="2400"/>
-                        <a:t>News article summarization</a:t>
-                      </a:r>
-                      <a:endParaRPr sz="2400"/>
-                    </a:p>
-                  </a:txBody>
-                  <a:tcPr marL="0" marR="0" marT="0" marB="0" anchor="ctr" anchorCtr="0">
-                    <a:lnL>
-                      <a:noFill/>
-                    </a:lnL>
-                    <a:lnR>
-                      <a:noFill/>
-                    </a:lnR>
-                    <a:lnT>
-                      <a:noFill/>
-                    </a:lnT>
-                    <a:lnB>
-                      <a:noFill/>
-                    </a:lnB>
-                    <a:noFill/>
-                  </a:tcPr>
-                </a:tc>
-              </a:tr>
-              <a:tr h="0">
-                <a:tc>
-                  <a:txBody>
-                    <a:bodyPr/>
-                    <a:p>
-                      <a:r>
-                        <a:rPr sz="2400"/>
-                        <a:t>Text Classification</a:t>
-                      </a:r>
-                      <a:endParaRPr sz="2400"/>
-                    </a:p>
-                  </a:txBody>
-                  <a:tcPr marL="0" marR="0" marT="0" marB="0" anchor="ctr" anchorCtr="0">
-                    <a:lnL>
-                      <a:noFill/>
-                    </a:lnL>
-                    <a:lnR>
-                      <a:noFill/>
-                    </a:lnR>
-                    <a:lnT>
-                      <a:noFill/>
-                    </a:lnT>
-                    <a:lnB>
-                      <a:noFill/>
-                    </a:lnB>
-                    <a:noFill/>
-                  </a:tcPr>
-                </a:tc>
-                <a:tc>
-                  <a:txBody>
-                    <a:bodyPr/>
-                    <a:p>
-                      <a:r>
-                        <a:rPr sz="2400"/>
-                        <a:t>Categorizing news, emails, etc.</a:t>
-                      </a:r>
-                      <a:endParaRPr sz="2400"/>
-                    </a:p>
-                  </a:txBody>
-                  <a:tcPr marL="0" marR="0" marT="0" marB="0" anchor="ctr" anchorCtr="0">
-                    <a:lnL>
-                      <a:noFill/>
-                    </a:lnL>
-                    <a:lnR>
-                      <a:noFill/>
-                    </a:lnR>
-                    <a:lnT>
-                      <a:noFill/>
-                    </a:lnT>
-                    <a:lnB>
-                      <a:noFill/>
-                    </a:lnB>
-                    <a:noFill/>
-                  </a:tcPr>
-                </a:tc>
-              </a:tr>
-            </a:tbl>
-          </a:graphicData>
-        </a:graphic>
-      </p:graphicFrame>
-    </p:spTree>
-  </p:cSld>
-  <p:clrMapOvr>
-    <a:masterClrMapping/>
-  </p:clrMapOvr>
-</p:sld>
-</file>
-
-<file path=ppt/slides/slide6.xml><?xml version="1.0" encoding="utf-8"?>
-<p:sld xmlns:a="http://schemas.openxmlformats.org/drawingml/2006/main" xmlns:r="http://schemas.openxmlformats.org/officeDocument/2006/relationships" xmlns:p="http://schemas.openxmlformats.org/presentationml/2006/main">
-  <p:cSld>
-    <p:spTree>
-      <p:nvGrpSpPr>
-        <p:cNvPr id="1" name=""/>
-        <p:cNvGrpSpPr/>
-        <p:nvPr/>
-      </p:nvGrpSpPr>
-      <p:grpSpPr/>
-      <p:graphicFrame>
-        <p:nvGraphicFramePr>
-          <p:cNvPr id="2" name="Table 1"/>
-          <p:cNvGraphicFramePr/>
-          <p:nvPr/>
-        </p:nvGraphicFramePr>
-        <p:xfrm>
-          <a:off x="853440" y="-1291590"/>
-          <a:ext cx="10485120" cy="0"/>
-        </p:xfrm>
-        <a:graphic>
-          <a:graphicData uri="http://schemas.openxmlformats.org/drawingml/2006/table">
-            <a:tbl>
-              <a:tblPr/>
-              <a:tblGrid>
-                <a:gridCol w="10485120"/>
-              </a:tblGrid>
-              <a:tr h="0">
-                <a:tc>
-                  <a:txBody>
-                    <a:bodyPr/>
-                    <a:p>
-                      <a:r>
-                        <a:rPr sz="1100"/>
-                        <a:t>.</a:t>
-                      </a:r>
-                      <a:endParaRPr sz="1100"/>
-                    </a:p>
-                  </a:txBody>
-                  <a:tcPr marL="0" marR="0" marT="0" marB="0" anchor="ctr" anchorCtr="0">
-                    <a:lnL>
-                      <a:noFill/>
-                    </a:lnL>
-                    <a:lnR>
-                      <a:noFill/>
-                    </a:lnR>
-                    <a:lnT>
-                      <a:noFill/>
-                    </a:lnT>
-                    <a:lnB>
-                      <a:noFill/>
-                    </a:lnB>
-                    <a:noFill/>
-                  </a:tcPr>
-                </a:tc>
-              </a:tr>
-            </a:tbl>
-          </a:graphicData>
-        </a:graphic>
-      </p:graphicFrame>
-      <p:sp>
-        <p:nvSpPr>
-          <p:cNvPr id="3" name="Text Box 2"/>
-          <p:cNvSpPr txBox="1"/>
-          <p:nvPr/>
-        </p:nvSpPr>
-        <p:spPr>
-          <a:xfrm>
-            <a:off x="213360" y="0"/>
-            <a:ext cx="5080000" cy="6343015"/>
-          </a:xfrm>
-          <a:prstGeom prst="rect">
-            <a:avLst/>
-          </a:prstGeom>
-        </p:spPr>
-        <p:txBody>
-          <a:bodyPr>
-            <a:spAutoFit/>
-          </a:bodyPr>
-          <a:p>
-            <a:pPr>
-              <a:spcAft>
-                <a:spcPct val="60000"/>
-              </a:spcAft>
-            </a:pPr>
-            <a:r>
-              <a:rPr sz="2300" b="1"/>
-              <a:t>📱 Application of NLP</a:t>
-            </a:r>
-            <a:endParaRPr sz="2300" b="1"/>
-          </a:p>
-          <a:p>
-            <a:r>
-              <a:rPr sz="1600"/>
-              <a:t>Here are some real-world applications of NLP:</a:t>
-            </a:r>
-            <a:endParaRPr sz="1600"/>
-          </a:p>
-          <a:p>
-            <a:pPr>
-              <a:spcAft>
-                <a:spcPct val="60000"/>
-              </a:spcAft>
-            </a:pPr>
-            <a:r>
-              <a:rPr sz="2200" b="1"/>
-              <a:t>1. Customer Service</a:t>
-            </a:r>
-            <a:endParaRPr sz="2200" b="1"/>
-          </a:p>
-          <a:p>
-            <a:pPr>
-              <a:buFont typeface="Arial" panose="020B0604020202020204"/>
-              <a:buChar char="•"/>
-            </a:pPr>
-            <a:r>
-              <a:rPr sz="1600"/>
-              <a:t>Chatbots, voice assistants, and automated responses using NLP.</a:t>
-            </a:r>
-            <a:endParaRPr sz="1600"/>
-          </a:p>
-          <a:p>
-            <a:pPr>
-              <a:spcAft>
-                <a:spcPct val="60000"/>
-              </a:spcAft>
-            </a:pPr>
-            <a:r>
-              <a:rPr sz="2200" b="1"/>
-              <a:t>2. Healthcare</a:t>
-            </a:r>
-            <a:endParaRPr sz="2200" b="1"/>
-          </a:p>
-          <a:p>
-            <a:pPr>
-              <a:buFont typeface="Arial" panose="020B0604020202020204"/>
-              <a:buChar char="•"/>
-            </a:pPr>
-            <a:r>
-              <a:rPr sz="1600"/>
-              <a:t>Extracting information from patient records, identifying symptoms or diseases from doctor's notes.</a:t>
-            </a:r>
-            <a:endParaRPr sz="1600"/>
-          </a:p>
-          <a:p>
-            <a:pPr>
-              <a:spcAft>
-                <a:spcPct val="60000"/>
-              </a:spcAft>
-            </a:pPr>
-            <a:r>
-              <a:rPr sz="2200" b="1"/>
-              <a:t>3. Finance</a:t>
-            </a:r>
-            <a:endParaRPr sz="2200" b="1"/>
-          </a:p>
-          <a:p>
-            <a:pPr>
-              <a:buFont typeface="Arial" panose="020B0604020202020204"/>
-              <a:buChar char="•"/>
-            </a:pPr>
-            <a:r>
-              <a:rPr sz="1600"/>
-              <a:t>Sentiment analysis on stock news or social media to predict stock movements.</a:t>
-            </a:r>
-            <a:endParaRPr sz="1600"/>
-          </a:p>
-          <a:p>
-            <a:pPr>
-              <a:spcAft>
-                <a:spcPct val="60000"/>
-              </a:spcAft>
-            </a:pPr>
-            <a:r>
-              <a:rPr sz="2200" b="1"/>
-              <a:t>4. E-Commerce</a:t>
-            </a:r>
-            <a:endParaRPr sz="2200" b="1"/>
-          </a:p>
-          <a:p>
-            <a:pPr>
-              <a:buFont typeface="Arial" panose="020B0604020202020204"/>
-              <a:buChar char="•"/>
-            </a:pPr>
-            <a:r>
-              <a:rPr sz="1600"/>
-              <a:t>Product recommendations, review summarization, and customer query analysis.</a:t>
-            </a:r>
-            <a:endParaRPr sz="1600"/>
-          </a:p>
-          <a:p>
-            <a:pPr>
-              <a:spcAft>
-                <a:spcPct val="60000"/>
-              </a:spcAft>
-            </a:pPr>
-            <a:r>
-              <a:rPr sz="2200" b="1"/>
-              <a:t>5. Legal Industry</a:t>
-            </a:r>
-            <a:endParaRPr sz="2200" b="1"/>
-          </a:p>
-          <a:p>
-            <a:pPr>
-              <a:buFont typeface="Arial" panose="020B0604020202020204"/>
-              <a:buChar char="•"/>
-            </a:pPr>
-            <a:r>
-              <a:rPr sz="1600"/>
-              <a:t>Legal document analysis, contract review, legal research through NLP engines.</a:t>
-            </a:r>
-            <a:endParaRPr sz="1600"/>
-          </a:p>
-        </p:txBody>
-      </p:sp>
-    </p:spTree>
-  </p:cSld>
-  <p:clrMapOvr>
-    <a:masterClrMapping/>
-  </p:clrMapOvr>
-</p:sld>
-</file>
-
-<file path=ppt/slides/slide7.xml><?xml version="1.0" encoding="utf-8"?>
 <p:sld xmlns:a="http://schemas.openxmlformats.org/drawingml/2006/main" xmlns:r="http://schemas.openxmlformats.org/officeDocument/2006/relationships" xmlns:p="http://schemas.openxmlformats.org/presentationml/2006/main">
   <p:cSld>
     <p:spTree>
@@ -7478,6 +6675,775 @@
 </p:sld>
 </file>
 
+<file path=ppt/slides/slide5.xml><?xml version="1.0" encoding="utf-8"?>
+<p:sld xmlns:a="http://schemas.openxmlformats.org/drawingml/2006/main" xmlns:r="http://schemas.openxmlformats.org/officeDocument/2006/relationships" xmlns:p="http://schemas.openxmlformats.org/presentationml/2006/main">
+  <p:cSld>
+    <p:spTree>
+      <p:nvGrpSpPr>
+        <p:cNvPr id="1" name=""/>
+        <p:cNvGrpSpPr/>
+        <p:nvPr/>
+      </p:nvGrpSpPr>
+      <p:grpSpPr/>
+      <p:sp>
+        <p:nvSpPr>
+          <p:cNvPr id="2" name="Text Box 1"/>
+          <p:cNvSpPr txBox="1"/>
+          <p:nvPr/>
+        </p:nvSpPr>
+        <p:spPr>
+          <a:xfrm>
+            <a:off x="0" y="0"/>
+            <a:ext cx="5080000" cy="6495415"/>
+          </a:xfrm>
+          <a:prstGeom prst="rect">
+            <a:avLst/>
+          </a:prstGeom>
+        </p:spPr>
+        <p:txBody>
+          <a:bodyPr>
+            <a:spAutoFit/>
+          </a:bodyPr>
+          <a:p>
+            <a:pPr>
+              <a:spcAft>
+                <a:spcPct val="60000"/>
+              </a:spcAft>
+            </a:pPr>
+            <a:r>
+              <a:rPr sz="2300" b="1"/>
+              <a:t>🔄 Stages of NLP (Pipeline)</a:t>
+            </a:r>
+            <a:endParaRPr sz="2300" b="1"/>
+          </a:p>
+          <a:p>
+            <a:r>
+              <a:rPr sz="1600"/>
+              <a:t>The NLP pipeline generally consists of these stages:</a:t>
+            </a:r>
+            <a:endParaRPr sz="1600"/>
+          </a:p>
+          <a:p>
+            <a:pPr>
+              <a:spcAft>
+                <a:spcPct val="60000"/>
+              </a:spcAft>
+            </a:pPr>
+            <a:r>
+              <a:rPr sz="2200" b="1"/>
+              <a:t>1. Text Preprocessing</a:t>
+            </a:r>
+            <a:endParaRPr sz="2200" b="1"/>
+          </a:p>
+          <a:p>
+            <a:pPr>
+              <a:buFont typeface="Arial" panose="020B0604020202020204"/>
+              <a:buChar char="•"/>
+            </a:pPr>
+            <a:r>
+              <a:rPr sz="1600"/>
+              <a:t>Tokenization: Splitting text into words or sentences</a:t>
+            </a:r>
+            <a:endParaRPr sz="1600"/>
+          </a:p>
+          <a:p>
+            <a:pPr>
+              <a:buFont typeface="Arial" panose="020B0604020202020204"/>
+              <a:buChar char="•"/>
+            </a:pPr>
+            <a:r>
+              <a:rPr sz="1600"/>
+              <a:t>Stopword Removal: Removing common words (is, the, in) that don't add value</a:t>
+            </a:r>
+            <a:endParaRPr sz="1600"/>
+          </a:p>
+          <a:p>
+            <a:pPr>
+              <a:buFont typeface="Arial" panose="020B0604020202020204"/>
+              <a:buChar char="•"/>
+            </a:pPr>
+            <a:r>
+              <a:rPr sz="1600"/>
+              <a:t>Stemming/Lemmatization: Reducing words to their root form</a:t>
+            </a:r>
+            <a:endParaRPr sz="1600"/>
+          </a:p>
+          <a:p>
+            <a:pPr>
+              <a:buFont typeface="Arial" panose="020B0604020202020204"/>
+              <a:buChar char="•"/>
+            </a:pPr>
+            <a:r>
+              <a:rPr sz="1600"/>
+              <a:t>Lowercasing, Punctuation Removal, etc.</a:t>
+            </a:r>
+            <a:endParaRPr sz="1600"/>
+          </a:p>
+          <a:p>
+            <a:pPr>
+              <a:spcAft>
+                <a:spcPct val="60000"/>
+              </a:spcAft>
+            </a:pPr>
+            <a:r>
+              <a:rPr sz="2200" b="1"/>
+              <a:t>2. Text Representation</a:t>
+            </a:r>
+            <a:endParaRPr sz="2200" b="1"/>
+          </a:p>
+          <a:p>
+            <a:pPr>
+              <a:buFont typeface="Arial" panose="020B0604020202020204"/>
+              <a:buChar char="•"/>
+            </a:pPr>
+            <a:r>
+              <a:rPr sz="1600"/>
+              <a:t>Bag of Words (BoW)</a:t>
+            </a:r>
+            <a:endParaRPr sz="1600"/>
+          </a:p>
+          <a:p>
+            <a:pPr>
+              <a:buFont typeface="Arial" panose="020B0604020202020204"/>
+              <a:buChar char="•"/>
+            </a:pPr>
+            <a:r>
+              <a:rPr sz="1600"/>
+              <a:t>TF-IDF (Term Frequency-Inverse Document Frequency)</a:t>
+            </a:r>
+            <a:endParaRPr sz="1600"/>
+          </a:p>
+          <a:p>
+            <a:pPr>
+              <a:buFont typeface="Arial" panose="020B0604020202020204"/>
+              <a:buChar char="•"/>
+            </a:pPr>
+            <a:r>
+              <a:rPr sz="1600"/>
+              <a:t>Word Embeddings (Word2Vec, GloVe, BERT)</a:t>
+            </a:r>
+            <a:endParaRPr sz="1600"/>
+          </a:p>
+          <a:p>
+            <a:pPr>
+              <a:spcAft>
+                <a:spcPct val="60000"/>
+              </a:spcAft>
+            </a:pPr>
+            <a:r>
+              <a:rPr sz="2200" b="1"/>
+              <a:t>3. Parsing and Syntax Tree Generation</a:t>
+            </a:r>
+            <a:endParaRPr sz="2200" b="1"/>
+          </a:p>
+          <a:p>
+            <a:pPr>
+              <a:buFont typeface="Arial" panose="020B0604020202020204"/>
+              <a:buChar char="•"/>
+            </a:pPr>
+            <a:r>
+              <a:rPr sz="1600"/>
+              <a:t>Understanding structure using parse trees or dependency trees</a:t>
+            </a:r>
+            <a:endParaRPr sz="1600"/>
+          </a:p>
+          <a:p>
+            <a:pPr>
+              <a:spcAft>
+                <a:spcPct val="60000"/>
+              </a:spcAft>
+            </a:pPr>
+            <a:r>
+              <a:rPr sz="2200" b="1"/>
+              <a:t>4. Named Entity Recognition (NER)</a:t>
+            </a:r>
+            <a:endParaRPr sz="2200" b="1"/>
+          </a:p>
+          <a:p>
+            <a:pPr>
+              <a:buFont typeface="Arial" panose="020B0604020202020204"/>
+              <a:buChar char="•"/>
+            </a:pPr>
+            <a:r>
+              <a:rPr sz="1600"/>
+              <a:t>Identifying entities like people, places, organizations, etc.</a:t>
+            </a:r>
+            <a:endParaRPr sz="1600"/>
+          </a:p>
+          <a:p>
+            <a:pPr>
+              <a:spcAft>
+                <a:spcPct val="60000"/>
+              </a:spcAft>
+            </a:pPr>
+            <a:endParaRPr sz="1600"/>
+          </a:p>
+        </p:txBody>
+      </p:sp>
+      <p:sp>
+        <p:nvSpPr>
+          <p:cNvPr id="3" name="Text Box 2"/>
+          <p:cNvSpPr txBox="1"/>
+          <p:nvPr/>
+        </p:nvSpPr>
+        <p:spPr>
+          <a:xfrm>
+            <a:off x="5943600" y="276860"/>
+            <a:ext cx="6096000" cy="2247900"/>
+          </a:xfrm>
+          <a:prstGeom prst="rect">
+            <a:avLst/>
+          </a:prstGeom>
+          <a:noFill/>
+        </p:spPr>
+        <p:txBody>
+          <a:bodyPr wrap="square" rtlCol="0" anchor="t">
+            <a:spAutoFit/>
+          </a:bodyPr>
+          <a:p>
+            <a:pPr>
+              <a:spcAft>
+                <a:spcPct val="60000"/>
+              </a:spcAft>
+            </a:pPr>
+            <a:r>
+              <a:rPr sz="2200" b="1">
+                <a:sym typeface="+mn-ea"/>
+              </a:rPr>
+              <a:t>5. Sentiment Analysis / Text Classification</a:t>
+            </a:r>
+            <a:endParaRPr sz="2200" b="1"/>
+          </a:p>
+          <a:p>
+            <a:pPr>
+              <a:buFont typeface="Arial" panose="020B0604020202020204"/>
+              <a:buChar char="•"/>
+            </a:pPr>
+            <a:r>
+              <a:rPr sz="1600">
+                <a:sym typeface="+mn-ea"/>
+              </a:rPr>
+              <a:t>Analyzing sentiment (positive/negative/neutral) or classifying texts into predefined categories</a:t>
+            </a:r>
+            <a:endParaRPr sz="1600"/>
+          </a:p>
+          <a:p>
+            <a:pPr>
+              <a:spcAft>
+                <a:spcPct val="60000"/>
+              </a:spcAft>
+            </a:pPr>
+            <a:r>
+              <a:rPr sz="2200" b="1">
+                <a:sym typeface="+mn-ea"/>
+              </a:rPr>
+              <a:t>6. Machine Learning / Deep Learning Modeling</a:t>
+            </a:r>
+            <a:endParaRPr sz="2200" b="1"/>
+          </a:p>
+          <a:p>
+            <a:pPr>
+              <a:buFont typeface="Arial" panose="020B0604020202020204"/>
+              <a:buChar char="•"/>
+            </a:pPr>
+            <a:r>
+              <a:rPr sz="1600">
+                <a:sym typeface="+mn-ea"/>
+              </a:rPr>
+              <a:t>Building predictive models using algorithms like Naive Bayes, SVM, RNN, Transformers (e.g., BERT, GPT)</a:t>
+            </a:r>
+            <a:endParaRPr lang="en-US" sz="1600">
+              <a:sym typeface="+mn-ea"/>
+            </a:endParaRPr>
+          </a:p>
+        </p:txBody>
+      </p:sp>
+    </p:spTree>
+  </p:cSld>
+  <p:clrMapOvr>
+    <a:masterClrMapping/>
+  </p:clrMapOvr>
+</p:sld>
+</file>
+
+<file path=ppt/slides/slide6.xml><?xml version="1.0" encoding="utf-8"?>
+<p:sld xmlns:a="http://schemas.openxmlformats.org/drawingml/2006/main" xmlns:r="http://schemas.openxmlformats.org/officeDocument/2006/relationships" xmlns:p="http://schemas.openxmlformats.org/presentationml/2006/main">
+  <p:cSld>
+    <p:spTree>
+      <p:nvGrpSpPr>
+        <p:cNvPr id="1" name=""/>
+        <p:cNvGrpSpPr/>
+        <p:nvPr/>
+      </p:nvGrpSpPr>
+      <p:grpSpPr/>
+      <p:sp>
+        <p:nvSpPr>
+          <p:cNvPr id="2" name="Text Box 1"/>
+          <p:cNvSpPr txBox="1"/>
+          <p:nvPr/>
+        </p:nvSpPr>
+        <p:spPr>
+          <a:xfrm>
+            <a:off x="225425" y="247015"/>
+            <a:ext cx="6096000" cy="1198880"/>
+          </a:xfrm>
+          <a:prstGeom prst="rect">
+            <a:avLst/>
+          </a:prstGeom>
+          <a:noFill/>
+        </p:spPr>
+        <p:txBody>
+          <a:bodyPr wrap="square" rtlCol="0" anchor="t">
+            <a:spAutoFit/>
+          </a:bodyPr>
+          <a:p>
+            <a:r>
+              <a:rPr lang="en-US" altLang="en-US" b="1"/>
+              <a:t># Install necessary packages</a:t>
+            </a:r>
+            <a:endParaRPr lang="en-US" altLang="en-US" b="1"/>
+          </a:p>
+          <a:p>
+            <a:r>
+              <a:rPr lang="en-US" altLang="en-US"/>
+              <a:t>!pip install nltk spacy textblob scikit-learn --quiet</a:t>
+            </a:r>
+            <a:endParaRPr lang="en-US" altLang="en-US"/>
+          </a:p>
+          <a:p>
+            <a:r>
+              <a:rPr lang="en-US" altLang="en-US"/>
+              <a:t>!python -m textblob.download_corpora</a:t>
+            </a:r>
+            <a:endParaRPr lang="en-US" altLang="en-US"/>
+          </a:p>
+          <a:p>
+            <a:r>
+              <a:rPr lang="en-US" altLang="en-US"/>
+              <a:t>!python -m spacy download en_core_web_sm</a:t>
+            </a:r>
+            <a:endParaRPr lang="en-US"/>
+          </a:p>
+        </p:txBody>
+      </p:sp>
+      <p:sp>
+        <p:nvSpPr>
+          <p:cNvPr id="3" name="Text Box 2"/>
+          <p:cNvSpPr txBox="1"/>
+          <p:nvPr/>
+        </p:nvSpPr>
+        <p:spPr>
+          <a:xfrm>
+            <a:off x="325755" y="1534795"/>
+            <a:ext cx="5080000" cy="445135"/>
+          </a:xfrm>
+          <a:prstGeom prst="rect">
+            <a:avLst/>
+          </a:prstGeom>
+        </p:spPr>
+        <p:txBody>
+          <a:bodyPr>
+            <a:spAutoFit/>
+          </a:bodyPr>
+          <a:p>
+            <a:pPr>
+              <a:spcAft>
+                <a:spcPct val="60000"/>
+              </a:spcAft>
+            </a:pPr>
+            <a:r>
+              <a:rPr sz="2300" b="1"/>
+              <a:t>Step 1: Basic NLP Setup</a:t>
+            </a:r>
+            <a:endParaRPr sz="1600"/>
+          </a:p>
+        </p:txBody>
+      </p:sp>
+      <p:sp>
+        <p:nvSpPr>
+          <p:cNvPr id="4" name="Text Box 3"/>
+          <p:cNvSpPr txBox="1"/>
+          <p:nvPr/>
+        </p:nvSpPr>
+        <p:spPr>
+          <a:xfrm>
+            <a:off x="518160" y="1979930"/>
+            <a:ext cx="5029835" cy="4246245"/>
+          </a:xfrm>
+          <a:prstGeom prst="rect">
+            <a:avLst/>
+          </a:prstGeom>
+          <a:noFill/>
+        </p:spPr>
+        <p:txBody>
+          <a:bodyPr wrap="square" rtlCol="0" anchor="t">
+            <a:spAutoFit/>
+          </a:bodyPr>
+          <a:p>
+            <a:r>
+              <a:rPr lang="en-US" altLang="en-US"/>
+              <a:t>import nltk</a:t>
+            </a:r>
+            <a:endParaRPr lang="en-US" altLang="en-US"/>
+          </a:p>
+          <a:p>
+            <a:r>
+              <a:rPr lang="en-US" altLang="en-US"/>
+              <a:t>from nltk.corpus import stopwords</a:t>
+            </a:r>
+            <a:endParaRPr lang="en-US" altLang="en-US"/>
+          </a:p>
+          <a:p>
+            <a:r>
+              <a:rPr lang="en-US" altLang="en-US"/>
+              <a:t>from nltk.tokenize import word_tokenize, sent_tokenize</a:t>
+            </a:r>
+            <a:endParaRPr lang="en-US" altLang="en-US"/>
+          </a:p>
+          <a:p>
+            <a:r>
+              <a:rPr lang="en-US" altLang="en-US"/>
+              <a:t>from nltk.stem import PorterStemmer, WordNetLemmatizer</a:t>
+            </a:r>
+            <a:endParaRPr lang="en-US" altLang="en-US"/>
+          </a:p>
+          <a:p>
+            <a:r>
+              <a:rPr lang="en-US" altLang="en-US"/>
+              <a:t>from textblob import TextBlob</a:t>
+            </a:r>
+            <a:endParaRPr lang="en-US" altLang="en-US"/>
+          </a:p>
+          <a:p>
+            <a:r>
+              <a:rPr lang="en-US" altLang="en-US"/>
+              <a:t>import spacy</a:t>
+            </a:r>
+            <a:endParaRPr lang="en-US" altLang="en-US"/>
+          </a:p>
+          <a:p>
+            <a:r>
+              <a:rPr lang="en-US" altLang="en-US"/>
+              <a:t>import pandas as pd</a:t>
+            </a:r>
+            <a:endParaRPr lang="en-US" altLang="en-US"/>
+          </a:p>
+          <a:p>
+            <a:r>
+              <a:rPr lang="en-US" altLang="en-US"/>
+              <a:t>import numpy as np</a:t>
+            </a:r>
+            <a:endParaRPr lang="en-US" altLang="en-US"/>
+          </a:p>
+          <a:p>
+            <a:endParaRPr lang="en-US" altLang="en-US"/>
+          </a:p>
+          <a:p>
+            <a:r>
+              <a:rPr lang="en-US" altLang="en-US"/>
+              <a:t>nltk.download('punkt')</a:t>
+            </a:r>
+            <a:endParaRPr lang="en-US" altLang="en-US"/>
+          </a:p>
+          <a:p>
+            <a:r>
+              <a:rPr lang="en-US" altLang="en-US"/>
+              <a:t>nltk.download('stopwords')</a:t>
+            </a:r>
+            <a:endParaRPr lang="en-US" altLang="en-US"/>
+          </a:p>
+          <a:p>
+            <a:r>
+              <a:rPr lang="en-US" altLang="en-US"/>
+              <a:t>nltk.download('wordnet')</a:t>
+            </a:r>
+            <a:endParaRPr lang="en-US" altLang="en-US"/>
+          </a:p>
+          <a:p>
+            <a:r>
+              <a:rPr lang="en-US" altLang="en-US"/>
+              <a:t>nlp = spacy.load("en_core_web_sm")</a:t>
+            </a:r>
+            <a:endParaRPr lang="en-US"/>
+          </a:p>
+        </p:txBody>
+      </p:sp>
+      <p:sp>
+        <p:nvSpPr>
+          <p:cNvPr id="5" name="Text Box 4"/>
+          <p:cNvSpPr txBox="1"/>
+          <p:nvPr/>
+        </p:nvSpPr>
+        <p:spPr>
+          <a:xfrm>
+            <a:off x="6096000" y="64135"/>
+            <a:ext cx="6096000" cy="2861310"/>
+          </a:xfrm>
+          <a:prstGeom prst="rect">
+            <a:avLst/>
+          </a:prstGeom>
+          <a:noFill/>
+        </p:spPr>
+        <p:txBody>
+          <a:bodyPr wrap="square" rtlCol="0" anchor="t">
+            <a:spAutoFit/>
+          </a:bodyPr>
+          <a:p>
+            <a:r>
+              <a:rPr lang="en-US" altLang="en-US"/>
+              <a:t>text = """Natural Language Processing is an exciting field of AI. </a:t>
+            </a:r>
+            <a:endParaRPr lang="en-US" altLang="en-US"/>
+          </a:p>
+          <a:p>
+            <a:r>
+              <a:rPr lang="en-US" altLang="en-US"/>
+              <a:t>It helps machines understand and interact with human language. </a:t>
+            </a:r>
+            <a:endParaRPr lang="en-US" altLang="en-US"/>
+          </a:p>
+          <a:p>
+            <a:r>
+              <a:rPr lang="en-US" altLang="en-US"/>
+              <a:t>We use it in applications like Siri, Google Translate, and chatbots. </a:t>
+            </a:r>
+            <a:endParaRPr lang="en-US" altLang="en-US"/>
+          </a:p>
+          <a:p>
+            <a:r>
+              <a:rPr lang="en-US" altLang="en-US"/>
+              <a:t>NLP models are trained using large amounts of text data. </a:t>
+            </a:r>
+            <a:endParaRPr lang="en-US" altLang="en-US"/>
+          </a:p>
+          <a:p>
+            <a:r>
+              <a:rPr lang="en-US" altLang="en-US"/>
+              <a:t>It is used in almost every industry today."""</a:t>
+            </a:r>
+            <a:endParaRPr lang="en-US" altLang="en-US"/>
+          </a:p>
+          <a:p>
+            <a:endParaRPr lang="en-US" altLang="en-US"/>
+          </a:p>
+          <a:p>
+            <a:r>
+              <a:rPr lang="en-US" altLang="en-US"/>
+              <a:t>print("Original Paragraph:\n", text)</a:t>
+            </a:r>
+            <a:endParaRPr lang="en-US" altLang="en-US"/>
+          </a:p>
+          <a:p>
+            <a:endParaRPr lang="en-US"/>
+          </a:p>
+        </p:txBody>
+      </p:sp>
+      <p:sp>
+        <p:nvSpPr>
+          <p:cNvPr id="6" name="Text Box 5"/>
+          <p:cNvSpPr txBox="1"/>
+          <p:nvPr/>
+        </p:nvSpPr>
+        <p:spPr>
+          <a:xfrm>
+            <a:off x="6002655" y="2627947"/>
+            <a:ext cx="5080000" cy="2427605"/>
+          </a:xfrm>
+          <a:prstGeom prst="rect">
+            <a:avLst/>
+          </a:prstGeom>
+        </p:spPr>
+        <p:txBody>
+          <a:bodyPr>
+            <a:spAutoFit/>
+          </a:bodyPr>
+          <a:p>
+            <a:pPr>
+              <a:spcAft>
+                <a:spcPct val="60000"/>
+              </a:spcAft>
+            </a:pPr>
+            <a:r>
+              <a:rPr sz="2300" b="1"/>
+              <a:t>Step 3: Tokenization</a:t>
+            </a:r>
+            <a:endParaRPr sz="2300" b="1"/>
+          </a:p>
+          <a:p>
+            <a:r>
+              <a:rPr sz="1600"/>
+              <a:t># Sentence Tokenization
+sentences = sent_tokenize(text)
+print("Sentence Tokenization:\n", sentences)
+# Word Tokenization
+words = word_tokenize(text)
+print("\nWord Tokenization:\n", words)</a:t>
+            </a:r>
+            <a:endParaRPr sz="1600"/>
+          </a:p>
+        </p:txBody>
+      </p:sp>
+      <p:sp>
+        <p:nvSpPr>
+          <p:cNvPr id="7" name="Text Box 6"/>
+          <p:cNvSpPr txBox="1"/>
+          <p:nvPr/>
+        </p:nvSpPr>
+        <p:spPr>
+          <a:xfrm>
+            <a:off x="5929630" y="5054918"/>
+            <a:ext cx="5080000" cy="1689100"/>
+          </a:xfrm>
+          <a:prstGeom prst="rect">
+            <a:avLst/>
+          </a:prstGeom>
+        </p:spPr>
+        <p:txBody>
+          <a:bodyPr>
+            <a:spAutoFit/>
+          </a:bodyPr>
+          <a:p>
+            <a:pPr>
+              <a:spcAft>
+                <a:spcPct val="60000"/>
+              </a:spcAft>
+            </a:pPr>
+            <a:r>
+              <a:rPr sz="2300" b="1"/>
+              <a:t> Step 4: Stopword Removal</a:t>
+            </a:r>
+            <a:endParaRPr sz="2300" b="1"/>
+          </a:p>
+          <a:p>
+            <a:pPr>
+              <a:spcAft>
+                <a:spcPct val="60000"/>
+              </a:spcAft>
+            </a:pPr>
+            <a:r>
+              <a:rPr sz="1600"/>
+              <a:t>stop_words = set(stopwords.words("english"))
+filtered_words = [word for word in words if word.lower() notin stop_words and word.isalpha()]
+print("After Stopword Removal:\n", filtered_words)</a:t>
+            </a:r>
+            <a:endParaRPr sz="1600"/>
+          </a:p>
+        </p:txBody>
+      </p:sp>
+      <p:sp>
+        <p:nvSpPr>
+          <p:cNvPr id="8" name="Text Box 7"/>
+          <p:cNvSpPr txBox="1"/>
+          <p:nvPr/>
+        </p:nvSpPr>
+        <p:spPr>
+          <a:xfrm>
+            <a:off x="0" y="6226175"/>
+            <a:ext cx="6096000" cy="645160"/>
+          </a:xfrm>
+          <a:prstGeom prst="rect">
+            <a:avLst/>
+          </a:prstGeom>
+          <a:noFill/>
+        </p:spPr>
+        <p:txBody>
+          <a:bodyPr wrap="square" rtlCol="0" anchor="t">
+            <a:spAutoFit/>
+          </a:bodyPr>
+          <a:p>
+            <a:r>
+              <a:rPr lang="en-US" altLang="en-US"/>
+              <a:t>https://www.analyticsvidhya.com/blog/2022/01/nlp-tutorials-part-i-from-basics-to-advance/</a:t>
+            </a:r>
+            <a:endParaRPr lang="en-US"/>
+          </a:p>
+        </p:txBody>
+      </p:sp>
+    </p:spTree>
+  </p:cSld>
+  <p:clrMapOvr>
+    <a:masterClrMapping/>
+  </p:clrMapOvr>
+</p:sld>
+</file>
+
+<file path=ppt/slides/slide7.xml><?xml version="1.0" encoding="utf-8"?>
+<p:sld xmlns:a="http://schemas.openxmlformats.org/drawingml/2006/main" xmlns:r="http://schemas.openxmlformats.org/officeDocument/2006/relationships" xmlns:p="http://schemas.openxmlformats.org/presentationml/2006/main">
+  <p:cSld>
+    <p:spTree>
+      <p:nvGrpSpPr>
+        <p:cNvPr id="1" name=""/>
+        <p:cNvGrpSpPr/>
+        <p:nvPr/>
+      </p:nvGrpSpPr>
+      <p:grpSpPr/>
+      <p:sp>
+        <p:nvSpPr>
+          <p:cNvPr id="2" name="Text Box 1"/>
+          <p:cNvSpPr txBox="1"/>
+          <p:nvPr/>
+        </p:nvSpPr>
+        <p:spPr>
+          <a:xfrm>
+            <a:off x="189865" y="187960"/>
+            <a:ext cx="5080000" cy="3658870"/>
+          </a:xfrm>
+          <a:prstGeom prst="rect">
+            <a:avLst/>
+          </a:prstGeom>
+        </p:spPr>
+        <p:txBody>
+          <a:bodyPr>
+            <a:spAutoFit/>
+          </a:bodyPr>
+          <a:p>
+            <a:pPr>
+              <a:spcAft>
+                <a:spcPct val="60000"/>
+              </a:spcAft>
+            </a:pPr>
+            <a:r>
+              <a:rPr sz="2300" b="1"/>
+              <a:t>🌱 Step 5: Stemming and Lemmatization</a:t>
+            </a:r>
+            <a:endParaRPr sz="2300" b="1"/>
+          </a:p>
+          <a:p>
+            <a:r>
+              <a:rPr sz="1600"/>
+              <a:t>python</a:t>
+            </a:r>
+            <a:endParaRPr sz="1600"/>
+          </a:p>
+          <a:p>
+            <a:r>
+              <a:rPr sz="1600"/>
+              <a:t>CopyEdit</a:t>
+            </a:r>
+            <a:endParaRPr sz="1600"/>
+          </a:p>
+          <a:p>
+            <a:r>
+              <a:rPr sz="1600"/>
+              <a:t>stemmer = PorterStemmer()
+lemmatizer = WordNetLemmatizer()
+stemmed = [stemmer.stem(word) for word in filtered_words]
+lemmatized = [lemmatizer.lemmatize(word) for word in filtered_words]
+print("Stemmed Words:\n", stemmed)
+print("Lemmatized Words:\n", lemmatized)</a:t>
+            </a:r>
+            <a:endParaRPr sz="1600"/>
+          </a:p>
+        </p:txBody>
+      </p:sp>
+    </p:spTree>
+  </p:cSld>
+  <p:clrMapOvr>
+    <a:masterClrMapping/>
+  </p:clrMapOvr>
+</p:sld>
+</file>
+
 <file path=ppt/slides/slide8.xml><?xml version="1.0" encoding="utf-8"?>
 <p:sld xmlns:a="http://schemas.openxmlformats.org/drawingml/2006/main" xmlns:r="http://schemas.openxmlformats.org/officeDocument/2006/relationships" xmlns:p="http://schemas.openxmlformats.org/presentationml/2006/main">
   <p:cSld>
@@ -7496,8 +7462,8 @@
         </p:nvSpPr>
         <p:spPr>
           <a:xfrm>
-            <a:off x="0" y="0"/>
-            <a:ext cx="5080000" cy="6495415"/>
+            <a:off x="786130" y="201295"/>
+            <a:ext cx="5080000" cy="3905250"/>
           </a:xfrm>
           <a:prstGeom prst="rect">
             <a:avLst/>
@@ -7515,249 +7481,36 @@
             </a:pPr>
             <a:r>
               <a:rPr sz="2300" b="1"/>
-              <a:t>🔄 Stages of NLP (Pipeline)</a:t>
+              <a:t>🧺 Step 6: Bag of Words Representation</a:t>
             </a:r>
             <a:endParaRPr sz="2300" b="1"/>
           </a:p>
           <a:p>
             <a:r>
               <a:rPr sz="1600"/>
-              <a:t>The NLP pipeline generally consists of these stages:</a:t>
+              <a:t>python</a:t>
             </a:r>
             <a:endParaRPr sz="1600"/>
           </a:p>
           <a:p>
-            <a:pPr>
-              <a:spcAft>
-                <a:spcPct val="60000"/>
-              </a:spcAft>
-            </a:pPr>
-            <a:r>
-              <a:rPr sz="2200" b="1"/>
-              <a:t>1. Text Preprocessing</a:t>
-            </a:r>
-            <a:endParaRPr sz="2200" b="1"/>
-          </a:p>
-          <a:p>
-            <a:pPr>
-              <a:buFont typeface="Arial" panose="020B0604020202020204"/>
-              <a:buChar char="•"/>
-            </a:pPr>
             <a:r>
               <a:rPr sz="1600"/>
-              <a:t>Tokenization: Splitting text into words or sentences</a:t>
+              <a:t>CopyEdit</a:t>
             </a:r>
             <a:endParaRPr sz="1600"/>
           </a:p>
           <a:p>
-            <a:pPr>
-              <a:buFont typeface="Arial" panose="020B0604020202020204"/>
-              <a:buChar char="•"/>
-            </a:pPr>
             <a:r>
               <a:rPr sz="1600"/>
-              <a:t>Stopword Removal: Removing common words (is, the, in) that don't add value</a:t>
+              <a:t>from sklearn.feature_extraction.text import CountVectorizer
+corpus = [text]
+vectorizer = CountVectorizer()
+X = vectorizer.fit_transform(corpus)
+df_bow = pd.DataFrame(X.toarray(), columns=vectorizer.get_feature_names_out())
+print("Bag of Words:\n")
+print(df_bow)</a:t>
             </a:r>
             <a:endParaRPr sz="1600"/>
-          </a:p>
-          <a:p>
-            <a:pPr>
-              <a:buFont typeface="Arial" panose="020B0604020202020204"/>
-              <a:buChar char="•"/>
-            </a:pPr>
-            <a:r>
-              <a:rPr sz="1600"/>
-              <a:t>Stemming/Lemmatization: Reducing words to their root form</a:t>
-            </a:r>
-            <a:endParaRPr sz="1600"/>
-          </a:p>
-          <a:p>
-            <a:pPr>
-              <a:buFont typeface="Arial" panose="020B0604020202020204"/>
-              <a:buChar char="•"/>
-            </a:pPr>
-            <a:r>
-              <a:rPr sz="1600"/>
-              <a:t>Lowercasing, Punctuation Removal, etc.</a:t>
-            </a:r>
-            <a:endParaRPr sz="1600"/>
-          </a:p>
-          <a:p>
-            <a:pPr>
-              <a:spcAft>
-                <a:spcPct val="60000"/>
-              </a:spcAft>
-            </a:pPr>
-            <a:r>
-              <a:rPr sz="2200" b="1"/>
-              <a:t>2. Text Representation</a:t>
-            </a:r>
-            <a:endParaRPr sz="2200" b="1"/>
-          </a:p>
-          <a:p>
-            <a:pPr>
-              <a:buFont typeface="Arial" panose="020B0604020202020204"/>
-              <a:buChar char="•"/>
-            </a:pPr>
-            <a:r>
-              <a:rPr sz="1600"/>
-              <a:t>Bag of Words (BoW)</a:t>
-            </a:r>
-            <a:endParaRPr sz="1600"/>
-          </a:p>
-          <a:p>
-            <a:pPr>
-              <a:buFont typeface="Arial" panose="020B0604020202020204"/>
-              <a:buChar char="•"/>
-            </a:pPr>
-            <a:r>
-              <a:rPr sz="1600"/>
-              <a:t>TF-IDF (Term Frequency-Inverse Document Frequency)</a:t>
-            </a:r>
-            <a:endParaRPr sz="1600"/>
-          </a:p>
-          <a:p>
-            <a:pPr>
-              <a:buFont typeface="Arial" panose="020B0604020202020204"/>
-              <a:buChar char="•"/>
-            </a:pPr>
-            <a:r>
-              <a:rPr sz="1600"/>
-              <a:t>Word Embeddings (Word2Vec, GloVe, BERT)</a:t>
-            </a:r>
-            <a:endParaRPr sz="1600"/>
-          </a:p>
-          <a:p>
-            <a:pPr>
-              <a:spcAft>
-                <a:spcPct val="60000"/>
-              </a:spcAft>
-            </a:pPr>
-            <a:r>
-              <a:rPr sz="2200" b="1"/>
-              <a:t>3. Parsing and Syntax Tree Generation</a:t>
-            </a:r>
-            <a:endParaRPr sz="2200" b="1"/>
-          </a:p>
-          <a:p>
-            <a:pPr>
-              <a:buFont typeface="Arial" panose="020B0604020202020204"/>
-              <a:buChar char="•"/>
-            </a:pPr>
-            <a:r>
-              <a:rPr sz="1600"/>
-              <a:t>Understanding structure using parse trees or dependency trees</a:t>
-            </a:r>
-            <a:endParaRPr sz="1600"/>
-          </a:p>
-          <a:p>
-            <a:pPr>
-              <a:spcAft>
-                <a:spcPct val="60000"/>
-              </a:spcAft>
-            </a:pPr>
-            <a:r>
-              <a:rPr sz="2200" b="1"/>
-              <a:t>4. Named Entity Recognition (NER)</a:t>
-            </a:r>
-            <a:endParaRPr sz="2200" b="1"/>
-          </a:p>
-          <a:p>
-            <a:pPr>
-              <a:buFont typeface="Arial" panose="020B0604020202020204"/>
-              <a:buChar char="•"/>
-            </a:pPr>
-            <a:r>
-              <a:rPr sz="1600"/>
-              <a:t>Identifying entities like people, places, organizations, etc.</a:t>
-            </a:r>
-            <a:endParaRPr sz="1600"/>
-          </a:p>
-          <a:p>
-            <a:pPr>
-              <a:spcAft>
-                <a:spcPct val="60000"/>
-              </a:spcAft>
-            </a:pPr>
-            <a:endParaRPr sz="1600"/>
-          </a:p>
-        </p:txBody>
-      </p:sp>
-      <p:sp>
-        <p:nvSpPr>
-          <p:cNvPr id="3" name="Text Box 2"/>
-          <p:cNvSpPr txBox="1"/>
-          <p:nvPr/>
-        </p:nvSpPr>
-        <p:spPr>
-          <a:xfrm>
-            <a:off x="5943600" y="276860"/>
-            <a:ext cx="6096000" cy="2247900"/>
-          </a:xfrm>
-          <a:prstGeom prst="rect">
-            <a:avLst/>
-          </a:prstGeom>
-          <a:noFill/>
-        </p:spPr>
-        <p:txBody>
-          <a:bodyPr wrap="square" rtlCol="0" anchor="t">
-            <a:spAutoFit/>
-          </a:bodyPr>
-          <a:p>
-            <a:pPr>
-              <a:spcAft>
-                <a:spcPct val="60000"/>
-              </a:spcAft>
-            </a:pPr>
-            <a:r>
-              <a:rPr sz="2200" b="1">
-                <a:sym typeface="+mn-ea"/>
-              </a:rPr>
-              <a:t>5. Sentiment Analysis / Text Classification</a:t>
-            </a:r>
-            <a:endParaRPr sz="2200" b="1"/>
-          </a:p>
-          <a:p>
-            <a:pPr>
-              <a:buFont typeface="Arial" panose="020B0604020202020204"/>
-              <a:buChar char="•"/>
-            </a:pPr>
-            <a:r>
-              <a:rPr sz="1600">
-                <a:sym typeface="+mn-ea"/>
-              </a:rPr>
-              <a:t>Analyzing sentiment (positive/negative/neutral) or classifying texts into predefined categories</a:t>
-            </a:r>
-            <a:endParaRPr sz="1600"/>
-          </a:p>
-          <a:p>
-            <a:pPr>
-              <a:spcAft>
-                <a:spcPct val="60000"/>
-              </a:spcAft>
-            </a:pPr>
-            <a:r>
-              <a:rPr sz="2200" b="1">
-                <a:sym typeface="+mn-ea"/>
-              </a:rPr>
-              <a:t>6. Machine Learning / Deep Learning Modeling</a:t>
-            </a:r>
-            <a:endParaRPr sz="2200" b="1"/>
-          </a:p>
-          <a:p>
-            <a:pPr>
-              <a:buFont typeface="Arial" panose="020B0604020202020204"/>
-              <a:buChar char="•"/>
-            </a:pPr>
-            <a:r>
-              <a:rPr sz="1600">
-                <a:sym typeface="+mn-ea"/>
-              </a:rPr>
-              <a:t>Building predictive models using algorithms like Naive Bayes, SVM, RNN, Transformers (e.g., BERT, GPT)</a:t>
-            </a:r>
-            <a:endParaRPr lang="en-US" sz="1600">
-              <a:sym typeface="+mn-ea"/>
-            </a:endParaRPr>
           </a:p>
         </p:txBody>
       </p:sp>
@@ -7787,420 +7540,57 @@
         </p:nvSpPr>
         <p:spPr>
           <a:xfrm>
-            <a:off x="998855" y="248285"/>
-            <a:ext cx="6096000" cy="768350"/>
+            <a:off x="3556000" y="1476375"/>
+            <a:ext cx="5080000" cy="3905250"/>
           </a:xfrm>
           <a:prstGeom prst="rect">
             <a:avLst/>
           </a:prstGeom>
-          <a:noFill/>
         </p:spPr>
         <p:txBody>
-          <a:bodyPr wrap="square" rtlCol="0" anchor="t">
+          <a:bodyPr>
             <a:spAutoFit/>
           </a:bodyPr>
           <a:p>
-            <a:r>
-              <a:rPr lang="en-IN" altLang="en-US" sz="4400" b="1">
-                <a:solidFill>
-                  <a:srgbClr val="FF0000"/>
-                </a:solidFill>
-                <a:effectLst>
-                  <a:outerShdw blurRad="38100" dist="38100" dir="2700000" algn="tl">
-                    <a:srgbClr val="000000">
-                      <a:alpha val="43137"/>
-                    </a:srgbClr>
-                  </a:outerShdw>
-                </a:effectLst>
-                <a:sym typeface="+mn-ea"/>
-              </a:rPr>
-              <a:t>NLP</a:t>
-            </a:r>
-            <a:endParaRPr lang="en-IN" altLang="en-US" sz="4400" b="1">
-              <a:solidFill>
-                <a:srgbClr val="FF0000"/>
-              </a:solidFill>
-              <a:effectLst>
-                <a:outerShdw blurRad="38100" dist="38100" dir="2700000" algn="tl">
-                  <a:srgbClr val="000000">
-                    <a:alpha val="43137"/>
-                  </a:srgbClr>
-                </a:outerShdw>
-              </a:effectLst>
-              <a:sym typeface="+mn-ea"/>
-            </a:endParaRPr>
-          </a:p>
-        </p:txBody>
-      </p:sp>
-      <p:sp>
-        <p:nvSpPr>
-          <p:cNvPr id="3" name="Text Box 2"/>
-          <p:cNvSpPr txBox="1"/>
-          <p:nvPr/>
-        </p:nvSpPr>
-        <p:spPr>
-          <a:xfrm>
-            <a:off x="5702300" y="3707130"/>
-            <a:ext cx="3290570" cy="1476375"/>
-          </a:xfrm>
-          <a:prstGeom prst="rect">
-            <a:avLst/>
-          </a:prstGeom>
-          <a:noFill/>
-        </p:spPr>
-        <p:txBody>
-          <a:bodyPr wrap="square" rtlCol="0">
-            <a:spAutoFit/>
-          </a:bodyPr>
-          <a:p>
-            <a:pPr marL="285750" indent="-285750">
-              <a:buFont typeface="Arial" panose="020B0604020202020204" pitchFamily="34" charset="0"/>
-              <a:buChar char="•"/>
-            </a:pPr>
-            <a:r>
-              <a:rPr lang="en-IN" altLang="en-US"/>
-              <a:t>Translations</a:t>
-            </a:r>
-            <a:endParaRPr lang="en-IN" altLang="en-US"/>
-          </a:p>
-          <a:p>
-            <a:pPr marL="285750" indent="-285750">
-              <a:buFont typeface="Arial" panose="020B0604020202020204" pitchFamily="34" charset="0"/>
-              <a:buChar char="•"/>
-            </a:pPr>
-            <a:r>
-              <a:rPr lang="en-IN" altLang="en-US"/>
-              <a:t>Text Generations</a:t>
-            </a:r>
-            <a:endParaRPr lang="en-IN" altLang="en-US"/>
-          </a:p>
-          <a:p>
-            <a:pPr marL="285750" indent="-285750">
-              <a:buFont typeface="Arial" panose="020B0604020202020204" pitchFamily="34" charset="0"/>
-              <a:buChar char="•"/>
-            </a:pPr>
-            <a:r>
-              <a:rPr lang="en-IN" altLang="en-US"/>
-              <a:t>text summerization</a:t>
-            </a:r>
-            <a:endParaRPr lang="en-IN" altLang="en-US"/>
-          </a:p>
-          <a:p>
-            <a:pPr marL="285750" indent="-285750">
-              <a:buFont typeface="Arial" panose="020B0604020202020204" pitchFamily="34" charset="0"/>
-              <a:buChar char="•"/>
-            </a:pPr>
-            <a:r>
-              <a:rPr lang="en-IN" altLang="en-US"/>
-              <a:t>speech to text , text to speech</a:t>
-            </a:r>
-            <a:endParaRPr lang="en-IN" altLang="en-US"/>
-          </a:p>
-          <a:p>
-            <a:pPr marL="285750" indent="-285750">
-              <a:buFont typeface="Arial" panose="020B0604020202020204" pitchFamily="34" charset="0"/>
-              <a:buChar char="•"/>
-            </a:pPr>
-            <a:endParaRPr lang="en-IN" altLang="en-US"/>
-          </a:p>
-        </p:txBody>
-      </p:sp>
-      <p:sp>
-        <p:nvSpPr>
-          <p:cNvPr id="5" name="Text Box 4"/>
-          <p:cNvSpPr txBox="1"/>
-          <p:nvPr/>
-        </p:nvSpPr>
-        <p:spPr>
-          <a:xfrm>
-            <a:off x="8736330" y="2558415"/>
-            <a:ext cx="3456305" cy="2861310"/>
-          </a:xfrm>
-          <a:prstGeom prst="rect">
-            <a:avLst/>
-          </a:prstGeom>
-          <a:noFill/>
-        </p:spPr>
-        <p:txBody>
-          <a:bodyPr wrap="square" rtlCol="0">
-            <a:spAutoFit/>
-          </a:bodyPr>
-          <a:p>
-            <a:r>
-              <a:rPr lang="en-IN" altLang="en-US"/>
-              <a:t>NLP problem Solve</a:t>
-            </a:r>
-            <a:endParaRPr lang="en-IN" altLang="en-US"/>
-          </a:p>
-          <a:p>
-            <a:pPr marL="285750" indent="-285750">
-              <a:buFont typeface="Arial" panose="020B0604020202020204" pitchFamily="34" charset="0"/>
-              <a:buChar char="•"/>
-            </a:pPr>
-            <a:r>
-              <a:rPr lang="en-IN" altLang="en-US"/>
-              <a:t>Clasifications (+ve,-ve  issue classifier,Sentiment analysis</a:t>
-            </a:r>
-            <a:endParaRPr lang="en-IN" altLang="en-US"/>
-          </a:p>
-          <a:p>
-            <a:pPr marL="285750" indent="-285750">
-              <a:buFont typeface="Arial" panose="020B0604020202020204" pitchFamily="34" charset="0"/>
-              <a:buChar char="•"/>
-            </a:pPr>
-            <a:r>
-              <a:rPr lang="en-IN" altLang="en-US"/>
-              <a:t>NER (structure our data)</a:t>
-            </a:r>
-            <a:endParaRPr lang="en-IN" altLang="en-US"/>
-          </a:p>
-          <a:p>
-            <a:pPr marL="285750" indent="-285750">
-              <a:buFont typeface="Arial" panose="020B0604020202020204" pitchFamily="34" charset="0"/>
-              <a:buChar char="•"/>
-            </a:pPr>
-            <a:r>
-              <a:rPr lang="en-IN" altLang="en-US"/>
-              <a:t>Language Modeling</a:t>
-            </a:r>
-            <a:endParaRPr lang="en-IN" altLang="en-US"/>
-          </a:p>
-          <a:p>
-            <a:pPr marL="742950" lvl="1" indent="-285750">
-              <a:buFont typeface="Arial" panose="020B0604020202020204" pitchFamily="34" charset="0"/>
-              <a:buChar char="•"/>
-            </a:pPr>
-            <a:r>
-              <a:rPr lang="en-IN" altLang="en-US"/>
-              <a:t>Q &amp;A</a:t>
-            </a:r>
-            <a:endParaRPr lang="en-IN" altLang="en-US"/>
-          </a:p>
-          <a:p>
-            <a:pPr marL="742950" lvl="1" indent="-285750">
-              <a:buFont typeface="Arial" panose="020B0604020202020204" pitchFamily="34" charset="0"/>
-              <a:buChar char="•"/>
-            </a:pPr>
-            <a:r>
-              <a:rPr lang="en-IN" altLang="en-US"/>
-              <a:t>Translations</a:t>
-            </a:r>
-            <a:endParaRPr lang="en-IN" altLang="en-US"/>
-          </a:p>
-          <a:p>
-            <a:pPr marL="742950" lvl="1" indent="-285750">
-              <a:buFont typeface="Arial" panose="020B0604020202020204" pitchFamily="34" charset="0"/>
-              <a:buChar char="•"/>
-            </a:pPr>
-            <a:r>
-              <a:rPr lang="en-IN" altLang="en-US"/>
-              <a:t>summerizations</a:t>
-            </a:r>
-            <a:endParaRPr lang="en-IN" altLang="en-US"/>
-          </a:p>
-          <a:p>
-            <a:pPr marL="742950" lvl="1" indent="-285750">
-              <a:buFont typeface="Arial" panose="020B0604020202020204" pitchFamily="34" charset="0"/>
-              <a:buChar char="•"/>
-            </a:pPr>
-            <a:r>
-              <a:rPr lang="en-IN" altLang="en-US"/>
-              <a:t>next word generations</a:t>
-            </a:r>
-            <a:endParaRPr lang="en-IN" altLang="en-US"/>
-          </a:p>
-          <a:p>
-            <a:pPr marL="742950" lvl="1" indent="-285750">
-              <a:buFont typeface="Arial" panose="020B0604020202020204" pitchFamily="34" charset="0"/>
-              <a:buChar char="•"/>
-            </a:pPr>
-            <a:endParaRPr lang="en-IN" altLang="en-US"/>
-          </a:p>
-        </p:txBody>
-      </p:sp>
-      <p:sp>
-        <p:nvSpPr>
-          <p:cNvPr id="6" name="Text Box 5"/>
-          <p:cNvSpPr txBox="1"/>
-          <p:nvPr/>
-        </p:nvSpPr>
-        <p:spPr>
-          <a:xfrm>
-            <a:off x="5809615" y="5183505"/>
-            <a:ext cx="2861945" cy="1476375"/>
-          </a:xfrm>
-          <a:prstGeom prst="rect">
-            <a:avLst/>
-          </a:prstGeom>
-          <a:noFill/>
-        </p:spPr>
-        <p:txBody>
-          <a:bodyPr wrap="square" rtlCol="0">
-            <a:spAutoFit/>
-          </a:bodyPr>
-          <a:p>
-            <a:r>
-              <a:rPr lang="en-IN" altLang="en-US"/>
-              <a:t>Language Modeling</a:t>
-            </a:r>
-            <a:endParaRPr lang="en-IN" altLang="en-US"/>
-          </a:p>
-          <a:p>
-            <a:pPr indent="457200"/>
-            <a:r>
-              <a:rPr lang="en-IN" altLang="en-US"/>
-              <a:t>pre deep learning</a:t>
-            </a:r>
-            <a:endParaRPr lang="en-IN" altLang="en-US"/>
-          </a:p>
-          <a:p>
-            <a:pPr marL="457200" lvl="1" indent="457200"/>
-            <a:r>
-              <a:rPr lang="en-IN" altLang="en-US"/>
-              <a:t>N-gram</a:t>
-            </a:r>
-            <a:endParaRPr lang="en-IN" altLang="en-US"/>
-          </a:p>
-          <a:p>
-            <a:pPr marL="457200" lvl="1" indent="457200"/>
-            <a:r>
-              <a:rPr lang="en-IN" altLang="en-US"/>
-              <a:t>Neural network</a:t>
-            </a:r>
-            <a:endParaRPr lang="en-IN" altLang="en-US"/>
-          </a:p>
-          <a:p>
-            <a:pPr marL="457200" lvl="1" indent="457200"/>
-            <a:r>
-              <a:rPr lang="en-IN" altLang="en-US"/>
-              <a:t>RNN</a:t>
-            </a:r>
-            <a:endParaRPr lang="en-IN" altLang="en-US"/>
-          </a:p>
-        </p:txBody>
-      </p:sp>
-      <p:sp>
-        <p:nvSpPr>
-          <p:cNvPr id="4" name="Text Box 3"/>
-          <p:cNvSpPr txBox="1"/>
-          <p:nvPr/>
-        </p:nvSpPr>
-        <p:spPr>
-          <a:xfrm>
-            <a:off x="362585" y="1119505"/>
-            <a:ext cx="9230360" cy="368300"/>
-          </a:xfrm>
-          <a:prstGeom prst="rect">
-            <a:avLst/>
-          </a:prstGeom>
-          <a:noFill/>
-        </p:spPr>
-        <p:txBody>
-          <a:bodyPr wrap="square" rtlCol="0" anchor="t">
-            <a:spAutoFit/>
-          </a:bodyPr>
-          <a:p>
-            <a:r>
-              <a:rPr lang="en-US" altLang="en-US" b="1"/>
-              <a:t>https://www.geeksforgeeks.org/natural-language-processing-nlp-tutorial</a:t>
-            </a:r>
-            <a:endParaRPr lang="en-US" b="1"/>
-          </a:p>
-        </p:txBody>
-      </p:sp>
-      <p:sp>
-        <p:nvSpPr>
-          <p:cNvPr id="7" name="Text Box 6"/>
-          <p:cNvSpPr txBox="1"/>
-          <p:nvPr/>
-        </p:nvSpPr>
-        <p:spPr>
-          <a:xfrm>
-            <a:off x="267335" y="2355850"/>
-            <a:ext cx="5349240" cy="3415030"/>
-          </a:xfrm>
-          <a:prstGeom prst="rect">
-            <a:avLst/>
-          </a:prstGeom>
-          <a:noFill/>
-        </p:spPr>
-        <p:txBody>
-          <a:bodyPr wrap="square" rtlCol="0">
-            <a:spAutoFit/>
-          </a:bodyPr>
-          <a:p>
-            <a:r>
-              <a:rPr lang="en-IN" altLang="en-US" b="1"/>
-              <a:t>PROJECT</a:t>
-            </a:r>
-            <a:endParaRPr lang="en-IN" altLang="en-US" b="1"/>
-          </a:p>
-          <a:p>
-            <a:r>
-              <a:rPr lang="en-US" altLang="en-US"/>
-              <a:t>https://www.geeksforgeeks.org/twitter-sentiment-analysis-using-python/</a:t>
-            </a:r>
-            <a:endParaRPr lang="en-US" altLang="en-US"/>
-          </a:p>
-          <a:p>
-            <a:r>
-              <a:rPr lang="en-US" altLang="en-US"/>
-              <a:t>https://www.geeksforgeeks.org/next-sentence-prediction-using-bert/</a:t>
-            </a:r>
-            <a:endParaRPr lang="en-US" altLang="en-US"/>
-          </a:p>
-          <a:p>
-            <a:endParaRPr lang="en-US" altLang="en-US"/>
-          </a:p>
-          <a:p>
-            <a:r>
-              <a:rPr lang="en-US" altLang="en-US"/>
-              <a:t>https://www.geeksforgeeks.org/fine-tuning-bert-model-for-sentiment-analysis/</a:t>
-            </a:r>
-            <a:endParaRPr lang="en-US" altLang="en-US"/>
-          </a:p>
-          <a:p>
-            <a:r>
-              <a:rPr lang="en-US" altLang="en-US"/>
-              <a:t>https://www.geeksforgeeks.org/sentiment-classification-using-bert/</a:t>
-            </a:r>
-            <a:endParaRPr lang="en-US" altLang="en-US"/>
-          </a:p>
-          <a:p>
-            <a:r>
-              <a:rPr lang="en-US" altLang="en-US"/>
-              <a:t>https://www.geeksforgeeks.org/sentiment-analysis-with-an-recurrent-neural-networks-rnn/</a:t>
-            </a:r>
-            <a:endParaRPr lang="en-US" altLang="en-US"/>
-          </a:p>
-        </p:txBody>
-      </p:sp>
-      <p:sp>
-        <p:nvSpPr>
-          <p:cNvPr id="8" name="Text Box 7"/>
-          <p:cNvSpPr txBox="1"/>
-          <p:nvPr/>
-        </p:nvSpPr>
-        <p:spPr>
-          <a:xfrm>
-            <a:off x="5996305" y="359410"/>
-            <a:ext cx="6096000" cy="368300"/>
-          </a:xfrm>
-          <a:prstGeom prst="rect">
-            <a:avLst/>
-          </a:prstGeom>
-          <a:noFill/>
-        </p:spPr>
-        <p:txBody>
-          <a:bodyPr wrap="square" rtlCol="0" anchor="t">
-            <a:spAutoFit/>
-          </a:bodyPr>
-          <a:p>
-            <a:r>
-              <a:rPr lang="en-US" altLang="en-US"/>
-              <a:t>https://www.geeksforgeeks.org/ai-ml-ds-projects/?ref=lbp</a:t>
-            </a:r>
-            <a:endParaRPr lang="en-US"/>
+            <a:pPr>
+              <a:spcAft>
+                <a:spcPct val="60000"/>
+              </a:spcAft>
+            </a:pPr>
+            <a:r>
+              <a:rPr sz="2300" b="1"/>
+              <a:t>😊 Step 7: Sentiment Analysis</a:t>
+            </a:r>
+            <a:endParaRPr sz="2300" b="1"/>
+          </a:p>
+          <a:p>
+            <a:r>
+              <a:rPr sz="1600"/>
+              <a:t>python</a:t>
+            </a:r>
+            <a:endParaRPr sz="1600"/>
+          </a:p>
+          <a:p>
+            <a:r>
+              <a:rPr sz="1600"/>
+              <a:t>CopyEdit</a:t>
+            </a:r>
+            <a:endParaRPr sz="1600"/>
+          </a:p>
+          <a:p>
+            <a:r>
+              <a:rPr sz="1600"/>
+              <a:t>blob = TextBlob(text)
+print("Sentiment Polarity:", blob.sentiment.polarity)
+print("Sentiment Subjectivity:", blob.sentiment.subjectivity)
+if blob.sentiment.polarity &gt; 0:
+    print("Overall Sentiment: Positive")
+elif blob.sentiment.polarity &lt; 0:
+    print("Overall Sentiment: Negative")
+else:
+    print("Overall Sentiment: Neutral")</a:t>
+            </a:r>
+            <a:endParaRPr sz="1600"/>
           </a:p>
         </p:txBody>
       </p:sp>

--- a/9.Deep_learning/class_11.1_text_vectorizarion_sentiment_analysis.pptx
+++ b/9.Deep_learning/class_11.1_text_vectorizarion_sentiment_analysis.pptx
@@ -5,21 +5,23 @@
     <p:sldMasterId id="2147483648" r:id="rId1"/>
   </p:sldMasterIdLst>
   <p:notesMasterIdLst>
-    <p:notesMasterId r:id="rId8"/>
+    <p:notesMasterId r:id="rId10"/>
   </p:notesMasterIdLst>
   <p:sldIdLst>
     <p:sldId id="395" r:id="rId3"/>
     <p:sldId id="391" r:id="rId4"/>
     <p:sldId id="392" r:id="rId5"/>
-    <p:sldId id="399" r:id="rId6"/>
-    <p:sldId id="400" r:id="rId7"/>
-    <p:sldId id="402" r:id="rId9"/>
-    <p:sldId id="403" r:id="rId10"/>
-    <p:sldId id="404" r:id="rId11"/>
-    <p:sldId id="405" r:id="rId12"/>
-    <p:sldId id="406" r:id="rId13"/>
-    <p:sldId id="368" r:id="rId14"/>
-    <p:sldId id="393" r:id="rId15"/>
+    <p:sldId id="407" r:id="rId6"/>
+    <p:sldId id="408" r:id="rId7"/>
+    <p:sldId id="399" r:id="rId8"/>
+    <p:sldId id="400" r:id="rId9"/>
+    <p:sldId id="402" r:id="rId11"/>
+    <p:sldId id="403" r:id="rId12"/>
+    <p:sldId id="404" r:id="rId13"/>
+    <p:sldId id="405" r:id="rId14"/>
+    <p:sldId id="406" r:id="rId15"/>
+    <p:sldId id="368" r:id="rId16"/>
+    <p:sldId id="393" r:id="rId17"/>
   </p:sldIdLst>
   <p:sldSz cx="12192000" cy="6858000"/>
   <p:notesSz cx="6858000" cy="9144000"/>
@@ -3539,8 +3541,8 @@
         </p:nvSpPr>
         <p:spPr>
           <a:xfrm>
-            <a:off x="1862455" y="893128"/>
-            <a:ext cx="5080000" cy="2535555"/>
+            <a:off x="786130" y="201295"/>
+            <a:ext cx="5080000" cy="3905250"/>
           </a:xfrm>
           <a:prstGeom prst="rect">
             <a:avLst/>
@@ -3558,7 +3560,7 @@
             </a:pPr>
             <a:r>
               <a:rPr sz="2300" b="1"/>
-              <a:t>⭐ Bonus: Named Entity Recognition using spaCy</a:t>
+              <a:t>🧺 Step 6: Bag of Words Representation</a:t>
             </a:r>
             <a:endParaRPr sz="2300" b="1"/>
           </a:p>
@@ -3579,10 +3581,13 @@
           <a:p>
             <a:r>
               <a:rPr sz="1600"/>
-              <a:t>doc = nlp(text)
-print("Named Entities:")
-for ent in doc.ents:
-    print(ent.text, "|", ent.label_)</a:t>
+              <a:t>from sklearn.feature_extraction.text import CountVectorizer
+corpus = [text]
+vectorizer = CountVectorizer()
+X = vectorizer.fit_transform(corpus)
+df_bow = pd.DataFrame(X.toarray(), columns=vectorizer.get_feature_names_out())
+print("Bag of Words:\n")
+print(df_bow)</a:t>
             </a:r>
             <a:endParaRPr sz="1600"/>
           </a:p>
@@ -3614,420 +3619,57 @@
         </p:nvSpPr>
         <p:spPr>
           <a:xfrm>
-            <a:off x="998855" y="248285"/>
-            <a:ext cx="6096000" cy="768350"/>
+            <a:off x="3556000" y="1476375"/>
+            <a:ext cx="5080000" cy="3905250"/>
           </a:xfrm>
           <a:prstGeom prst="rect">
             <a:avLst/>
           </a:prstGeom>
-          <a:noFill/>
         </p:spPr>
         <p:txBody>
-          <a:bodyPr wrap="square" rtlCol="0" anchor="t">
+          <a:bodyPr>
             <a:spAutoFit/>
           </a:bodyPr>
           <a:p>
-            <a:r>
-              <a:rPr lang="en-IN" altLang="en-US" sz="4400" b="1">
-                <a:solidFill>
-                  <a:srgbClr val="FF0000"/>
-                </a:solidFill>
-                <a:effectLst>
-                  <a:outerShdw blurRad="38100" dist="38100" dir="2700000" algn="tl">
-                    <a:srgbClr val="000000">
-                      <a:alpha val="43137"/>
-                    </a:srgbClr>
-                  </a:outerShdw>
-                </a:effectLst>
-                <a:sym typeface="+mn-ea"/>
-              </a:rPr>
-              <a:t>NLP</a:t>
-            </a:r>
-            <a:endParaRPr lang="en-IN" altLang="en-US" sz="4400" b="1">
-              <a:solidFill>
-                <a:srgbClr val="FF0000"/>
-              </a:solidFill>
-              <a:effectLst>
-                <a:outerShdw blurRad="38100" dist="38100" dir="2700000" algn="tl">
-                  <a:srgbClr val="000000">
-                    <a:alpha val="43137"/>
-                  </a:srgbClr>
-                </a:outerShdw>
-              </a:effectLst>
-              <a:sym typeface="+mn-ea"/>
-            </a:endParaRPr>
-          </a:p>
-        </p:txBody>
-      </p:sp>
-      <p:sp>
-        <p:nvSpPr>
-          <p:cNvPr id="3" name="Text Box 2"/>
-          <p:cNvSpPr txBox="1"/>
-          <p:nvPr/>
-        </p:nvSpPr>
-        <p:spPr>
-          <a:xfrm>
-            <a:off x="5702300" y="3707130"/>
-            <a:ext cx="3290570" cy="1476375"/>
-          </a:xfrm>
-          <a:prstGeom prst="rect">
-            <a:avLst/>
-          </a:prstGeom>
-          <a:noFill/>
-        </p:spPr>
-        <p:txBody>
-          <a:bodyPr wrap="square" rtlCol="0">
-            <a:spAutoFit/>
-          </a:bodyPr>
-          <a:p>
-            <a:pPr marL="285750" indent="-285750">
-              <a:buFont typeface="Arial" panose="020B0604020202020204" pitchFamily="34" charset="0"/>
-              <a:buChar char="•"/>
-            </a:pPr>
-            <a:r>
-              <a:rPr lang="en-IN" altLang="en-US"/>
-              <a:t>Translations</a:t>
-            </a:r>
-            <a:endParaRPr lang="en-IN" altLang="en-US"/>
-          </a:p>
-          <a:p>
-            <a:pPr marL="285750" indent="-285750">
-              <a:buFont typeface="Arial" panose="020B0604020202020204" pitchFamily="34" charset="0"/>
-              <a:buChar char="•"/>
-            </a:pPr>
-            <a:r>
-              <a:rPr lang="en-IN" altLang="en-US"/>
-              <a:t>Text Generations</a:t>
-            </a:r>
-            <a:endParaRPr lang="en-IN" altLang="en-US"/>
-          </a:p>
-          <a:p>
-            <a:pPr marL="285750" indent="-285750">
-              <a:buFont typeface="Arial" panose="020B0604020202020204" pitchFamily="34" charset="0"/>
-              <a:buChar char="•"/>
-            </a:pPr>
-            <a:r>
-              <a:rPr lang="en-IN" altLang="en-US"/>
-              <a:t>text summerization</a:t>
-            </a:r>
-            <a:endParaRPr lang="en-IN" altLang="en-US"/>
-          </a:p>
-          <a:p>
-            <a:pPr marL="285750" indent="-285750">
-              <a:buFont typeface="Arial" panose="020B0604020202020204" pitchFamily="34" charset="0"/>
-              <a:buChar char="•"/>
-            </a:pPr>
-            <a:r>
-              <a:rPr lang="en-IN" altLang="en-US"/>
-              <a:t>speech to text , text to speech</a:t>
-            </a:r>
-            <a:endParaRPr lang="en-IN" altLang="en-US"/>
-          </a:p>
-          <a:p>
-            <a:pPr marL="285750" indent="-285750">
-              <a:buFont typeface="Arial" panose="020B0604020202020204" pitchFamily="34" charset="0"/>
-              <a:buChar char="•"/>
-            </a:pPr>
-            <a:endParaRPr lang="en-IN" altLang="en-US"/>
-          </a:p>
-        </p:txBody>
-      </p:sp>
-      <p:sp>
-        <p:nvSpPr>
-          <p:cNvPr id="5" name="Text Box 4"/>
-          <p:cNvSpPr txBox="1"/>
-          <p:nvPr/>
-        </p:nvSpPr>
-        <p:spPr>
-          <a:xfrm>
-            <a:off x="8736330" y="2558415"/>
-            <a:ext cx="3456305" cy="2861310"/>
-          </a:xfrm>
-          <a:prstGeom prst="rect">
-            <a:avLst/>
-          </a:prstGeom>
-          <a:noFill/>
-        </p:spPr>
-        <p:txBody>
-          <a:bodyPr wrap="square" rtlCol="0">
-            <a:spAutoFit/>
-          </a:bodyPr>
-          <a:p>
-            <a:r>
-              <a:rPr lang="en-IN" altLang="en-US"/>
-              <a:t>NLP problem Solve</a:t>
-            </a:r>
-            <a:endParaRPr lang="en-IN" altLang="en-US"/>
-          </a:p>
-          <a:p>
-            <a:pPr marL="285750" indent="-285750">
-              <a:buFont typeface="Arial" panose="020B0604020202020204" pitchFamily="34" charset="0"/>
-              <a:buChar char="•"/>
-            </a:pPr>
-            <a:r>
-              <a:rPr lang="en-IN" altLang="en-US"/>
-              <a:t>Clasifications (+ve,-ve  issue classifier,Sentiment analysis</a:t>
-            </a:r>
-            <a:endParaRPr lang="en-IN" altLang="en-US"/>
-          </a:p>
-          <a:p>
-            <a:pPr marL="285750" indent="-285750">
-              <a:buFont typeface="Arial" panose="020B0604020202020204" pitchFamily="34" charset="0"/>
-              <a:buChar char="•"/>
-            </a:pPr>
-            <a:r>
-              <a:rPr lang="en-IN" altLang="en-US"/>
-              <a:t>NER (structure our data)</a:t>
-            </a:r>
-            <a:endParaRPr lang="en-IN" altLang="en-US"/>
-          </a:p>
-          <a:p>
-            <a:pPr marL="285750" indent="-285750">
-              <a:buFont typeface="Arial" panose="020B0604020202020204" pitchFamily="34" charset="0"/>
-              <a:buChar char="•"/>
-            </a:pPr>
-            <a:r>
-              <a:rPr lang="en-IN" altLang="en-US"/>
-              <a:t>Language Modeling</a:t>
-            </a:r>
-            <a:endParaRPr lang="en-IN" altLang="en-US"/>
-          </a:p>
-          <a:p>
-            <a:pPr marL="742950" lvl="1" indent="-285750">
-              <a:buFont typeface="Arial" panose="020B0604020202020204" pitchFamily="34" charset="0"/>
-              <a:buChar char="•"/>
-            </a:pPr>
-            <a:r>
-              <a:rPr lang="en-IN" altLang="en-US"/>
-              <a:t>Q &amp;A</a:t>
-            </a:r>
-            <a:endParaRPr lang="en-IN" altLang="en-US"/>
-          </a:p>
-          <a:p>
-            <a:pPr marL="742950" lvl="1" indent="-285750">
-              <a:buFont typeface="Arial" panose="020B0604020202020204" pitchFamily="34" charset="0"/>
-              <a:buChar char="•"/>
-            </a:pPr>
-            <a:r>
-              <a:rPr lang="en-IN" altLang="en-US"/>
-              <a:t>Translations</a:t>
-            </a:r>
-            <a:endParaRPr lang="en-IN" altLang="en-US"/>
-          </a:p>
-          <a:p>
-            <a:pPr marL="742950" lvl="1" indent="-285750">
-              <a:buFont typeface="Arial" panose="020B0604020202020204" pitchFamily="34" charset="0"/>
-              <a:buChar char="•"/>
-            </a:pPr>
-            <a:r>
-              <a:rPr lang="en-IN" altLang="en-US"/>
-              <a:t>summerizations</a:t>
-            </a:r>
-            <a:endParaRPr lang="en-IN" altLang="en-US"/>
-          </a:p>
-          <a:p>
-            <a:pPr marL="742950" lvl="1" indent="-285750">
-              <a:buFont typeface="Arial" panose="020B0604020202020204" pitchFamily="34" charset="0"/>
-              <a:buChar char="•"/>
-            </a:pPr>
-            <a:r>
-              <a:rPr lang="en-IN" altLang="en-US"/>
-              <a:t>next word generations</a:t>
-            </a:r>
-            <a:endParaRPr lang="en-IN" altLang="en-US"/>
-          </a:p>
-          <a:p>
-            <a:pPr marL="742950" lvl="1" indent="-285750">
-              <a:buFont typeface="Arial" panose="020B0604020202020204" pitchFamily="34" charset="0"/>
-              <a:buChar char="•"/>
-            </a:pPr>
-            <a:endParaRPr lang="en-IN" altLang="en-US"/>
-          </a:p>
-        </p:txBody>
-      </p:sp>
-      <p:sp>
-        <p:nvSpPr>
-          <p:cNvPr id="6" name="Text Box 5"/>
-          <p:cNvSpPr txBox="1"/>
-          <p:nvPr/>
-        </p:nvSpPr>
-        <p:spPr>
-          <a:xfrm>
-            <a:off x="5809615" y="5183505"/>
-            <a:ext cx="2861945" cy="1476375"/>
-          </a:xfrm>
-          <a:prstGeom prst="rect">
-            <a:avLst/>
-          </a:prstGeom>
-          <a:noFill/>
-        </p:spPr>
-        <p:txBody>
-          <a:bodyPr wrap="square" rtlCol="0">
-            <a:spAutoFit/>
-          </a:bodyPr>
-          <a:p>
-            <a:r>
-              <a:rPr lang="en-IN" altLang="en-US"/>
-              <a:t>Language Modeling</a:t>
-            </a:r>
-            <a:endParaRPr lang="en-IN" altLang="en-US"/>
-          </a:p>
-          <a:p>
-            <a:pPr indent="457200"/>
-            <a:r>
-              <a:rPr lang="en-IN" altLang="en-US"/>
-              <a:t>pre deep learning</a:t>
-            </a:r>
-            <a:endParaRPr lang="en-IN" altLang="en-US"/>
-          </a:p>
-          <a:p>
-            <a:pPr marL="457200" lvl="1" indent="457200"/>
-            <a:r>
-              <a:rPr lang="en-IN" altLang="en-US"/>
-              <a:t>N-gram</a:t>
-            </a:r>
-            <a:endParaRPr lang="en-IN" altLang="en-US"/>
-          </a:p>
-          <a:p>
-            <a:pPr marL="457200" lvl="1" indent="457200"/>
-            <a:r>
-              <a:rPr lang="en-IN" altLang="en-US"/>
-              <a:t>Neural network</a:t>
-            </a:r>
-            <a:endParaRPr lang="en-IN" altLang="en-US"/>
-          </a:p>
-          <a:p>
-            <a:pPr marL="457200" lvl="1" indent="457200"/>
-            <a:r>
-              <a:rPr lang="en-IN" altLang="en-US"/>
-              <a:t>RNN</a:t>
-            </a:r>
-            <a:endParaRPr lang="en-IN" altLang="en-US"/>
-          </a:p>
-        </p:txBody>
-      </p:sp>
-      <p:sp>
-        <p:nvSpPr>
-          <p:cNvPr id="4" name="Text Box 3"/>
-          <p:cNvSpPr txBox="1"/>
-          <p:nvPr/>
-        </p:nvSpPr>
-        <p:spPr>
-          <a:xfrm>
-            <a:off x="362585" y="1119505"/>
-            <a:ext cx="9230360" cy="368300"/>
-          </a:xfrm>
-          <a:prstGeom prst="rect">
-            <a:avLst/>
-          </a:prstGeom>
-          <a:noFill/>
-        </p:spPr>
-        <p:txBody>
-          <a:bodyPr wrap="square" rtlCol="0" anchor="t">
-            <a:spAutoFit/>
-          </a:bodyPr>
-          <a:p>
-            <a:r>
-              <a:rPr lang="en-US" altLang="en-US" b="1"/>
-              <a:t>https://www.geeksforgeeks.org/natural-language-processing-nlp-tutorial</a:t>
-            </a:r>
-            <a:endParaRPr lang="en-US" b="1"/>
-          </a:p>
-        </p:txBody>
-      </p:sp>
-      <p:sp>
-        <p:nvSpPr>
-          <p:cNvPr id="7" name="Text Box 6"/>
-          <p:cNvSpPr txBox="1"/>
-          <p:nvPr/>
-        </p:nvSpPr>
-        <p:spPr>
-          <a:xfrm>
-            <a:off x="267335" y="2355850"/>
-            <a:ext cx="5349240" cy="3415030"/>
-          </a:xfrm>
-          <a:prstGeom prst="rect">
-            <a:avLst/>
-          </a:prstGeom>
-          <a:noFill/>
-        </p:spPr>
-        <p:txBody>
-          <a:bodyPr wrap="square" rtlCol="0">
-            <a:spAutoFit/>
-          </a:bodyPr>
-          <a:p>
-            <a:r>
-              <a:rPr lang="en-IN" altLang="en-US" b="1"/>
-              <a:t>PROJECT</a:t>
-            </a:r>
-            <a:endParaRPr lang="en-IN" altLang="en-US" b="1"/>
-          </a:p>
-          <a:p>
-            <a:r>
-              <a:rPr lang="en-US" altLang="en-US"/>
-              <a:t>https://www.geeksforgeeks.org/twitter-sentiment-analysis-using-python/</a:t>
-            </a:r>
-            <a:endParaRPr lang="en-US" altLang="en-US"/>
-          </a:p>
-          <a:p>
-            <a:r>
-              <a:rPr lang="en-US" altLang="en-US"/>
-              <a:t>https://www.geeksforgeeks.org/next-sentence-prediction-using-bert/</a:t>
-            </a:r>
-            <a:endParaRPr lang="en-US" altLang="en-US"/>
-          </a:p>
-          <a:p>
-            <a:endParaRPr lang="en-US" altLang="en-US"/>
-          </a:p>
-          <a:p>
-            <a:r>
-              <a:rPr lang="en-US" altLang="en-US"/>
-              <a:t>https://www.geeksforgeeks.org/fine-tuning-bert-model-for-sentiment-analysis/</a:t>
-            </a:r>
-            <a:endParaRPr lang="en-US" altLang="en-US"/>
-          </a:p>
-          <a:p>
-            <a:r>
-              <a:rPr lang="en-US" altLang="en-US"/>
-              <a:t>https://www.geeksforgeeks.org/sentiment-classification-using-bert/</a:t>
-            </a:r>
-            <a:endParaRPr lang="en-US" altLang="en-US"/>
-          </a:p>
-          <a:p>
-            <a:r>
-              <a:rPr lang="en-US" altLang="en-US"/>
-              <a:t>https://www.geeksforgeeks.org/sentiment-analysis-with-an-recurrent-neural-networks-rnn/</a:t>
-            </a:r>
-            <a:endParaRPr lang="en-US" altLang="en-US"/>
-          </a:p>
-        </p:txBody>
-      </p:sp>
-      <p:sp>
-        <p:nvSpPr>
-          <p:cNvPr id="8" name="Text Box 7"/>
-          <p:cNvSpPr txBox="1"/>
-          <p:nvPr/>
-        </p:nvSpPr>
-        <p:spPr>
-          <a:xfrm>
-            <a:off x="5996305" y="359410"/>
-            <a:ext cx="6096000" cy="368300"/>
-          </a:xfrm>
-          <a:prstGeom prst="rect">
-            <a:avLst/>
-          </a:prstGeom>
-          <a:noFill/>
-        </p:spPr>
-        <p:txBody>
-          <a:bodyPr wrap="square" rtlCol="0" anchor="t">
-            <a:spAutoFit/>
-          </a:bodyPr>
-          <a:p>
-            <a:r>
-              <a:rPr lang="en-US" altLang="en-US"/>
-              <a:t>https://www.geeksforgeeks.org/ai-ml-ds-projects/?ref=lbp</a:t>
-            </a:r>
-            <a:endParaRPr lang="en-US"/>
+            <a:pPr>
+              <a:spcAft>
+                <a:spcPct val="60000"/>
+              </a:spcAft>
+            </a:pPr>
+            <a:r>
+              <a:rPr sz="2300" b="1"/>
+              <a:t>😊 Step 7: Sentiment Analysis</a:t>
+            </a:r>
+            <a:endParaRPr sz="2300" b="1"/>
+          </a:p>
+          <a:p>
+            <a:r>
+              <a:rPr sz="1600"/>
+              <a:t>python</a:t>
+            </a:r>
+            <a:endParaRPr sz="1600"/>
+          </a:p>
+          <a:p>
+            <a:r>
+              <a:rPr sz="1600"/>
+              <a:t>CopyEdit</a:t>
+            </a:r>
+            <a:endParaRPr sz="1600"/>
+          </a:p>
+          <a:p>
+            <a:r>
+              <a:rPr sz="1600"/>
+              <a:t>blob = TextBlob(text)
+print("Sentiment Polarity:", blob.sentiment.polarity)
+print("Sentiment Subjectivity:", blob.sentiment.subjectivity)
+if blob.sentiment.polarity &gt; 0:
+    print("Overall Sentiment: Positive")
+elif blob.sentiment.polarity &lt; 0:
+    print("Overall Sentiment: Negative")
+else:
+    print("Overall Sentiment: Neutral")</a:t>
+            </a:r>
+            <a:endParaRPr sz="1600"/>
           </a:p>
         </p:txBody>
       </p:sp>
@@ -4057,8 +3699,279 @@
         </p:nvSpPr>
         <p:spPr>
           <a:xfrm>
-            <a:off x="3048000" y="3106420"/>
-            <a:ext cx="6096000" cy="3138170"/>
+            <a:off x="1862455" y="893128"/>
+            <a:ext cx="5080000" cy="2535555"/>
+          </a:xfrm>
+          <a:prstGeom prst="rect">
+            <a:avLst/>
+          </a:prstGeom>
+        </p:spPr>
+        <p:txBody>
+          <a:bodyPr>
+            <a:spAutoFit/>
+          </a:bodyPr>
+          <a:p>
+            <a:pPr>
+              <a:spcAft>
+                <a:spcPct val="60000"/>
+              </a:spcAft>
+            </a:pPr>
+            <a:r>
+              <a:rPr sz="2300" b="1"/>
+              <a:t>⭐ Bonus: Named Entity Recognition using spaCy</a:t>
+            </a:r>
+            <a:endParaRPr sz="2300" b="1"/>
+          </a:p>
+          <a:p>
+            <a:r>
+              <a:rPr sz="1600"/>
+              <a:t>python</a:t>
+            </a:r>
+            <a:endParaRPr sz="1600"/>
+          </a:p>
+          <a:p>
+            <a:r>
+              <a:rPr sz="1600"/>
+              <a:t>CopyEdit</a:t>
+            </a:r>
+            <a:endParaRPr sz="1600"/>
+          </a:p>
+          <a:p>
+            <a:r>
+              <a:rPr sz="1600"/>
+              <a:t>doc = nlp(text)
+print("Named Entities:")
+for ent in doc.ents:
+    print(ent.text, "|", ent.label_)</a:t>
+            </a:r>
+            <a:endParaRPr sz="1600"/>
+          </a:p>
+        </p:txBody>
+      </p:sp>
+    </p:spTree>
+  </p:cSld>
+  <p:clrMapOvr>
+    <a:masterClrMapping/>
+  </p:clrMapOvr>
+</p:sld>
+</file>
+
+<file path=ppt/slides/slide13.xml><?xml version="1.0" encoding="utf-8"?>
+<p:sld xmlns:a="http://schemas.openxmlformats.org/drawingml/2006/main" xmlns:r="http://schemas.openxmlformats.org/officeDocument/2006/relationships" xmlns:p="http://schemas.openxmlformats.org/presentationml/2006/main">
+  <p:cSld>
+    <p:spTree>
+      <p:nvGrpSpPr>
+        <p:cNvPr id="1" name=""/>
+        <p:cNvGrpSpPr/>
+        <p:nvPr/>
+      </p:nvGrpSpPr>
+      <p:grpSpPr/>
+      <p:sp>
+        <p:nvSpPr>
+          <p:cNvPr id="2" name="Text Box 1"/>
+          <p:cNvSpPr txBox="1"/>
+          <p:nvPr/>
+        </p:nvSpPr>
+        <p:spPr>
+          <a:xfrm>
+            <a:off x="998855" y="248285"/>
+            <a:ext cx="6096000" cy="768350"/>
+          </a:xfrm>
+          <a:prstGeom prst="rect">
+            <a:avLst/>
+          </a:prstGeom>
+          <a:noFill/>
+        </p:spPr>
+        <p:txBody>
+          <a:bodyPr wrap="square" rtlCol="0" anchor="t">
+            <a:spAutoFit/>
+          </a:bodyPr>
+          <a:p>
+            <a:r>
+              <a:rPr lang="en-IN" altLang="en-US" sz="4400" b="1">
+                <a:solidFill>
+                  <a:srgbClr val="FF0000"/>
+                </a:solidFill>
+                <a:effectLst>
+                  <a:outerShdw blurRad="38100" dist="38100" dir="2700000" algn="tl">
+                    <a:srgbClr val="000000">
+                      <a:alpha val="43137"/>
+                    </a:srgbClr>
+                  </a:outerShdw>
+                </a:effectLst>
+                <a:sym typeface="+mn-ea"/>
+              </a:rPr>
+              <a:t>NLP</a:t>
+            </a:r>
+            <a:endParaRPr lang="en-IN" altLang="en-US" sz="4400" b="1">
+              <a:solidFill>
+                <a:srgbClr val="FF0000"/>
+              </a:solidFill>
+              <a:effectLst>
+                <a:outerShdw blurRad="38100" dist="38100" dir="2700000" algn="tl">
+                  <a:srgbClr val="000000">
+                    <a:alpha val="43137"/>
+                  </a:srgbClr>
+                </a:outerShdw>
+              </a:effectLst>
+              <a:sym typeface="+mn-ea"/>
+            </a:endParaRPr>
+          </a:p>
+        </p:txBody>
+      </p:sp>
+      <p:sp>
+        <p:nvSpPr>
+          <p:cNvPr id="4" name="Text Box 3"/>
+          <p:cNvSpPr txBox="1"/>
+          <p:nvPr/>
+        </p:nvSpPr>
+        <p:spPr>
+          <a:xfrm>
+            <a:off x="362585" y="1119505"/>
+            <a:ext cx="9230360" cy="368300"/>
+          </a:xfrm>
+          <a:prstGeom prst="rect">
+            <a:avLst/>
+          </a:prstGeom>
+          <a:noFill/>
+        </p:spPr>
+        <p:txBody>
+          <a:bodyPr wrap="square" rtlCol="0" anchor="t">
+            <a:spAutoFit/>
+          </a:bodyPr>
+          <a:p>
+            <a:r>
+              <a:rPr lang="en-US" altLang="en-US" b="1"/>
+              <a:t>https://www.geeksforgeeks.org/natural-language-processing-nlp-tutorial</a:t>
+            </a:r>
+            <a:endParaRPr lang="en-US" b="1"/>
+          </a:p>
+        </p:txBody>
+      </p:sp>
+      <p:sp>
+        <p:nvSpPr>
+          <p:cNvPr id="7" name="Text Box 6"/>
+          <p:cNvSpPr txBox="1"/>
+          <p:nvPr/>
+        </p:nvSpPr>
+        <p:spPr>
+          <a:xfrm>
+            <a:off x="267335" y="2355850"/>
+            <a:ext cx="5349240" cy="3415030"/>
+          </a:xfrm>
+          <a:prstGeom prst="rect">
+            <a:avLst/>
+          </a:prstGeom>
+          <a:noFill/>
+        </p:spPr>
+        <p:txBody>
+          <a:bodyPr wrap="square" rtlCol="0">
+            <a:spAutoFit/>
+          </a:bodyPr>
+          <a:p>
+            <a:r>
+              <a:rPr lang="en-IN" altLang="en-US" b="1"/>
+              <a:t>PROJECT</a:t>
+            </a:r>
+            <a:endParaRPr lang="en-IN" altLang="en-US" b="1"/>
+          </a:p>
+          <a:p>
+            <a:r>
+              <a:rPr lang="en-US" altLang="en-US"/>
+              <a:t>https://www.geeksforgeeks.org/twitter-sentiment-analysis-using-python/</a:t>
+            </a:r>
+            <a:endParaRPr lang="en-US" altLang="en-US"/>
+          </a:p>
+          <a:p>
+            <a:r>
+              <a:rPr lang="en-US" altLang="en-US"/>
+              <a:t>https://www.geeksforgeeks.org/next-sentence-prediction-using-bert/</a:t>
+            </a:r>
+            <a:endParaRPr lang="en-US" altLang="en-US"/>
+          </a:p>
+          <a:p>
+            <a:endParaRPr lang="en-US" altLang="en-US"/>
+          </a:p>
+          <a:p>
+            <a:r>
+              <a:rPr lang="en-US" altLang="en-US"/>
+              <a:t>https://www.geeksforgeeks.org/fine-tuning-bert-model-for-sentiment-analysis/</a:t>
+            </a:r>
+            <a:endParaRPr lang="en-US" altLang="en-US"/>
+          </a:p>
+          <a:p>
+            <a:r>
+              <a:rPr lang="en-US" altLang="en-US"/>
+              <a:t>https://www.geeksforgeeks.org/sentiment-classification-using-bert/</a:t>
+            </a:r>
+            <a:endParaRPr lang="en-US" altLang="en-US"/>
+          </a:p>
+          <a:p>
+            <a:r>
+              <a:rPr lang="en-US" altLang="en-US"/>
+              <a:t>https://www.geeksforgeeks.org/sentiment-analysis-with-an-recurrent-neural-networks-rnn/</a:t>
+            </a:r>
+            <a:endParaRPr lang="en-US" altLang="en-US"/>
+          </a:p>
+        </p:txBody>
+      </p:sp>
+      <p:sp>
+        <p:nvSpPr>
+          <p:cNvPr id="8" name="Text Box 7"/>
+          <p:cNvSpPr txBox="1"/>
+          <p:nvPr/>
+        </p:nvSpPr>
+        <p:spPr>
+          <a:xfrm>
+            <a:off x="5996305" y="359410"/>
+            <a:ext cx="6096000" cy="368300"/>
+          </a:xfrm>
+          <a:prstGeom prst="rect">
+            <a:avLst/>
+          </a:prstGeom>
+          <a:noFill/>
+        </p:spPr>
+        <p:txBody>
+          <a:bodyPr wrap="square" rtlCol="0" anchor="t">
+            <a:spAutoFit/>
+          </a:bodyPr>
+          <a:p>
+            <a:r>
+              <a:rPr lang="en-US" altLang="en-US"/>
+              <a:t>https://www.geeksforgeeks.org/ai-ml-ds-projects/?ref=lbp</a:t>
+            </a:r>
+            <a:endParaRPr lang="en-US"/>
+          </a:p>
+        </p:txBody>
+      </p:sp>
+    </p:spTree>
+  </p:cSld>
+  <p:clrMapOvr>
+    <a:masterClrMapping/>
+  </p:clrMapOvr>
+</p:sld>
+</file>
+
+<file path=ppt/slides/slide14.xml><?xml version="1.0" encoding="utf-8"?>
+<p:sld xmlns:a="http://schemas.openxmlformats.org/drawingml/2006/main" xmlns:r="http://schemas.openxmlformats.org/officeDocument/2006/relationships" xmlns:p="http://schemas.openxmlformats.org/presentationml/2006/main">
+  <p:cSld>
+    <p:spTree>
+      <p:nvGrpSpPr>
+        <p:cNvPr id="1" name=""/>
+        <p:cNvGrpSpPr/>
+        <p:nvPr/>
+      </p:nvGrpSpPr>
+      <p:grpSpPr/>
+      <p:sp>
+        <p:nvSpPr>
+          <p:cNvPr id="2" name="Text Box 1"/>
+          <p:cNvSpPr txBox="1"/>
+          <p:nvPr/>
+        </p:nvSpPr>
+        <p:spPr>
+          <a:xfrm>
+            <a:off x="421005" y="832485"/>
+            <a:ext cx="10677525" cy="2306955"/>
           </a:xfrm>
           <a:prstGeom prst="rect">
             <a:avLst/>
@@ -6260,6 +6173,723 @@
 </file>
 
 <file path=ppt/slides/slide4.xml><?xml version="1.0" encoding="utf-8"?>
+<p:sld xmlns:a="http://schemas.openxmlformats.org/drawingml/2006/main" xmlns:r="http://schemas.openxmlformats.org/officeDocument/2006/relationships" xmlns:p="http://schemas.openxmlformats.org/presentationml/2006/main">
+  <p:cSld>
+    <p:spTree>
+      <p:nvGrpSpPr>
+        <p:cNvPr id="1" name=""/>
+        <p:cNvGrpSpPr/>
+        <p:nvPr/>
+      </p:nvGrpSpPr>
+      <p:grpSpPr/>
+      <p:sp>
+        <p:nvSpPr>
+          <p:cNvPr id="3" name="Text Box 2"/>
+          <p:cNvSpPr txBox="1"/>
+          <p:nvPr/>
+        </p:nvSpPr>
+        <p:spPr>
+          <a:xfrm>
+            <a:off x="455295" y="288925"/>
+            <a:ext cx="3290570" cy="1753235"/>
+          </a:xfrm>
+          <a:prstGeom prst="rect">
+            <a:avLst/>
+          </a:prstGeom>
+          <a:noFill/>
+        </p:spPr>
+        <p:txBody>
+          <a:bodyPr wrap="square" rtlCol="0">
+            <a:spAutoFit/>
+          </a:bodyPr>
+          <a:p>
+            <a:pPr indent="0">
+              <a:buFont typeface="Arial" panose="020B0604020202020204" pitchFamily="34" charset="0"/>
+              <a:buNone/>
+            </a:pPr>
+            <a:r>
+              <a:rPr lang="en-US" altLang="en-IN" b="1">
+                <a:solidFill>
+                  <a:srgbClr val="FF0000"/>
+                </a:solidFill>
+              </a:rPr>
+              <a:t>Use NLP </a:t>
+            </a:r>
+            <a:endParaRPr lang="en-IN" altLang="en-US" b="1">
+              <a:solidFill>
+                <a:srgbClr val="FF0000"/>
+              </a:solidFill>
+            </a:endParaRPr>
+          </a:p>
+          <a:p>
+            <a:pPr marL="285750" indent="-285750">
+              <a:buFont typeface="Arial" panose="020B0604020202020204" pitchFamily="34" charset="0"/>
+              <a:buChar char="•"/>
+            </a:pPr>
+            <a:r>
+              <a:rPr lang="en-IN" altLang="en-US"/>
+              <a:t>Translations</a:t>
+            </a:r>
+            <a:endParaRPr lang="en-IN" altLang="en-US"/>
+          </a:p>
+          <a:p>
+            <a:pPr marL="285750" indent="-285750">
+              <a:buFont typeface="Arial" panose="020B0604020202020204" pitchFamily="34" charset="0"/>
+              <a:buChar char="•"/>
+            </a:pPr>
+            <a:r>
+              <a:rPr lang="en-IN" altLang="en-US"/>
+              <a:t>Text Generations</a:t>
+            </a:r>
+            <a:endParaRPr lang="en-IN" altLang="en-US"/>
+          </a:p>
+          <a:p>
+            <a:pPr marL="285750" indent="-285750">
+              <a:buFont typeface="Arial" panose="020B0604020202020204" pitchFamily="34" charset="0"/>
+              <a:buChar char="•"/>
+            </a:pPr>
+            <a:r>
+              <a:rPr lang="en-IN" altLang="en-US"/>
+              <a:t>text summerization</a:t>
+            </a:r>
+            <a:endParaRPr lang="en-IN" altLang="en-US"/>
+          </a:p>
+          <a:p>
+            <a:pPr marL="285750" indent="-285750">
+              <a:buFont typeface="Arial" panose="020B0604020202020204" pitchFamily="34" charset="0"/>
+              <a:buChar char="•"/>
+            </a:pPr>
+            <a:r>
+              <a:rPr lang="en-IN" altLang="en-US"/>
+              <a:t>speech to text , text to speech</a:t>
+            </a:r>
+            <a:endParaRPr lang="en-IN" altLang="en-US"/>
+          </a:p>
+          <a:p>
+            <a:pPr marL="285750" indent="-285750">
+              <a:buFont typeface="Arial" panose="020B0604020202020204" pitchFamily="34" charset="0"/>
+              <a:buChar char="•"/>
+            </a:pPr>
+            <a:endParaRPr lang="en-IN" altLang="en-US"/>
+          </a:p>
+        </p:txBody>
+      </p:sp>
+      <p:sp>
+        <p:nvSpPr>
+          <p:cNvPr id="5" name="Text Box 4"/>
+          <p:cNvSpPr txBox="1"/>
+          <p:nvPr/>
+        </p:nvSpPr>
+        <p:spPr>
+          <a:xfrm>
+            <a:off x="8736330" y="2558415"/>
+            <a:ext cx="3456305" cy="2861310"/>
+          </a:xfrm>
+          <a:prstGeom prst="rect">
+            <a:avLst/>
+          </a:prstGeom>
+          <a:noFill/>
+        </p:spPr>
+        <p:txBody>
+          <a:bodyPr wrap="square" rtlCol="0">
+            <a:spAutoFit/>
+          </a:bodyPr>
+          <a:p>
+            <a:r>
+              <a:rPr lang="en-IN" altLang="en-US"/>
+              <a:t>NLP problem Solve</a:t>
+            </a:r>
+            <a:endParaRPr lang="en-IN" altLang="en-US"/>
+          </a:p>
+          <a:p>
+            <a:pPr marL="285750" indent="-285750">
+              <a:buFont typeface="Arial" panose="020B0604020202020204" pitchFamily="34" charset="0"/>
+              <a:buChar char="•"/>
+            </a:pPr>
+            <a:r>
+              <a:rPr lang="en-IN" altLang="en-US"/>
+              <a:t>Clasifications (+ve,-ve  issue classifier,Sentiment analysis</a:t>
+            </a:r>
+            <a:endParaRPr lang="en-IN" altLang="en-US"/>
+          </a:p>
+          <a:p>
+            <a:pPr marL="285750" indent="-285750">
+              <a:buFont typeface="Arial" panose="020B0604020202020204" pitchFamily="34" charset="0"/>
+              <a:buChar char="•"/>
+            </a:pPr>
+            <a:r>
+              <a:rPr lang="en-IN" altLang="en-US"/>
+              <a:t>NER (structure our data)</a:t>
+            </a:r>
+            <a:endParaRPr lang="en-IN" altLang="en-US"/>
+          </a:p>
+          <a:p>
+            <a:pPr marL="285750" indent="-285750">
+              <a:buFont typeface="Arial" panose="020B0604020202020204" pitchFamily="34" charset="0"/>
+              <a:buChar char="•"/>
+            </a:pPr>
+            <a:r>
+              <a:rPr lang="en-IN" altLang="en-US"/>
+              <a:t>Language Modeling</a:t>
+            </a:r>
+            <a:endParaRPr lang="en-IN" altLang="en-US"/>
+          </a:p>
+          <a:p>
+            <a:pPr marL="742950" lvl="1" indent="-285750">
+              <a:buFont typeface="Arial" panose="020B0604020202020204" pitchFamily="34" charset="0"/>
+              <a:buChar char="•"/>
+            </a:pPr>
+            <a:r>
+              <a:rPr lang="en-IN" altLang="en-US"/>
+              <a:t>Q &amp;A</a:t>
+            </a:r>
+            <a:endParaRPr lang="en-IN" altLang="en-US"/>
+          </a:p>
+          <a:p>
+            <a:pPr marL="742950" lvl="1" indent="-285750">
+              <a:buFont typeface="Arial" panose="020B0604020202020204" pitchFamily="34" charset="0"/>
+              <a:buChar char="•"/>
+            </a:pPr>
+            <a:r>
+              <a:rPr lang="en-IN" altLang="en-US"/>
+              <a:t>Translations</a:t>
+            </a:r>
+            <a:endParaRPr lang="en-IN" altLang="en-US"/>
+          </a:p>
+          <a:p>
+            <a:pPr marL="742950" lvl="1" indent="-285750">
+              <a:buFont typeface="Arial" panose="020B0604020202020204" pitchFamily="34" charset="0"/>
+              <a:buChar char="•"/>
+            </a:pPr>
+            <a:r>
+              <a:rPr lang="en-IN" altLang="en-US"/>
+              <a:t>summerizations</a:t>
+            </a:r>
+            <a:endParaRPr lang="en-IN" altLang="en-US"/>
+          </a:p>
+          <a:p>
+            <a:pPr marL="742950" lvl="1" indent="-285750">
+              <a:buFont typeface="Arial" panose="020B0604020202020204" pitchFamily="34" charset="0"/>
+              <a:buChar char="•"/>
+            </a:pPr>
+            <a:r>
+              <a:rPr lang="en-IN" altLang="en-US"/>
+              <a:t>next word generations</a:t>
+            </a:r>
+            <a:endParaRPr lang="en-IN" altLang="en-US"/>
+          </a:p>
+          <a:p>
+            <a:pPr marL="742950" lvl="1" indent="-285750">
+              <a:buFont typeface="Arial" panose="020B0604020202020204" pitchFamily="34" charset="0"/>
+              <a:buChar char="•"/>
+            </a:pPr>
+            <a:endParaRPr lang="en-IN" altLang="en-US"/>
+          </a:p>
+        </p:txBody>
+      </p:sp>
+      <p:sp>
+        <p:nvSpPr>
+          <p:cNvPr id="6" name="Text Box 5"/>
+          <p:cNvSpPr txBox="1"/>
+          <p:nvPr/>
+        </p:nvSpPr>
+        <p:spPr>
+          <a:xfrm>
+            <a:off x="5809615" y="5183505"/>
+            <a:ext cx="2861945" cy="1476375"/>
+          </a:xfrm>
+          <a:prstGeom prst="rect">
+            <a:avLst/>
+          </a:prstGeom>
+          <a:noFill/>
+        </p:spPr>
+        <p:txBody>
+          <a:bodyPr wrap="square" rtlCol="0">
+            <a:spAutoFit/>
+          </a:bodyPr>
+          <a:p>
+            <a:r>
+              <a:rPr lang="en-IN" altLang="en-US"/>
+              <a:t>Language Modeling</a:t>
+            </a:r>
+            <a:endParaRPr lang="en-IN" altLang="en-US"/>
+          </a:p>
+          <a:p>
+            <a:pPr indent="457200"/>
+            <a:r>
+              <a:rPr lang="en-IN" altLang="en-US"/>
+              <a:t>pre deep learning</a:t>
+            </a:r>
+            <a:endParaRPr lang="en-IN" altLang="en-US"/>
+          </a:p>
+          <a:p>
+            <a:pPr marL="457200" lvl="1" indent="457200"/>
+            <a:r>
+              <a:rPr lang="en-IN" altLang="en-US"/>
+              <a:t>N-gram</a:t>
+            </a:r>
+            <a:endParaRPr lang="en-IN" altLang="en-US"/>
+          </a:p>
+          <a:p>
+            <a:pPr marL="457200" lvl="1" indent="457200"/>
+            <a:r>
+              <a:rPr lang="en-IN" altLang="en-US"/>
+              <a:t>Neural network</a:t>
+            </a:r>
+            <a:endParaRPr lang="en-IN" altLang="en-US"/>
+          </a:p>
+          <a:p>
+            <a:pPr marL="457200" lvl="1" indent="457200"/>
+            <a:r>
+              <a:rPr lang="en-IN" altLang="en-US"/>
+              <a:t>RNN</a:t>
+            </a:r>
+            <a:endParaRPr lang="en-IN" altLang="en-US"/>
+          </a:p>
+        </p:txBody>
+      </p:sp>
+      <p:sp>
+        <p:nvSpPr>
+          <p:cNvPr id="2" name="Text Box 1"/>
+          <p:cNvSpPr txBox="1"/>
+          <p:nvPr/>
+        </p:nvSpPr>
+        <p:spPr>
+          <a:xfrm>
+            <a:off x="1102995" y="5419725"/>
+            <a:ext cx="4064000" cy="368300"/>
+          </a:xfrm>
+          <a:prstGeom prst="rect">
+            <a:avLst/>
+          </a:prstGeom>
+          <a:noFill/>
+        </p:spPr>
+        <p:txBody>
+          <a:bodyPr wrap="square" rtlCol="0">
+            <a:spAutoFit/>
+          </a:bodyPr>
+          <a:p>
+            <a:r>
+              <a:rPr lang="en-US"/>
+              <a:t>Swiggy Review Analysis</a:t>
+            </a:r>
+            <a:endParaRPr lang="en-US"/>
+          </a:p>
+        </p:txBody>
+      </p:sp>
+      <p:sp>
+        <p:nvSpPr>
+          <p:cNvPr id="4" name="Text Box 3"/>
+          <p:cNvSpPr txBox="1"/>
+          <p:nvPr/>
+        </p:nvSpPr>
+        <p:spPr>
+          <a:xfrm>
+            <a:off x="1553210" y="3093720"/>
+            <a:ext cx="4064000" cy="1198880"/>
+          </a:xfrm>
+          <a:prstGeom prst="rect">
+            <a:avLst/>
+          </a:prstGeom>
+          <a:noFill/>
+        </p:spPr>
+        <p:txBody>
+          <a:bodyPr wrap="square" rtlCol="0">
+            <a:spAutoFit/>
+          </a:bodyPr>
+          <a:p>
+            <a:r>
+              <a:rPr lang="en-US"/>
+              <a:t>In ML any feature sequence not matter but in nlp matters</a:t>
+            </a:r>
+            <a:endParaRPr lang="en-US"/>
+          </a:p>
+          <a:p>
+            <a:endParaRPr lang="en-US"/>
+          </a:p>
+          <a:p>
+            <a:r>
+              <a:rPr lang="en-US"/>
+              <a:t>like pizza or pizzas  --&gt;same na</a:t>
+            </a:r>
+            <a:endParaRPr lang="en-US"/>
+          </a:p>
+        </p:txBody>
+      </p:sp>
+    </p:spTree>
+  </p:cSld>
+  <p:clrMapOvr>
+    <a:masterClrMapping/>
+  </p:clrMapOvr>
+</p:sld>
+</file>
+
+<file path=ppt/slides/slide5.xml><?xml version="1.0" encoding="utf-8"?>
+<p:sld xmlns:a="http://schemas.openxmlformats.org/drawingml/2006/main" xmlns:r="http://schemas.openxmlformats.org/officeDocument/2006/relationships" xmlns:p="http://schemas.openxmlformats.org/presentationml/2006/main">
+  <p:cSld>
+    <p:spTree>
+      <p:nvGrpSpPr>
+        <p:cNvPr id="1" name=""/>
+        <p:cNvGrpSpPr/>
+        <p:nvPr/>
+      </p:nvGrpSpPr>
+      <p:grpSpPr/>
+      <p:sp>
+        <p:nvSpPr>
+          <p:cNvPr id="2" name="Text Box 1"/>
+          <p:cNvSpPr txBox="1"/>
+          <p:nvPr/>
+        </p:nvSpPr>
+        <p:spPr>
+          <a:xfrm>
+            <a:off x="434975" y="382270"/>
+            <a:ext cx="4064000" cy="3507740"/>
+          </a:xfrm>
+          <a:prstGeom prst="rect">
+            <a:avLst/>
+          </a:prstGeom>
+          <a:noFill/>
+        </p:spPr>
+        <p:txBody>
+          <a:bodyPr wrap="square" rtlCol="0">
+            <a:spAutoFit/>
+          </a:bodyPr>
+          <a:p>
+            <a:r>
+              <a:rPr lang="en-US" sz="2400" b="1"/>
+              <a:t>Step</a:t>
+            </a:r>
+            <a:r>
+              <a:rPr lang="en-US"/>
+              <a:t>s</a:t>
+            </a:r>
+            <a:endParaRPr lang="en-US"/>
+          </a:p>
+          <a:p>
+            <a:r>
+              <a:rPr lang="en-US"/>
+              <a:t>nlp </a:t>
+            </a:r>
+            <a:endParaRPr lang="en-US"/>
+          </a:p>
+          <a:p>
+            <a:r>
+              <a:rPr lang="en-US"/>
+              <a:t>clean text-&gt;lower,uper,remove special char</a:t>
+            </a:r>
+            <a:endParaRPr lang="en-US"/>
+          </a:p>
+          <a:p>
+            <a:r>
+              <a:rPr lang="en-US"/>
+              <a:t>Tokenizations --&gt; word,sentence, stopswords removel,lemmitations, steeming</a:t>
+            </a:r>
+            <a:endParaRPr lang="en-US"/>
+          </a:p>
+          <a:p>
+            <a:endParaRPr lang="en-US"/>
+          </a:p>
+          <a:p>
+            <a:r>
+              <a:rPr lang="en-US"/>
+              <a:t>convert words/text representations</a:t>
+            </a:r>
+            <a:endParaRPr lang="en-US"/>
+          </a:p>
+          <a:p>
+            <a:pPr indent="457200"/>
+            <a:r>
+              <a:rPr lang="en-US"/>
+              <a:t>BOW,</a:t>
+            </a:r>
+            <a:endParaRPr lang="en-US"/>
+          </a:p>
+          <a:p>
+            <a:pPr indent="457200"/>
+            <a:endParaRPr lang="en-US"/>
+          </a:p>
+          <a:p>
+            <a:endParaRPr lang="en-US"/>
+          </a:p>
+        </p:txBody>
+      </p:sp>
+      <p:sp>
+        <p:nvSpPr>
+          <p:cNvPr id="3" name="Text Box 2"/>
+          <p:cNvSpPr txBox="1"/>
+          <p:nvPr/>
+        </p:nvSpPr>
+        <p:spPr>
+          <a:xfrm>
+            <a:off x="2425065" y="0"/>
+            <a:ext cx="9766300" cy="5459730"/>
+          </a:xfrm>
+          <a:prstGeom prst="rect">
+            <a:avLst/>
+          </a:prstGeom>
+        </p:spPr>
+        <p:txBody>
+          <a:bodyPr wrap="square">
+            <a:spAutoFit/>
+          </a:bodyPr>
+          <a:p>
+            <a:pPr marL="285750" indent="-285750">
+              <a:lnSpc>
+                <a:spcPct val="100000"/>
+              </a:lnSpc>
+              <a:spcBef>
+                <a:spcPts val="2100"/>
+              </a:spcBef>
+              <a:spcAft>
+                <a:spcPts val="1000"/>
+              </a:spcAft>
+              <a:buFont typeface="Arial" panose="020B0604020202020204" pitchFamily="34" charset="0"/>
+              <a:buChar char="•"/>
+            </a:pPr>
+            <a:r>
+              <a:rPr sz="1400" b="1" i="0">
+                <a:solidFill>
+                  <a:srgbClr val="111827"/>
+                </a:solidFill>
+                <a:latin typeface="Inter"/>
+                <a:ea typeface="Inter"/>
+              </a:rPr>
+              <a:t>What is Natural Language Processing (NLP)</a:t>
+            </a:r>
+            <a:endParaRPr sz="1400" b="1" i="0">
+              <a:solidFill>
+                <a:srgbClr val="111827"/>
+              </a:solidFill>
+              <a:latin typeface="Inter"/>
+              <a:ea typeface="Inter"/>
+            </a:endParaRPr>
+          </a:p>
+          <a:p>
+            <a:pPr marL="285750" indent="-285750">
+              <a:lnSpc>
+                <a:spcPct val="100000"/>
+              </a:lnSpc>
+              <a:spcBef>
+                <a:spcPts val="2100"/>
+              </a:spcBef>
+              <a:spcAft>
+                <a:spcPts val="1000"/>
+              </a:spcAft>
+              <a:buFont typeface="Arial" panose="020B0604020202020204" pitchFamily="34" charset="0"/>
+              <a:buChar char="•"/>
+            </a:pPr>
+            <a:r>
+              <a:rPr lang="en-US" altLang="en-US" sz="1400" b="1">
+                <a:solidFill>
+                  <a:srgbClr val="111827"/>
+                </a:solidFill>
+                <a:latin typeface="Inter"/>
+                <a:ea typeface="Inter"/>
+                <a:sym typeface="+mn-ea"/>
+              </a:rPr>
+              <a:t>Why Does Natural Language Processing (NLP) Matter?</a:t>
+            </a:r>
+            <a:endParaRPr lang="en-US" altLang="en-US" sz="1400" b="1" i="0">
+              <a:solidFill>
+                <a:srgbClr val="111827"/>
+              </a:solidFill>
+              <a:latin typeface="Inter"/>
+              <a:ea typeface="Inter"/>
+            </a:endParaRPr>
+          </a:p>
+          <a:p>
+            <a:pPr marL="285750" indent="-285750">
+              <a:lnSpc>
+                <a:spcPct val="100000"/>
+              </a:lnSpc>
+              <a:spcBef>
+                <a:spcPts val="2100"/>
+              </a:spcBef>
+              <a:spcAft>
+                <a:spcPts val="1000"/>
+              </a:spcAft>
+              <a:buFont typeface="Arial" panose="020B0604020202020204" pitchFamily="34" charset="0"/>
+              <a:buChar char="•"/>
+            </a:pPr>
+            <a:r>
+              <a:rPr lang="en-US" altLang="en-US" sz="1400" b="1" i="0">
+                <a:solidFill>
+                  <a:srgbClr val="111827"/>
+                </a:solidFill>
+                <a:latin typeface="Inter"/>
+                <a:ea typeface="Inter"/>
+              </a:rPr>
+              <a:t>What is Natural Language Processing (NLP) Used For?</a:t>
+            </a:r>
+            <a:endParaRPr lang="en-US" altLang="en-US" sz="1400" b="1" i="0">
+              <a:solidFill>
+                <a:srgbClr val="111827"/>
+              </a:solidFill>
+              <a:latin typeface="Inter"/>
+              <a:ea typeface="Inter"/>
+            </a:endParaRPr>
+          </a:p>
+          <a:p>
+            <a:pPr marL="742950" lvl="1" indent="-285750">
+              <a:lnSpc>
+                <a:spcPct val="100000"/>
+              </a:lnSpc>
+              <a:spcBef>
+                <a:spcPts val="2100"/>
+              </a:spcBef>
+              <a:spcAft>
+                <a:spcPts val="1000"/>
+              </a:spcAft>
+              <a:buFont typeface="Arial" panose="020B0604020202020204" pitchFamily="34" charset="0"/>
+              <a:buChar char="•"/>
+            </a:pPr>
+            <a:r>
+              <a:rPr lang="en-US" altLang="en-US" sz="1400" b="1" i="0">
+                <a:solidFill>
+                  <a:srgbClr val="111827"/>
+                </a:solidFill>
+                <a:latin typeface="Inter"/>
+                <a:ea typeface="Inter"/>
+              </a:rPr>
+              <a:t>Sentiment analysis is the process of classifying the emotional intent of text. Toxicity classification,Machine translation, Named entity recognition , Spam detection ,Grammatical error correction,Topic modeling ,Text generation</a:t>
+            </a:r>
+            <a:endParaRPr lang="en-US" altLang="en-US" sz="1400" b="1" i="0">
+              <a:solidFill>
+                <a:srgbClr val="111827"/>
+              </a:solidFill>
+              <a:latin typeface="Inter"/>
+              <a:ea typeface="Inter"/>
+            </a:endParaRPr>
+          </a:p>
+          <a:p>
+            <a:pPr marL="742950" lvl="1" indent="-285750">
+              <a:lnSpc>
+                <a:spcPct val="100000"/>
+              </a:lnSpc>
+              <a:spcBef>
+                <a:spcPts val="2100"/>
+              </a:spcBef>
+              <a:spcAft>
+                <a:spcPts val="1000"/>
+              </a:spcAft>
+              <a:buFont typeface="Arial" panose="020B0604020202020204" pitchFamily="34" charset="0"/>
+              <a:buChar char="•"/>
+            </a:pPr>
+            <a:r>
+              <a:rPr lang="en-US" altLang="en-US" sz="1400" b="1" i="0">
+                <a:solidFill>
+                  <a:srgbClr val="111827"/>
+                </a:solidFill>
+                <a:latin typeface="Inter"/>
+                <a:ea typeface="Inter"/>
+              </a:rPr>
+              <a:t>Text generation has been performed using Markov processes, LSTMs, BERT, GPT-2, LaMDA, and other approaches. It’s particularly useful for autocomplete and chatbots.  types(Autocomplete , Chatbots ) Information retrieval finds the documents that are most relevant to a query.</a:t>
+            </a:r>
+            <a:endParaRPr lang="en-US" altLang="en-US" sz="1400" b="1" i="0">
+              <a:solidFill>
+                <a:srgbClr val="111827"/>
+              </a:solidFill>
+              <a:latin typeface="Inter"/>
+              <a:ea typeface="Inter"/>
+            </a:endParaRPr>
+          </a:p>
+          <a:p>
+            <a:pPr marL="285750" lvl="0" indent="-285750">
+              <a:lnSpc>
+                <a:spcPct val="100000"/>
+              </a:lnSpc>
+              <a:spcBef>
+                <a:spcPts val="2100"/>
+              </a:spcBef>
+              <a:spcAft>
+                <a:spcPts val="1000"/>
+              </a:spcAft>
+              <a:buFont typeface="Arial" panose="020B0604020202020204" pitchFamily="34" charset="0"/>
+              <a:buChar char="•"/>
+            </a:pPr>
+            <a:r>
+              <a:rPr lang="en-US" altLang="en-US" sz="1400" b="1" i="0">
+                <a:solidFill>
+                  <a:srgbClr val="111827"/>
+                </a:solidFill>
+                <a:latin typeface="Inter"/>
+                <a:ea typeface="Inter"/>
+              </a:rPr>
+              <a:t>How Does Natural Language Processing (NLP) Work?</a:t>
+            </a:r>
+            <a:endParaRPr lang="en-US" altLang="en-US" sz="1400" b="1" i="0">
+              <a:solidFill>
+                <a:srgbClr val="111827"/>
+              </a:solidFill>
+              <a:latin typeface="Inter"/>
+              <a:ea typeface="Inter"/>
+            </a:endParaRPr>
+          </a:p>
+          <a:p>
+            <a:pPr marL="742950" lvl="1" indent="-285750">
+              <a:lnSpc>
+                <a:spcPct val="100000"/>
+              </a:lnSpc>
+              <a:spcBef>
+                <a:spcPts val="2100"/>
+              </a:spcBef>
+              <a:spcAft>
+                <a:spcPts val="1000"/>
+              </a:spcAft>
+              <a:buFont typeface="Arial" panose="020B0604020202020204" pitchFamily="34" charset="0"/>
+              <a:buChar char="•"/>
+            </a:pPr>
+            <a:r>
+              <a:rPr lang="en-US" altLang="en-US" sz="1400" b="1" i="0">
+                <a:solidFill>
+                  <a:srgbClr val="111827"/>
+                </a:solidFill>
+                <a:latin typeface="Inter"/>
+                <a:ea typeface="Inter"/>
+              </a:rPr>
+              <a:t>Data preprocessing:</a:t>
+            </a:r>
+            <a:endParaRPr lang="en-US" altLang="en-US" sz="1400" b="1" i="0">
+              <a:solidFill>
+                <a:srgbClr val="111827"/>
+              </a:solidFill>
+              <a:latin typeface="Inter"/>
+              <a:ea typeface="Inter"/>
+            </a:endParaRPr>
+          </a:p>
+          <a:p>
+            <a:pPr marL="285750" lvl="0" indent="-285750">
+              <a:lnSpc>
+                <a:spcPct val="100000"/>
+              </a:lnSpc>
+              <a:spcBef>
+                <a:spcPts val="2100"/>
+              </a:spcBef>
+              <a:spcAft>
+                <a:spcPts val="1000"/>
+              </a:spcAft>
+              <a:buFont typeface="Arial" panose="020B0604020202020204" pitchFamily="34" charset="0"/>
+              <a:buChar char="•"/>
+            </a:pPr>
+            <a:endParaRPr lang="en-US" altLang="en-US" sz="1400" b="1" i="0">
+              <a:solidFill>
+                <a:srgbClr val="111827"/>
+              </a:solidFill>
+              <a:latin typeface="Inter"/>
+              <a:ea typeface="Inter"/>
+            </a:endParaRPr>
+          </a:p>
+        </p:txBody>
+      </p:sp>
+    </p:spTree>
+  </p:cSld>
+  <p:clrMapOvr>
+    <a:masterClrMapping/>
+  </p:clrMapOvr>
+</p:sld>
+</file>
+
+<file path=ppt/slides/slide6.xml><?xml version="1.0" encoding="utf-8"?>
 <p:sld xmlns:a="http://schemas.openxmlformats.org/drawingml/2006/main" xmlns:r="http://schemas.openxmlformats.org/officeDocument/2006/relationships" xmlns:p="http://schemas.openxmlformats.org/presentationml/2006/main">
   <p:cSld>
     <p:spTree>
@@ -6675,7 +7305,7 @@
 </p:sld>
 </file>
 
-<file path=ppt/slides/slide5.xml><?xml version="1.0" encoding="utf-8"?>
+<file path=ppt/slides/slide7.xml><?xml version="1.0" encoding="utf-8"?>
 <p:sld xmlns:a="http://schemas.openxmlformats.org/drawingml/2006/main" xmlns:r="http://schemas.openxmlformats.org/officeDocument/2006/relationships" xmlns:p="http://schemas.openxmlformats.org/presentationml/2006/main">
   <p:cSld>
     <p:spTree>
@@ -6955,484 +7585,6 @@
             <a:endParaRPr lang="en-US" sz="1600">
               <a:sym typeface="+mn-ea"/>
             </a:endParaRPr>
-          </a:p>
-        </p:txBody>
-      </p:sp>
-    </p:spTree>
-  </p:cSld>
-  <p:clrMapOvr>
-    <a:masterClrMapping/>
-  </p:clrMapOvr>
-</p:sld>
-</file>
-
-<file path=ppt/slides/slide6.xml><?xml version="1.0" encoding="utf-8"?>
-<p:sld xmlns:a="http://schemas.openxmlformats.org/drawingml/2006/main" xmlns:r="http://schemas.openxmlformats.org/officeDocument/2006/relationships" xmlns:p="http://schemas.openxmlformats.org/presentationml/2006/main">
-  <p:cSld>
-    <p:spTree>
-      <p:nvGrpSpPr>
-        <p:cNvPr id="1" name=""/>
-        <p:cNvGrpSpPr/>
-        <p:nvPr/>
-      </p:nvGrpSpPr>
-      <p:grpSpPr/>
-      <p:sp>
-        <p:nvSpPr>
-          <p:cNvPr id="2" name="Text Box 1"/>
-          <p:cNvSpPr txBox="1"/>
-          <p:nvPr/>
-        </p:nvSpPr>
-        <p:spPr>
-          <a:xfrm>
-            <a:off x="225425" y="247015"/>
-            <a:ext cx="6096000" cy="1198880"/>
-          </a:xfrm>
-          <a:prstGeom prst="rect">
-            <a:avLst/>
-          </a:prstGeom>
-          <a:noFill/>
-        </p:spPr>
-        <p:txBody>
-          <a:bodyPr wrap="square" rtlCol="0" anchor="t">
-            <a:spAutoFit/>
-          </a:bodyPr>
-          <a:p>
-            <a:r>
-              <a:rPr lang="en-US" altLang="en-US" b="1"/>
-              <a:t># Install necessary packages</a:t>
-            </a:r>
-            <a:endParaRPr lang="en-US" altLang="en-US" b="1"/>
-          </a:p>
-          <a:p>
-            <a:r>
-              <a:rPr lang="en-US" altLang="en-US"/>
-              <a:t>!pip install nltk spacy textblob scikit-learn --quiet</a:t>
-            </a:r>
-            <a:endParaRPr lang="en-US" altLang="en-US"/>
-          </a:p>
-          <a:p>
-            <a:r>
-              <a:rPr lang="en-US" altLang="en-US"/>
-              <a:t>!python -m textblob.download_corpora</a:t>
-            </a:r>
-            <a:endParaRPr lang="en-US" altLang="en-US"/>
-          </a:p>
-          <a:p>
-            <a:r>
-              <a:rPr lang="en-US" altLang="en-US"/>
-              <a:t>!python -m spacy download en_core_web_sm</a:t>
-            </a:r>
-            <a:endParaRPr lang="en-US"/>
-          </a:p>
-        </p:txBody>
-      </p:sp>
-      <p:sp>
-        <p:nvSpPr>
-          <p:cNvPr id="3" name="Text Box 2"/>
-          <p:cNvSpPr txBox="1"/>
-          <p:nvPr/>
-        </p:nvSpPr>
-        <p:spPr>
-          <a:xfrm>
-            <a:off x="325755" y="1534795"/>
-            <a:ext cx="5080000" cy="445135"/>
-          </a:xfrm>
-          <a:prstGeom prst="rect">
-            <a:avLst/>
-          </a:prstGeom>
-        </p:spPr>
-        <p:txBody>
-          <a:bodyPr>
-            <a:spAutoFit/>
-          </a:bodyPr>
-          <a:p>
-            <a:pPr>
-              <a:spcAft>
-                <a:spcPct val="60000"/>
-              </a:spcAft>
-            </a:pPr>
-            <a:r>
-              <a:rPr sz="2300" b="1"/>
-              <a:t>Step 1: Basic NLP Setup</a:t>
-            </a:r>
-            <a:endParaRPr sz="1600"/>
-          </a:p>
-        </p:txBody>
-      </p:sp>
-      <p:sp>
-        <p:nvSpPr>
-          <p:cNvPr id="4" name="Text Box 3"/>
-          <p:cNvSpPr txBox="1"/>
-          <p:nvPr/>
-        </p:nvSpPr>
-        <p:spPr>
-          <a:xfrm>
-            <a:off x="518160" y="1979930"/>
-            <a:ext cx="5029835" cy="4246245"/>
-          </a:xfrm>
-          <a:prstGeom prst="rect">
-            <a:avLst/>
-          </a:prstGeom>
-          <a:noFill/>
-        </p:spPr>
-        <p:txBody>
-          <a:bodyPr wrap="square" rtlCol="0" anchor="t">
-            <a:spAutoFit/>
-          </a:bodyPr>
-          <a:p>
-            <a:r>
-              <a:rPr lang="en-US" altLang="en-US"/>
-              <a:t>import nltk</a:t>
-            </a:r>
-            <a:endParaRPr lang="en-US" altLang="en-US"/>
-          </a:p>
-          <a:p>
-            <a:r>
-              <a:rPr lang="en-US" altLang="en-US"/>
-              <a:t>from nltk.corpus import stopwords</a:t>
-            </a:r>
-            <a:endParaRPr lang="en-US" altLang="en-US"/>
-          </a:p>
-          <a:p>
-            <a:r>
-              <a:rPr lang="en-US" altLang="en-US"/>
-              <a:t>from nltk.tokenize import word_tokenize, sent_tokenize</a:t>
-            </a:r>
-            <a:endParaRPr lang="en-US" altLang="en-US"/>
-          </a:p>
-          <a:p>
-            <a:r>
-              <a:rPr lang="en-US" altLang="en-US"/>
-              <a:t>from nltk.stem import PorterStemmer, WordNetLemmatizer</a:t>
-            </a:r>
-            <a:endParaRPr lang="en-US" altLang="en-US"/>
-          </a:p>
-          <a:p>
-            <a:r>
-              <a:rPr lang="en-US" altLang="en-US"/>
-              <a:t>from textblob import TextBlob</a:t>
-            </a:r>
-            <a:endParaRPr lang="en-US" altLang="en-US"/>
-          </a:p>
-          <a:p>
-            <a:r>
-              <a:rPr lang="en-US" altLang="en-US"/>
-              <a:t>import spacy</a:t>
-            </a:r>
-            <a:endParaRPr lang="en-US" altLang="en-US"/>
-          </a:p>
-          <a:p>
-            <a:r>
-              <a:rPr lang="en-US" altLang="en-US"/>
-              <a:t>import pandas as pd</a:t>
-            </a:r>
-            <a:endParaRPr lang="en-US" altLang="en-US"/>
-          </a:p>
-          <a:p>
-            <a:r>
-              <a:rPr lang="en-US" altLang="en-US"/>
-              <a:t>import numpy as np</a:t>
-            </a:r>
-            <a:endParaRPr lang="en-US" altLang="en-US"/>
-          </a:p>
-          <a:p>
-            <a:endParaRPr lang="en-US" altLang="en-US"/>
-          </a:p>
-          <a:p>
-            <a:r>
-              <a:rPr lang="en-US" altLang="en-US"/>
-              <a:t>nltk.download('punkt')</a:t>
-            </a:r>
-            <a:endParaRPr lang="en-US" altLang="en-US"/>
-          </a:p>
-          <a:p>
-            <a:r>
-              <a:rPr lang="en-US" altLang="en-US"/>
-              <a:t>nltk.download('stopwords')</a:t>
-            </a:r>
-            <a:endParaRPr lang="en-US" altLang="en-US"/>
-          </a:p>
-          <a:p>
-            <a:r>
-              <a:rPr lang="en-US" altLang="en-US"/>
-              <a:t>nltk.download('wordnet')</a:t>
-            </a:r>
-            <a:endParaRPr lang="en-US" altLang="en-US"/>
-          </a:p>
-          <a:p>
-            <a:r>
-              <a:rPr lang="en-US" altLang="en-US"/>
-              <a:t>nlp = spacy.load("en_core_web_sm")</a:t>
-            </a:r>
-            <a:endParaRPr lang="en-US"/>
-          </a:p>
-        </p:txBody>
-      </p:sp>
-      <p:sp>
-        <p:nvSpPr>
-          <p:cNvPr id="5" name="Text Box 4"/>
-          <p:cNvSpPr txBox="1"/>
-          <p:nvPr/>
-        </p:nvSpPr>
-        <p:spPr>
-          <a:xfrm>
-            <a:off x="6096000" y="64135"/>
-            <a:ext cx="6096000" cy="2861310"/>
-          </a:xfrm>
-          <a:prstGeom prst="rect">
-            <a:avLst/>
-          </a:prstGeom>
-          <a:noFill/>
-        </p:spPr>
-        <p:txBody>
-          <a:bodyPr wrap="square" rtlCol="0" anchor="t">
-            <a:spAutoFit/>
-          </a:bodyPr>
-          <a:p>
-            <a:r>
-              <a:rPr lang="en-US" altLang="en-US"/>
-              <a:t>text = """Natural Language Processing is an exciting field of AI. </a:t>
-            </a:r>
-            <a:endParaRPr lang="en-US" altLang="en-US"/>
-          </a:p>
-          <a:p>
-            <a:r>
-              <a:rPr lang="en-US" altLang="en-US"/>
-              <a:t>It helps machines understand and interact with human language. </a:t>
-            </a:r>
-            <a:endParaRPr lang="en-US" altLang="en-US"/>
-          </a:p>
-          <a:p>
-            <a:r>
-              <a:rPr lang="en-US" altLang="en-US"/>
-              <a:t>We use it in applications like Siri, Google Translate, and chatbots. </a:t>
-            </a:r>
-            <a:endParaRPr lang="en-US" altLang="en-US"/>
-          </a:p>
-          <a:p>
-            <a:r>
-              <a:rPr lang="en-US" altLang="en-US"/>
-              <a:t>NLP models are trained using large amounts of text data. </a:t>
-            </a:r>
-            <a:endParaRPr lang="en-US" altLang="en-US"/>
-          </a:p>
-          <a:p>
-            <a:r>
-              <a:rPr lang="en-US" altLang="en-US"/>
-              <a:t>It is used in almost every industry today."""</a:t>
-            </a:r>
-            <a:endParaRPr lang="en-US" altLang="en-US"/>
-          </a:p>
-          <a:p>
-            <a:endParaRPr lang="en-US" altLang="en-US"/>
-          </a:p>
-          <a:p>
-            <a:r>
-              <a:rPr lang="en-US" altLang="en-US"/>
-              <a:t>print("Original Paragraph:\n", text)</a:t>
-            </a:r>
-            <a:endParaRPr lang="en-US" altLang="en-US"/>
-          </a:p>
-          <a:p>
-            <a:endParaRPr lang="en-US"/>
-          </a:p>
-        </p:txBody>
-      </p:sp>
-      <p:sp>
-        <p:nvSpPr>
-          <p:cNvPr id="6" name="Text Box 5"/>
-          <p:cNvSpPr txBox="1"/>
-          <p:nvPr/>
-        </p:nvSpPr>
-        <p:spPr>
-          <a:xfrm>
-            <a:off x="6002655" y="2627947"/>
-            <a:ext cx="5080000" cy="2427605"/>
-          </a:xfrm>
-          <a:prstGeom prst="rect">
-            <a:avLst/>
-          </a:prstGeom>
-        </p:spPr>
-        <p:txBody>
-          <a:bodyPr>
-            <a:spAutoFit/>
-          </a:bodyPr>
-          <a:p>
-            <a:pPr>
-              <a:spcAft>
-                <a:spcPct val="60000"/>
-              </a:spcAft>
-            </a:pPr>
-            <a:r>
-              <a:rPr sz="2300" b="1"/>
-              <a:t>Step 3: Tokenization</a:t>
-            </a:r>
-            <a:endParaRPr sz="2300" b="1"/>
-          </a:p>
-          <a:p>
-            <a:r>
-              <a:rPr sz="1600"/>
-              <a:t># Sentence Tokenization
-sentences = sent_tokenize(text)
-print("Sentence Tokenization:\n", sentences)
-# Word Tokenization
-words = word_tokenize(text)
-print("\nWord Tokenization:\n", words)</a:t>
-            </a:r>
-            <a:endParaRPr sz="1600"/>
-          </a:p>
-        </p:txBody>
-      </p:sp>
-      <p:sp>
-        <p:nvSpPr>
-          <p:cNvPr id="7" name="Text Box 6"/>
-          <p:cNvSpPr txBox="1"/>
-          <p:nvPr/>
-        </p:nvSpPr>
-        <p:spPr>
-          <a:xfrm>
-            <a:off x="5929630" y="5054918"/>
-            <a:ext cx="5080000" cy="1689100"/>
-          </a:xfrm>
-          <a:prstGeom prst="rect">
-            <a:avLst/>
-          </a:prstGeom>
-        </p:spPr>
-        <p:txBody>
-          <a:bodyPr>
-            <a:spAutoFit/>
-          </a:bodyPr>
-          <a:p>
-            <a:pPr>
-              <a:spcAft>
-                <a:spcPct val="60000"/>
-              </a:spcAft>
-            </a:pPr>
-            <a:r>
-              <a:rPr sz="2300" b="1"/>
-              <a:t> Step 4: Stopword Removal</a:t>
-            </a:r>
-            <a:endParaRPr sz="2300" b="1"/>
-          </a:p>
-          <a:p>
-            <a:pPr>
-              <a:spcAft>
-                <a:spcPct val="60000"/>
-              </a:spcAft>
-            </a:pPr>
-            <a:r>
-              <a:rPr sz="1600"/>
-              <a:t>stop_words = set(stopwords.words("english"))
-filtered_words = [word for word in words if word.lower() notin stop_words and word.isalpha()]
-print("After Stopword Removal:\n", filtered_words)</a:t>
-            </a:r>
-            <a:endParaRPr sz="1600"/>
-          </a:p>
-        </p:txBody>
-      </p:sp>
-      <p:sp>
-        <p:nvSpPr>
-          <p:cNvPr id="8" name="Text Box 7"/>
-          <p:cNvSpPr txBox="1"/>
-          <p:nvPr/>
-        </p:nvSpPr>
-        <p:spPr>
-          <a:xfrm>
-            <a:off x="0" y="6226175"/>
-            <a:ext cx="6096000" cy="645160"/>
-          </a:xfrm>
-          <a:prstGeom prst="rect">
-            <a:avLst/>
-          </a:prstGeom>
-          <a:noFill/>
-        </p:spPr>
-        <p:txBody>
-          <a:bodyPr wrap="square" rtlCol="0" anchor="t">
-            <a:spAutoFit/>
-          </a:bodyPr>
-          <a:p>
-            <a:r>
-              <a:rPr lang="en-US" altLang="en-US"/>
-              <a:t>https://www.analyticsvidhya.com/blog/2022/01/nlp-tutorials-part-i-from-basics-to-advance/</a:t>
-            </a:r>
-            <a:endParaRPr lang="en-US"/>
-          </a:p>
-        </p:txBody>
-      </p:sp>
-    </p:spTree>
-  </p:cSld>
-  <p:clrMapOvr>
-    <a:masterClrMapping/>
-  </p:clrMapOvr>
-</p:sld>
-</file>
-
-<file path=ppt/slides/slide7.xml><?xml version="1.0" encoding="utf-8"?>
-<p:sld xmlns:a="http://schemas.openxmlformats.org/drawingml/2006/main" xmlns:r="http://schemas.openxmlformats.org/officeDocument/2006/relationships" xmlns:p="http://schemas.openxmlformats.org/presentationml/2006/main">
-  <p:cSld>
-    <p:spTree>
-      <p:nvGrpSpPr>
-        <p:cNvPr id="1" name=""/>
-        <p:cNvGrpSpPr/>
-        <p:nvPr/>
-      </p:nvGrpSpPr>
-      <p:grpSpPr/>
-      <p:sp>
-        <p:nvSpPr>
-          <p:cNvPr id="2" name="Text Box 1"/>
-          <p:cNvSpPr txBox="1"/>
-          <p:nvPr/>
-        </p:nvSpPr>
-        <p:spPr>
-          <a:xfrm>
-            <a:off x="189865" y="187960"/>
-            <a:ext cx="5080000" cy="3658870"/>
-          </a:xfrm>
-          <a:prstGeom prst="rect">
-            <a:avLst/>
-          </a:prstGeom>
-        </p:spPr>
-        <p:txBody>
-          <a:bodyPr>
-            <a:spAutoFit/>
-          </a:bodyPr>
-          <a:p>
-            <a:pPr>
-              <a:spcAft>
-                <a:spcPct val="60000"/>
-              </a:spcAft>
-            </a:pPr>
-            <a:r>
-              <a:rPr sz="2300" b="1"/>
-              <a:t>🌱 Step 5: Stemming and Lemmatization</a:t>
-            </a:r>
-            <a:endParaRPr sz="2300" b="1"/>
-          </a:p>
-          <a:p>
-            <a:r>
-              <a:rPr sz="1600"/>
-              <a:t>python</a:t>
-            </a:r>
-            <a:endParaRPr sz="1600"/>
-          </a:p>
-          <a:p>
-            <a:r>
-              <a:rPr sz="1600"/>
-              <a:t>CopyEdit</a:t>
-            </a:r>
-            <a:endParaRPr sz="1600"/>
-          </a:p>
-          <a:p>
-            <a:r>
-              <a:rPr sz="1600"/>
-              <a:t>stemmer = PorterStemmer()
-lemmatizer = WordNetLemmatizer()
-stemmed = [stemmer.stem(word) for word in filtered_words]
-lemmatized = [lemmatizer.lemmatize(word) for word in filtered_words]
-print("Stemmed Words:\n", stemmed)
-print("Lemmatized Words:\n", lemmatized)</a:t>
-            </a:r>
-            <a:endParaRPr sz="1600"/>
           </a:p>
         </p:txBody>
       </p:sp>
@@ -7462,8 +7614,58 @@
         </p:nvSpPr>
         <p:spPr>
           <a:xfrm>
-            <a:off x="786130" y="201295"/>
-            <a:ext cx="5080000" cy="3905250"/>
+            <a:off x="225425" y="247015"/>
+            <a:ext cx="6096000" cy="1198880"/>
+          </a:xfrm>
+          <a:prstGeom prst="rect">
+            <a:avLst/>
+          </a:prstGeom>
+          <a:noFill/>
+        </p:spPr>
+        <p:txBody>
+          <a:bodyPr wrap="square" rtlCol="0" anchor="t">
+            <a:spAutoFit/>
+          </a:bodyPr>
+          <a:p>
+            <a:r>
+              <a:rPr lang="en-US" altLang="en-US" b="1"/>
+              <a:t># Install necessary packages</a:t>
+            </a:r>
+            <a:endParaRPr lang="en-US" altLang="en-US" b="1"/>
+          </a:p>
+          <a:p>
+            <a:r>
+              <a:rPr lang="en-US" altLang="en-US"/>
+              <a:t>!pip install nltk spacy textblob scikit-learn --quiet</a:t>
+            </a:r>
+            <a:endParaRPr lang="en-US" altLang="en-US"/>
+          </a:p>
+          <a:p>
+            <a:r>
+              <a:rPr lang="en-US" altLang="en-US"/>
+              <a:t>!python -m textblob.download_corpora</a:t>
+            </a:r>
+            <a:endParaRPr lang="en-US" altLang="en-US"/>
+          </a:p>
+          <a:p>
+            <a:r>
+              <a:rPr lang="en-US" altLang="en-US"/>
+              <a:t>!python -m spacy download en_core_web_sm</a:t>
+            </a:r>
+            <a:endParaRPr lang="en-US"/>
+          </a:p>
+        </p:txBody>
+      </p:sp>
+      <p:sp>
+        <p:nvSpPr>
+          <p:cNvPr id="3" name="Text Box 2"/>
+          <p:cNvSpPr txBox="1"/>
+          <p:nvPr/>
+        </p:nvSpPr>
+        <p:spPr>
+          <a:xfrm>
+            <a:off x="325755" y="1534795"/>
+            <a:ext cx="5080000" cy="445135"/>
           </a:xfrm>
           <a:prstGeom prst="rect">
             <a:avLst/>
@@ -7481,36 +7683,309 @@
             </a:pPr>
             <a:r>
               <a:rPr sz="2300" b="1"/>
-              <a:t>🧺 Step 6: Bag of Words Representation</a:t>
+              <a:t>Step 1: Basic NLP Setup</a:t>
+            </a:r>
+            <a:endParaRPr sz="1600"/>
+          </a:p>
+        </p:txBody>
+      </p:sp>
+      <p:sp>
+        <p:nvSpPr>
+          <p:cNvPr id="4" name="Text Box 3"/>
+          <p:cNvSpPr txBox="1"/>
+          <p:nvPr/>
+        </p:nvSpPr>
+        <p:spPr>
+          <a:xfrm>
+            <a:off x="518160" y="1979930"/>
+            <a:ext cx="5029835" cy="4246245"/>
+          </a:xfrm>
+          <a:prstGeom prst="rect">
+            <a:avLst/>
+          </a:prstGeom>
+          <a:noFill/>
+        </p:spPr>
+        <p:txBody>
+          <a:bodyPr wrap="square" rtlCol="0" anchor="t">
+            <a:spAutoFit/>
+          </a:bodyPr>
+          <a:p>
+            <a:r>
+              <a:rPr lang="en-US" altLang="en-US"/>
+              <a:t>import nltk</a:t>
+            </a:r>
+            <a:endParaRPr lang="en-US" altLang="en-US"/>
+          </a:p>
+          <a:p>
+            <a:r>
+              <a:rPr lang="en-US" altLang="en-US"/>
+              <a:t>from nltk.corpus import stopwords</a:t>
+            </a:r>
+            <a:endParaRPr lang="en-US" altLang="en-US"/>
+          </a:p>
+          <a:p>
+            <a:r>
+              <a:rPr lang="en-US" altLang="en-US"/>
+              <a:t>from nltk.tokenize import word_tokenize, sent_tokenize</a:t>
+            </a:r>
+            <a:endParaRPr lang="en-US" altLang="en-US"/>
+          </a:p>
+          <a:p>
+            <a:r>
+              <a:rPr lang="en-US" altLang="en-US"/>
+              <a:t>from nltk.stem import PorterStemmer, WordNetLemmatizer</a:t>
+            </a:r>
+            <a:endParaRPr lang="en-US" altLang="en-US"/>
+          </a:p>
+          <a:p>
+            <a:r>
+              <a:rPr lang="en-US" altLang="en-US"/>
+              <a:t>from textblob import TextBlob</a:t>
+            </a:r>
+            <a:endParaRPr lang="en-US" altLang="en-US"/>
+          </a:p>
+          <a:p>
+            <a:r>
+              <a:rPr lang="en-US" altLang="en-US"/>
+              <a:t>import spacy</a:t>
+            </a:r>
+            <a:endParaRPr lang="en-US" altLang="en-US"/>
+          </a:p>
+          <a:p>
+            <a:r>
+              <a:rPr lang="en-US" altLang="en-US"/>
+              <a:t>import pandas as pd</a:t>
+            </a:r>
+            <a:endParaRPr lang="en-US" altLang="en-US"/>
+          </a:p>
+          <a:p>
+            <a:r>
+              <a:rPr lang="en-US" altLang="en-US"/>
+              <a:t>import numpy as np</a:t>
+            </a:r>
+            <a:endParaRPr lang="en-US" altLang="en-US"/>
+          </a:p>
+          <a:p>
+            <a:endParaRPr lang="en-US" altLang="en-US"/>
+          </a:p>
+          <a:p>
+            <a:r>
+              <a:rPr lang="en-US" altLang="en-US"/>
+              <a:t>nltk.download('punkt')</a:t>
+            </a:r>
+            <a:endParaRPr lang="en-US" altLang="en-US"/>
+          </a:p>
+          <a:p>
+            <a:r>
+              <a:rPr lang="en-US" altLang="en-US"/>
+              <a:t>nltk.download('stopwords')</a:t>
+            </a:r>
+            <a:endParaRPr lang="en-US" altLang="en-US"/>
+          </a:p>
+          <a:p>
+            <a:r>
+              <a:rPr lang="en-US" altLang="en-US"/>
+              <a:t>nltk.download('wordnet')</a:t>
+            </a:r>
+            <a:endParaRPr lang="en-US" altLang="en-US"/>
+          </a:p>
+          <a:p>
+            <a:r>
+              <a:rPr lang="en-US" altLang="en-US"/>
+              <a:t>nlp = spacy.load("en_core_web_sm")</a:t>
+            </a:r>
+            <a:endParaRPr lang="en-US"/>
+          </a:p>
+        </p:txBody>
+      </p:sp>
+      <p:sp>
+        <p:nvSpPr>
+          <p:cNvPr id="5" name="Text Box 4"/>
+          <p:cNvSpPr txBox="1"/>
+          <p:nvPr/>
+        </p:nvSpPr>
+        <p:spPr>
+          <a:xfrm>
+            <a:off x="6096000" y="64135"/>
+            <a:ext cx="6096000" cy="2861310"/>
+          </a:xfrm>
+          <a:prstGeom prst="rect">
+            <a:avLst/>
+          </a:prstGeom>
+          <a:noFill/>
+        </p:spPr>
+        <p:txBody>
+          <a:bodyPr wrap="square" rtlCol="0" anchor="t">
+            <a:spAutoFit/>
+          </a:bodyPr>
+          <a:p>
+            <a:r>
+              <a:rPr lang="en-US" altLang="en-US"/>
+              <a:t>text = """Natural Language Processing is an exciting field of AI. </a:t>
+            </a:r>
+            <a:endParaRPr lang="en-US" altLang="en-US"/>
+          </a:p>
+          <a:p>
+            <a:r>
+              <a:rPr lang="en-US" altLang="en-US"/>
+              <a:t>It helps machines understand and interact with human language. </a:t>
+            </a:r>
+            <a:endParaRPr lang="en-US" altLang="en-US"/>
+          </a:p>
+          <a:p>
+            <a:r>
+              <a:rPr lang="en-US" altLang="en-US"/>
+              <a:t>We use it in applications like Siri, Google Translate, and chatbots. </a:t>
+            </a:r>
+            <a:endParaRPr lang="en-US" altLang="en-US"/>
+          </a:p>
+          <a:p>
+            <a:r>
+              <a:rPr lang="en-US" altLang="en-US"/>
+              <a:t>NLP models are trained using large amounts of text data. </a:t>
+            </a:r>
+            <a:endParaRPr lang="en-US" altLang="en-US"/>
+          </a:p>
+          <a:p>
+            <a:r>
+              <a:rPr lang="en-US" altLang="en-US"/>
+              <a:t>It is used in almost every industry today."""</a:t>
+            </a:r>
+            <a:endParaRPr lang="en-US" altLang="en-US"/>
+          </a:p>
+          <a:p>
+            <a:endParaRPr lang="en-US" altLang="en-US"/>
+          </a:p>
+          <a:p>
+            <a:r>
+              <a:rPr lang="en-US" altLang="en-US"/>
+              <a:t>print("Original Paragraph:\n", text)</a:t>
+            </a:r>
+            <a:endParaRPr lang="en-US" altLang="en-US"/>
+          </a:p>
+          <a:p>
+            <a:endParaRPr lang="en-US"/>
+          </a:p>
+        </p:txBody>
+      </p:sp>
+      <p:sp>
+        <p:nvSpPr>
+          <p:cNvPr id="6" name="Text Box 5"/>
+          <p:cNvSpPr txBox="1"/>
+          <p:nvPr/>
+        </p:nvSpPr>
+        <p:spPr>
+          <a:xfrm>
+            <a:off x="6002655" y="2627947"/>
+            <a:ext cx="5080000" cy="2427605"/>
+          </a:xfrm>
+          <a:prstGeom prst="rect">
+            <a:avLst/>
+          </a:prstGeom>
+        </p:spPr>
+        <p:txBody>
+          <a:bodyPr>
+            <a:spAutoFit/>
+          </a:bodyPr>
+          <a:p>
+            <a:pPr>
+              <a:spcAft>
+                <a:spcPct val="60000"/>
+              </a:spcAft>
+            </a:pPr>
+            <a:r>
+              <a:rPr sz="2300" b="1"/>
+              <a:t>Step 3: Tokenization</a:t>
             </a:r>
             <a:endParaRPr sz="2300" b="1"/>
           </a:p>
           <a:p>
             <a:r>
               <a:rPr sz="1600"/>
-              <a:t>python</a:t>
+              <a:t># Sentence Tokenization
+sentences = sent_tokenize(text)
+print("Sentence Tokenization:\n", sentences)
+# Word Tokenization
+words = word_tokenize(text)
+print("\nWord Tokenization:\n", words)</a:t>
             </a:r>
             <a:endParaRPr sz="1600"/>
           </a:p>
-          <a:p>
+        </p:txBody>
+      </p:sp>
+      <p:sp>
+        <p:nvSpPr>
+          <p:cNvPr id="7" name="Text Box 6"/>
+          <p:cNvSpPr txBox="1"/>
+          <p:nvPr/>
+        </p:nvSpPr>
+        <p:spPr>
+          <a:xfrm>
+            <a:off x="5929630" y="5054918"/>
+            <a:ext cx="5080000" cy="1689100"/>
+          </a:xfrm>
+          <a:prstGeom prst="rect">
+            <a:avLst/>
+          </a:prstGeom>
+        </p:spPr>
+        <p:txBody>
+          <a:bodyPr>
+            <a:spAutoFit/>
+          </a:bodyPr>
+          <a:p>
+            <a:pPr>
+              <a:spcAft>
+                <a:spcPct val="60000"/>
+              </a:spcAft>
+            </a:pPr>
+            <a:r>
+              <a:rPr sz="2300" b="1"/>
+              <a:t> Step 4: Stopword Removal</a:t>
+            </a:r>
+            <a:endParaRPr sz="2300" b="1"/>
+          </a:p>
+          <a:p>
+            <a:pPr>
+              <a:spcAft>
+                <a:spcPct val="60000"/>
+              </a:spcAft>
+            </a:pPr>
             <a:r>
               <a:rPr sz="1600"/>
-              <a:t>CopyEdit</a:t>
+              <a:t>stop_words = set(stopwords.words("english"))
+filtered_words = [word for word in words if word.lower() notin stop_words and word.isalpha()]
+print("After Stopword Removal:\n", filtered_words)</a:t>
             </a:r>
             <a:endParaRPr sz="1600"/>
           </a:p>
-          <a:p>
-            <a:r>
-              <a:rPr sz="1600"/>
-              <a:t>from sklearn.feature_extraction.text import CountVectorizer
-corpus = [text]
-vectorizer = CountVectorizer()
-X = vectorizer.fit_transform(corpus)
-df_bow = pd.DataFrame(X.toarray(), columns=vectorizer.get_feature_names_out())
-print("Bag of Words:\n")
-print(df_bow)</a:t>
-            </a:r>
-            <a:endParaRPr sz="1600"/>
+        </p:txBody>
+      </p:sp>
+      <p:sp>
+        <p:nvSpPr>
+          <p:cNvPr id="8" name="Text Box 7"/>
+          <p:cNvSpPr txBox="1"/>
+          <p:nvPr/>
+        </p:nvSpPr>
+        <p:spPr>
+          <a:xfrm>
+            <a:off x="0" y="6226175"/>
+            <a:ext cx="6096000" cy="645160"/>
+          </a:xfrm>
+          <a:prstGeom prst="rect">
+            <a:avLst/>
+          </a:prstGeom>
+          <a:noFill/>
+        </p:spPr>
+        <p:txBody>
+          <a:bodyPr wrap="square" rtlCol="0" anchor="t">
+            <a:spAutoFit/>
+          </a:bodyPr>
+          <a:p>
+            <a:r>
+              <a:rPr lang="en-US" altLang="en-US"/>
+              <a:t>https://www.analyticsvidhya.com/blog/2022/01/nlp-tutorials-part-i-from-basics-to-advance/</a:t>
+            </a:r>
+            <a:endParaRPr lang="en-US"/>
           </a:p>
         </p:txBody>
       </p:sp>
@@ -7540,8 +8015,8 @@
         </p:nvSpPr>
         <p:spPr>
           <a:xfrm>
-            <a:off x="3556000" y="1476375"/>
-            <a:ext cx="5080000" cy="3905250"/>
+            <a:off x="189865" y="187960"/>
+            <a:ext cx="5080000" cy="3658870"/>
           </a:xfrm>
           <a:prstGeom prst="rect">
             <a:avLst/>
@@ -7559,7 +8034,7 @@
             </a:pPr>
             <a:r>
               <a:rPr sz="2300" b="1"/>
-              <a:t>😊 Step 7: Sentiment Analysis</a:t>
+              <a:t>🌱 Step 5: Stemming and Lemmatization</a:t>
             </a:r>
             <a:endParaRPr sz="2300" b="1"/>
           </a:p>
@@ -7580,15 +8055,12 @@
           <a:p>
             <a:r>
               <a:rPr sz="1600"/>
-              <a:t>blob = TextBlob(text)
-print("Sentiment Polarity:", blob.sentiment.polarity)
-print("Sentiment Subjectivity:", blob.sentiment.subjectivity)
-if blob.sentiment.polarity &gt; 0:
-    print("Overall Sentiment: Positive")
-elif blob.sentiment.polarity &lt; 0:
-    print("Overall Sentiment: Negative")
-else:
-    print("Overall Sentiment: Neutral")</a:t>
+              <a:t>stemmer = PorterStemmer()
+lemmatizer = WordNetLemmatizer()
+stemmed = [stemmer.stem(word) for word in filtered_words]
+lemmatized = [lemmatizer.lemmatize(word) for word in filtered_words]
+print("Stemmed Words:\n", stemmed)
+print("Lemmatized Words:\n", lemmatized)</a:t>
             </a:r>
             <a:endParaRPr sz="1600"/>
           </a:p>

--- a/9.Deep_learning/class_11.1_text_vectorizarion_sentiment_analysis.pptx
+++ b/9.Deep_learning/class_11.1_text_vectorizarion_sentiment_analysis.pptx
@@ -17,25 +17,38 @@
     <p:sldId id="404" r:id="rId10"/>
     <p:sldId id="405" r:id="rId11"/>
     <p:sldId id="406" r:id="rId12"/>
-    <p:sldId id="415" r:id="rId13"/>
-    <p:sldId id="419" r:id="rId14"/>
-    <p:sldId id="418" r:id="rId15"/>
-    <p:sldId id="420" r:id="rId16"/>
-    <p:sldId id="416" r:id="rId17"/>
-    <p:sldId id="417" r:id="rId18"/>
-    <p:sldId id="422" r:id="rId19"/>
-    <p:sldId id="421" r:id="rId20"/>
-    <p:sldId id="423" r:id="rId21"/>
-    <p:sldId id="424" r:id="rId22"/>
-    <p:sldId id="425" r:id="rId23"/>
-    <p:sldId id="426" r:id="rId24"/>
-    <p:sldId id="427" r:id="rId25"/>
-    <p:sldId id="428" r:id="rId26"/>
-    <p:sldId id="429" r:id="rId27"/>
-    <p:sldId id="410" r:id="rId28"/>
-    <p:sldId id="412" r:id="rId29"/>
-    <p:sldId id="368" r:id="rId30"/>
-    <p:sldId id="393" r:id="rId31"/>
+    <p:sldId id="430" r:id="rId13"/>
+    <p:sldId id="415" r:id="rId14"/>
+    <p:sldId id="431" r:id="rId15"/>
+    <p:sldId id="432" r:id="rId16"/>
+    <p:sldId id="433" r:id="rId17"/>
+    <p:sldId id="434" r:id="rId18"/>
+    <p:sldId id="435" r:id="rId19"/>
+    <p:sldId id="436" r:id="rId20"/>
+    <p:sldId id="437" r:id="rId21"/>
+    <p:sldId id="438" r:id="rId22"/>
+    <p:sldId id="439" r:id="rId23"/>
+    <p:sldId id="440" r:id="rId24"/>
+    <p:sldId id="441" r:id="rId25"/>
+    <p:sldId id="442" r:id="rId26"/>
+    <p:sldId id="419" r:id="rId27"/>
+    <p:sldId id="418" r:id="rId28"/>
+    <p:sldId id="420" r:id="rId29"/>
+    <p:sldId id="416" r:id="rId30"/>
+    <p:sldId id="417" r:id="rId31"/>
+    <p:sldId id="422" r:id="rId32"/>
+    <p:sldId id="421" r:id="rId33"/>
+    <p:sldId id="423" r:id="rId34"/>
+    <p:sldId id="424" r:id="rId35"/>
+    <p:sldId id="425" r:id="rId36"/>
+    <p:sldId id="426" r:id="rId37"/>
+    <p:sldId id="427" r:id="rId38"/>
+    <p:sldId id="428" r:id="rId39"/>
+    <p:sldId id="429" r:id="rId40"/>
+    <p:sldId id="410" r:id="rId41"/>
+    <p:sldId id="412" r:id="rId42"/>
+    <p:sldId id="368" r:id="rId43"/>
+    <p:sldId id="393" r:id="rId44"/>
   </p:sldIdLst>
   <p:sldSz cx="12192000" cy="6858000"/>
   <p:notesSz cx="6858000" cy="9144000"/>
@@ -3549,14 +3562,14 @@
       <p:grpSpPr/>
       <p:sp>
         <p:nvSpPr>
-          <p:cNvPr id="5" name="Text Box 4"/>
+          <p:cNvPr id="2" name="Text Box 1"/>
           <p:cNvSpPr txBox="1"/>
           <p:nvPr/>
         </p:nvSpPr>
         <p:spPr>
           <a:xfrm>
-            <a:off x="942975" y="357505"/>
-            <a:ext cx="7788910" cy="4890135"/>
+            <a:off x="1842135" y="711835"/>
+            <a:ext cx="7891780" cy="1322070"/>
           </a:xfrm>
           <a:prstGeom prst="rect">
             <a:avLst/>
@@ -3564,338 +3577,188 @@
         </p:spPr>
         <p:txBody>
           <a:bodyPr wrap="square">
-            <a:noAutofit/>
+            <a:spAutoFit/>
           </a:bodyPr>
           <a:p>
-            <a:pPr marL="0" indent="0">
-              <a:spcBef>
-                <a:spcPts val="1000"/>
-              </a:spcBef>
-              <a:spcAft>
-                <a:spcPts val="500"/>
-              </a:spcAft>
-            </a:pPr>
-            <a:r>
-              <a:rPr sz="3600" b="0" i="0">
+            <a:pPr marL="0" indent="0" algn="l" fontAlgn="base">
+              <a:spcBef>
+                <a:spcPct val="0"/>
+              </a:spcBef>
+              <a:spcAft>
+                <a:spcPct val="0"/>
+              </a:spcAft>
+            </a:pPr>
+            <a:r>
+              <a:rPr sz="4000" b="1" i="0">
                 <a:solidFill>
                   <a:srgbClr val="FF0000"/>
                 </a:solidFill>
                 <a:latin typeface="Arial Black" panose="020B0A04020102020204" charset="0"/>
-                <a:ea typeface="Tomorrow"/>
+                <a:ea typeface="Source Sans 3"/>
                 <a:cs typeface="Arial Black" panose="020B0A04020102020204" charset="0"/>
               </a:rPr>
-              <a:t>Text Classification</a:t>
-            </a:r>
-            <a:r>
-              <a:rPr sz="3600" b="0" i="0">
-                <a:solidFill>
-                  <a:srgbClr val="333333"/>
-                </a:solidFill>
-                <a:latin typeface="Arial" panose="020B0604020202020204" pitchFamily="34" charset="0"/>
-                <a:ea typeface="Tomorrow"/>
-                <a:cs typeface="Arial" panose="020B0604020202020204" pitchFamily="34" charset="0"/>
-              </a:rPr>
-              <a:t>  </a:t>
-            </a:r>
-            <a:endParaRPr sz="3600" b="0" i="0">
-              <a:solidFill>
-                <a:srgbClr val="333333"/>
-              </a:solidFill>
-              <a:latin typeface="Arial" panose="020B0604020202020204" pitchFamily="34" charset="0"/>
-              <a:ea typeface="Tomorrow"/>
-              <a:cs typeface="Arial" panose="020B0604020202020204" pitchFamily="34" charset="0"/>
-            </a:endParaRPr>
-          </a:p>
-          <a:p>
-            <a:pPr marL="742950" lvl="1" indent="-285750">
-              <a:spcBef>
-                <a:spcPct val="0"/>
-              </a:spcBef>
-              <a:spcAft>
-                <a:spcPct val="0"/>
-              </a:spcAft>
-              <a:buFont typeface="Arial" panose="020B0604020202020204" pitchFamily="34" charset="0"/>
-              <a:buChar char="•"/>
-            </a:pPr>
-            <a:r>
-              <a:rPr sz="2400" b="0" i="0">
-                <a:solidFill>
-                  <a:srgbClr val="333333"/>
-                </a:solidFill>
-                <a:latin typeface="Arial" panose="020B0604020202020204" pitchFamily="34" charset="0"/>
-                <a:ea typeface="Tomorrow"/>
-                <a:cs typeface="Arial" panose="020B0604020202020204" pitchFamily="34" charset="0"/>
-              </a:rPr>
-              <a:t>CountVectorization</a:t>
-            </a:r>
-            <a:r>
-              <a:rPr lang="en-US" sz="2400" b="0" i="0">
-                <a:solidFill>
-                  <a:srgbClr val="333333"/>
-                </a:solidFill>
-                <a:latin typeface="Arial" panose="020B0604020202020204" pitchFamily="34" charset="0"/>
-                <a:ea typeface="Tomorrow"/>
-                <a:cs typeface="Arial" panose="020B0604020202020204" pitchFamily="34" charset="0"/>
-              </a:rPr>
-              <a:t>/</a:t>
-            </a:r>
-            <a:r>
-              <a:rPr sz="2400">
-                <a:solidFill>
-                  <a:srgbClr val="333333"/>
-                </a:solidFill>
-                <a:latin typeface="Arial" panose="020B0604020202020204" pitchFamily="34" charset="0"/>
-                <a:ea typeface="Tomorrow"/>
-                <a:cs typeface="Arial" panose="020B0604020202020204" pitchFamily="34" charset="0"/>
+              <a:t>Vectorization Techniques in NLP</a:t>
+            </a:r>
+            <a:endParaRPr sz="4000" b="1" i="0">
+              <a:solidFill>
+                <a:srgbClr val="FF0000"/>
+              </a:solidFill>
+              <a:latin typeface="Arial Black" panose="020B0A04020102020204" charset="0"/>
+              <a:ea typeface="Source Sans 3"/>
+              <a:cs typeface="Arial Black" panose="020B0A04020102020204" charset="0"/>
+            </a:endParaRPr>
+          </a:p>
+        </p:txBody>
+      </p:sp>
+      <p:sp>
+        <p:nvSpPr>
+          <p:cNvPr id="4" name="Text Box 3"/>
+          <p:cNvSpPr txBox="1"/>
+          <p:nvPr/>
+        </p:nvSpPr>
+        <p:spPr>
+          <a:xfrm>
+            <a:off x="2776220" y="6005195"/>
+            <a:ext cx="6096000" cy="368300"/>
+          </a:xfrm>
+          <a:prstGeom prst="rect">
+            <a:avLst/>
+          </a:prstGeom>
+          <a:noFill/>
+        </p:spPr>
+        <p:txBody>
+          <a:bodyPr wrap="square" rtlCol="0" anchor="t">
+            <a:spAutoFit/>
+          </a:bodyPr>
+          <a:p>
+            <a:r>
+              <a:rPr lang="en-US" altLang="en-US"/>
+              <a:t>https://neptune.ai/blog/vectorization-techniques-in-nlp-guide</a:t>
+            </a:r>
+            <a:endParaRPr lang="en-US"/>
+          </a:p>
+        </p:txBody>
+      </p:sp>
+      <p:sp>
+        <p:nvSpPr>
+          <p:cNvPr id="5" name="Text Box 4"/>
+          <p:cNvSpPr txBox="1"/>
+          <p:nvPr/>
+        </p:nvSpPr>
+        <p:spPr>
+          <a:xfrm>
+            <a:off x="2776220" y="6373495"/>
+            <a:ext cx="7025640" cy="368300"/>
+          </a:xfrm>
+          <a:prstGeom prst="rect">
+            <a:avLst/>
+          </a:prstGeom>
+          <a:noFill/>
+        </p:spPr>
+        <p:txBody>
+          <a:bodyPr wrap="square" rtlCol="0" anchor="t">
+            <a:spAutoFit/>
+          </a:bodyPr>
+          <a:p>
+            <a:r>
+              <a:rPr lang="en-US" altLang="en-US"/>
+              <a:t>https://www.geeksforgeeks.org/vectorization-techniques-in-nlp/</a:t>
+            </a:r>
+            <a:endParaRPr lang="en-US"/>
+          </a:p>
+        </p:txBody>
+      </p:sp>
+      <p:sp>
+        <p:nvSpPr>
+          <p:cNvPr id="6" name="Text Box 5"/>
+          <p:cNvSpPr txBox="1"/>
+          <p:nvPr/>
+        </p:nvSpPr>
+        <p:spPr>
+          <a:xfrm>
+            <a:off x="1842135" y="2611120"/>
+            <a:ext cx="7370445" cy="1014730"/>
+          </a:xfrm>
+          <a:prstGeom prst="rect">
+            <a:avLst/>
+          </a:prstGeom>
+          <a:noFill/>
+        </p:spPr>
+        <p:txBody>
+          <a:bodyPr wrap="square" rtlCol="0">
+            <a:spAutoFit/>
+          </a:bodyPr>
+          <a:p>
+            <a:pPr marL="0" indent="0" algn="l"/>
+            <a:r>
+              <a:rPr sz="2000">
+                <a:solidFill>
+                  <a:srgbClr val="273239"/>
+                </a:solidFill>
+                <a:latin typeface="Nunito"/>
+                <a:ea typeface="Nunito"/>
                 <a:sym typeface="+mn-ea"/>
               </a:rPr>
-              <a:t>Text Vecorization </a:t>
-            </a:r>
-            <a:endParaRPr sz="2400">
-              <a:solidFill>
-                <a:srgbClr val="333333"/>
-              </a:solidFill>
-              <a:latin typeface="Arial" panose="020B0604020202020204" pitchFamily="34" charset="0"/>
-              <a:ea typeface="Tomorrow"/>
-              <a:cs typeface="Arial" panose="020B0604020202020204" pitchFamily="34" charset="0"/>
-              <a:sym typeface="+mn-ea"/>
-            </a:endParaRPr>
-          </a:p>
-          <a:p>
-            <a:pPr marL="742950" lvl="1" indent="-285750">
-              <a:spcBef>
-                <a:spcPct val="0"/>
-              </a:spcBef>
-              <a:spcAft>
-                <a:spcPct val="0"/>
-              </a:spcAft>
-              <a:buFont typeface="Arial" panose="020B0604020202020204" pitchFamily="34" charset="0"/>
-              <a:buChar char="•"/>
-            </a:pPr>
-            <a:endParaRPr sz="2400" b="0" i="0">
-              <a:solidFill>
-                <a:srgbClr val="333333"/>
-              </a:solidFill>
-              <a:latin typeface="Arial" panose="020B0604020202020204" pitchFamily="34" charset="0"/>
-              <a:ea typeface="Tomorrow"/>
-              <a:cs typeface="Arial" panose="020B0604020202020204" pitchFamily="34" charset="0"/>
-            </a:endParaRPr>
-          </a:p>
-          <a:p>
-            <a:pPr marL="742950" lvl="1" indent="-285750">
-              <a:spcBef>
-                <a:spcPct val="0"/>
-              </a:spcBef>
-              <a:spcAft>
-                <a:spcPct val="0"/>
-              </a:spcAft>
-              <a:buFont typeface="Arial" panose="020B0604020202020204" pitchFamily="34" charset="0"/>
-              <a:buChar char="•"/>
-            </a:pPr>
-            <a:r>
-              <a:rPr sz="2400" b="0" i="0">
-                <a:solidFill>
-                  <a:srgbClr val="333333"/>
-                </a:solidFill>
-                <a:latin typeface="Arial" panose="020B0604020202020204" pitchFamily="34" charset="0"/>
-                <a:ea typeface="Tomorrow"/>
-                <a:cs typeface="Arial" panose="020B0604020202020204" pitchFamily="34" charset="0"/>
-              </a:rPr>
-              <a:t>Text Classification with ML</a:t>
-            </a:r>
-            <a:endParaRPr sz="2400" b="0" i="0">
-              <a:solidFill>
-                <a:srgbClr val="333333"/>
-              </a:solidFill>
-              <a:latin typeface="Arial" panose="020B0604020202020204" pitchFamily="34" charset="0"/>
-              <a:ea typeface="Tomorrow"/>
-              <a:cs typeface="Arial" panose="020B0604020202020204" pitchFamily="34" charset="0"/>
-            </a:endParaRPr>
-          </a:p>
-          <a:p>
-            <a:pPr marL="742950" lvl="1" indent="-285750">
-              <a:spcBef>
-                <a:spcPct val="0"/>
-              </a:spcBef>
-              <a:spcAft>
-                <a:spcPct val="0"/>
-              </a:spcAft>
-              <a:buFont typeface="Arial" panose="020B0604020202020204" pitchFamily="34" charset="0"/>
-              <a:buChar char="•"/>
-            </a:pPr>
-            <a:endParaRPr sz="2400" b="0" i="0">
-              <a:solidFill>
-                <a:srgbClr val="333333"/>
-              </a:solidFill>
-              <a:latin typeface="Arial" panose="020B0604020202020204" pitchFamily="34" charset="0"/>
-              <a:ea typeface="Tomorrow"/>
-              <a:cs typeface="Arial" panose="020B0604020202020204" pitchFamily="34" charset="0"/>
-            </a:endParaRPr>
-          </a:p>
-          <a:p>
-            <a:pPr marL="742950" lvl="1" indent="-285750">
-              <a:spcBef>
-                <a:spcPct val="0"/>
-              </a:spcBef>
-              <a:spcAft>
-                <a:spcPct val="0"/>
-              </a:spcAft>
-              <a:buFont typeface="Arial" panose="020B0604020202020204" pitchFamily="34" charset="0"/>
-              <a:buChar char="•"/>
-            </a:pPr>
-            <a:r>
-              <a:rPr sz="2400" b="0" i="0">
-                <a:solidFill>
-                  <a:srgbClr val="333333"/>
-                </a:solidFill>
-                <a:latin typeface="Arial" panose="020B0604020202020204" pitchFamily="34" charset="0"/>
-                <a:ea typeface="Tomorrow"/>
-                <a:cs typeface="Arial" panose="020B0604020202020204" pitchFamily="34" charset="0"/>
-              </a:rPr>
-              <a:t>TFIDF Vectorization</a:t>
-            </a:r>
-            <a:endParaRPr sz="2400" b="0" i="0">
-              <a:solidFill>
-                <a:srgbClr val="333333"/>
-              </a:solidFill>
-              <a:latin typeface="Arial" panose="020B0604020202020204" pitchFamily="34" charset="0"/>
-              <a:ea typeface="Tomorrow"/>
-              <a:cs typeface="Arial" panose="020B0604020202020204" pitchFamily="34" charset="0"/>
-            </a:endParaRPr>
-          </a:p>
-          <a:p>
-            <a:pPr marL="742950" lvl="1" indent="-285750">
-              <a:spcBef>
-                <a:spcPct val="0"/>
-              </a:spcBef>
-              <a:spcAft>
-                <a:spcPct val="0"/>
-              </a:spcAft>
-              <a:buFont typeface="Arial" panose="020B0604020202020204" pitchFamily="34" charset="0"/>
-              <a:buChar char="•"/>
-            </a:pPr>
-            <a:endParaRPr sz="2400" b="0" i="0">
-              <a:solidFill>
-                <a:srgbClr val="333333"/>
-              </a:solidFill>
-              <a:latin typeface="Arial" panose="020B0604020202020204" pitchFamily="34" charset="0"/>
-              <a:ea typeface="Tomorrow"/>
-              <a:cs typeface="Arial" panose="020B0604020202020204" pitchFamily="34" charset="0"/>
-            </a:endParaRPr>
-          </a:p>
-          <a:p>
-            <a:pPr marL="742950" lvl="1" indent="-285750">
-              <a:spcBef>
-                <a:spcPct val="0"/>
-              </a:spcBef>
-              <a:spcAft>
-                <a:spcPct val="0"/>
-              </a:spcAft>
-              <a:buFont typeface="Arial" panose="020B0604020202020204" pitchFamily="34" charset="0"/>
-              <a:buChar char="•"/>
-            </a:pPr>
-            <a:r>
-              <a:rPr sz="2400" b="0" i="0">
-                <a:solidFill>
-                  <a:srgbClr val="333333"/>
-                </a:solidFill>
-                <a:latin typeface="Arial" panose="020B0604020202020204" pitchFamily="34" charset="0"/>
-                <a:ea typeface="Tomorrow"/>
-                <a:cs typeface="Arial" panose="020B0604020202020204" pitchFamily="34" charset="0"/>
-              </a:rPr>
-              <a:t>Text Classification with ANN</a:t>
-            </a:r>
-            <a:endParaRPr sz="2400" b="0" i="0">
-              <a:solidFill>
-                <a:srgbClr val="333333"/>
-              </a:solidFill>
-              <a:latin typeface="Arial" panose="020B0604020202020204" pitchFamily="34" charset="0"/>
-              <a:ea typeface="Tomorrow"/>
-              <a:cs typeface="Arial" panose="020B0604020202020204" pitchFamily="34" charset="0"/>
-            </a:endParaRPr>
-          </a:p>
-          <a:p>
-            <a:pPr marL="742950" lvl="1" indent="-285750">
-              <a:spcBef>
-                <a:spcPct val="0"/>
-              </a:spcBef>
-              <a:spcAft>
-                <a:spcPct val="0"/>
-              </a:spcAft>
-              <a:buFont typeface="Arial" panose="020B0604020202020204" pitchFamily="34" charset="0"/>
-              <a:buChar char="•"/>
-            </a:pPr>
-            <a:endParaRPr sz="2400" b="0" i="0">
-              <a:solidFill>
-                <a:srgbClr val="333333"/>
-              </a:solidFill>
-              <a:latin typeface="Arial" panose="020B0604020202020204" pitchFamily="34" charset="0"/>
-              <a:ea typeface="Tomorrow"/>
-              <a:cs typeface="Arial" panose="020B0604020202020204" pitchFamily="34" charset="0"/>
-            </a:endParaRPr>
-          </a:p>
-          <a:p>
-            <a:pPr marL="742950" lvl="1" indent="-285750">
-              <a:spcBef>
-                <a:spcPct val="0"/>
-              </a:spcBef>
-              <a:spcAft>
-                <a:spcPct val="0"/>
-              </a:spcAft>
-              <a:buFont typeface="Arial" panose="020B0604020202020204" pitchFamily="34" charset="0"/>
-              <a:buChar char="•"/>
-            </a:pPr>
-            <a:r>
-              <a:rPr sz="2400">
-                <a:solidFill>
-                  <a:srgbClr val="333333"/>
-                </a:solidFill>
-                <a:latin typeface="Arial" panose="020B0604020202020204" pitchFamily="34" charset="0"/>
-                <a:ea typeface="Tomorrow"/>
-                <a:cs typeface="Arial" panose="020B0604020202020204" pitchFamily="34" charset="0"/>
+              <a:t>Vectorization in NLP is the process of </a:t>
+            </a:r>
+            <a:r>
+              <a:rPr sz="2000">
+                <a:solidFill>
+                  <a:srgbClr val="FF0000"/>
+                </a:solidFill>
+                <a:latin typeface="Nunito"/>
+                <a:ea typeface="Nunito"/>
                 <a:sym typeface="+mn-ea"/>
               </a:rPr>
-              <a:t>Embedding Layer in Natural Language</a:t>
-            </a:r>
-            <a:endParaRPr sz="2400" b="0" i="0">
-              <a:solidFill>
-                <a:srgbClr val="333333"/>
-              </a:solidFill>
-              <a:latin typeface="Arial" panose="020B0604020202020204" pitchFamily="34" charset="0"/>
-              <a:ea typeface="Tomorrow"/>
-              <a:cs typeface="Arial" panose="020B0604020202020204" pitchFamily="34" charset="0"/>
-            </a:endParaRPr>
-          </a:p>
-          <a:p>
-            <a:pPr marL="742950" lvl="1" indent="-285750">
-              <a:spcBef>
-                <a:spcPct val="0"/>
-              </a:spcBef>
-              <a:spcAft>
-                <a:spcPct val="0"/>
-              </a:spcAft>
-              <a:buFont typeface="Arial" panose="020B0604020202020204" pitchFamily="34" charset="0"/>
-              <a:buChar char="•"/>
-            </a:pPr>
-            <a:r>
-              <a:rPr sz="2400" b="0" i="0">
-                <a:solidFill>
-                  <a:srgbClr val="333333"/>
-                </a:solidFill>
-                <a:latin typeface="Arial" panose="020B0604020202020204" pitchFamily="34" charset="0"/>
-                <a:ea typeface="Tomorrow"/>
-                <a:cs typeface="Arial" panose="020B0604020202020204" pitchFamily="34" charset="0"/>
-              </a:rPr>
-              <a:t>Assignment</a:t>
-            </a:r>
-            <a:endParaRPr sz="2400" b="0" i="0">
-              <a:solidFill>
-                <a:srgbClr val="333333"/>
-              </a:solidFill>
-              <a:latin typeface="Arial" panose="020B0604020202020204" pitchFamily="34" charset="0"/>
-              <a:ea typeface="Tomorrow"/>
-              <a:cs typeface="Arial" panose="020B0604020202020204" pitchFamily="34" charset="0"/>
-            </a:endParaRPr>
+              <a:t>converting text data into numerical vectors</a:t>
+            </a:r>
+            <a:r>
+              <a:rPr sz="2000">
+                <a:solidFill>
+                  <a:srgbClr val="273239"/>
+                </a:solidFill>
+                <a:latin typeface="Nunito"/>
+                <a:ea typeface="Nunito"/>
+                <a:sym typeface="+mn-ea"/>
+              </a:rPr>
+              <a:t> that can be processed by machine learning algorithms.</a:t>
+            </a:r>
+            <a:endParaRPr sz="2000">
+              <a:solidFill>
+                <a:srgbClr val="273239"/>
+              </a:solidFill>
+              <a:latin typeface="Nunito"/>
+              <a:ea typeface="Nunito"/>
+            </a:endParaRPr>
+          </a:p>
+        </p:txBody>
+      </p:sp>
+      <p:sp>
+        <p:nvSpPr>
+          <p:cNvPr id="7" name="Text Box 6"/>
+          <p:cNvSpPr txBox="1"/>
+          <p:nvPr/>
+        </p:nvSpPr>
+        <p:spPr>
+          <a:xfrm>
+            <a:off x="3423920" y="4766310"/>
+            <a:ext cx="4064000" cy="368300"/>
+          </a:xfrm>
+          <a:prstGeom prst="rect">
+            <a:avLst/>
+          </a:prstGeom>
+          <a:noFill/>
+        </p:spPr>
+        <p:txBody>
+          <a:bodyPr wrap="square" rtlCol="0">
+            <a:spAutoFit/>
+          </a:bodyPr>
+          <a:p>
+            <a:r>
+              <a:rPr lang="en-US"/>
+              <a:t>OHE</a:t>
+            </a:r>
+            <a:endParaRPr lang="en-US"/>
           </a:p>
         </p:txBody>
       </p:sp>
@@ -3917,6 +3780,358 @@
         <p:nvPr/>
       </p:nvGrpSpPr>
       <p:grpSpPr/>
+      <p:sp>
+        <p:nvSpPr>
+          <p:cNvPr id="5" name="Text Box 4"/>
+          <p:cNvSpPr txBox="1"/>
+          <p:nvPr/>
+        </p:nvSpPr>
+        <p:spPr>
+          <a:xfrm>
+            <a:off x="942975" y="357505"/>
+            <a:ext cx="7788910" cy="4890135"/>
+          </a:xfrm>
+          <a:prstGeom prst="rect">
+            <a:avLst/>
+          </a:prstGeom>
+        </p:spPr>
+        <p:txBody>
+          <a:bodyPr wrap="square">
+            <a:noAutofit/>
+          </a:bodyPr>
+          <a:p>
+            <a:pPr marL="0" indent="0">
+              <a:spcBef>
+                <a:spcPts val="1000"/>
+              </a:spcBef>
+              <a:spcAft>
+                <a:spcPts val="500"/>
+              </a:spcAft>
+            </a:pPr>
+            <a:r>
+              <a:rPr sz="3600" b="0" i="0">
+                <a:solidFill>
+                  <a:srgbClr val="FF0000"/>
+                </a:solidFill>
+                <a:latin typeface="Arial Black" panose="020B0A04020102020204" charset="0"/>
+                <a:ea typeface="Tomorrow"/>
+                <a:cs typeface="Arial Black" panose="020B0A04020102020204" charset="0"/>
+              </a:rPr>
+              <a:t>Text Classification</a:t>
+            </a:r>
+            <a:r>
+              <a:rPr sz="3600" b="0" i="0">
+                <a:solidFill>
+                  <a:srgbClr val="333333"/>
+                </a:solidFill>
+                <a:latin typeface="Arial" panose="020B0604020202020204" pitchFamily="34" charset="0"/>
+                <a:ea typeface="Tomorrow"/>
+                <a:cs typeface="Arial" panose="020B0604020202020204" pitchFamily="34" charset="0"/>
+              </a:rPr>
+              <a:t>  </a:t>
+            </a:r>
+            <a:endParaRPr sz="3600" b="0" i="0">
+              <a:solidFill>
+                <a:srgbClr val="333333"/>
+              </a:solidFill>
+              <a:latin typeface="Arial" panose="020B0604020202020204" pitchFamily="34" charset="0"/>
+              <a:ea typeface="Tomorrow"/>
+              <a:cs typeface="Arial" panose="020B0604020202020204" pitchFamily="34" charset="0"/>
+            </a:endParaRPr>
+          </a:p>
+          <a:p>
+            <a:pPr marL="742950" lvl="1" indent="-285750">
+              <a:spcBef>
+                <a:spcPct val="0"/>
+              </a:spcBef>
+              <a:spcAft>
+                <a:spcPct val="0"/>
+              </a:spcAft>
+              <a:buFont typeface="Arial" panose="020B0604020202020204" pitchFamily="34" charset="0"/>
+              <a:buChar char="•"/>
+            </a:pPr>
+            <a:r>
+              <a:rPr sz="2400" b="0" i="0">
+                <a:solidFill>
+                  <a:srgbClr val="333333"/>
+                </a:solidFill>
+                <a:latin typeface="Arial" panose="020B0604020202020204" pitchFamily="34" charset="0"/>
+                <a:ea typeface="Tomorrow"/>
+                <a:cs typeface="Arial" panose="020B0604020202020204" pitchFamily="34" charset="0"/>
+              </a:rPr>
+              <a:t>CountVectorization</a:t>
+            </a:r>
+            <a:r>
+              <a:rPr lang="en-US" sz="2400" b="0" i="0">
+                <a:solidFill>
+                  <a:srgbClr val="333333"/>
+                </a:solidFill>
+                <a:latin typeface="Arial" panose="020B0604020202020204" pitchFamily="34" charset="0"/>
+                <a:ea typeface="Tomorrow"/>
+                <a:cs typeface="Arial" panose="020B0604020202020204" pitchFamily="34" charset="0"/>
+              </a:rPr>
+              <a:t>/</a:t>
+            </a:r>
+            <a:r>
+              <a:rPr sz="2400">
+                <a:solidFill>
+                  <a:srgbClr val="333333"/>
+                </a:solidFill>
+                <a:latin typeface="Arial" panose="020B0604020202020204" pitchFamily="34" charset="0"/>
+                <a:ea typeface="Tomorrow"/>
+                <a:cs typeface="Arial" panose="020B0604020202020204" pitchFamily="34" charset="0"/>
+                <a:sym typeface="+mn-ea"/>
+              </a:rPr>
+              <a:t>Text Vecorization </a:t>
+            </a:r>
+            <a:endParaRPr sz="2400">
+              <a:solidFill>
+                <a:srgbClr val="333333"/>
+              </a:solidFill>
+              <a:latin typeface="Arial" panose="020B0604020202020204" pitchFamily="34" charset="0"/>
+              <a:ea typeface="Tomorrow"/>
+              <a:cs typeface="Arial" panose="020B0604020202020204" pitchFamily="34" charset="0"/>
+              <a:sym typeface="+mn-ea"/>
+            </a:endParaRPr>
+          </a:p>
+          <a:p>
+            <a:pPr marL="742950" lvl="1" indent="-285750">
+              <a:spcBef>
+                <a:spcPct val="0"/>
+              </a:spcBef>
+              <a:spcAft>
+                <a:spcPct val="0"/>
+              </a:spcAft>
+              <a:buFont typeface="Arial" panose="020B0604020202020204" pitchFamily="34" charset="0"/>
+              <a:buChar char="•"/>
+            </a:pPr>
+            <a:endParaRPr sz="2400" b="0" i="0">
+              <a:solidFill>
+                <a:srgbClr val="333333"/>
+              </a:solidFill>
+              <a:latin typeface="Arial" panose="020B0604020202020204" pitchFamily="34" charset="0"/>
+              <a:ea typeface="Tomorrow"/>
+              <a:cs typeface="Arial" panose="020B0604020202020204" pitchFamily="34" charset="0"/>
+            </a:endParaRPr>
+          </a:p>
+          <a:p>
+            <a:pPr marL="742950" lvl="1" indent="-285750">
+              <a:spcBef>
+                <a:spcPct val="0"/>
+              </a:spcBef>
+              <a:spcAft>
+                <a:spcPct val="0"/>
+              </a:spcAft>
+              <a:buFont typeface="Arial" panose="020B0604020202020204" pitchFamily="34" charset="0"/>
+              <a:buChar char="•"/>
+            </a:pPr>
+            <a:r>
+              <a:rPr sz="2400" b="0" i="0">
+                <a:solidFill>
+                  <a:srgbClr val="333333"/>
+                </a:solidFill>
+                <a:latin typeface="Arial" panose="020B0604020202020204" pitchFamily="34" charset="0"/>
+                <a:ea typeface="Tomorrow"/>
+                <a:cs typeface="Arial" panose="020B0604020202020204" pitchFamily="34" charset="0"/>
+              </a:rPr>
+              <a:t>Text Classification with ML</a:t>
+            </a:r>
+            <a:endParaRPr sz="2400" b="0" i="0">
+              <a:solidFill>
+                <a:srgbClr val="333333"/>
+              </a:solidFill>
+              <a:latin typeface="Arial" panose="020B0604020202020204" pitchFamily="34" charset="0"/>
+              <a:ea typeface="Tomorrow"/>
+              <a:cs typeface="Arial" panose="020B0604020202020204" pitchFamily="34" charset="0"/>
+            </a:endParaRPr>
+          </a:p>
+          <a:p>
+            <a:pPr marL="742950" lvl="1" indent="-285750">
+              <a:spcBef>
+                <a:spcPct val="0"/>
+              </a:spcBef>
+              <a:spcAft>
+                <a:spcPct val="0"/>
+              </a:spcAft>
+              <a:buFont typeface="Arial" panose="020B0604020202020204" pitchFamily="34" charset="0"/>
+              <a:buChar char="•"/>
+            </a:pPr>
+            <a:endParaRPr sz="2400" b="0" i="0">
+              <a:solidFill>
+                <a:srgbClr val="333333"/>
+              </a:solidFill>
+              <a:latin typeface="Arial" panose="020B0604020202020204" pitchFamily="34" charset="0"/>
+              <a:ea typeface="Tomorrow"/>
+              <a:cs typeface="Arial" panose="020B0604020202020204" pitchFamily="34" charset="0"/>
+            </a:endParaRPr>
+          </a:p>
+          <a:p>
+            <a:pPr marL="742950" lvl="1" indent="-285750">
+              <a:spcBef>
+                <a:spcPct val="0"/>
+              </a:spcBef>
+              <a:spcAft>
+                <a:spcPct val="0"/>
+              </a:spcAft>
+              <a:buFont typeface="Arial" panose="020B0604020202020204" pitchFamily="34" charset="0"/>
+              <a:buChar char="•"/>
+            </a:pPr>
+            <a:r>
+              <a:rPr sz="2400" b="0" i="0">
+                <a:solidFill>
+                  <a:srgbClr val="333333"/>
+                </a:solidFill>
+                <a:latin typeface="Arial" panose="020B0604020202020204" pitchFamily="34" charset="0"/>
+                <a:ea typeface="Tomorrow"/>
+                <a:cs typeface="Arial" panose="020B0604020202020204" pitchFamily="34" charset="0"/>
+              </a:rPr>
+              <a:t>TFIDF Vectorization</a:t>
+            </a:r>
+            <a:endParaRPr sz="2400" b="0" i="0">
+              <a:solidFill>
+                <a:srgbClr val="333333"/>
+              </a:solidFill>
+              <a:latin typeface="Arial" panose="020B0604020202020204" pitchFamily="34" charset="0"/>
+              <a:ea typeface="Tomorrow"/>
+              <a:cs typeface="Arial" panose="020B0604020202020204" pitchFamily="34" charset="0"/>
+            </a:endParaRPr>
+          </a:p>
+          <a:p>
+            <a:pPr marL="742950" lvl="1" indent="-285750">
+              <a:spcBef>
+                <a:spcPct val="0"/>
+              </a:spcBef>
+              <a:spcAft>
+                <a:spcPct val="0"/>
+              </a:spcAft>
+              <a:buFont typeface="Arial" panose="020B0604020202020204" pitchFamily="34" charset="0"/>
+              <a:buChar char="•"/>
+            </a:pPr>
+            <a:endParaRPr sz="2400" b="0" i="0">
+              <a:solidFill>
+                <a:srgbClr val="333333"/>
+              </a:solidFill>
+              <a:latin typeface="Arial" panose="020B0604020202020204" pitchFamily="34" charset="0"/>
+              <a:ea typeface="Tomorrow"/>
+              <a:cs typeface="Arial" panose="020B0604020202020204" pitchFamily="34" charset="0"/>
+            </a:endParaRPr>
+          </a:p>
+          <a:p>
+            <a:pPr marL="742950" lvl="1" indent="-285750">
+              <a:spcBef>
+                <a:spcPct val="0"/>
+              </a:spcBef>
+              <a:spcAft>
+                <a:spcPct val="0"/>
+              </a:spcAft>
+              <a:buFont typeface="Arial" panose="020B0604020202020204" pitchFamily="34" charset="0"/>
+              <a:buChar char="•"/>
+            </a:pPr>
+            <a:r>
+              <a:rPr sz="2400" b="0" i="0">
+                <a:solidFill>
+                  <a:srgbClr val="333333"/>
+                </a:solidFill>
+                <a:latin typeface="Arial" panose="020B0604020202020204" pitchFamily="34" charset="0"/>
+                <a:ea typeface="Tomorrow"/>
+                <a:cs typeface="Arial" panose="020B0604020202020204" pitchFamily="34" charset="0"/>
+              </a:rPr>
+              <a:t>Text Classification with ANN</a:t>
+            </a:r>
+            <a:endParaRPr sz="2400" b="0" i="0">
+              <a:solidFill>
+                <a:srgbClr val="333333"/>
+              </a:solidFill>
+              <a:latin typeface="Arial" panose="020B0604020202020204" pitchFamily="34" charset="0"/>
+              <a:ea typeface="Tomorrow"/>
+              <a:cs typeface="Arial" panose="020B0604020202020204" pitchFamily="34" charset="0"/>
+            </a:endParaRPr>
+          </a:p>
+          <a:p>
+            <a:pPr marL="742950" lvl="1" indent="-285750">
+              <a:spcBef>
+                <a:spcPct val="0"/>
+              </a:spcBef>
+              <a:spcAft>
+                <a:spcPct val="0"/>
+              </a:spcAft>
+              <a:buFont typeface="Arial" panose="020B0604020202020204" pitchFamily="34" charset="0"/>
+              <a:buChar char="•"/>
+            </a:pPr>
+            <a:endParaRPr sz="2400" b="0" i="0">
+              <a:solidFill>
+                <a:srgbClr val="333333"/>
+              </a:solidFill>
+              <a:latin typeface="Arial" panose="020B0604020202020204" pitchFamily="34" charset="0"/>
+              <a:ea typeface="Tomorrow"/>
+              <a:cs typeface="Arial" panose="020B0604020202020204" pitchFamily="34" charset="0"/>
+            </a:endParaRPr>
+          </a:p>
+          <a:p>
+            <a:pPr marL="742950" lvl="1" indent="-285750">
+              <a:spcBef>
+                <a:spcPct val="0"/>
+              </a:spcBef>
+              <a:spcAft>
+                <a:spcPct val="0"/>
+              </a:spcAft>
+              <a:buFont typeface="Arial" panose="020B0604020202020204" pitchFamily="34" charset="0"/>
+              <a:buChar char="•"/>
+            </a:pPr>
+            <a:r>
+              <a:rPr sz="2400">
+                <a:solidFill>
+                  <a:srgbClr val="333333"/>
+                </a:solidFill>
+                <a:latin typeface="Arial" panose="020B0604020202020204" pitchFamily="34" charset="0"/>
+                <a:ea typeface="Tomorrow"/>
+                <a:cs typeface="Arial" panose="020B0604020202020204" pitchFamily="34" charset="0"/>
+                <a:sym typeface="+mn-ea"/>
+              </a:rPr>
+              <a:t>Embedding Layer in Natural Language</a:t>
+            </a:r>
+            <a:endParaRPr sz="2400" b="0" i="0">
+              <a:solidFill>
+                <a:srgbClr val="333333"/>
+              </a:solidFill>
+              <a:latin typeface="Arial" panose="020B0604020202020204" pitchFamily="34" charset="0"/>
+              <a:ea typeface="Tomorrow"/>
+              <a:cs typeface="Arial" panose="020B0604020202020204" pitchFamily="34" charset="0"/>
+            </a:endParaRPr>
+          </a:p>
+          <a:p>
+            <a:pPr marL="742950" lvl="1" indent="-285750">
+              <a:spcBef>
+                <a:spcPct val="0"/>
+              </a:spcBef>
+              <a:spcAft>
+                <a:spcPct val="0"/>
+              </a:spcAft>
+              <a:buFont typeface="Arial" panose="020B0604020202020204" pitchFamily="34" charset="0"/>
+              <a:buChar char="•"/>
+            </a:pPr>
+            <a:r>
+              <a:rPr sz="2400" b="0" i="0">
+                <a:solidFill>
+                  <a:srgbClr val="333333"/>
+                </a:solidFill>
+                <a:latin typeface="Arial" panose="020B0604020202020204" pitchFamily="34" charset="0"/>
+                <a:ea typeface="Tomorrow"/>
+                <a:cs typeface="Arial" panose="020B0604020202020204" pitchFamily="34" charset="0"/>
+              </a:rPr>
+              <a:t>Assignment</a:t>
+            </a:r>
+            <a:endParaRPr sz="2400" b="0" i="0">
+              <a:solidFill>
+                <a:srgbClr val="333333"/>
+              </a:solidFill>
+              <a:latin typeface="Arial" panose="020B0604020202020204" pitchFamily="34" charset="0"/>
+              <a:ea typeface="Tomorrow"/>
+              <a:cs typeface="Arial" panose="020B0604020202020204" pitchFamily="34" charset="0"/>
+            </a:endParaRPr>
+          </a:p>
+        </p:txBody>
+      </p:sp>
     </p:spTree>
   </p:cSld>
   <p:clrMapOvr>
@@ -3926,6 +4141,6058 @@
 </file>
 
 <file path=ppt/slides/slide12.xml><?xml version="1.0" encoding="utf-8"?>
+<p:sld xmlns:a="http://schemas.openxmlformats.org/drawingml/2006/main" xmlns:r="http://schemas.openxmlformats.org/officeDocument/2006/relationships" xmlns:p="http://schemas.openxmlformats.org/presentationml/2006/main">
+  <p:cSld>
+    <p:spTree>
+      <p:nvGrpSpPr>
+        <p:cNvPr id="1" name=""/>
+        <p:cNvGrpSpPr/>
+        <p:nvPr/>
+      </p:nvGrpSpPr>
+      <p:grpSpPr/>
+      <p:sp>
+        <p:nvSpPr>
+          <p:cNvPr id="2" name="Text Box 1"/>
+          <p:cNvSpPr txBox="1"/>
+          <p:nvPr/>
+        </p:nvSpPr>
+        <p:spPr>
+          <a:xfrm>
+            <a:off x="137795" y="177165"/>
+            <a:ext cx="11790045" cy="6647180"/>
+          </a:xfrm>
+          <a:prstGeom prst="rect">
+            <a:avLst/>
+          </a:prstGeom>
+        </p:spPr>
+        <p:txBody>
+          <a:bodyPr wrap="square">
+            <a:spAutoFit/>
+          </a:bodyPr>
+          <a:p>
+            <a:pPr marL="0" indent="0" algn="just" fontAlgn="base">
+              <a:spcBef>
+                <a:spcPct val="0"/>
+              </a:spcBef>
+              <a:spcAft>
+                <a:spcPct val="0"/>
+              </a:spcAft>
+            </a:pPr>
+            <a:r>
+              <a:rPr sz="2100" b="1" i="0">
+                <a:solidFill>
+                  <a:srgbClr val="273239"/>
+                </a:solidFill>
+                <a:latin typeface="Arial" panose="020B0604020202020204" pitchFamily="34" charset="0"/>
+                <a:ea typeface="Nunito"/>
+                <a:cs typeface="Arial" panose="020B0604020202020204" pitchFamily="34" charset="0"/>
+              </a:rPr>
+              <a:t>What is Vectorization?</a:t>
+            </a:r>
+            <a:endParaRPr sz="2100" b="1" i="0">
+              <a:solidFill>
+                <a:srgbClr val="273239"/>
+              </a:solidFill>
+              <a:latin typeface="Arial" panose="020B0604020202020204" pitchFamily="34" charset="0"/>
+              <a:ea typeface="Nunito"/>
+              <a:cs typeface="Arial" panose="020B0604020202020204" pitchFamily="34" charset="0"/>
+            </a:endParaRPr>
+          </a:p>
+          <a:p>
+            <a:pPr marL="457200" lvl="1" indent="0" algn="just" fontAlgn="base">
+              <a:spcBef>
+                <a:spcPct val="0"/>
+              </a:spcBef>
+              <a:spcAft>
+                <a:spcPct val="0"/>
+              </a:spcAft>
+            </a:pPr>
+            <a:r>
+              <a:rPr sz="1600" b="0" i="1">
+                <a:solidFill>
+                  <a:srgbClr val="273239"/>
+                </a:solidFill>
+                <a:latin typeface="Arial" panose="020B0604020202020204" pitchFamily="34" charset="0"/>
+                <a:ea typeface="Nunito"/>
+                <a:cs typeface="Arial" panose="020B0604020202020204" pitchFamily="34" charset="0"/>
+              </a:rPr>
+              <a:t>Vectorization is the process of converting text data into numerical vectors.</a:t>
+            </a:r>
+            <a:r>
+              <a:rPr sz="1600" b="0" i="0">
+                <a:solidFill>
+                  <a:srgbClr val="273239"/>
+                </a:solidFill>
+                <a:latin typeface="Arial" panose="020B0604020202020204" pitchFamily="34" charset="0"/>
+                <a:ea typeface="Nunito"/>
+                <a:cs typeface="Arial" panose="020B0604020202020204" pitchFamily="34" charset="0"/>
+              </a:rPr>
+              <a:t> In the context of Natural Language Processing (NLP), vectorization transforms words, phrases, or entire documents into a format that can be understood and processed by machine learning models. These numerical representations capture the semantic meaning and contextual relationships of the text, allowing algorithms to perform tasks such as classification, clustering, and prediction.</a:t>
+            </a:r>
+            <a:endParaRPr sz="1600" b="0" i="0">
+              <a:solidFill>
+                <a:srgbClr val="273239"/>
+              </a:solidFill>
+              <a:latin typeface="Arial" panose="020B0604020202020204" pitchFamily="34" charset="0"/>
+              <a:ea typeface="Nunito"/>
+              <a:cs typeface="Arial" panose="020B0604020202020204" pitchFamily="34" charset="0"/>
+            </a:endParaRPr>
+          </a:p>
+          <a:p>
+            <a:pPr marL="457200" lvl="1" indent="0" algn="just" fontAlgn="base">
+              <a:spcBef>
+                <a:spcPct val="0"/>
+              </a:spcBef>
+              <a:spcAft>
+                <a:spcPct val="0"/>
+              </a:spcAft>
+            </a:pPr>
+            <a:endParaRPr sz="1600" b="0" i="0">
+              <a:solidFill>
+                <a:srgbClr val="273239"/>
+              </a:solidFill>
+              <a:latin typeface="Arial" panose="020B0604020202020204" pitchFamily="34" charset="0"/>
+              <a:ea typeface="Nunito"/>
+              <a:cs typeface="Arial" panose="020B0604020202020204" pitchFamily="34" charset="0"/>
+            </a:endParaRPr>
+          </a:p>
+          <a:p>
+            <a:pPr marL="0" indent="0" algn="just" fontAlgn="base">
+              <a:spcBef>
+                <a:spcPct val="0"/>
+              </a:spcBef>
+              <a:spcAft>
+                <a:spcPct val="0"/>
+              </a:spcAft>
+            </a:pPr>
+            <a:r>
+              <a:rPr sz="2100" b="1" i="0">
+                <a:solidFill>
+                  <a:srgbClr val="273239"/>
+                </a:solidFill>
+                <a:latin typeface="Arial" panose="020B0604020202020204" pitchFamily="34" charset="0"/>
+                <a:ea typeface="Nunito"/>
+                <a:cs typeface="Arial" panose="020B0604020202020204" pitchFamily="34" charset="0"/>
+              </a:rPr>
+              <a:t>Why is Vectorization Important in NLP?</a:t>
+            </a:r>
+            <a:endParaRPr sz="2100" b="1" i="0">
+              <a:solidFill>
+                <a:srgbClr val="273239"/>
+              </a:solidFill>
+              <a:latin typeface="Arial" panose="020B0604020202020204" pitchFamily="34" charset="0"/>
+              <a:ea typeface="Nunito"/>
+              <a:cs typeface="Arial" panose="020B0604020202020204" pitchFamily="34" charset="0"/>
+            </a:endParaRPr>
+          </a:p>
+          <a:p>
+            <a:pPr marL="0" indent="0" algn="just" fontAlgn="base">
+              <a:spcBef>
+                <a:spcPct val="0"/>
+              </a:spcBef>
+              <a:spcAft>
+                <a:spcPct val="0"/>
+              </a:spcAft>
+            </a:pPr>
+            <a:r>
+              <a:rPr sz="1600" b="0" i="0">
+                <a:solidFill>
+                  <a:srgbClr val="273239"/>
+                </a:solidFill>
+                <a:latin typeface="Arial" panose="020B0604020202020204" pitchFamily="34" charset="0"/>
+                <a:ea typeface="Nunito"/>
+                <a:cs typeface="Arial" panose="020B0604020202020204" pitchFamily="34" charset="0"/>
+              </a:rPr>
+              <a:t>Vectorization is crucial in NLP for several reasons:</a:t>
+            </a:r>
+            <a:endParaRPr sz="1600" b="0" i="0">
+              <a:solidFill>
+                <a:srgbClr val="273239"/>
+              </a:solidFill>
+              <a:latin typeface="Arial" panose="020B0604020202020204" pitchFamily="34" charset="0"/>
+              <a:ea typeface="Nunito"/>
+              <a:cs typeface="Arial" panose="020B0604020202020204" pitchFamily="34" charset="0"/>
+            </a:endParaRPr>
+          </a:p>
+          <a:p>
+            <a:pPr marL="457200" lvl="1" indent="0" algn="just" fontAlgn="base">
+              <a:spcBef>
+                <a:spcPct val="0"/>
+              </a:spcBef>
+              <a:spcAft>
+                <a:spcPct val="0"/>
+              </a:spcAft>
+              <a:buAutoNum type="arabicPeriod"/>
+            </a:pPr>
+            <a:r>
+              <a:rPr sz="1600" b="1" i="0">
+                <a:solidFill>
+                  <a:srgbClr val="273239"/>
+                </a:solidFill>
+                <a:latin typeface="Arial" panose="020B0604020202020204" pitchFamily="34" charset="0"/>
+                <a:ea typeface="Nunito"/>
+                <a:cs typeface="Arial" panose="020B0604020202020204" pitchFamily="34" charset="0"/>
+              </a:rPr>
+              <a:t>Machine Learning Compatibility:</a:t>
+            </a:r>
+            <a:r>
+              <a:rPr sz="1600" b="0" i="0">
+                <a:solidFill>
+                  <a:srgbClr val="273239"/>
+                </a:solidFill>
+                <a:latin typeface="Arial" panose="020B0604020202020204" pitchFamily="34" charset="0"/>
+                <a:ea typeface="Nunito"/>
+                <a:cs typeface="Arial" panose="020B0604020202020204" pitchFamily="34" charset="0"/>
+              </a:rPr>
+              <a:t> Machine learning models require numerical input to perform calculations. Vectorization converts text into a format that these models can process, enabling the application of statistical and machine learning techniques to textual data.</a:t>
+            </a:r>
+            <a:endParaRPr sz="1600" b="0" i="0">
+              <a:solidFill>
+                <a:srgbClr val="273239"/>
+              </a:solidFill>
+              <a:latin typeface="Arial" panose="020B0604020202020204" pitchFamily="34" charset="0"/>
+              <a:ea typeface="Nunito"/>
+              <a:cs typeface="Arial" panose="020B0604020202020204" pitchFamily="34" charset="0"/>
+            </a:endParaRPr>
+          </a:p>
+          <a:p>
+            <a:pPr marL="457200" lvl="1" indent="0" algn="just" fontAlgn="base">
+              <a:spcBef>
+                <a:spcPct val="0"/>
+              </a:spcBef>
+              <a:spcAft>
+                <a:spcPct val="0"/>
+              </a:spcAft>
+              <a:buAutoNum type="arabicPeriod"/>
+            </a:pPr>
+            <a:r>
+              <a:rPr sz="1600" b="1" i="0">
+                <a:solidFill>
+                  <a:srgbClr val="273239"/>
+                </a:solidFill>
+                <a:latin typeface="Arial" panose="020B0604020202020204" pitchFamily="34" charset="0"/>
+                <a:ea typeface="Nunito"/>
+                <a:cs typeface="Arial" panose="020B0604020202020204" pitchFamily="34" charset="0"/>
+              </a:rPr>
+              <a:t>Capturing Semantic Meaning:</a:t>
+            </a:r>
+            <a:r>
+              <a:rPr sz="1600" b="0" i="0">
+                <a:solidFill>
+                  <a:srgbClr val="273239"/>
+                </a:solidFill>
+                <a:latin typeface="Arial" panose="020B0604020202020204" pitchFamily="34" charset="0"/>
+                <a:ea typeface="Nunito"/>
+                <a:cs typeface="Arial" panose="020B0604020202020204" pitchFamily="34" charset="0"/>
+              </a:rPr>
+              <a:t> Effective vectorization methods, like word embeddings, capture the semantic relationships between words. This allows models to understand context and perform better on tasks like sentiment analysis, translation, and summarization.</a:t>
+            </a:r>
+            <a:endParaRPr sz="1600" b="0" i="0">
+              <a:solidFill>
+                <a:srgbClr val="273239"/>
+              </a:solidFill>
+              <a:latin typeface="Arial" panose="020B0604020202020204" pitchFamily="34" charset="0"/>
+              <a:ea typeface="Nunito"/>
+              <a:cs typeface="Arial" panose="020B0604020202020204" pitchFamily="34" charset="0"/>
+            </a:endParaRPr>
+          </a:p>
+          <a:p>
+            <a:pPr marL="457200" lvl="1" indent="0" algn="just" fontAlgn="base">
+              <a:spcBef>
+                <a:spcPct val="0"/>
+              </a:spcBef>
+              <a:spcAft>
+                <a:spcPct val="0"/>
+              </a:spcAft>
+              <a:buAutoNum type="arabicPeriod"/>
+            </a:pPr>
+            <a:r>
+              <a:rPr sz="1600" b="1" i="0">
+                <a:solidFill>
+                  <a:srgbClr val="273239"/>
+                </a:solidFill>
+                <a:latin typeface="Arial" panose="020B0604020202020204" pitchFamily="34" charset="0"/>
+                <a:ea typeface="Nunito"/>
+                <a:cs typeface="Arial" panose="020B0604020202020204" pitchFamily="34" charset="0"/>
+              </a:rPr>
+              <a:t>Dimensionality Reduction:</a:t>
+            </a:r>
+            <a:r>
+              <a:rPr sz="1600" b="0" i="0">
+                <a:solidFill>
+                  <a:srgbClr val="273239"/>
+                </a:solidFill>
+                <a:latin typeface="Arial" panose="020B0604020202020204" pitchFamily="34" charset="0"/>
+                <a:ea typeface="Nunito"/>
+                <a:cs typeface="Arial" panose="020B0604020202020204" pitchFamily="34" charset="0"/>
+              </a:rPr>
+              <a:t> Techniques like TF-IDF and word embeddings reduce the dimensionality of the data compared to one-hot encoding. This not only makes computation more efficient but also helps in capturing the most relevant features of the text.</a:t>
+            </a:r>
+            <a:endParaRPr sz="1600" b="0" i="0">
+              <a:solidFill>
+                <a:srgbClr val="273239"/>
+              </a:solidFill>
+              <a:latin typeface="Arial" panose="020B0604020202020204" pitchFamily="34" charset="0"/>
+              <a:ea typeface="Nunito"/>
+              <a:cs typeface="Arial" panose="020B0604020202020204" pitchFamily="34" charset="0"/>
+            </a:endParaRPr>
+          </a:p>
+          <a:p>
+            <a:pPr marL="457200" lvl="1" indent="0" algn="just" fontAlgn="base">
+              <a:spcBef>
+                <a:spcPct val="0"/>
+              </a:spcBef>
+              <a:spcAft>
+                <a:spcPct val="0"/>
+              </a:spcAft>
+              <a:buAutoNum type="arabicPeriod"/>
+            </a:pPr>
+            <a:r>
+              <a:rPr sz="1600" b="1" i="0">
+                <a:solidFill>
+                  <a:srgbClr val="273239"/>
+                </a:solidFill>
+                <a:latin typeface="Arial" panose="020B0604020202020204" pitchFamily="34" charset="0"/>
+                <a:ea typeface="Nunito"/>
+                <a:cs typeface="Arial" panose="020B0604020202020204" pitchFamily="34" charset="0"/>
+              </a:rPr>
+              <a:t>Handling Large Vocabulary:</a:t>
+            </a:r>
+            <a:r>
+              <a:rPr sz="1600" b="0" i="0">
+                <a:solidFill>
+                  <a:srgbClr val="273239"/>
+                </a:solidFill>
+                <a:latin typeface="Arial" panose="020B0604020202020204" pitchFamily="34" charset="0"/>
+                <a:ea typeface="Nunito"/>
+                <a:cs typeface="Arial" panose="020B0604020202020204" pitchFamily="34" charset="0"/>
+              </a:rPr>
+              <a:t> Vectorization helps manage large vocabularies by creating fixed-size vectors for words or documents. This is essential for handling the vast amount of text data available in applications like search engines and social media analysis.</a:t>
+            </a:r>
+            <a:endParaRPr sz="1600" b="0" i="0">
+              <a:solidFill>
+                <a:srgbClr val="273239"/>
+              </a:solidFill>
+              <a:latin typeface="Arial" panose="020B0604020202020204" pitchFamily="34" charset="0"/>
+              <a:ea typeface="Nunito"/>
+              <a:cs typeface="Arial" panose="020B0604020202020204" pitchFamily="34" charset="0"/>
+            </a:endParaRPr>
+          </a:p>
+          <a:p>
+            <a:pPr marL="457200" lvl="1" indent="0" algn="just" fontAlgn="base">
+              <a:spcBef>
+                <a:spcPct val="0"/>
+              </a:spcBef>
+              <a:spcAft>
+                <a:spcPct val="0"/>
+              </a:spcAft>
+              <a:buAutoNum type="arabicPeriod"/>
+            </a:pPr>
+            <a:r>
+              <a:rPr sz="1600" b="1" i="0">
+                <a:solidFill>
+                  <a:srgbClr val="273239"/>
+                </a:solidFill>
+                <a:latin typeface="Arial" panose="020B0604020202020204" pitchFamily="34" charset="0"/>
+                <a:ea typeface="Nunito"/>
+                <a:cs typeface="Arial" panose="020B0604020202020204" pitchFamily="34" charset="0"/>
+              </a:rPr>
+              <a:t>Improving Model Performance:</a:t>
+            </a:r>
+            <a:r>
+              <a:rPr sz="1600" b="0" i="0">
+                <a:solidFill>
+                  <a:srgbClr val="273239"/>
+                </a:solidFill>
+                <a:latin typeface="Arial" panose="020B0604020202020204" pitchFamily="34" charset="0"/>
+                <a:ea typeface="Nunito"/>
+                <a:cs typeface="Arial" panose="020B0604020202020204" pitchFamily="34" charset="0"/>
+              </a:rPr>
+              <a:t> Advanced vectorization techniques, such as contextualized embeddings, significantly enhance model performance by providing rich, context-aware representations of words. This leads to better generalization and accuracy in NLP tasks.</a:t>
+            </a:r>
+            <a:endParaRPr sz="1600" b="0" i="0">
+              <a:solidFill>
+                <a:srgbClr val="273239"/>
+              </a:solidFill>
+              <a:latin typeface="Arial" panose="020B0604020202020204" pitchFamily="34" charset="0"/>
+              <a:ea typeface="Nunito"/>
+              <a:cs typeface="Arial" panose="020B0604020202020204" pitchFamily="34" charset="0"/>
+            </a:endParaRPr>
+          </a:p>
+          <a:p>
+            <a:pPr marL="457200" lvl="1" indent="0" algn="just" fontAlgn="base">
+              <a:spcBef>
+                <a:spcPct val="0"/>
+              </a:spcBef>
+              <a:spcAft>
+                <a:spcPct val="0"/>
+              </a:spcAft>
+              <a:buAutoNum type="arabicPeriod"/>
+            </a:pPr>
+            <a:r>
+              <a:rPr sz="1600" b="1" i="0">
+                <a:solidFill>
+                  <a:srgbClr val="273239"/>
+                </a:solidFill>
+                <a:latin typeface="Arial" panose="020B0604020202020204" pitchFamily="34" charset="0"/>
+                <a:ea typeface="Nunito"/>
+                <a:cs typeface="Arial" panose="020B0604020202020204" pitchFamily="34" charset="0"/>
+              </a:rPr>
+              <a:t>Facilitating Transfer Learning:</a:t>
+            </a:r>
+            <a:r>
+              <a:rPr sz="1600" b="0" i="0">
+                <a:solidFill>
+                  <a:srgbClr val="273239"/>
+                </a:solidFill>
+                <a:latin typeface="Arial" panose="020B0604020202020204" pitchFamily="34" charset="0"/>
+                <a:ea typeface="Nunito"/>
+                <a:cs typeface="Arial" panose="020B0604020202020204" pitchFamily="34" charset="0"/>
+              </a:rPr>
+              <a:t> Pre-trained models like BERT and GPT use vectorization to create embeddings that can be fine-tuned for various NLP tasks. This transfer learning approach saves time and resources by leveraging existing knowledge.</a:t>
+            </a:r>
+            <a:endParaRPr sz="1600" b="0" i="0">
+              <a:solidFill>
+                <a:srgbClr val="273239"/>
+              </a:solidFill>
+              <a:latin typeface="Arial" panose="020B0604020202020204" pitchFamily="34" charset="0"/>
+              <a:ea typeface="Nunito"/>
+              <a:cs typeface="Arial" panose="020B0604020202020204" pitchFamily="34" charset="0"/>
+            </a:endParaRPr>
+          </a:p>
+        </p:txBody>
+      </p:sp>
+    </p:spTree>
+  </p:cSld>
+  <p:clrMapOvr>
+    <a:masterClrMapping/>
+  </p:clrMapOvr>
+</p:sld>
+</file>
+
+<file path=ppt/slides/slide13.xml><?xml version="1.0" encoding="utf-8"?>
+<p:sld xmlns:a="http://schemas.openxmlformats.org/drawingml/2006/main" xmlns:r="http://schemas.openxmlformats.org/officeDocument/2006/relationships" xmlns:p="http://schemas.openxmlformats.org/presentationml/2006/main">
+  <p:cSld>
+    <p:spTree>
+      <p:nvGrpSpPr>
+        <p:cNvPr id="1" name=""/>
+        <p:cNvGrpSpPr/>
+        <p:nvPr/>
+      </p:nvGrpSpPr>
+      <p:grpSpPr/>
+      <p:sp>
+        <p:nvSpPr>
+          <p:cNvPr id="2" name="Text Box 1"/>
+          <p:cNvSpPr txBox="1"/>
+          <p:nvPr/>
+        </p:nvSpPr>
+        <p:spPr>
+          <a:xfrm>
+            <a:off x="586740" y="163830"/>
+            <a:ext cx="9992360" cy="1922145"/>
+          </a:xfrm>
+          <a:prstGeom prst="rect">
+            <a:avLst/>
+          </a:prstGeom>
+        </p:spPr>
+        <p:txBody>
+          <a:bodyPr wrap="square">
+            <a:spAutoFit/>
+          </a:bodyPr>
+          <a:p>
+            <a:pPr marL="0" indent="0" algn="l" fontAlgn="base">
+              <a:spcBef>
+                <a:spcPct val="0"/>
+              </a:spcBef>
+              <a:spcAft>
+                <a:spcPct val="0"/>
+              </a:spcAft>
+            </a:pPr>
+            <a:r>
+              <a:rPr sz="2800" b="1" i="0">
+                <a:solidFill>
+                  <a:srgbClr val="FF0000"/>
+                </a:solidFill>
+                <a:latin typeface="Nunito"/>
+                <a:ea typeface="Nunito"/>
+              </a:rPr>
+              <a:t>Traditional Vectorization Techniques in NLP</a:t>
+            </a:r>
+            <a:endParaRPr sz="2800" b="1" i="0">
+              <a:solidFill>
+                <a:srgbClr val="FF0000"/>
+              </a:solidFill>
+              <a:latin typeface="Nunito"/>
+              <a:ea typeface="Nunito"/>
+            </a:endParaRPr>
+          </a:p>
+          <a:p>
+            <a:pPr marL="0" indent="0" algn="l" fontAlgn="base">
+              <a:spcBef>
+                <a:spcPct val="0"/>
+              </a:spcBef>
+              <a:spcAft>
+                <a:spcPct val="0"/>
+              </a:spcAft>
+            </a:pPr>
+            <a:endParaRPr sz="2100" b="1" i="0">
+              <a:solidFill>
+                <a:srgbClr val="273239"/>
+              </a:solidFill>
+              <a:latin typeface="Nunito"/>
+              <a:ea typeface="Nunito"/>
+            </a:endParaRPr>
+          </a:p>
+          <a:p>
+            <a:pPr marL="0" indent="0" algn="l" fontAlgn="base">
+              <a:spcBef>
+                <a:spcPct val="0"/>
+              </a:spcBef>
+              <a:spcAft>
+                <a:spcPct val="0"/>
+              </a:spcAft>
+            </a:pPr>
+            <a:r>
+              <a:rPr sz="1600" b="0" i="0">
+                <a:solidFill>
+                  <a:srgbClr val="273239"/>
+                </a:solidFill>
+                <a:latin typeface="Nunito"/>
+                <a:ea typeface="Nunito"/>
+              </a:rPr>
+              <a:t>Here, we explore three traditional vectorization techniques: </a:t>
+            </a:r>
+            <a:endParaRPr sz="1600" b="0" i="0">
+              <a:solidFill>
+                <a:srgbClr val="273239"/>
+              </a:solidFill>
+              <a:latin typeface="Nunito"/>
+              <a:ea typeface="Nunito"/>
+            </a:endParaRPr>
+          </a:p>
+          <a:p>
+            <a:pPr marL="342900" indent="-342900" algn="l" fontAlgn="base">
+              <a:spcBef>
+                <a:spcPct val="0"/>
+              </a:spcBef>
+              <a:spcAft>
+                <a:spcPct val="0"/>
+              </a:spcAft>
+              <a:buAutoNum type="arabicPeriod"/>
+            </a:pPr>
+            <a:r>
+              <a:rPr b="1" i="0">
+                <a:solidFill>
+                  <a:srgbClr val="273239"/>
+                </a:solidFill>
+                <a:latin typeface="Nunito"/>
+                <a:ea typeface="Nunito"/>
+              </a:rPr>
+              <a:t>Bag of Words (BoW)</a:t>
+            </a:r>
+            <a:endParaRPr b="1" i="0">
+              <a:solidFill>
+                <a:srgbClr val="273239"/>
+              </a:solidFill>
+              <a:latin typeface="Nunito"/>
+              <a:ea typeface="Nunito"/>
+            </a:endParaRPr>
+          </a:p>
+          <a:p>
+            <a:pPr marL="342900" indent="-342900" algn="l" fontAlgn="base">
+              <a:spcBef>
+                <a:spcPct val="0"/>
+              </a:spcBef>
+              <a:spcAft>
+                <a:spcPct val="0"/>
+              </a:spcAft>
+              <a:buAutoNum type="arabicPeriod"/>
+            </a:pPr>
+            <a:r>
+              <a:rPr b="1" i="0">
+                <a:solidFill>
+                  <a:srgbClr val="273239"/>
+                </a:solidFill>
+                <a:latin typeface="Nunito"/>
+                <a:ea typeface="Nunito"/>
+              </a:rPr>
+              <a:t>Term Frequency-Inverse Document Frequency (TF-IDF) </a:t>
+            </a:r>
+            <a:endParaRPr b="1" i="0">
+              <a:solidFill>
+                <a:srgbClr val="273239"/>
+              </a:solidFill>
+              <a:latin typeface="Nunito"/>
+              <a:ea typeface="Nunito"/>
+            </a:endParaRPr>
+          </a:p>
+          <a:p>
+            <a:pPr marL="342900" indent="-342900" algn="l" fontAlgn="base">
+              <a:spcBef>
+                <a:spcPct val="0"/>
+              </a:spcBef>
+              <a:spcAft>
+                <a:spcPct val="0"/>
+              </a:spcAft>
+              <a:buAutoNum type="arabicPeriod"/>
+            </a:pPr>
+            <a:r>
+              <a:rPr b="1" i="0">
+                <a:solidFill>
+                  <a:srgbClr val="273239"/>
+                </a:solidFill>
+                <a:latin typeface="Nunito"/>
+                <a:ea typeface="Nunito"/>
+              </a:rPr>
+              <a:t>Count Vectorizer.</a:t>
+            </a:r>
+            <a:endParaRPr b="1" i="0">
+              <a:solidFill>
+                <a:srgbClr val="273239"/>
+              </a:solidFill>
+              <a:latin typeface="Nunito"/>
+              <a:ea typeface="Nunito"/>
+            </a:endParaRPr>
+          </a:p>
+        </p:txBody>
+      </p:sp>
+      <p:sp>
+        <p:nvSpPr>
+          <p:cNvPr id="3" name="Text Box 2"/>
+          <p:cNvSpPr txBox="1"/>
+          <p:nvPr/>
+        </p:nvSpPr>
+        <p:spPr>
+          <a:xfrm>
+            <a:off x="680720" y="2343150"/>
+            <a:ext cx="4954270" cy="2338070"/>
+          </a:xfrm>
+          <a:prstGeom prst="rect">
+            <a:avLst/>
+          </a:prstGeom>
+        </p:spPr>
+        <p:txBody>
+          <a:bodyPr wrap="square">
+            <a:spAutoFit/>
+          </a:bodyPr>
+          <a:p>
+            <a:pPr marL="0" indent="0" algn="l" fontAlgn="base">
+              <a:spcBef>
+                <a:spcPct val="0"/>
+              </a:spcBef>
+              <a:spcAft>
+                <a:spcPct val="0"/>
+              </a:spcAft>
+            </a:pPr>
+            <a:r>
+              <a:rPr b="1" i="0">
+                <a:solidFill>
+                  <a:srgbClr val="273239"/>
+                </a:solidFill>
+                <a:latin typeface="Nunito"/>
+                <a:ea typeface="Nunito"/>
+              </a:rPr>
+              <a:t>1. Bag of Words (BoW)</a:t>
+            </a:r>
+            <a:endParaRPr b="1" i="0">
+              <a:solidFill>
+                <a:srgbClr val="273239"/>
+              </a:solidFill>
+              <a:latin typeface="Nunito"/>
+              <a:ea typeface="Nunito"/>
+            </a:endParaRPr>
+          </a:p>
+          <a:p>
+            <a:pPr marL="0" indent="0" algn="l" fontAlgn="base">
+              <a:spcBef>
+                <a:spcPct val="0"/>
+              </a:spcBef>
+              <a:spcAft>
+                <a:spcPct val="0"/>
+              </a:spcAft>
+            </a:pPr>
+            <a:r>
+              <a:rPr sz="1600" b="0" i="0">
+                <a:solidFill>
+                  <a:srgbClr val="273239"/>
+                </a:solidFill>
+                <a:latin typeface="Nunito"/>
+                <a:ea typeface="Nunito"/>
+              </a:rPr>
+              <a:t>The </a:t>
+            </a:r>
+            <a:r>
+              <a:rPr sz="1600" b="0" i="0" u="sng">
+                <a:solidFill>
+                  <a:srgbClr val="357960"/>
+                </a:solidFill>
+                <a:latin typeface="Nunito"/>
+                <a:ea typeface="Nunito"/>
+                <a:hlinkClick r:id="rId1"/>
+              </a:rPr>
+              <a:t>Bag of Words</a:t>
+            </a:r>
+            <a:r>
+              <a:rPr sz="1600" b="0" i="0">
+                <a:solidFill>
+                  <a:srgbClr val="273239"/>
+                </a:solidFill>
+                <a:latin typeface="Nunito"/>
+                <a:ea typeface="Nunito"/>
+              </a:rPr>
+              <a:t> model represents text by converting it into a collection of words (or tokens) and their frequencies, disregarding grammar, word order, and context. Each document is represented as a vector of word counts, with each element in the vector corresponding to the frequency of a specific word in the document.</a:t>
+            </a:r>
+            <a:endParaRPr sz="1600" b="0" i="0">
+              <a:solidFill>
+                <a:srgbClr val="273239"/>
+              </a:solidFill>
+              <a:latin typeface="Nunito"/>
+              <a:ea typeface="Nunito"/>
+            </a:endParaRPr>
+          </a:p>
+        </p:txBody>
+      </p:sp>
+      <p:sp>
+        <p:nvSpPr>
+          <p:cNvPr id="4" name="Text Box 3"/>
+          <p:cNvSpPr txBox="1"/>
+          <p:nvPr/>
+        </p:nvSpPr>
+        <p:spPr>
+          <a:xfrm>
+            <a:off x="6096000" y="1941195"/>
+            <a:ext cx="6096000" cy="4523105"/>
+          </a:xfrm>
+          <a:prstGeom prst="rect">
+            <a:avLst/>
+          </a:prstGeom>
+          <a:noFill/>
+        </p:spPr>
+        <p:txBody>
+          <a:bodyPr wrap="square" rtlCol="0" anchor="t">
+            <a:spAutoFit/>
+          </a:bodyPr>
+          <a:p>
+            <a:r>
+              <a:rPr lang="en-US" altLang="en-US"/>
+              <a:t>from sklearn.feature_extraction.text import CountVectorizer</a:t>
+            </a:r>
+            <a:endParaRPr lang="en-US" altLang="en-US"/>
+          </a:p>
+          <a:p>
+            <a:endParaRPr lang="en-US" altLang="en-US"/>
+          </a:p>
+          <a:p>
+            <a:r>
+              <a:rPr lang="en-US" altLang="en-US"/>
+              <a:t># Sample documents</a:t>
+            </a:r>
+            <a:endParaRPr lang="en-US" altLang="en-US"/>
+          </a:p>
+          <a:p>
+            <a:r>
+              <a:rPr lang="en-US" altLang="en-US"/>
+              <a:t>documents = [</a:t>
+            </a:r>
+            <a:endParaRPr lang="en-US" altLang="en-US"/>
+          </a:p>
+          <a:p>
+            <a:r>
+              <a:rPr lang="en-US" altLang="en-US"/>
+              <a:t>    "The cat sat on the mat.",</a:t>
+            </a:r>
+            <a:endParaRPr lang="en-US" altLang="en-US"/>
+          </a:p>
+          <a:p>
+            <a:r>
+              <a:rPr lang="en-US" altLang="en-US"/>
+              <a:t>    "The dog sat on the log.",</a:t>
+            </a:r>
+            <a:endParaRPr lang="en-US" altLang="en-US"/>
+          </a:p>
+          <a:p>
+            <a:r>
+              <a:rPr lang="en-US" altLang="en-US"/>
+              <a:t>    "Cats and dogs are pets."</a:t>
+            </a:r>
+            <a:endParaRPr lang="en-US" altLang="en-US"/>
+          </a:p>
+          <a:p>
+            <a:r>
+              <a:rPr lang="en-US" altLang="en-US"/>
+              <a:t>]</a:t>
+            </a:r>
+            <a:endParaRPr lang="en-US" altLang="en-US"/>
+          </a:p>
+          <a:p>
+            <a:endParaRPr lang="en-US" altLang="en-US"/>
+          </a:p>
+          <a:p>
+            <a:r>
+              <a:rPr lang="en-US" altLang="en-US"/>
+              <a:t># Initialize CountVectorizer</a:t>
+            </a:r>
+            <a:endParaRPr lang="en-US" altLang="en-US"/>
+          </a:p>
+          <a:p>
+            <a:r>
+              <a:rPr lang="en-US" altLang="en-US"/>
+              <a:t>vectorizer = CountVectorizer()</a:t>
+            </a:r>
+            <a:endParaRPr lang="en-US" altLang="en-US"/>
+          </a:p>
+          <a:p>
+            <a:r>
+              <a:rPr lang="en-US" altLang="en-US"/>
+              <a:t>X = vectorizer.fit_transform(documents)</a:t>
+            </a:r>
+            <a:endParaRPr lang="en-US" altLang="en-US"/>
+          </a:p>
+          <a:p>
+            <a:endParaRPr lang="en-US" altLang="en-US"/>
+          </a:p>
+          <a:p>
+            <a:r>
+              <a:rPr lang="en-US" altLang="en-US"/>
+              <a:t># Convert to array and print</a:t>
+            </a:r>
+            <a:endParaRPr lang="en-US" altLang="en-US"/>
+          </a:p>
+          <a:p>
+            <a:r>
+              <a:rPr lang="en-US" altLang="en-US"/>
+              <a:t>print(X.toarray())</a:t>
+            </a:r>
+            <a:endParaRPr lang="en-US" altLang="en-US"/>
+          </a:p>
+          <a:p>
+            <a:r>
+              <a:rPr lang="en-US" altLang="en-US"/>
+              <a:t>print(vectorizer.get_feature_names_out())</a:t>
+            </a:r>
+            <a:endParaRPr lang="en-US"/>
+          </a:p>
+        </p:txBody>
+      </p:sp>
+      <p:sp>
+        <p:nvSpPr>
+          <p:cNvPr id="5" name="Text Box 4"/>
+          <p:cNvSpPr txBox="1"/>
+          <p:nvPr/>
+        </p:nvSpPr>
+        <p:spPr>
+          <a:xfrm>
+            <a:off x="775335" y="5156518"/>
+            <a:ext cx="5080000" cy="1599565"/>
+          </a:xfrm>
+          <a:prstGeom prst="rect">
+            <a:avLst/>
+          </a:prstGeom>
+        </p:spPr>
+        <p:txBody>
+          <a:bodyPr>
+            <a:spAutoFit/>
+          </a:bodyPr>
+          <a:p>
+            <a:pPr marL="0" indent="0" algn="l" fontAlgn="base">
+              <a:spcBef>
+                <a:spcPct val="0"/>
+              </a:spcBef>
+              <a:spcAft>
+                <a:spcPct val="0"/>
+              </a:spcAft>
+            </a:pPr>
+            <a:r>
+              <a:rPr b="1" i="0">
+                <a:solidFill>
+                  <a:srgbClr val="273239"/>
+                </a:solidFill>
+                <a:latin typeface="Nunito"/>
+                <a:ea typeface="Nunito"/>
+              </a:rPr>
+              <a:t>Output:</a:t>
+            </a:r>
+            <a:endParaRPr b="1" i="0">
+              <a:solidFill>
+                <a:srgbClr val="273239"/>
+              </a:solidFill>
+              <a:latin typeface="Nunito"/>
+              <a:ea typeface="Nunito"/>
+            </a:endParaRPr>
+          </a:p>
+          <a:p>
+            <a:pPr marL="0" indent="0" algn="l" fontAlgn="base">
+              <a:spcBef>
+                <a:spcPct val="0"/>
+              </a:spcBef>
+              <a:spcAft>
+                <a:spcPct val="0"/>
+              </a:spcAft>
+            </a:pPr>
+            <a:r>
+              <a:rPr sz="1600" b="0" i="0">
+                <a:latin typeface="Consolas" panose="020B0609020204030204"/>
+                <a:ea typeface="Consolas" panose="020B0609020204030204"/>
+              </a:rPr>
+              <a:t>[[0 0 1 0 0 0 0 1 1 0 1 2]</a:t>
+            </a:r>
+            <a:endParaRPr sz="1600" b="0" i="0">
+              <a:latin typeface="Consolas" panose="020B0609020204030204"/>
+              <a:ea typeface="Consolas" panose="020B0609020204030204"/>
+            </a:endParaRPr>
+          </a:p>
+          <a:p>
+            <a:pPr marL="0" indent="0" algn="l" fontAlgn="base">
+              <a:spcBef>
+                <a:spcPct val="0"/>
+              </a:spcBef>
+              <a:spcAft>
+                <a:spcPct val="0"/>
+              </a:spcAft>
+            </a:pPr>
+            <a:r>
+              <a:rPr sz="1600" b="0" i="0">
+                <a:latin typeface="Consolas" panose="020B0609020204030204"/>
+                <a:ea typeface="Consolas" panose="020B0609020204030204"/>
+              </a:rPr>
+              <a:t> [0 0 0 0 1 0 1 0 1 0 1 2]</a:t>
+            </a:r>
+            <a:endParaRPr sz="1600" b="0" i="0">
+              <a:latin typeface="Consolas" panose="020B0609020204030204"/>
+              <a:ea typeface="Consolas" panose="020B0609020204030204"/>
+            </a:endParaRPr>
+          </a:p>
+          <a:p>
+            <a:pPr marL="0" indent="0" algn="l" fontAlgn="base">
+              <a:spcBef>
+                <a:spcPct val="0"/>
+              </a:spcBef>
+              <a:spcAft>
+                <a:spcPct val="0"/>
+              </a:spcAft>
+            </a:pPr>
+            <a:r>
+              <a:rPr sz="1600" b="0" i="0">
+                <a:latin typeface="Consolas" panose="020B0609020204030204"/>
+                <a:ea typeface="Consolas" panose="020B0609020204030204"/>
+              </a:rPr>
+              <a:t> [1 1 0 1 0 1 0 0 0 1 0 0]]</a:t>
+            </a:r>
+            <a:endParaRPr sz="1600" b="0" i="0">
+              <a:latin typeface="Consolas" panose="020B0609020204030204"/>
+              <a:ea typeface="Consolas" panose="020B0609020204030204"/>
+            </a:endParaRPr>
+          </a:p>
+          <a:p>
+            <a:pPr marL="0" indent="0" algn="l" fontAlgn="base">
+              <a:spcBef>
+                <a:spcPct val="0"/>
+              </a:spcBef>
+              <a:spcAft>
+                <a:spcPct val="0"/>
+              </a:spcAft>
+            </a:pPr>
+            <a:r>
+              <a:rPr sz="1600" b="0" i="0">
+                <a:latin typeface="Consolas" panose="020B0609020204030204"/>
+                <a:ea typeface="Consolas" panose="020B0609020204030204"/>
+              </a:rPr>
+              <a:t>['and' 'are' 'cat' 'cats' 'dog' 'dogs' 'log' 'mat' 'on' 'pets' 'sat' 'the']</a:t>
+            </a:r>
+            <a:endParaRPr sz="1600" b="0" i="0">
+              <a:latin typeface="Consolas" panose="020B0609020204030204"/>
+              <a:ea typeface="Consolas" panose="020B0609020204030204"/>
+            </a:endParaRPr>
+          </a:p>
+        </p:txBody>
+      </p:sp>
+    </p:spTree>
+  </p:cSld>
+  <p:clrMapOvr>
+    <a:masterClrMapping/>
+  </p:clrMapOvr>
+</p:sld>
+</file>
+
+<file path=ppt/slides/slide14.xml><?xml version="1.0" encoding="utf-8"?>
+<p:sld xmlns:a="http://schemas.openxmlformats.org/drawingml/2006/main" xmlns:r="http://schemas.openxmlformats.org/officeDocument/2006/relationships" xmlns:p="http://schemas.openxmlformats.org/presentationml/2006/main">
+  <p:cSld>
+    <p:spTree>
+      <p:nvGrpSpPr>
+        <p:cNvPr id="1" name=""/>
+        <p:cNvGrpSpPr/>
+        <p:nvPr/>
+      </p:nvGrpSpPr>
+      <p:grpSpPr/>
+      <p:sp>
+        <p:nvSpPr>
+          <p:cNvPr id="2" name="Text Box 1"/>
+          <p:cNvSpPr txBox="1"/>
+          <p:nvPr/>
+        </p:nvSpPr>
+        <p:spPr>
+          <a:xfrm>
+            <a:off x="565785" y="354013"/>
+            <a:ext cx="5080000" cy="3046095"/>
+          </a:xfrm>
+          <a:prstGeom prst="rect">
+            <a:avLst/>
+          </a:prstGeom>
+        </p:spPr>
+        <p:txBody>
+          <a:bodyPr>
+            <a:spAutoFit/>
+          </a:bodyPr>
+          <a:p>
+            <a:pPr marL="0" indent="0" algn="l" fontAlgn="base">
+              <a:spcBef>
+                <a:spcPct val="0"/>
+              </a:spcBef>
+              <a:spcAft>
+                <a:spcPct val="0"/>
+              </a:spcAft>
+            </a:pPr>
+            <a:r>
+              <a:rPr sz="1600" b="1" i="0">
+                <a:solidFill>
+                  <a:srgbClr val="273239"/>
+                </a:solidFill>
+                <a:latin typeface="Nunito"/>
+                <a:ea typeface="Nunito"/>
+              </a:rPr>
+              <a:t>Advantages of Bag of Words (BoW)</a:t>
+            </a:r>
+            <a:endParaRPr sz="1600" b="1" i="0">
+              <a:solidFill>
+                <a:srgbClr val="273239"/>
+              </a:solidFill>
+              <a:latin typeface="Nunito"/>
+              <a:ea typeface="Nunito"/>
+            </a:endParaRPr>
+          </a:p>
+          <a:p>
+            <a:pPr marL="0" indent="0" algn="l" fontAlgn="base">
+              <a:spcBef>
+                <a:spcPct val="0"/>
+              </a:spcBef>
+              <a:spcAft>
+                <a:spcPct val="0"/>
+              </a:spcAft>
+              <a:buFont typeface="Arial" panose="020B0604020202020204"/>
+              <a:buChar char="•"/>
+            </a:pPr>
+            <a:r>
+              <a:rPr sz="1600" b="0" i="0">
+                <a:solidFill>
+                  <a:srgbClr val="273239"/>
+                </a:solidFill>
+                <a:latin typeface="Nunito"/>
+                <a:ea typeface="Nunito"/>
+              </a:rPr>
+              <a:t>Simple and easy to implement.</a:t>
+            </a:r>
+            <a:endParaRPr sz="1600" b="0" i="0">
+              <a:solidFill>
+                <a:srgbClr val="273239"/>
+              </a:solidFill>
+              <a:latin typeface="Nunito"/>
+              <a:ea typeface="Nunito"/>
+            </a:endParaRPr>
+          </a:p>
+          <a:p>
+            <a:pPr marL="0" indent="0" algn="l" fontAlgn="base">
+              <a:spcBef>
+                <a:spcPct val="0"/>
+              </a:spcBef>
+              <a:spcAft>
+                <a:spcPct val="0"/>
+              </a:spcAft>
+              <a:buFont typeface="Arial" panose="020B0604020202020204"/>
+              <a:buChar char="•"/>
+            </a:pPr>
+            <a:r>
+              <a:rPr sz="1600" b="0" i="0">
+                <a:solidFill>
+                  <a:srgbClr val="273239"/>
+                </a:solidFill>
+                <a:latin typeface="Nunito"/>
+                <a:ea typeface="Nunito"/>
+              </a:rPr>
+              <a:t>Provides a clear and interpretable representation of text.</a:t>
+            </a:r>
+            <a:endParaRPr sz="1600" b="0" i="0">
+              <a:solidFill>
+                <a:srgbClr val="273239"/>
+              </a:solidFill>
+              <a:latin typeface="Nunito"/>
+              <a:ea typeface="Nunito"/>
+            </a:endParaRPr>
+          </a:p>
+          <a:p>
+            <a:pPr marL="0" indent="0" algn="l" fontAlgn="base">
+              <a:spcBef>
+                <a:spcPct val="0"/>
+              </a:spcBef>
+              <a:spcAft>
+                <a:spcPct val="0"/>
+              </a:spcAft>
+              <a:buFont typeface="Arial" panose="020B0604020202020204"/>
+              <a:buChar char="•"/>
+            </a:pPr>
+            <a:endParaRPr sz="1600" b="0" i="0">
+              <a:solidFill>
+                <a:srgbClr val="273239"/>
+              </a:solidFill>
+              <a:latin typeface="Nunito"/>
+              <a:ea typeface="Nunito"/>
+            </a:endParaRPr>
+          </a:p>
+          <a:p>
+            <a:pPr marL="0" indent="0" algn="l" fontAlgn="base">
+              <a:spcBef>
+                <a:spcPct val="0"/>
+              </a:spcBef>
+              <a:spcAft>
+                <a:spcPct val="0"/>
+              </a:spcAft>
+              <a:buFont typeface="Arial" panose="020B0604020202020204"/>
+              <a:buNone/>
+            </a:pPr>
+            <a:endParaRPr sz="1600" b="0" i="0">
+              <a:solidFill>
+                <a:srgbClr val="273239"/>
+              </a:solidFill>
+              <a:latin typeface="Nunito"/>
+              <a:ea typeface="Nunito"/>
+            </a:endParaRPr>
+          </a:p>
+          <a:p>
+            <a:pPr marL="0" indent="0" algn="l" fontAlgn="base">
+              <a:spcBef>
+                <a:spcPct val="0"/>
+              </a:spcBef>
+              <a:spcAft>
+                <a:spcPct val="0"/>
+              </a:spcAft>
+            </a:pPr>
+            <a:r>
+              <a:rPr sz="1600" b="1" i="0">
+                <a:solidFill>
+                  <a:srgbClr val="273239"/>
+                </a:solidFill>
+                <a:latin typeface="Nunito"/>
+                <a:ea typeface="Nunito"/>
+              </a:rPr>
+              <a:t>Disadvantages of Bag of Words (BoW)</a:t>
+            </a:r>
+            <a:endParaRPr sz="1600" b="1" i="0">
+              <a:solidFill>
+                <a:srgbClr val="273239"/>
+              </a:solidFill>
+              <a:latin typeface="Nunito"/>
+              <a:ea typeface="Nunito"/>
+            </a:endParaRPr>
+          </a:p>
+          <a:p>
+            <a:pPr marL="0" indent="0" algn="l" fontAlgn="base">
+              <a:spcBef>
+                <a:spcPct val="0"/>
+              </a:spcBef>
+              <a:spcAft>
+                <a:spcPct val="0"/>
+              </a:spcAft>
+              <a:buFont typeface="Arial" panose="020B0604020202020204"/>
+              <a:buChar char="•"/>
+            </a:pPr>
+            <a:r>
+              <a:rPr sz="1600" b="0" i="0">
+                <a:solidFill>
+                  <a:srgbClr val="273239"/>
+                </a:solidFill>
+                <a:latin typeface="Nunito"/>
+                <a:ea typeface="Nunito"/>
+              </a:rPr>
+              <a:t>Ignores the order and context of words.</a:t>
+            </a:r>
+            <a:endParaRPr sz="1600" b="0" i="0">
+              <a:solidFill>
+                <a:srgbClr val="273239"/>
+              </a:solidFill>
+              <a:latin typeface="Nunito"/>
+              <a:ea typeface="Nunito"/>
+            </a:endParaRPr>
+          </a:p>
+          <a:p>
+            <a:pPr marL="0" indent="0" algn="l" fontAlgn="base">
+              <a:spcBef>
+                <a:spcPct val="0"/>
+              </a:spcBef>
+              <a:spcAft>
+                <a:spcPct val="0"/>
+              </a:spcAft>
+              <a:buFont typeface="Arial" panose="020B0604020202020204"/>
+              <a:buChar char="•"/>
+            </a:pPr>
+            <a:r>
+              <a:rPr sz="1600" b="0" i="0">
+                <a:solidFill>
+                  <a:srgbClr val="273239"/>
+                </a:solidFill>
+                <a:latin typeface="Nunito"/>
+                <a:ea typeface="Nunito"/>
+              </a:rPr>
+              <a:t>Results in high-dimensional and sparse matrices.</a:t>
+            </a:r>
+            <a:endParaRPr sz="1600" b="0" i="0">
+              <a:solidFill>
+                <a:srgbClr val="273239"/>
+              </a:solidFill>
+              <a:latin typeface="Nunito"/>
+              <a:ea typeface="Nunito"/>
+            </a:endParaRPr>
+          </a:p>
+          <a:p>
+            <a:pPr marL="0" indent="0" algn="l" fontAlgn="base">
+              <a:spcBef>
+                <a:spcPct val="0"/>
+              </a:spcBef>
+              <a:spcAft>
+                <a:spcPct val="0"/>
+              </a:spcAft>
+              <a:buFont typeface="Arial" panose="020B0604020202020204"/>
+              <a:buChar char="•"/>
+            </a:pPr>
+            <a:r>
+              <a:rPr sz="1600" b="0" i="0">
+                <a:solidFill>
+                  <a:srgbClr val="273239"/>
+                </a:solidFill>
+                <a:latin typeface="Nunito"/>
+                <a:ea typeface="Nunito"/>
+              </a:rPr>
+              <a:t>Fails to capture semantic meaning and relationships between words.</a:t>
+            </a:r>
+            <a:endParaRPr sz="1600" b="0" i="0">
+              <a:solidFill>
+                <a:srgbClr val="273239"/>
+              </a:solidFill>
+              <a:latin typeface="Nunito"/>
+              <a:ea typeface="Nunito"/>
+            </a:endParaRPr>
+          </a:p>
+        </p:txBody>
+      </p:sp>
+    </p:spTree>
+  </p:cSld>
+  <p:clrMapOvr>
+    <a:masterClrMapping/>
+  </p:clrMapOvr>
+</p:sld>
+</file>
+
+<file path=ppt/slides/slide15.xml><?xml version="1.0" encoding="utf-8"?>
+<p:sld xmlns:a="http://schemas.openxmlformats.org/drawingml/2006/main" xmlns:r="http://schemas.openxmlformats.org/officeDocument/2006/relationships" xmlns:p="http://schemas.openxmlformats.org/presentationml/2006/main">
+  <p:cSld>
+    <p:spTree>
+      <p:nvGrpSpPr>
+        <p:cNvPr id="1" name=""/>
+        <p:cNvGrpSpPr/>
+        <p:nvPr/>
+      </p:nvGrpSpPr>
+      <p:grpSpPr/>
+      <p:sp>
+        <p:nvSpPr>
+          <p:cNvPr id="3" name="Text Box 2"/>
+          <p:cNvSpPr txBox="1"/>
+          <p:nvPr/>
+        </p:nvSpPr>
+        <p:spPr>
+          <a:xfrm>
+            <a:off x="723265" y="327025"/>
+            <a:ext cx="10191750" cy="1383665"/>
+          </a:xfrm>
+          <a:prstGeom prst="rect">
+            <a:avLst/>
+          </a:prstGeom>
+        </p:spPr>
+        <p:txBody>
+          <a:bodyPr wrap="square">
+            <a:spAutoFit/>
+          </a:bodyPr>
+          <a:p>
+            <a:pPr marL="0" indent="0" algn="l" fontAlgn="base">
+              <a:spcBef>
+                <a:spcPct val="0"/>
+              </a:spcBef>
+              <a:spcAft>
+                <a:spcPct val="0"/>
+              </a:spcAft>
+            </a:pPr>
+            <a:r>
+              <a:rPr b="1" i="0">
+                <a:solidFill>
+                  <a:srgbClr val="FF0000"/>
+                </a:solidFill>
+                <a:latin typeface="Nunito"/>
+                <a:ea typeface="Nunito"/>
+              </a:rPr>
+              <a:t>2. Term Frequency-Inverse Document Frequency (TF-IDF)</a:t>
+            </a:r>
+            <a:endParaRPr b="1" i="0">
+              <a:solidFill>
+                <a:srgbClr val="FF0000"/>
+              </a:solidFill>
+              <a:latin typeface="Nunito"/>
+              <a:ea typeface="Nunito"/>
+            </a:endParaRPr>
+          </a:p>
+          <a:p>
+            <a:pPr marL="0" indent="0" algn="l" fontAlgn="base">
+              <a:spcBef>
+                <a:spcPct val="0"/>
+              </a:spcBef>
+              <a:spcAft>
+                <a:spcPct val="0"/>
+              </a:spcAft>
+            </a:pPr>
+            <a:endParaRPr b="1" i="0">
+              <a:solidFill>
+                <a:srgbClr val="273239"/>
+              </a:solidFill>
+              <a:latin typeface="Nunito"/>
+              <a:ea typeface="Nunito"/>
+            </a:endParaRPr>
+          </a:p>
+          <a:p>
+            <a:pPr marL="0" indent="0" algn="l" fontAlgn="base">
+              <a:spcBef>
+                <a:spcPct val="0"/>
+              </a:spcBef>
+              <a:spcAft>
+                <a:spcPct val="0"/>
+              </a:spcAft>
+            </a:pPr>
+            <a:r>
+              <a:rPr sz="1600" b="0" i="0" u="sng">
+                <a:solidFill>
+                  <a:srgbClr val="357960"/>
+                </a:solidFill>
+                <a:latin typeface="Nunito"/>
+                <a:ea typeface="Nunito"/>
+                <a:hlinkClick r:id="rId1"/>
+              </a:rPr>
+              <a:t>TF-IDF</a:t>
+            </a:r>
+            <a:r>
+              <a:rPr sz="1600" b="0" i="0">
+                <a:solidFill>
+                  <a:srgbClr val="273239"/>
+                </a:solidFill>
+                <a:latin typeface="Nunito"/>
+                <a:ea typeface="Nunito"/>
+              </a:rPr>
+              <a:t> is an extension of BoW that weighs the frequency of words by their importance across documents.</a:t>
+            </a:r>
+            <a:endParaRPr sz="1600" b="0" i="0">
+              <a:solidFill>
+                <a:srgbClr val="273239"/>
+              </a:solidFill>
+              <a:latin typeface="Nunito"/>
+              <a:ea typeface="Nunito"/>
+            </a:endParaRPr>
+          </a:p>
+          <a:p>
+            <a:pPr marL="0" indent="0" algn="l" fontAlgn="base">
+              <a:spcBef>
+                <a:spcPct val="0"/>
+              </a:spcBef>
+              <a:spcAft>
+                <a:spcPct val="0"/>
+              </a:spcAft>
+              <a:buFont typeface="Arial" panose="020B0604020202020204"/>
+              <a:buChar char="•"/>
+            </a:pPr>
+            <a:r>
+              <a:rPr sz="1600" b="1" i="0">
+                <a:solidFill>
+                  <a:srgbClr val="273239"/>
+                </a:solidFill>
+                <a:latin typeface="Nunito"/>
+                <a:ea typeface="Nunito"/>
+              </a:rPr>
+              <a:t>Term Frequency (TF):</a:t>
+            </a:r>
+            <a:r>
+              <a:rPr sz="1600" b="0" i="0">
+                <a:solidFill>
+                  <a:srgbClr val="273239"/>
+                </a:solidFill>
+                <a:latin typeface="Nunito"/>
+                <a:ea typeface="Nunito"/>
+              </a:rPr>
+              <a:t> Measures the frequency of a word in a document.</a:t>
+            </a:r>
+            <a:endParaRPr sz="1600" b="0" i="0">
+              <a:solidFill>
+                <a:srgbClr val="273239"/>
+              </a:solidFill>
+              <a:latin typeface="Nunito"/>
+              <a:ea typeface="Nunito"/>
+            </a:endParaRPr>
+          </a:p>
+        </p:txBody>
+      </p:sp>
+      <p:sp>
+        <p:nvSpPr>
+          <p:cNvPr id="5" name="Text Box 4"/>
+          <p:cNvSpPr txBox="1"/>
+          <p:nvPr/>
+        </p:nvSpPr>
+        <p:spPr>
+          <a:xfrm>
+            <a:off x="3048000" y="2690495"/>
+            <a:ext cx="6096000" cy="1198880"/>
+          </a:xfrm>
+          <a:prstGeom prst="rect">
+            <a:avLst/>
+          </a:prstGeom>
+          <a:noFill/>
+        </p:spPr>
+        <p:txBody>
+          <a:bodyPr wrap="square" rtlCol="0">
+            <a:spAutoFit/>
+          </a:bodyPr>
+          <a:p>
+            <a:r>
+              <a:rPr lang="en-US" altLang="en-US"/>
+              <a:t>TF(t,d)= Total number of terms in document d/</a:t>
+            </a:r>
+            <a:endParaRPr lang="en-US" altLang="en-US"/>
+          </a:p>
+          <a:p>
+            <a:r>
+              <a:rPr lang="en-US" altLang="en-US"/>
+              <a:t>Number of times term t appears in document d</a:t>
+            </a:r>
+            <a:endParaRPr lang="en-US" altLang="en-US"/>
+          </a:p>
+          <a:p>
+            <a:r>
+              <a:rPr lang="en-US" altLang="en-US"/>
+              <a:t>​</a:t>
+            </a:r>
+            <a:endParaRPr lang="en-US" altLang="en-US"/>
+          </a:p>
+          <a:p>
+            <a:endParaRPr lang="en-US"/>
+          </a:p>
+        </p:txBody>
+      </p:sp>
+      <p:sp>
+        <p:nvSpPr>
+          <p:cNvPr id="6" name="Text Box 5"/>
+          <p:cNvSpPr txBox="1"/>
+          <p:nvPr/>
+        </p:nvSpPr>
+        <p:spPr>
+          <a:xfrm>
+            <a:off x="723265" y="3567747"/>
+            <a:ext cx="5080000" cy="829945"/>
+          </a:xfrm>
+          <a:prstGeom prst="rect">
+            <a:avLst/>
+          </a:prstGeom>
+        </p:spPr>
+        <p:txBody>
+          <a:bodyPr>
+            <a:spAutoFit/>
+          </a:bodyPr>
+          <a:p>
+            <a:pPr marL="0" indent="0" algn="l" fontAlgn="base">
+              <a:spcBef>
+                <a:spcPct val="0"/>
+              </a:spcBef>
+              <a:spcAft>
+                <a:spcPct val="0"/>
+              </a:spcAft>
+              <a:buFont typeface="Arial" panose="020B0604020202020204"/>
+              <a:buChar char="•"/>
+            </a:pPr>
+            <a:r>
+              <a:rPr sz="1600" b="1" i="0">
+                <a:solidFill>
+                  <a:srgbClr val="273239"/>
+                </a:solidFill>
+                <a:latin typeface="Nunito"/>
+                <a:ea typeface="Nunito"/>
+              </a:rPr>
+              <a:t>Inverse Document Frequency (IDF):</a:t>
+            </a:r>
+            <a:r>
+              <a:rPr sz="1600" b="0" i="0">
+                <a:solidFill>
+                  <a:srgbClr val="273239"/>
+                </a:solidFill>
+                <a:latin typeface="Nunito"/>
+                <a:ea typeface="Nunito"/>
+              </a:rPr>
+              <a:t> Measures the importance of a word across the entire corpus.</a:t>
+            </a:r>
+            <a:endParaRPr sz="1600" b="0" i="0">
+              <a:solidFill>
+                <a:srgbClr val="273239"/>
+              </a:solidFill>
+              <a:latin typeface="Nunito"/>
+              <a:ea typeface="Nunito"/>
+            </a:endParaRPr>
+          </a:p>
+        </p:txBody>
+      </p:sp>
+      <p:sp>
+        <p:nvSpPr>
+          <p:cNvPr id="9" name="Text Box 8"/>
+          <p:cNvSpPr txBox="1"/>
+          <p:nvPr/>
+        </p:nvSpPr>
+        <p:spPr>
+          <a:xfrm>
+            <a:off x="1009650" y="4397375"/>
+            <a:ext cx="6096000" cy="821690"/>
+          </a:xfrm>
+          <a:prstGeom prst="rect">
+            <a:avLst/>
+          </a:prstGeom>
+          <a:noFill/>
+        </p:spPr>
+        <p:txBody>
+          <a:bodyPr wrap="square" rtlCol="0">
+            <a:noAutofit/>
+          </a:bodyPr>
+          <a:p>
+            <a:r>
+              <a:rPr lang="en-US" altLang="en-US"/>
+              <a:t>IDF(t)=log( </a:t>
+            </a:r>
+            <a:r>
+              <a:rPr lang="en-US" altLang="en-US">
+                <a:sym typeface="+mn-ea"/>
+              </a:rPr>
+              <a:t>Total number of documents</a:t>
+            </a:r>
+            <a:endParaRPr lang="en-US" altLang="en-US"/>
+          </a:p>
+          <a:p>
+            <a:r>
+              <a:rPr lang="en-US" altLang="en-US"/>
+              <a:t>/Number of documents containing term t )</a:t>
+            </a:r>
+            <a:endParaRPr lang="en-US"/>
+          </a:p>
+        </p:txBody>
+      </p:sp>
+      <p:sp>
+        <p:nvSpPr>
+          <p:cNvPr id="2" name="Text Box 1"/>
+          <p:cNvSpPr txBox="1"/>
+          <p:nvPr/>
+        </p:nvSpPr>
+        <p:spPr>
+          <a:xfrm>
+            <a:off x="1009650" y="6003290"/>
+            <a:ext cx="6096000" cy="368300"/>
+          </a:xfrm>
+          <a:prstGeom prst="rect">
+            <a:avLst/>
+          </a:prstGeom>
+          <a:noFill/>
+        </p:spPr>
+        <p:txBody>
+          <a:bodyPr wrap="square" rtlCol="0" anchor="t">
+            <a:spAutoFit/>
+          </a:bodyPr>
+          <a:p>
+            <a:r>
+              <a:rPr lang="en-US" altLang="en-US"/>
+              <a:t>https://mallahyari.github.io/ml_tutorial/tfidf/</a:t>
+            </a:r>
+            <a:endParaRPr lang="en-US"/>
+          </a:p>
+        </p:txBody>
+      </p:sp>
+    </p:spTree>
+  </p:cSld>
+  <p:clrMapOvr>
+    <a:masterClrMapping/>
+  </p:clrMapOvr>
+</p:sld>
+</file>
+
+<file path=ppt/slides/slide16.xml><?xml version="1.0" encoding="utf-8"?>
+<p:sld xmlns:a="http://schemas.openxmlformats.org/drawingml/2006/main" xmlns:r="http://schemas.openxmlformats.org/officeDocument/2006/relationships" xmlns:p="http://schemas.openxmlformats.org/presentationml/2006/main">
+  <p:cSld>
+    <p:spTree>
+      <p:nvGrpSpPr>
+        <p:cNvPr id="1" name=""/>
+        <p:cNvGrpSpPr/>
+        <p:nvPr/>
+      </p:nvGrpSpPr>
+      <p:grpSpPr/>
+      <p:sp>
+        <p:nvSpPr>
+          <p:cNvPr id="2" name="Text Box 1"/>
+          <p:cNvSpPr txBox="1"/>
+          <p:nvPr/>
+        </p:nvSpPr>
+        <p:spPr>
+          <a:xfrm>
+            <a:off x="241935" y="197168"/>
+            <a:ext cx="5080000" cy="337185"/>
+          </a:xfrm>
+          <a:prstGeom prst="rect">
+            <a:avLst/>
+          </a:prstGeom>
+        </p:spPr>
+        <p:txBody>
+          <a:bodyPr>
+            <a:spAutoFit/>
+          </a:bodyPr>
+          <a:p>
+            <a:pPr marL="0" indent="0" algn="l"/>
+            <a:r>
+              <a:rPr sz="1600" b="0" i="0">
+                <a:solidFill>
+                  <a:srgbClr val="273239"/>
+                </a:solidFill>
+                <a:latin typeface="Nunito"/>
+                <a:ea typeface="Nunito"/>
+              </a:rPr>
+              <a:t>The TF-IDF score is the product of TF and IDF.</a:t>
+            </a:r>
+            <a:endParaRPr sz="1600" b="0" i="0">
+              <a:solidFill>
+                <a:srgbClr val="273239"/>
+              </a:solidFill>
+              <a:latin typeface="Nunito"/>
+              <a:ea typeface="Nunito"/>
+            </a:endParaRPr>
+          </a:p>
+        </p:txBody>
+      </p:sp>
+      <p:sp>
+        <p:nvSpPr>
+          <p:cNvPr id="3" name="Text Box 2"/>
+          <p:cNvSpPr txBox="1"/>
+          <p:nvPr/>
+        </p:nvSpPr>
+        <p:spPr>
+          <a:xfrm>
+            <a:off x="758190" y="534670"/>
+            <a:ext cx="6096000" cy="4246245"/>
+          </a:xfrm>
+          <a:prstGeom prst="rect">
+            <a:avLst/>
+          </a:prstGeom>
+          <a:noFill/>
+        </p:spPr>
+        <p:txBody>
+          <a:bodyPr wrap="square" rtlCol="0" anchor="t">
+            <a:spAutoFit/>
+          </a:bodyPr>
+          <a:p>
+            <a:r>
+              <a:rPr lang="en-US" altLang="en-US"/>
+              <a:t>from sklearn.feature_extraction.text import TfidfVectorizer</a:t>
+            </a:r>
+            <a:endParaRPr lang="en-US" altLang="en-US"/>
+          </a:p>
+          <a:p>
+            <a:endParaRPr lang="en-US" altLang="en-US"/>
+          </a:p>
+          <a:p>
+            <a:r>
+              <a:rPr lang="en-US" altLang="en-US"/>
+              <a:t># Sample documents</a:t>
+            </a:r>
+            <a:endParaRPr lang="en-US" altLang="en-US"/>
+          </a:p>
+          <a:p>
+            <a:r>
+              <a:rPr lang="en-US" altLang="en-US"/>
+              <a:t>documents = [</a:t>
+            </a:r>
+            <a:endParaRPr lang="en-US" altLang="en-US"/>
+          </a:p>
+          <a:p>
+            <a:r>
+              <a:rPr lang="en-US" altLang="en-US"/>
+              <a:t>    "The cat sat on the mat.",</a:t>
+            </a:r>
+            <a:endParaRPr lang="en-US" altLang="en-US"/>
+          </a:p>
+          <a:p>
+            <a:r>
+              <a:rPr lang="en-US" altLang="en-US"/>
+              <a:t>    "The dog sat on the log.",</a:t>
+            </a:r>
+            <a:endParaRPr lang="en-US" altLang="en-US"/>
+          </a:p>
+          <a:p>
+            <a:r>
+              <a:rPr lang="en-US" altLang="en-US"/>
+              <a:t>    "Cats and dogs are pets."</a:t>
+            </a:r>
+            <a:endParaRPr lang="en-US" altLang="en-US"/>
+          </a:p>
+          <a:p>
+            <a:r>
+              <a:rPr lang="en-US" altLang="en-US"/>
+              <a:t>]</a:t>
+            </a:r>
+            <a:endParaRPr lang="en-US" altLang="en-US"/>
+          </a:p>
+          <a:p>
+            <a:r>
+              <a:rPr lang="en-US" altLang="en-US"/>
+              <a:t># Initialize TfidfVectorizer</a:t>
+            </a:r>
+            <a:endParaRPr lang="en-US" altLang="en-US"/>
+          </a:p>
+          <a:p>
+            <a:r>
+              <a:rPr lang="en-US" altLang="en-US"/>
+              <a:t>tfidf_vectorizer = TfidfVectorizer()</a:t>
+            </a:r>
+            <a:endParaRPr lang="en-US" altLang="en-US"/>
+          </a:p>
+          <a:p>
+            <a:r>
+              <a:rPr lang="en-US" altLang="en-US"/>
+              <a:t>X_tfidf = tfidf_vectorizer.fit_transform(documents)</a:t>
+            </a:r>
+            <a:endParaRPr lang="en-US" altLang="en-US"/>
+          </a:p>
+          <a:p>
+            <a:endParaRPr lang="en-US" altLang="en-US"/>
+          </a:p>
+          <a:p>
+            <a:r>
+              <a:rPr lang="en-US" altLang="en-US"/>
+              <a:t># Convert to array and print</a:t>
+            </a:r>
+            <a:endParaRPr lang="en-US" altLang="en-US"/>
+          </a:p>
+          <a:p>
+            <a:r>
+              <a:rPr lang="en-US" altLang="en-US"/>
+              <a:t>print(X_tfidf.toarray())</a:t>
+            </a:r>
+            <a:endParaRPr lang="en-US" altLang="en-US"/>
+          </a:p>
+          <a:p>
+            <a:r>
+              <a:rPr lang="en-US" altLang="en-US"/>
+              <a:t>print(tfidf_vectorizer.get_feature_names_out())</a:t>
+            </a:r>
+            <a:endParaRPr lang="en-US"/>
+          </a:p>
+        </p:txBody>
+      </p:sp>
+      <p:sp>
+        <p:nvSpPr>
+          <p:cNvPr id="4" name="Text Box 3"/>
+          <p:cNvSpPr txBox="1"/>
+          <p:nvPr/>
+        </p:nvSpPr>
+        <p:spPr>
+          <a:xfrm>
+            <a:off x="6854190" y="285433"/>
+            <a:ext cx="5080000" cy="3815080"/>
+          </a:xfrm>
+          <a:prstGeom prst="rect">
+            <a:avLst/>
+          </a:prstGeom>
+        </p:spPr>
+        <p:txBody>
+          <a:bodyPr>
+            <a:spAutoFit/>
+          </a:bodyPr>
+          <a:p>
+            <a:pPr marL="0" indent="0" algn="l" fontAlgn="base">
+              <a:spcBef>
+                <a:spcPct val="0"/>
+              </a:spcBef>
+              <a:spcAft>
+                <a:spcPct val="0"/>
+              </a:spcAft>
+            </a:pPr>
+            <a:r>
+              <a:rPr b="1" i="0">
+                <a:solidFill>
+                  <a:srgbClr val="273239"/>
+                </a:solidFill>
+                <a:latin typeface="Nunito"/>
+                <a:ea typeface="Nunito"/>
+              </a:rPr>
+              <a:t>Output:</a:t>
+            </a:r>
+            <a:endParaRPr b="1" i="0">
+              <a:solidFill>
+                <a:srgbClr val="273239"/>
+              </a:solidFill>
+              <a:latin typeface="Nunito"/>
+              <a:ea typeface="Nunito"/>
+            </a:endParaRPr>
+          </a:p>
+          <a:p>
+            <a:pPr marL="0" indent="0" algn="l" fontAlgn="base">
+              <a:spcBef>
+                <a:spcPct val="0"/>
+              </a:spcBef>
+              <a:spcAft>
+                <a:spcPct val="0"/>
+              </a:spcAft>
+            </a:pPr>
+            <a:r>
+              <a:rPr sz="1600" b="0" i="0">
+                <a:latin typeface="Consolas" panose="020B0609020204030204"/>
+                <a:ea typeface="Consolas" panose="020B0609020204030204"/>
+              </a:rPr>
+              <a:t>[[0. 0.         0.42755362 0.         0.         0.</a:t>
+            </a:r>
+            <a:endParaRPr sz="1600" b="0" i="0">
+              <a:latin typeface="Consolas" panose="020B0609020204030204"/>
+              <a:ea typeface="Consolas" panose="020B0609020204030204"/>
+            </a:endParaRPr>
+          </a:p>
+          <a:p>
+            <a:pPr marL="0" indent="0" algn="l" fontAlgn="base">
+              <a:spcBef>
+                <a:spcPct val="0"/>
+              </a:spcBef>
+              <a:spcAft>
+                <a:spcPct val="0"/>
+              </a:spcAft>
+            </a:pPr>
+            <a:r>
+              <a:rPr sz="1600" b="0" i="0">
+                <a:latin typeface="Consolas" panose="020B0609020204030204"/>
+                <a:ea typeface="Consolas" panose="020B0609020204030204"/>
+              </a:rPr>
+              <a:t>  0.         0.42755362 0.32516555 0.         0.32516555 0.6503311 ]</a:t>
+            </a:r>
+            <a:endParaRPr sz="1600" b="0" i="0">
+              <a:latin typeface="Consolas" panose="020B0609020204030204"/>
+              <a:ea typeface="Consolas" panose="020B0609020204030204"/>
+            </a:endParaRPr>
+          </a:p>
+          <a:p>
+            <a:pPr marL="0" indent="0" algn="l" fontAlgn="base">
+              <a:spcBef>
+                <a:spcPct val="0"/>
+              </a:spcBef>
+              <a:spcAft>
+                <a:spcPct val="0"/>
+              </a:spcAft>
+            </a:pPr>
+            <a:r>
+              <a:rPr sz="1600" b="0" i="0">
+                <a:latin typeface="Consolas" panose="020B0609020204030204"/>
+                <a:ea typeface="Consolas" panose="020B0609020204030204"/>
+              </a:rPr>
+              <a:t> [0.         0.         0.         0.         0.42755362 0.</a:t>
+            </a:r>
+            <a:endParaRPr sz="1600" b="0" i="0">
+              <a:latin typeface="Consolas" panose="020B0609020204030204"/>
+              <a:ea typeface="Consolas" panose="020B0609020204030204"/>
+            </a:endParaRPr>
+          </a:p>
+          <a:p>
+            <a:pPr marL="0" indent="0" algn="l" fontAlgn="base">
+              <a:spcBef>
+                <a:spcPct val="0"/>
+              </a:spcBef>
+              <a:spcAft>
+                <a:spcPct val="0"/>
+              </a:spcAft>
+            </a:pPr>
+            <a:r>
+              <a:rPr sz="1600" b="0" i="0">
+                <a:latin typeface="Consolas" panose="020B0609020204030204"/>
+                <a:ea typeface="Consolas" panose="020B0609020204030204"/>
+              </a:rPr>
+              <a:t>  0.42755362 0.         0.32516555 0.         0.32516555 0.6503311 ]</a:t>
+            </a:r>
+            <a:endParaRPr sz="1600" b="0" i="0">
+              <a:latin typeface="Consolas" panose="020B0609020204030204"/>
+              <a:ea typeface="Consolas" panose="020B0609020204030204"/>
+            </a:endParaRPr>
+          </a:p>
+          <a:p>
+            <a:pPr marL="0" indent="0" algn="l" fontAlgn="base">
+              <a:spcBef>
+                <a:spcPct val="0"/>
+              </a:spcBef>
+              <a:spcAft>
+                <a:spcPct val="0"/>
+              </a:spcAft>
+            </a:pPr>
+            <a:r>
+              <a:rPr sz="1600" b="0" i="0">
+                <a:latin typeface="Consolas" panose="020B0609020204030204"/>
+                <a:ea typeface="Consolas" panose="020B0609020204030204"/>
+              </a:rPr>
+              <a:t> [0.4472136  0.4472136  0.         0.4472136  0.         0.4472136</a:t>
+            </a:r>
+            <a:endParaRPr sz="1600" b="0" i="0">
+              <a:latin typeface="Consolas" panose="020B0609020204030204"/>
+              <a:ea typeface="Consolas" panose="020B0609020204030204"/>
+            </a:endParaRPr>
+          </a:p>
+          <a:p>
+            <a:pPr marL="0" indent="0" algn="l" fontAlgn="base">
+              <a:spcBef>
+                <a:spcPct val="0"/>
+              </a:spcBef>
+              <a:spcAft>
+                <a:spcPct val="0"/>
+              </a:spcAft>
+            </a:pPr>
+            <a:r>
+              <a:rPr sz="1600" b="0" i="0">
+                <a:latin typeface="Consolas" panose="020B0609020204030204"/>
+                <a:ea typeface="Consolas" panose="020B0609020204030204"/>
+              </a:rPr>
+              <a:t>  0.         0.         0.         0.4472136  0.         0.        ]]</a:t>
+            </a:r>
+            <a:endParaRPr sz="1600" b="0" i="0">
+              <a:latin typeface="Consolas" panose="020B0609020204030204"/>
+              <a:ea typeface="Consolas" panose="020B0609020204030204"/>
+            </a:endParaRPr>
+          </a:p>
+          <a:p>
+            <a:pPr marL="0" indent="0" algn="l" fontAlgn="base">
+              <a:spcBef>
+                <a:spcPct val="0"/>
+              </a:spcBef>
+              <a:spcAft>
+                <a:spcPct val="0"/>
+              </a:spcAft>
+            </a:pPr>
+            <a:r>
+              <a:rPr sz="1600" b="0" i="0">
+                <a:latin typeface="Consolas" panose="020B0609020204030204"/>
+                <a:ea typeface="Consolas" panose="020B0609020204030204"/>
+              </a:rPr>
+              <a:t>['and' 'are' 'cat' 'cats' 'dog' 'dogs' 'log' 'mat' 'on' 'pets' 'sat' 'the']</a:t>
+            </a:r>
+            <a:endParaRPr sz="1600" b="0" i="0">
+              <a:latin typeface="Consolas" panose="020B0609020204030204"/>
+              <a:ea typeface="Consolas" panose="020B0609020204030204"/>
+            </a:endParaRPr>
+          </a:p>
+        </p:txBody>
+      </p:sp>
+      <p:sp>
+        <p:nvSpPr>
+          <p:cNvPr id="5" name="Text Box 4"/>
+          <p:cNvSpPr txBox="1"/>
+          <p:nvPr/>
+        </p:nvSpPr>
+        <p:spPr>
+          <a:xfrm>
+            <a:off x="1214120" y="4780915"/>
+            <a:ext cx="9428480" cy="2061210"/>
+          </a:xfrm>
+          <a:prstGeom prst="rect">
+            <a:avLst/>
+          </a:prstGeom>
+        </p:spPr>
+        <p:txBody>
+          <a:bodyPr wrap="square">
+            <a:spAutoFit/>
+          </a:bodyPr>
+          <a:p>
+            <a:pPr marL="0" indent="0" algn="l" fontAlgn="base">
+              <a:spcBef>
+                <a:spcPct val="0"/>
+              </a:spcBef>
+              <a:spcAft>
+                <a:spcPct val="0"/>
+              </a:spcAft>
+            </a:pPr>
+            <a:r>
+              <a:rPr sz="1600" b="1" i="0">
+                <a:solidFill>
+                  <a:srgbClr val="273239"/>
+                </a:solidFill>
+                <a:latin typeface="Nunito"/>
+                <a:ea typeface="Nunito"/>
+              </a:rPr>
+              <a:t>Advantages of TF-IDF</a:t>
+            </a:r>
+            <a:endParaRPr sz="1600" b="1" i="0">
+              <a:solidFill>
+                <a:srgbClr val="273239"/>
+              </a:solidFill>
+              <a:latin typeface="Nunito"/>
+              <a:ea typeface="Nunito"/>
+            </a:endParaRPr>
+          </a:p>
+          <a:p>
+            <a:pPr marL="0" indent="0" algn="l" fontAlgn="base">
+              <a:spcBef>
+                <a:spcPct val="0"/>
+              </a:spcBef>
+              <a:spcAft>
+                <a:spcPct val="0"/>
+              </a:spcAft>
+              <a:buFont typeface="Arial" panose="020B0604020202020204"/>
+              <a:buChar char="•"/>
+            </a:pPr>
+            <a:r>
+              <a:rPr sz="1600" b="0" i="0">
+                <a:solidFill>
+                  <a:srgbClr val="273239"/>
+                </a:solidFill>
+                <a:latin typeface="Nunito"/>
+                <a:ea typeface="Nunito"/>
+              </a:rPr>
+              <a:t>Reduces the impact of common words that appear frequently across documents.</a:t>
+            </a:r>
+            <a:endParaRPr sz="1600" b="0" i="0">
+              <a:solidFill>
+                <a:srgbClr val="273239"/>
+              </a:solidFill>
+              <a:latin typeface="Nunito"/>
+              <a:ea typeface="Nunito"/>
+            </a:endParaRPr>
+          </a:p>
+          <a:p>
+            <a:pPr marL="0" indent="0" algn="l" fontAlgn="base">
+              <a:spcBef>
+                <a:spcPct val="0"/>
+              </a:spcBef>
+              <a:spcAft>
+                <a:spcPct val="0"/>
+              </a:spcAft>
+              <a:buFont typeface="Arial" panose="020B0604020202020204"/>
+              <a:buChar char="•"/>
+            </a:pPr>
+            <a:r>
+              <a:rPr sz="1600" b="0" i="0">
+                <a:solidFill>
+                  <a:srgbClr val="273239"/>
+                </a:solidFill>
+                <a:latin typeface="Nunito"/>
+                <a:ea typeface="Nunito"/>
+              </a:rPr>
+              <a:t>Helps in highlighting more informative and discriminative words.</a:t>
+            </a:r>
+            <a:endParaRPr sz="1600" b="0" i="0">
+              <a:solidFill>
+                <a:srgbClr val="273239"/>
+              </a:solidFill>
+              <a:latin typeface="Nunito"/>
+              <a:ea typeface="Nunito"/>
+            </a:endParaRPr>
+          </a:p>
+          <a:p>
+            <a:pPr marL="0" indent="0" algn="l" fontAlgn="base">
+              <a:spcBef>
+                <a:spcPct val="0"/>
+              </a:spcBef>
+              <a:spcAft>
+                <a:spcPct val="0"/>
+              </a:spcAft>
+              <a:buFont typeface="Arial" panose="020B0604020202020204"/>
+              <a:buNone/>
+            </a:pPr>
+            <a:endParaRPr sz="1600" b="0" i="0">
+              <a:solidFill>
+                <a:srgbClr val="273239"/>
+              </a:solidFill>
+              <a:latin typeface="Nunito"/>
+              <a:ea typeface="Nunito"/>
+            </a:endParaRPr>
+          </a:p>
+          <a:p>
+            <a:pPr marL="0" indent="0" algn="l" fontAlgn="base">
+              <a:spcBef>
+                <a:spcPct val="0"/>
+              </a:spcBef>
+              <a:spcAft>
+                <a:spcPct val="0"/>
+              </a:spcAft>
+            </a:pPr>
+            <a:r>
+              <a:rPr sz="1600" b="1" i="0">
+                <a:solidFill>
+                  <a:srgbClr val="273239"/>
+                </a:solidFill>
+                <a:latin typeface="Nunito"/>
+                <a:ea typeface="Nunito"/>
+              </a:rPr>
+              <a:t>Disadvantages of TF-IDF</a:t>
+            </a:r>
+            <a:endParaRPr sz="1600" b="1" i="0">
+              <a:solidFill>
+                <a:srgbClr val="273239"/>
+              </a:solidFill>
+              <a:latin typeface="Nunito"/>
+              <a:ea typeface="Nunito"/>
+            </a:endParaRPr>
+          </a:p>
+          <a:p>
+            <a:pPr marL="0" indent="0" algn="l" fontAlgn="base">
+              <a:spcBef>
+                <a:spcPct val="0"/>
+              </a:spcBef>
+              <a:spcAft>
+                <a:spcPct val="0"/>
+              </a:spcAft>
+              <a:buFont typeface="Arial" panose="020B0604020202020204"/>
+              <a:buChar char="•"/>
+            </a:pPr>
+            <a:r>
+              <a:rPr sz="1600" b="0" i="0">
+                <a:solidFill>
+                  <a:srgbClr val="273239"/>
+                </a:solidFill>
+                <a:latin typeface="Nunito"/>
+                <a:ea typeface="Nunito"/>
+              </a:rPr>
+              <a:t>Still results in sparse matrices.</a:t>
+            </a:r>
+            <a:endParaRPr sz="1600" b="0" i="0">
+              <a:solidFill>
+                <a:srgbClr val="273239"/>
+              </a:solidFill>
+              <a:latin typeface="Nunito"/>
+              <a:ea typeface="Nunito"/>
+            </a:endParaRPr>
+          </a:p>
+          <a:p>
+            <a:pPr marL="0" indent="0" algn="l" fontAlgn="base">
+              <a:spcBef>
+                <a:spcPct val="0"/>
+              </a:spcBef>
+              <a:spcAft>
+                <a:spcPct val="0"/>
+              </a:spcAft>
+              <a:buFont typeface="Arial" panose="020B0604020202020204"/>
+              <a:buChar char="•"/>
+            </a:pPr>
+            <a:r>
+              <a:rPr sz="1600" b="0" i="0">
+                <a:solidFill>
+                  <a:srgbClr val="273239"/>
+                </a:solidFill>
+                <a:latin typeface="Nunito"/>
+                <a:ea typeface="Nunito"/>
+              </a:rPr>
+              <a:t>Does not capture word order or context.</a:t>
+            </a:r>
+            <a:endParaRPr sz="1600" b="0" i="0">
+              <a:solidFill>
+                <a:srgbClr val="273239"/>
+              </a:solidFill>
+              <a:latin typeface="Nunito"/>
+              <a:ea typeface="Nunito"/>
+            </a:endParaRPr>
+          </a:p>
+          <a:p>
+            <a:pPr marL="0" indent="0" algn="l" fontAlgn="base">
+              <a:spcBef>
+                <a:spcPct val="0"/>
+              </a:spcBef>
+              <a:spcAft>
+                <a:spcPct val="0"/>
+              </a:spcAft>
+              <a:buFont typeface="Arial" panose="020B0604020202020204"/>
+              <a:buChar char="•"/>
+            </a:pPr>
+            <a:r>
+              <a:rPr sz="1600" b="0" i="0">
+                <a:solidFill>
+                  <a:srgbClr val="273239"/>
+                </a:solidFill>
+                <a:latin typeface="Nunito"/>
+                <a:ea typeface="Nunito"/>
+              </a:rPr>
+              <a:t>Computationally more expensive than BoW.</a:t>
+            </a:r>
+            <a:endParaRPr sz="1600" b="0" i="0">
+              <a:solidFill>
+                <a:srgbClr val="273239"/>
+              </a:solidFill>
+              <a:latin typeface="Nunito"/>
+              <a:ea typeface="Nunito"/>
+            </a:endParaRPr>
+          </a:p>
+        </p:txBody>
+      </p:sp>
+    </p:spTree>
+  </p:cSld>
+  <p:clrMapOvr>
+    <a:masterClrMapping/>
+  </p:clrMapOvr>
+</p:sld>
+</file>
+
+<file path=ppt/slides/slide17.xml><?xml version="1.0" encoding="utf-8"?>
+<p:sld xmlns:a="http://schemas.openxmlformats.org/drawingml/2006/main" xmlns:r="http://schemas.openxmlformats.org/officeDocument/2006/relationships" xmlns:p="http://schemas.openxmlformats.org/presentationml/2006/main">
+  <p:cSld>
+    <p:spTree>
+      <p:nvGrpSpPr>
+        <p:cNvPr id="1" name=""/>
+        <p:cNvGrpSpPr/>
+        <p:nvPr/>
+      </p:nvGrpSpPr>
+      <p:grpSpPr/>
+      <p:sp>
+        <p:nvSpPr>
+          <p:cNvPr id="2" name="Text Box 1"/>
+          <p:cNvSpPr txBox="1"/>
+          <p:nvPr/>
+        </p:nvSpPr>
+        <p:spPr>
+          <a:xfrm>
+            <a:off x="367665" y="165100"/>
+            <a:ext cx="11048365" cy="1106805"/>
+          </a:xfrm>
+          <a:prstGeom prst="rect">
+            <a:avLst/>
+          </a:prstGeom>
+        </p:spPr>
+        <p:txBody>
+          <a:bodyPr wrap="square">
+            <a:spAutoFit/>
+          </a:bodyPr>
+          <a:p>
+            <a:pPr marL="0" indent="0" algn="l" fontAlgn="base">
+              <a:spcBef>
+                <a:spcPct val="0"/>
+              </a:spcBef>
+              <a:spcAft>
+                <a:spcPct val="0"/>
+              </a:spcAft>
+            </a:pPr>
+            <a:r>
+              <a:rPr b="1" i="0">
+                <a:solidFill>
+                  <a:srgbClr val="273239"/>
+                </a:solidFill>
+                <a:latin typeface="Nunito"/>
+                <a:ea typeface="Nunito"/>
+              </a:rPr>
+              <a:t>3. Count Vectorizer</a:t>
+            </a:r>
+            <a:endParaRPr b="1" i="0">
+              <a:solidFill>
+                <a:srgbClr val="273239"/>
+              </a:solidFill>
+              <a:latin typeface="Nunito"/>
+              <a:ea typeface="Nunito"/>
+            </a:endParaRPr>
+          </a:p>
+          <a:p>
+            <a:pPr marL="0" indent="0" algn="l" fontAlgn="base">
+              <a:spcBef>
+                <a:spcPct val="0"/>
+              </a:spcBef>
+              <a:spcAft>
+                <a:spcPct val="0"/>
+              </a:spcAft>
+            </a:pPr>
+            <a:r>
+              <a:rPr sz="1600" b="0" i="0">
+                <a:solidFill>
+                  <a:srgbClr val="273239"/>
+                </a:solidFill>
+                <a:latin typeface="Nunito"/>
+                <a:ea typeface="Nunito"/>
+              </a:rPr>
+              <a:t>The </a:t>
+            </a:r>
+            <a:r>
+              <a:rPr sz="1600" b="0" i="0" u="sng">
+                <a:solidFill>
+                  <a:srgbClr val="357960"/>
+                </a:solidFill>
+                <a:latin typeface="Nunito"/>
+                <a:ea typeface="Nunito"/>
+                <a:hlinkClick r:id="rId1"/>
+              </a:rPr>
+              <a:t>Count Vectorizer</a:t>
+            </a:r>
+            <a:r>
+              <a:rPr sz="1600" b="0" i="0">
+                <a:solidFill>
+                  <a:srgbClr val="273239"/>
+                </a:solidFill>
+                <a:latin typeface="Nunito"/>
+                <a:ea typeface="Nunito"/>
+              </a:rPr>
+              <a:t> is similar to BoW but focuses on counting the occurrences of each word in the document. It converts a collection of text documents to a matrix of token counts, where each element represents the count of a word in a specific document.</a:t>
+            </a:r>
+            <a:endParaRPr sz="1600" b="0" i="0">
+              <a:solidFill>
+                <a:srgbClr val="273239"/>
+              </a:solidFill>
+              <a:latin typeface="Nunito"/>
+              <a:ea typeface="Nunito"/>
+            </a:endParaRPr>
+          </a:p>
+        </p:txBody>
+      </p:sp>
+      <p:sp>
+        <p:nvSpPr>
+          <p:cNvPr id="3" name="Text Box 2"/>
+          <p:cNvSpPr txBox="1"/>
+          <p:nvPr/>
+        </p:nvSpPr>
+        <p:spPr>
+          <a:xfrm>
+            <a:off x="497205" y="1355725"/>
+            <a:ext cx="5427980" cy="4799965"/>
+          </a:xfrm>
+          <a:prstGeom prst="rect">
+            <a:avLst/>
+          </a:prstGeom>
+          <a:noFill/>
+        </p:spPr>
+        <p:txBody>
+          <a:bodyPr wrap="square" rtlCol="0" anchor="t">
+            <a:spAutoFit/>
+          </a:bodyPr>
+          <a:p>
+            <a:r>
+              <a:rPr lang="en-US" altLang="en-US"/>
+              <a:t>from sklearn.feature_extraction.text import CountVectorizer</a:t>
+            </a:r>
+            <a:endParaRPr lang="en-US" altLang="en-US"/>
+          </a:p>
+          <a:p>
+            <a:endParaRPr lang="en-US" altLang="en-US"/>
+          </a:p>
+          <a:p>
+            <a:r>
+              <a:rPr lang="en-US" altLang="en-US"/>
+              <a:t># Sample documents</a:t>
+            </a:r>
+            <a:endParaRPr lang="en-US" altLang="en-US"/>
+          </a:p>
+          <a:p>
+            <a:r>
+              <a:rPr lang="en-US" altLang="en-US"/>
+              <a:t>documents = [</a:t>
+            </a:r>
+            <a:endParaRPr lang="en-US" altLang="en-US"/>
+          </a:p>
+          <a:p>
+            <a:r>
+              <a:rPr lang="en-US" altLang="en-US"/>
+              <a:t>    "The cat sat on the mat.",</a:t>
+            </a:r>
+            <a:endParaRPr lang="en-US" altLang="en-US"/>
+          </a:p>
+          <a:p>
+            <a:r>
+              <a:rPr lang="en-US" altLang="en-US"/>
+              <a:t>    "The dog sat on the log.",</a:t>
+            </a:r>
+            <a:endParaRPr lang="en-US" altLang="en-US"/>
+          </a:p>
+          <a:p>
+            <a:r>
+              <a:rPr lang="en-US" altLang="en-US"/>
+              <a:t>    "Cats and dogs are pets."</a:t>
+            </a:r>
+            <a:endParaRPr lang="en-US" altLang="en-US"/>
+          </a:p>
+          <a:p>
+            <a:r>
+              <a:rPr lang="en-US" altLang="en-US"/>
+              <a:t>]</a:t>
+            </a:r>
+            <a:endParaRPr lang="en-US" altLang="en-US"/>
+          </a:p>
+          <a:p>
+            <a:endParaRPr lang="en-US" altLang="en-US"/>
+          </a:p>
+          <a:p>
+            <a:r>
+              <a:rPr lang="en-US" altLang="en-US"/>
+              <a:t># Initialize CountVectorizer</a:t>
+            </a:r>
+            <a:endParaRPr lang="en-US" altLang="en-US"/>
+          </a:p>
+          <a:p>
+            <a:r>
+              <a:rPr lang="en-US" altLang="en-US"/>
+              <a:t>count_vectorizer = CountVectorizer()</a:t>
+            </a:r>
+            <a:endParaRPr lang="en-US" altLang="en-US"/>
+          </a:p>
+          <a:p>
+            <a:r>
+              <a:rPr lang="en-US" altLang="en-US"/>
+              <a:t>X_count = count_vectorizer.fit_transform(documents)</a:t>
+            </a:r>
+            <a:endParaRPr lang="en-US" altLang="en-US"/>
+          </a:p>
+          <a:p>
+            <a:endParaRPr lang="en-US" altLang="en-US"/>
+          </a:p>
+          <a:p>
+            <a:r>
+              <a:rPr lang="en-US" altLang="en-US"/>
+              <a:t># Convert to array and print</a:t>
+            </a:r>
+            <a:endParaRPr lang="en-US" altLang="en-US"/>
+          </a:p>
+          <a:p>
+            <a:r>
+              <a:rPr lang="en-US" altLang="en-US"/>
+              <a:t>print(X_count.toarray())</a:t>
+            </a:r>
+            <a:endParaRPr lang="en-US" altLang="en-US"/>
+          </a:p>
+          <a:p>
+            <a:r>
+              <a:rPr lang="en-US" altLang="en-US"/>
+              <a:t>print(count_vectorizer.get_feature_names_out())</a:t>
+            </a:r>
+            <a:endParaRPr lang="en-US"/>
+          </a:p>
+        </p:txBody>
+      </p:sp>
+      <p:sp>
+        <p:nvSpPr>
+          <p:cNvPr id="4" name="Text Box 3"/>
+          <p:cNvSpPr txBox="1"/>
+          <p:nvPr/>
+        </p:nvSpPr>
+        <p:spPr>
+          <a:xfrm>
+            <a:off x="6441440" y="1884998"/>
+            <a:ext cx="5080000" cy="1845310"/>
+          </a:xfrm>
+          <a:prstGeom prst="rect">
+            <a:avLst/>
+          </a:prstGeom>
+        </p:spPr>
+        <p:txBody>
+          <a:bodyPr>
+            <a:spAutoFit/>
+          </a:bodyPr>
+          <a:p>
+            <a:pPr marL="0" indent="0" algn="l" fontAlgn="base">
+              <a:spcBef>
+                <a:spcPct val="0"/>
+              </a:spcBef>
+              <a:spcAft>
+                <a:spcPct val="0"/>
+              </a:spcAft>
+            </a:pPr>
+            <a:r>
+              <a:rPr b="1" i="0">
+                <a:solidFill>
+                  <a:srgbClr val="273239"/>
+                </a:solidFill>
+                <a:latin typeface="Nunito"/>
+                <a:ea typeface="Nunito"/>
+              </a:rPr>
+              <a:t>Output:</a:t>
+            </a:r>
+            <a:endParaRPr b="1" i="0">
+              <a:solidFill>
+                <a:srgbClr val="273239"/>
+              </a:solidFill>
+              <a:latin typeface="Nunito"/>
+              <a:ea typeface="Nunito"/>
+            </a:endParaRPr>
+          </a:p>
+          <a:p>
+            <a:pPr marL="0" indent="0" algn="l" fontAlgn="base">
+              <a:spcBef>
+                <a:spcPct val="0"/>
+              </a:spcBef>
+              <a:spcAft>
+                <a:spcPct val="0"/>
+              </a:spcAft>
+            </a:pPr>
+            <a:endParaRPr sz="1600" b="1" i="0">
+              <a:solidFill>
+                <a:srgbClr val="273239"/>
+              </a:solidFill>
+              <a:latin typeface="Nunito"/>
+              <a:ea typeface="Nunito"/>
+            </a:endParaRPr>
+          </a:p>
+          <a:p>
+            <a:pPr marL="0" indent="0" algn="l" fontAlgn="base">
+              <a:spcBef>
+                <a:spcPct val="0"/>
+              </a:spcBef>
+              <a:spcAft>
+                <a:spcPct val="0"/>
+              </a:spcAft>
+            </a:pPr>
+            <a:r>
+              <a:rPr sz="1600" b="0" i="0">
+                <a:latin typeface="Consolas" panose="020B0609020204030204"/>
+                <a:ea typeface="Consolas" panose="020B0609020204030204"/>
+              </a:rPr>
+              <a:t>[[0 0 1 0 0 0 0 1 1 0 1 2]</a:t>
+            </a:r>
+            <a:endParaRPr sz="1600" b="0" i="0">
+              <a:latin typeface="Consolas" panose="020B0609020204030204"/>
+              <a:ea typeface="Consolas" panose="020B0609020204030204"/>
+            </a:endParaRPr>
+          </a:p>
+          <a:p>
+            <a:pPr marL="0" indent="0" algn="l" fontAlgn="base">
+              <a:spcBef>
+                <a:spcPct val="0"/>
+              </a:spcBef>
+              <a:spcAft>
+                <a:spcPct val="0"/>
+              </a:spcAft>
+            </a:pPr>
+            <a:r>
+              <a:rPr sz="1600" b="0" i="0">
+                <a:latin typeface="Consolas" panose="020B0609020204030204"/>
+                <a:ea typeface="Consolas" panose="020B0609020204030204"/>
+              </a:rPr>
+              <a:t> [0 0 0 0 1 0 1 0 1 0 1 2]</a:t>
+            </a:r>
+            <a:endParaRPr sz="1600" b="0" i="0">
+              <a:latin typeface="Consolas" panose="020B0609020204030204"/>
+              <a:ea typeface="Consolas" panose="020B0609020204030204"/>
+            </a:endParaRPr>
+          </a:p>
+          <a:p>
+            <a:pPr marL="0" indent="0" algn="l" fontAlgn="base">
+              <a:spcBef>
+                <a:spcPct val="0"/>
+              </a:spcBef>
+              <a:spcAft>
+                <a:spcPct val="0"/>
+              </a:spcAft>
+            </a:pPr>
+            <a:r>
+              <a:rPr sz="1600" b="0" i="0">
+                <a:latin typeface="Consolas" panose="020B0609020204030204"/>
+                <a:ea typeface="Consolas" panose="020B0609020204030204"/>
+              </a:rPr>
+              <a:t> [1 1 0 1 0 1 0 0 0 1 0 0]]</a:t>
+            </a:r>
+            <a:endParaRPr sz="1600" b="0" i="0">
+              <a:latin typeface="Consolas" panose="020B0609020204030204"/>
+              <a:ea typeface="Consolas" panose="020B0609020204030204"/>
+            </a:endParaRPr>
+          </a:p>
+          <a:p>
+            <a:pPr marL="0" indent="0" algn="l" fontAlgn="base">
+              <a:spcBef>
+                <a:spcPct val="0"/>
+              </a:spcBef>
+              <a:spcAft>
+                <a:spcPct val="0"/>
+              </a:spcAft>
+            </a:pPr>
+            <a:r>
+              <a:rPr sz="1600" b="0" i="0">
+                <a:latin typeface="Consolas" panose="020B0609020204030204"/>
+                <a:ea typeface="Consolas" panose="020B0609020204030204"/>
+              </a:rPr>
+              <a:t>['and' 'are' 'cat' 'cats' 'dog' 'dogs' 'log' 'mat' 'on' 'pets' 'sat' 'the']</a:t>
+            </a:r>
+            <a:endParaRPr sz="1600" b="0" i="0">
+              <a:latin typeface="Consolas" panose="020B0609020204030204"/>
+              <a:ea typeface="Consolas" panose="020B0609020204030204"/>
+            </a:endParaRPr>
+          </a:p>
+        </p:txBody>
+      </p:sp>
+    </p:spTree>
+  </p:cSld>
+  <p:clrMapOvr>
+    <a:masterClrMapping/>
+  </p:clrMapOvr>
+</p:sld>
+</file>
+
+<file path=ppt/slides/slide18.xml><?xml version="1.0" encoding="utf-8"?>
+<p:sld xmlns:a="http://schemas.openxmlformats.org/drawingml/2006/main" xmlns:r="http://schemas.openxmlformats.org/officeDocument/2006/relationships" xmlns:p="http://schemas.openxmlformats.org/presentationml/2006/main">
+  <p:cSld>
+    <p:spTree>
+      <p:nvGrpSpPr>
+        <p:cNvPr id="1" name=""/>
+        <p:cNvGrpSpPr/>
+        <p:nvPr/>
+      </p:nvGrpSpPr>
+      <p:grpSpPr/>
+      <p:sp>
+        <p:nvSpPr>
+          <p:cNvPr id="2" name="Text Box 1"/>
+          <p:cNvSpPr txBox="1"/>
+          <p:nvPr/>
+        </p:nvSpPr>
+        <p:spPr>
+          <a:xfrm>
+            <a:off x="1256030" y="424815"/>
+            <a:ext cx="9219565" cy="2799715"/>
+          </a:xfrm>
+          <a:prstGeom prst="rect">
+            <a:avLst/>
+          </a:prstGeom>
+        </p:spPr>
+        <p:txBody>
+          <a:bodyPr wrap="square">
+            <a:spAutoFit/>
+          </a:bodyPr>
+          <a:p>
+            <a:pPr marL="0" indent="0" algn="l" fontAlgn="base">
+              <a:spcBef>
+                <a:spcPct val="0"/>
+              </a:spcBef>
+              <a:spcAft>
+                <a:spcPct val="0"/>
+              </a:spcAft>
+            </a:pPr>
+            <a:r>
+              <a:rPr lang="en-US" altLang="en-US" sz="3200" b="1" i="0">
+                <a:solidFill>
+                  <a:srgbClr val="FF0000"/>
+                </a:solidFill>
+                <a:effectLst>
+                  <a:outerShdw blurRad="38100" dist="38100" dir="2700000" algn="tl">
+                    <a:srgbClr val="000000">
+                      <a:alpha val="43137"/>
+                    </a:srgbClr>
+                  </a:outerShdw>
+                </a:effectLst>
+                <a:latin typeface="Arial" panose="020B0604020202020204" pitchFamily="34" charset="0"/>
+                <a:ea typeface="Nunito"/>
+                <a:cs typeface="Arial" panose="020B0604020202020204" pitchFamily="34" charset="0"/>
+              </a:rPr>
+              <a:t>Advanced Vectorization Techniques in Natural Language Processing (NLP)</a:t>
+            </a:r>
+            <a:endParaRPr lang="en-US" altLang="en-US" sz="3200" b="1" i="0">
+              <a:solidFill>
+                <a:srgbClr val="FF0000"/>
+              </a:solidFill>
+              <a:effectLst>
+                <a:outerShdw blurRad="38100" dist="38100" dir="2700000" algn="tl">
+                  <a:srgbClr val="000000">
+                    <a:alpha val="43137"/>
+                  </a:srgbClr>
+                </a:outerShdw>
+              </a:effectLst>
+              <a:latin typeface="Arial" panose="020B0604020202020204" pitchFamily="34" charset="0"/>
+              <a:ea typeface="Nunito"/>
+              <a:cs typeface="Arial" panose="020B0604020202020204" pitchFamily="34" charset="0"/>
+            </a:endParaRPr>
+          </a:p>
+          <a:p>
+            <a:pPr marL="0" indent="0" algn="l" fontAlgn="base">
+              <a:spcBef>
+                <a:spcPct val="0"/>
+              </a:spcBef>
+              <a:spcAft>
+                <a:spcPct val="0"/>
+              </a:spcAft>
+            </a:pPr>
+            <a:endParaRPr lang="en-US" altLang="en-US" sz="3200" b="1" i="0">
+              <a:solidFill>
+                <a:srgbClr val="273239"/>
+              </a:solidFill>
+              <a:effectLst>
+                <a:outerShdw blurRad="38100" dist="38100" dir="2700000" algn="tl">
+                  <a:srgbClr val="000000">
+                    <a:alpha val="43137"/>
+                  </a:srgbClr>
+                </a:outerShdw>
+              </a:effectLst>
+              <a:latin typeface="Arial" panose="020B0604020202020204" pitchFamily="34" charset="0"/>
+              <a:ea typeface="Nunito"/>
+              <a:cs typeface="Arial" panose="020B0604020202020204" pitchFamily="34" charset="0"/>
+            </a:endParaRPr>
+          </a:p>
+          <a:p>
+            <a:pPr marL="0" indent="0" algn="l" fontAlgn="base">
+              <a:spcBef>
+                <a:spcPct val="0"/>
+              </a:spcBef>
+              <a:spcAft>
+                <a:spcPct val="0"/>
+              </a:spcAft>
+            </a:pPr>
+            <a:r>
+              <a:rPr lang="en-US" altLang="en-US" sz="1600" b="0" i="0">
+                <a:solidFill>
+                  <a:srgbClr val="273239"/>
+                </a:solidFill>
+                <a:latin typeface="Arial" panose="020B0604020202020204" pitchFamily="34" charset="0"/>
+                <a:ea typeface="Nunito"/>
+                <a:cs typeface="Arial" panose="020B0604020202020204" pitchFamily="34" charset="0"/>
+              </a:rPr>
+              <a:t>Advanced vectorization techniques provide more sophisticated methods for representing text data as numerical vectors, capturing semantic relationships and contextual meaning. Here, we explore word embeddings and document embeddings.</a:t>
+            </a:r>
+            <a:endParaRPr lang="en-US" altLang="en-US" sz="1600" b="0" i="0">
+              <a:solidFill>
+                <a:srgbClr val="273239"/>
+              </a:solidFill>
+              <a:latin typeface="Arial" panose="020B0604020202020204" pitchFamily="34" charset="0"/>
+              <a:ea typeface="Nunito"/>
+              <a:cs typeface="Arial" panose="020B0604020202020204" pitchFamily="34" charset="0"/>
+            </a:endParaRPr>
+          </a:p>
+          <a:p>
+            <a:pPr marL="0" indent="0" algn="l" fontAlgn="base">
+              <a:spcBef>
+                <a:spcPct val="0"/>
+              </a:spcBef>
+              <a:spcAft>
+                <a:spcPct val="0"/>
+              </a:spcAft>
+            </a:pPr>
+            <a:endParaRPr lang="en-US" altLang="en-US" sz="1600" b="0" i="0">
+              <a:solidFill>
+                <a:srgbClr val="273239"/>
+              </a:solidFill>
+              <a:latin typeface="Arial" panose="020B0604020202020204" pitchFamily="34" charset="0"/>
+              <a:ea typeface="Nunito"/>
+              <a:cs typeface="Arial" panose="020B0604020202020204" pitchFamily="34" charset="0"/>
+            </a:endParaRPr>
+          </a:p>
+          <a:p>
+            <a:pPr marL="0" indent="0" algn="l" fontAlgn="base">
+              <a:spcBef>
+                <a:spcPct val="0"/>
+              </a:spcBef>
+              <a:spcAft>
+                <a:spcPct val="0"/>
+              </a:spcAft>
+            </a:pPr>
+            <a:endParaRPr lang="en-US" altLang="en-US" sz="1600" b="0" i="0">
+              <a:solidFill>
+                <a:srgbClr val="273239"/>
+              </a:solidFill>
+              <a:latin typeface="Arial" panose="020B0604020202020204" pitchFamily="34" charset="0"/>
+              <a:ea typeface="Nunito"/>
+              <a:cs typeface="Arial" panose="020B0604020202020204" pitchFamily="34" charset="0"/>
+            </a:endParaRPr>
+          </a:p>
+        </p:txBody>
+      </p:sp>
+      <p:sp>
+        <p:nvSpPr>
+          <p:cNvPr id="3" name="Text Box 2"/>
+          <p:cNvSpPr txBox="1"/>
+          <p:nvPr/>
+        </p:nvSpPr>
+        <p:spPr>
+          <a:xfrm>
+            <a:off x="2792730" y="3659188"/>
+            <a:ext cx="5080000" cy="398780"/>
+          </a:xfrm>
+          <a:prstGeom prst="rect">
+            <a:avLst/>
+          </a:prstGeom>
+        </p:spPr>
+        <p:txBody>
+          <a:bodyPr>
+            <a:spAutoFit/>
+          </a:bodyPr>
+          <a:p>
+            <a:pPr marL="0" indent="0" fontAlgn="base">
+              <a:spcBef>
+                <a:spcPts val="2100"/>
+              </a:spcBef>
+              <a:spcAft>
+                <a:spcPct val="0"/>
+              </a:spcAft>
+            </a:pPr>
+            <a:r>
+              <a:rPr lang="en-US" sz="2000" b="1" i="0">
+                <a:solidFill>
+                  <a:srgbClr val="FF0000"/>
+                </a:solidFill>
+                <a:latin typeface="-apple-system"/>
+                <a:ea typeface="-apple-system"/>
+              </a:rPr>
+              <a:t>L</a:t>
+            </a:r>
+            <a:r>
+              <a:rPr sz="2000" b="1" i="0">
+                <a:solidFill>
+                  <a:srgbClr val="FF0000"/>
+                </a:solidFill>
+                <a:latin typeface="-apple-system"/>
+                <a:ea typeface="-apple-system"/>
+              </a:rPr>
+              <a:t>anguage modelling</a:t>
+            </a:r>
+            <a:endParaRPr sz="2000" b="1" i="0">
+              <a:solidFill>
+                <a:srgbClr val="FF0000"/>
+              </a:solidFill>
+              <a:latin typeface="-apple-system"/>
+              <a:ea typeface="-apple-system"/>
+            </a:endParaRPr>
+          </a:p>
+        </p:txBody>
+      </p:sp>
+      <p:sp>
+        <p:nvSpPr>
+          <p:cNvPr id="5" name="Text Box 4"/>
+          <p:cNvSpPr txBox="1"/>
+          <p:nvPr/>
+        </p:nvSpPr>
+        <p:spPr>
+          <a:xfrm>
+            <a:off x="675005" y="167005"/>
+            <a:ext cx="6096000" cy="398780"/>
+          </a:xfrm>
+          <a:prstGeom prst="rect">
+            <a:avLst/>
+          </a:prstGeom>
+          <a:noFill/>
+        </p:spPr>
+        <p:txBody>
+          <a:bodyPr wrap="square" rtlCol="0" anchor="t">
+            <a:spAutoFit/>
+          </a:bodyPr>
+          <a:p>
+            <a:pPr marL="0" indent="0" algn="l" fontAlgn="base">
+              <a:spcBef>
+                <a:spcPct val="0"/>
+              </a:spcBef>
+              <a:spcAft>
+                <a:spcPct val="0"/>
+              </a:spcAft>
+            </a:pPr>
+            <a:r>
+              <a:rPr sz="2000" b="1">
+                <a:solidFill>
+                  <a:srgbClr val="273239"/>
+                </a:solidFill>
+                <a:latin typeface="Nunito"/>
+                <a:ea typeface="Nunito"/>
+                <a:sym typeface="+mn-ea"/>
+              </a:rPr>
+              <a:t>2. Neural Approach</a:t>
+            </a:r>
+            <a:endParaRPr lang="en-US" sz="2000" b="1">
+              <a:solidFill>
+                <a:srgbClr val="273239"/>
+              </a:solidFill>
+              <a:latin typeface="Nunito"/>
+              <a:ea typeface="Nunito"/>
+              <a:sym typeface="+mn-ea"/>
+            </a:endParaRPr>
+          </a:p>
+        </p:txBody>
+      </p:sp>
+    </p:spTree>
+  </p:cSld>
+  <p:clrMapOvr>
+    <a:masterClrMapping/>
+  </p:clrMapOvr>
+</p:sld>
+</file>
+
+<file path=ppt/slides/slide19.xml><?xml version="1.0" encoding="utf-8"?>
+<p:sld xmlns:a="http://schemas.openxmlformats.org/drawingml/2006/main" xmlns:r="http://schemas.openxmlformats.org/officeDocument/2006/relationships" xmlns:p="http://schemas.openxmlformats.org/presentationml/2006/main">
+  <p:cSld>
+    <p:spTree>
+      <p:nvGrpSpPr>
+        <p:cNvPr id="1" name=""/>
+        <p:cNvGrpSpPr/>
+        <p:nvPr/>
+      </p:nvGrpSpPr>
+      <p:grpSpPr/>
+      <p:sp>
+        <p:nvSpPr>
+          <p:cNvPr id="2" name="Text Box 1"/>
+          <p:cNvSpPr txBox="1"/>
+          <p:nvPr/>
+        </p:nvSpPr>
+        <p:spPr>
+          <a:xfrm>
+            <a:off x="201295" y="145415"/>
+            <a:ext cx="10483215" cy="583565"/>
+          </a:xfrm>
+          <a:prstGeom prst="rect">
+            <a:avLst/>
+          </a:prstGeom>
+        </p:spPr>
+        <p:txBody>
+          <a:bodyPr wrap="square">
+            <a:spAutoFit/>
+          </a:bodyPr>
+          <a:p>
+            <a:pPr marL="0" indent="0" algn="l" fontAlgn="base">
+              <a:spcBef>
+                <a:spcPct val="0"/>
+              </a:spcBef>
+              <a:spcAft>
+                <a:spcPct val="0"/>
+              </a:spcAft>
+            </a:pPr>
+            <a:r>
+              <a:rPr sz="3200" b="1" i="0">
+                <a:solidFill>
+                  <a:srgbClr val="FF0000"/>
+                </a:solidFill>
+                <a:effectLst>
+                  <a:outerShdw blurRad="38100" dist="38100" dir="2700000" algn="tl">
+                    <a:srgbClr val="000000">
+                      <a:alpha val="43137"/>
+                    </a:srgbClr>
+                  </a:outerShdw>
+                </a:effectLst>
+                <a:latin typeface="Nunito"/>
+                <a:ea typeface="Nunito"/>
+              </a:rPr>
+              <a:t>1. Word Embeddings</a:t>
+            </a:r>
+            <a:endParaRPr sz="2000" b="0" i="0">
+              <a:solidFill>
+                <a:srgbClr val="273239"/>
+              </a:solidFill>
+              <a:latin typeface="Nunito"/>
+              <a:ea typeface="Nunito"/>
+            </a:endParaRPr>
+          </a:p>
+        </p:txBody>
+      </p:sp>
+      <p:sp>
+        <p:nvSpPr>
+          <p:cNvPr id="3" name="Text Box 2"/>
+          <p:cNvSpPr txBox="1"/>
+          <p:nvPr/>
+        </p:nvSpPr>
+        <p:spPr>
+          <a:xfrm>
+            <a:off x="6693535" y="6489700"/>
+            <a:ext cx="6096000" cy="368300"/>
+          </a:xfrm>
+          <a:prstGeom prst="rect">
+            <a:avLst/>
+          </a:prstGeom>
+          <a:noFill/>
+        </p:spPr>
+        <p:txBody>
+          <a:bodyPr wrap="square" rtlCol="0" anchor="t">
+            <a:spAutoFit/>
+          </a:bodyPr>
+          <a:p>
+            <a:r>
+              <a:rPr lang="en-US" altLang="en-US"/>
+              <a:t>https://www.ruder.io/word-embeddings-1/</a:t>
+            </a:r>
+            <a:endParaRPr lang="en-US"/>
+          </a:p>
+        </p:txBody>
+      </p:sp>
+      <p:pic>
+        <p:nvPicPr>
+          <p:cNvPr id="4" name="Picture 3"/>
+          <p:cNvPicPr/>
+          <p:nvPr/>
+        </p:nvPicPr>
+        <p:blipFill>
+          <a:blip r:embed="rId1"/>
+          <a:srcRect l="7813" t="8528" r="7459" b="17546"/>
+          <a:stretch>
+            <a:fillRect/>
+          </a:stretch>
+        </p:blipFill>
+        <p:spPr>
+          <a:xfrm>
+            <a:off x="5815330" y="584835"/>
+            <a:ext cx="6376670" cy="5069840"/>
+          </a:xfrm>
+          <a:prstGeom prst="rect">
+            <a:avLst/>
+          </a:prstGeom>
+        </p:spPr>
+      </p:pic>
+      <p:sp>
+        <p:nvSpPr>
+          <p:cNvPr id="6" name="Text Box 5"/>
+          <p:cNvSpPr txBox="1"/>
+          <p:nvPr/>
+        </p:nvSpPr>
+        <p:spPr>
+          <a:xfrm>
+            <a:off x="278130" y="728980"/>
+            <a:ext cx="5641340" cy="5584825"/>
+          </a:xfrm>
+          <a:prstGeom prst="rect">
+            <a:avLst/>
+          </a:prstGeom>
+          <a:noFill/>
+        </p:spPr>
+        <p:txBody>
+          <a:bodyPr wrap="square" rtlCol="0" anchor="t">
+            <a:spAutoFit/>
+          </a:bodyPr>
+          <a:p>
+            <a:pPr marL="0" indent="0" algn="l" fontAlgn="base">
+              <a:spcBef>
+                <a:spcPct val="0"/>
+              </a:spcBef>
+              <a:spcAft>
+                <a:spcPct val="0"/>
+              </a:spcAft>
+            </a:pPr>
+            <a:r>
+              <a:rPr sz="1700">
+                <a:solidFill>
+                  <a:srgbClr val="273239"/>
+                </a:solidFill>
+                <a:latin typeface="Arial" panose="020B0604020202020204" pitchFamily="34" charset="0"/>
+                <a:ea typeface="Nunito"/>
+                <a:cs typeface="Arial" panose="020B0604020202020204" pitchFamily="34" charset="0"/>
+                <a:sym typeface="+mn-ea"/>
+              </a:rPr>
+              <a:t>Word embeddings are dense vector representations of words in a continuous vector space, where semantically similar words are located closer to each other. </a:t>
+            </a:r>
+            <a:endParaRPr sz="1700">
+              <a:solidFill>
+                <a:srgbClr val="273239"/>
+              </a:solidFill>
+              <a:latin typeface="Arial" panose="020B0604020202020204" pitchFamily="34" charset="0"/>
+              <a:ea typeface="Nunito"/>
+              <a:cs typeface="Arial" panose="020B0604020202020204" pitchFamily="34" charset="0"/>
+              <a:sym typeface="+mn-ea"/>
+            </a:endParaRPr>
+          </a:p>
+          <a:p>
+            <a:pPr marL="0" indent="0" algn="l" fontAlgn="base">
+              <a:spcBef>
+                <a:spcPct val="0"/>
+              </a:spcBef>
+              <a:spcAft>
+                <a:spcPct val="0"/>
+              </a:spcAft>
+            </a:pPr>
+            <a:endParaRPr sz="1700">
+              <a:solidFill>
+                <a:srgbClr val="273239"/>
+              </a:solidFill>
+              <a:latin typeface="Arial" panose="020B0604020202020204" pitchFamily="34" charset="0"/>
+              <a:ea typeface="Nunito"/>
+              <a:cs typeface="Arial" panose="020B0604020202020204" pitchFamily="34" charset="0"/>
+              <a:sym typeface="+mn-ea"/>
+            </a:endParaRPr>
+          </a:p>
+          <a:p>
+            <a:pPr marL="0" indent="0" algn="l" fontAlgn="base">
+              <a:spcBef>
+                <a:spcPct val="0"/>
+              </a:spcBef>
+              <a:spcAft>
+                <a:spcPct val="0"/>
+              </a:spcAft>
+            </a:pPr>
+            <a:r>
+              <a:rPr sz="1700">
+                <a:solidFill>
+                  <a:srgbClr val="273239"/>
+                </a:solidFill>
+                <a:latin typeface="Arial" panose="020B0604020202020204" pitchFamily="34" charset="0"/>
+                <a:ea typeface="Nunito"/>
+                <a:cs typeface="Arial" panose="020B0604020202020204" pitchFamily="34" charset="0"/>
+                <a:sym typeface="+mn-ea"/>
+              </a:rPr>
+              <a:t>These embeddings capture the context of a word, its syntactic role, and semantic relationships with other words, leading to better performance in various NLP tasks.</a:t>
+            </a:r>
+            <a:endParaRPr sz="1700" b="0" i="0">
+              <a:solidFill>
+                <a:srgbClr val="273239"/>
+              </a:solidFill>
+              <a:latin typeface="Arial" panose="020B0604020202020204" pitchFamily="34" charset="0"/>
+              <a:ea typeface="Nunito"/>
+              <a:cs typeface="Arial" panose="020B0604020202020204" pitchFamily="34" charset="0"/>
+            </a:endParaRPr>
+          </a:p>
+          <a:p>
+            <a:pPr marL="0" indent="0" algn="l" fontAlgn="base">
+              <a:spcBef>
+                <a:spcPct val="0"/>
+              </a:spcBef>
+              <a:spcAft>
+                <a:spcPct val="0"/>
+              </a:spcAft>
+            </a:pPr>
+            <a:endParaRPr sz="1700" b="0" i="0">
+              <a:solidFill>
+                <a:srgbClr val="273239"/>
+              </a:solidFill>
+              <a:latin typeface="Arial" panose="020B0604020202020204" pitchFamily="34" charset="0"/>
+              <a:ea typeface="Nunito"/>
+              <a:cs typeface="Arial" panose="020B0604020202020204" pitchFamily="34" charset="0"/>
+            </a:endParaRPr>
+          </a:p>
+          <a:p>
+            <a:pPr marL="0" indent="0" algn="l" fontAlgn="base">
+              <a:spcBef>
+                <a:spcPct val="0"/>
+              </a:spcBef>
+              <a:spcAft>
+                <a:spcPct val="0"/>
+              </a:spcAft>
+            </a:pPr>
+            <a:r>
+              <a:rPr sz="1700" b="1">
+                <a:solidFill>
+                  <a:srgbClr val="FF0000"/>
+                </a:solidFill>
+                <a:latin typeface="Arial" panose="020B0604020202020204" pitchFamily="34" charset="0"/>
+                <a:ea typeface="Nunito"/>
+                <a:cs typeface="Arial" panose="020B0604020202020204" pitchFamily="34" charset="0"/>
+                <a:sym typeface="+mn-ea"/>
+              </a:rPr>
+              <a:t>Advantages:</a:t>
+            </a:r>
+            <a:endParaRPr sz="1700" b="1" i="0">
+              <a:solidFill>
+                <a:srgbClr val="FF0000"/>
+              </a:solidFill>
+              <a:latin typeface="Arial" panose="020B0604020202020204" pitchFamily="34" charset="0"/>
+              <a:ea typeface="Nunito"/>
+              <a:cs typeface="Arial" panose="020B0604020202020204" pitchFamily="34" charset="0"/>
+            </a:endParaRPr>
+          </a:p>
+          <a:p>
+            <a:pPr marL="457200" lvl="1" indent="0" algn="l" fontAlgn="base">
+              <a:spcBef>
+                <a:spcPct val="0"/>
+              </a:spcBef>
+              <a:spcAft>
+                <a:spcPct val="0"/>
+              </a:spcAft>
+              <a:buFont typeface="Arial" panose="020B0604020202020204"/>
+              <a:buChar char="•"/>
+            </a:pPr>
+            <a:r>
+              <a:rPr sz="1700">
+                <a:solidFill>
+                  <a:srgbClr val="273239"/>
+                </a:solidFill>
+                <a:latin typeface="Arial" panose="020B0604020202020204" pitchFamily="34" charset="0"/>
+                <a:ea typeface="Nunito"/>
+                <a:cs typeface="Arial" panose="020B0604020202020204" pitchFamily="34" charset="0"/>
+                <a:sym typeface="+mn-ea"/>
+              </a:rPr>
+              <a:t>Captures semantic meaning and relationships between words.</a:t>
+            </a:r>
+            <a:endParaRPr sz="1700" b="0" i="0">
+              <a:solidFill>
+                <a:srgbClr val="273239"/>
+              </a:solidFill>
+              <a:latin typeface="Arial" panose="020B0604020202020204" pitchFamily="34" charset="0"/>
+              <a:ea typeface="Nunito"/>
+              <a:cs typeface="Arial" panose="020B0604020202020204" pitchFamily="34" charset="0"/>
+            </a:endParaRPr>
+          </a:p>
+          <a:p>
+            <a:pPr marL="457200" lvl="1" indent="0" algn="l" fontAlgn="base">
+              <a:spcBef>
+                <a:spcPct val="0"/>
+              </a:spcBef>
+              <a:spcAft>
+                <a:spcPct val="0"/>
+              </a:spcAft>
+              <a:buFont typeface="Arial" panose="020B0604020202020204"/>
+              <a:buChar char="•"/>
+            </a:pPr>
+            <a:r>
+              <a:rPr sz="1700">
+                <a:solidFill>
+                  <a:srgbClr val="273239"/>
+                </a:solidFill>
+                <a:latin typeface="Arial" panose="020B0604020202020204" pitchFamily="34" charset="0"/>
+                <a:ea typeface="Nunito"/>
+                <a:cs typeface="Arial" panose="020B0604020202020204" pitchFamily="34" charset="0"/>
+                <a:sym typeface="+mn-ea"/>
+              </a:rPr>
+              <a:t>Dense representations are computationally efficient.</a:t>
+            </a:r>
+            <a:endParaRPr sz="1700" b="0" i="0">
+              <a:solidFill>
+                <a:srgbClr val="273239"/>
+              </a:solidFill>
+              <a:latin typeface="Arial" panose="020B0604020202020204" pitchFamily="34" charset="0"/>
+              <a:ea typeface="Nunito"/>
+              <a:cs typeface="Arial" panose="020B0604020202020204" pitchFamily="34" charset="0"/>
+            </a:endParaRPr>
+          </a:p>
+          <a:p>
+            <a:pPr marL="457200" lvl="1" indent="0" algn="l" fontAlgn="base">
+              <a:spcBef>
+                <a:spcPct val="0"/>
+              </a:spcBef>
+              <a:spcAft>
+                <a:spcPct val="0"/>
+              </a:spcAft>
+              <a:buFont typeface="Arial" panose="020B0604020202020204"/>
+              <a:buChar char="•"/>
+            </a:pPr>
+            <a:r>
+              <a:rPr sz="1700">
+                <a:solidFill>
+                  <a:srgbClr val="273239"/>
+                </a:solidFill>
+                <a:latin typeface="Arial" panose="020B0604020202020204" pitchFamily="34" charset="0"/>
+                <a:ea typeface="Nunito"/>
+                <a:cs typeface="Arial" panose="020B0604020202020204" pitchFamily="34" charset="0"/>
+                <a:sym typeface="+mn-ea"/>
+              </a:rPr>
+              <a:t>Handles out-of-vocabulary words (especially with FastText).</a:t>
+            </a:r>
+            <a:endParaRPr sz="1700" b="0" i="0">
+              <a:solidFill>
+                <a:srgbClr val="273239"/>
+              </a:solidFill>
+              <a:latin typeface="Arial" panose="020B0604020202020204" pitchFamily="34" charset="0"/>
+              <a:ea typeface="Nunito"/>
+              <a:cs typeface="Arial" panose="020B0604020202020204" pitchFamily="34" charset="0"/>
+            </a:endParaRPr>
+          </a:p>
+          <a:p>
+            <a:pPr marL="0" indent="0" algn="l" fontAlgn="base">
+              <a:spcBef>
+                <a:spcPct val="0"/>
+              </a:spcBef>
+              <a:spcAft>
+                <a:spcPct val="0"/>
+              </a:spcAft>
+              <a:buFont typeface="Arial" panose="020B0604020202020204"/>
+              <a:buChar char="•"/>
+            </a:pPr>
+            <a:endParaRPr sz="1700" b="0" i="0">
+              <a:solidFill>
+                <a:srgbClr val="FF0000"/>
+              </a:solidFill>
+              <a:latin typeface="Arial" panose="020B0604020202020204" pitchFamily="34" charset="0"/>
+              <a:ea typeface="Nunito"/>
+              <a:cs typeface="Arial" panose="020B0604020202020204" pitchFamily="34" charset="0"/>
+            </a:endParaRPr>
+          </a:p>
+          <a:p>
+            <a:pPr marL="0" indent="0" algn="l" fontAlgn="base">
+              <a:spcBef>
+                <a:spcPct val="0"/>
+              </a:spcBef>
+              <a:spcAft>
+                <a:spcPct val="0"/>
+              </a:spcAft>
+            </a:pPr>
+            <a:r>
+              <a:rPr sz="1700" b="1">
+                <a:solidFill>
+                  <a:srgbClr val="FF0000"/>
+                </a:solidFill>
+                <a:latin typeface="Arial" panose="020B0604020202020204" pitchFamily="34" charset="0"/>
+                <a:ea typeface="Nunito"/>
+                <a:cs typeface="Arial" panose="020B0604020202020204" pitchFamily="34" charset="0"/>
+                <a:sym typeface="+mn-ea"/>
+              </a:rPr>
+              <a:t>Disadvantages:</a:t>
+            </a:r>
+            <a:endParaRPr sz="1700" b="1" i="0">
+              <a:solidFill>
+                <a:srgbClr val="FF0000"/>
+              </a:solidFill>
+              <a:latin typeface="Arial" panose="020B0604020202020204" pitchFamily="34" charset="0"/>
+              <a:ea typeface="Nunito"/>
+              <a:cs typeface="Arial" panose="020B0604020202020204" pitchFamily="34" charset="0"/>
+            </a:endParaRPr>
+          </a:p>
+          <a:p>
+            <a:pPr marL="457200" lvl="1" indent="0" algn="l" fontAlgn="base">
+              <a:spcBef>
+                <a:spcPct val="0"/>
+              </a:spcBef>
+              <a:spcAft>
+                <a:spcPct val="0"/>
+              </a:spcAft>
+              <a:buFont typeface="Arial" panose="020B0604020202020204"/>
+              <a:buChar char="•"/>
+            </a:pPr>
+            <a:r>
+              <a:rPr sz="1700">
+                <a:solidFill>
+                  <a:srgbClr val="273239"/>
+                </a:solidFill>
+                <a:latin typeface="Arial" panose="020B0604020202020204" pitchFamily="34" charset="0"/>
+                <a:ea typeface="Nunito"/>
+                <a:cs typeface="Arial" panose="020B0604020202020204" pitchFamily="34" charset="0"/>
+                <a:sym typeface="+mn-ea"/>
+              </a:rPr>
+              <a:t>Requires large corpora for training high-quality embeddings.</a:t>
+            </a:r>
+            <a:endParaRPr sz="1700" b="0" i="0">
+              <a:solidFill>
+                <a:srgbClr val="273239"/>
+              </a:solidFill>
+              <a:latin typeface="Arial" panose="020B0604020202020204" pitchFamily="34" charset="0"/>
+              <a:ea typeface="Nunito"/>
+              <a:cs typeface="Arial" panose="020B0604020202020204" pitchFamily="34" charset="0"/>
+            </a:endParaRPr>
+          </a:p>
+          <a:p>
+            <a:pPr marL="457200" lvl="1" indent="0" algn="l" fontAlgn="base">
+              <a:spcBef>
+                <a:spcPct val="0"/>
+              </a:spcBef>
+              <a:spcAft>
+                <a:spcPct val="0"/>
+              </a:spcAft>
+              <a:buFont typeface="Arial" panose="020B0604020202020204"/>
+              <a:buChar char="•"/>
+            </a:pPr>
+            <a:r>
+              <a:rPr sz="1700">
+                <a:solidFill>
+                  <a:srgbClr val="273239"/>
+                </a:solidFill>
+                <a:latin typeface="Arial" panose="020B0604020202020204" pitchFamily="34" charset="0"/>
+                <a:ea typeface="Nunito"/>
+                <a:cs typeface="Arial" panose="020B0604020202020204" pitchFamily="34" charset="0"/>
+                <a:sym typeface="+mn-ea"/>
+              </a:rPr>
+              <a:t>May not capture complex linguistic nuances in all contexts.</a:t>
+            </a:r>
+            <a:endParaRPr lang="en-US" sz="1700">
+              <a:solidFill>
+                <a:srgbClr val="273239"/>
+              </a:solidFill>
+              <a:latin typeface="Arial" panose="020B0604020202020204" pitchFamily="34" charset="0"/>
+              <a:ea typeface="Nunito"/>
+              <a:cs typeface="Arial" panose="020B0604020202020204" pitchFamily="34" charset="0"/>
+              <a:sym typeface="+mn-ea"/>
+            </a:endParaRPr>
+          </a:p>
+        </p:txBody>
+      </p:sp>
+      <p:sp>
+        <p:nvSpPr>
+          <p:cNvPr id="7" name="Text Box 6"/>
+          <p:cNvSpPr txBox="1"/>
+          <p:nvPr/>
+        </p:nvSpPr>
+        <p:spPr>
+          <a:xfrm>
+            <a:off x="6309995" y="5749925"/>
+            <a:ext cx="5882005" cy="645160"/>
+          </a:xfrm>
+          <a:prstGeom prst="rect">
+            <a:avLst/>
+          </a:prstGeom>
+          <a:noFill/>
+        </p:spPr>
+        <p:txBody>
+          <a:bodyPr wrap="square" rtlCol="0" anchor="t">
+            <a:spAutoFit/>
+          </a:bodyPr>
+          <a:p>
+            <a:r>
+              <a:rPr lang="en-US" altLang="en-US"/>
+              <a:t>https://www.scaler.com/topics/tensorflow/tensorflow-word-embeddings/</a:t>
+            </a:r>
+            <a:endParaRPr lang="en-US"/>
+          </a:p>
+        </p:txBody>
+      </p:sp>
+      <p:sp>
+        <p:nvSpPr>
+          <p:cNvPr id="8" name="Text Box 7"/>
+          <p:cNvSpPr txBox="1"/>
+          <p:nvPr/>
+        </p:nvSpPr>
+        <p:spPr>
+          <a:xfrm>
+            <a:off x="4843780" y="360680"/>
+            <a:ext cx="7348220" cy="368300"/>
+          </a:xfrm>
+          <a:prstGeom prst="rect">
+            <a:avLst/>
+          </a:prstGeom>
+        </p:spPr>
+        <p:txBody>
+          <a:bodyPr wrap="square">
+            <a:spAutoFit/>
+          </a:bodyPr>
+          <a:p>
+            <a:pPr marL="0" indent="0" algn="l" fontAlgn="base">
+              <a:spcBef>
+                <a:spcPct val="0"/>
+              </a:spcBef>
+              <a:spcAft>
+                <a:spcPct val="0"/>
+              </a:spcAft>
+            </a:pPr>
+            <a:r>
+              <a:rPr b="0" i="0">
+                <a:solidFill>
+                  <a:srgbClr val="273239"/>
+                </a:solidFill>
+                <a:latin typeface="Nunito"/>
+                <a:ea typeface="Nunito"/>
+              </a:rPr>
+              <a:t>is a neural approach for generating word embeddings.</a:t>
+            </a:r>
+            <a:endParaRPr b="0" i="0">
+              <a:solidFill>
+                <a:srgbClr val="273239"/>
+              </a:solidFill>
+              <a:latin typeface="Nunito"/>
+              <a:ea typeface="Nunito"/>
+            </a:endParaRPr>
+          </a:p>
+        </p:txBody>
+      </p:sp>
+      <p:sp>
+        <p:nvSpPr>
+          <p:cNvPr id="9" name="Text Box 8"/>
+          <p:cNvSpPr txBox="1"/>
+          <p:nvPr/>
+        </p:nvSpPr>
+        <p:spPr>
+          <a:xfrm>
+            <a:off x="201295" y="6313805"/>
+            <a:ext cx="6429375" cy="368300"/>
+          </a:xfrm>
+          <a:prstGeom prst="rect">
+            <a:avLst/>
+          </a:prstGeom>
+          <a:noFill/>
+        </p:spPr>
+        <p:txBody>
+          <a:bodyPr wrap="square" rtlCol="0" anchor="t">
+            <a:spAutoFit/>
+          </a:bodyPr>
+          <a:p>
+            <a:r>
+              <a:rPr lang="en-US" altLang="en-US"/>
+              <a:t>https://helboukkouri.github.io/embedding-visualization/</a:t>
+            </a:r>
+            <a:endParaRPr lang="en-US" altLang="en-US">
+              <a:sym typeface="+mn-ea"/>
+            </a:endParaRPr>
+          </a:p>
+        </p:txBody>
+      </p:sp>
+    </p:spTree>
+  </p:cSld>
+  <p:clrMapOvr>
+    <a:masterClrMapping/>
+  </p:clrMapOvr>
+</p:sld>
+</file>
+
+<file path=ppt/slides/slide2.xml><?xml version="1.0" encoding="utf-8"?>
+<p:sld xmlns:a="http://schemas.openxmlformats.org/drawingml/2006/main" xmlns:r="http://schemas.openxmlformats.org/officeDocument/2006/relationships" xmlns:p="http://schemas.openxmlformats.org/presentationml/2006/main">
+  <p:cSld>
+    <p:spTree>
+      <p:nvGrpSpPr>
+        <p:cNvPr id="1" name=""/>
+        <p:cNvGrpSpPr/>
+        <p:nvPr/>
+      </p:nvGrpSpPr>
+      <p:grpSpPr/>
+      <p:sp>
+        <p:nvSpPr>
+          <p:cNvPr id="4" name="Text Box 3"/>
+          <p:cNvSpPr txBox="1"/>
+          <p:nvPr/>
+        </p:nvSpPr>
+        <p:spPr>
+          <a:xfrm>
+            <a:off x="838200" y="480695"/>
+            <a:ext cx="6417945" cy="5542280"/>
+          </a:xfrm>
+          <a:prstGeom prst="rect">
+            <a:avLst/>
+          </a:prstGeom>
+        </p:spPr>
+        <p:txBody>
+          <a:bodyPr>
+            <a:noAutofit/>
+          </a:bodyPr>
+          <a:p>
+            <a:pPr marL="0" indent="0">
+              <a:spcBef>
+                <a:spcPts val="1000"/>
+              </a:spcBef>
+              <a:spcAft>
+                <a:spcPts val="500"/>
+              </a:spcAft>
+            </a:pPr>
+            <a:r>
+              <a:rPr sz="3200" b="1" i="0">
+                <a:solidFill>
+                  <a:srgbClr val="FF0000"/>
+                </a:solidFill>
+                <a:effectLst>
+                  <a:outerShdw blurRad="38100" dist="38100" dir="2700000" algn="tl">
+                    <a:srgbClr val="000000">
+                      <a:alpha val="43137"/>
+                    </a:srgbClr>
+                  </a:outerShdw>
+                </a:effectLst>
+                <a:latin typeface="Arial" panose="020B0604020202020204" pitchFamily="34" charset="0"/>
+                <a:ea typeface="Tomorrow"/>
+                <a:cs typeface="Arial" panose="020B0604020202020204" pitchFamily="34" charset="0"/>
+              </a:rPr>
+              <a:t>Text Preprocessing</a:t>
+            </a:r>
+            <a:r>
+              <a:rPr sz="3200" b="0" i="0">
+                <a:solidFill>
+                  <a:srgbClr val="333333"/>
+                </a:solidFill>
+                <a:latin typeface="Tomorrow"/>
+                <a:ea typeface="Tomorrow"/>
+              </a:rPr>
+              <a:t>  </a:t>
+            </a:r>
+            <a:endParaRPr sz="3200" b="0" i="0">
+              <a:solidFill>
+                <a:srgbClr val="333333"/>
+              </a:solidFill>
+              <a:latin typeface="Tomorrow"/>
+              <a:ea typeface="Tomorrow"/>
+            </a:endParaRPr>
+          </a:p>
+          <a:p>
+            <a:pPr marL="800100" lvl="1" indent="-342900">
+              <a:lnSpc>
+                <a:spcPct val="160000"/>
+              </a:lnSpc>
+              <a:spcBef>
+                <a:spcPct val="0"/>
+              </a:spcBef>
+              <a:spcAft>
+                <a:spcPct val="0"/>
+              </a:spcAft>
+              <a:buFont typeface="Arial" panose="020B0604020202020204" pitchFamily="34" charset="0"/>
+              <a:buAutoNum type="arabicPeriod"/>
+            </a:pPr>
+            <a:r>
+              <a:rPr sz="2000" b="0" i="0">
+                <a:solidFill>
+                  <a:schemeClr val="tx1"/>
+                </a:solidFill>
+                <a:latin typeface="Arial" panose="020B0604020202020204" pitchFamily="34" charset="0"/>
+                <a:ea typeface="Tomorrow"/>
+                <a:cs typeface="Arial" panose="020B0604020202020204" pitchFamily="34" charset="0"/>
+              </a:rPr>
+              <a:t>Tokenization</a:t>
+            </a:r>
+            <a:endParaRPr sz="2000" b="0" i="0">
+              <a:solidFill>
+                <a:schemeClr val="tx1"/>
+              </a:solidFill>
+              <a:latin typeface="Arial" panose="020B0604020202020204" pitchFamily="34" charset="0"/>
+              <a:ea typeface="Tomorrow"/>
+              <a:cs typeface="Arial" panose="020B0604020202020204" pitchFamily="34" charset="0"/>
+            </a:endParaRPr>
+          </a:p>
+          <a:p>
+            <a:pPr marL="800100" lvl="1" indent="-342900">
+              <a:lnSpc>
+                <a:spcPct val="160000"/>
+              </a:lnSpc>
+              <a:spcBef>
+                <a:spcPct val="0"/>
+              </a:spcBef>
+              <a:spcAft>
+                <a:spcPct val="0"/>
+              </a:spcAft>
+              <a:buFont typeface="Arial" panose="020B0604020202020204" pitchFamily="34" charset="0"/>
+              <a:buAutoNum type="arabicPeriod"/>
+            </a:pPr>
+            <a:r>
+              <a:rPr sz="2000" b="0" i="0">
+                <a:solidFill>
+                  <a:schemeClr val="tx1"/>
+                </a:solidFill>
+                <a:latin typeface="Arial" panose="020B0604020202020204" pitchFamily="34" charset="0"/>
+                <a:ea typeface="Tomorrow"/>
+                <a:cs typeface="Arial" panose="020B0604020202020204" pitchFamily="34" charset="0"/>
+              </a:rPr>
+              <a:t>Non Alphabets Removal</a:t>
+            </a:r>
+            <a:endParaRPr sz="2000" b="0" i="0">
+              <a:solidFill>
+                <a:schemeClr val="tx1"/>
+              </a:solidFill>
+              <a:latin typeface="Arial" panose="020B0604020202020204" pitchFamily="34" charset="0"/>
+              <a:ea typeface="Tomorrow"/>
+              <a:cs typeface="Arial" panose="020B0604020202020204" pitchFamily="34" charset="0"/>
+            </a:endParaRPr>
+          </a:p>
+          <a:p>
+            <a:pPr marL="800100" lvl="1" indent="-342900">
+              <a:lnSpc>
+                <a:spcPct val="160000"/>
+              </a:lnSpc>
+              <a:spcBef>
+                <a:spcPct val="0"/>
+              </a:spcBef>
+              <a:spcAft>
+                <a:spcPct val="0"/>
+              </a:spcAft>
+              <a:buFont typeface="Arial" panose="020B0604020202020204" pitchFamily="34" charset="0"/>
+              <a:buAutoNum type="arabicPeriod"/>
+            </a:pPr>
+            <a:r>
+              <a:rPr sz="2000" b="0" i="0">
+                <a:solidFill>
+                  <a:schemeClr val="tx1"/>
+                </a:solidFill>
+                <a:latin typeface="Arial" panose="020B0604020202020204" pitchFamily="34" charset="0"/>
+                <a:ea typeface="Tomorrow"/>
+                <a:cs typeface="Arial" panose="020B0604020202020204" pitchFamily="34" charset="0"/>
+              </a:rPr>
+              <a:t>Stopwords Removal</a:t>
+            </a:r>
+            <a:endParaRPr sz="2000" b="0" i="0">
+              <a:solidFill>
+                <a:schemeClr val="tx1"/>
+              </a:solidFill>
+              <a:latin typeface="Arial" panose="020B0604020202020204" pitchFamily="34" charset="0"/>
+              <a:ea typeface="Tomorrow"/>
+              <a:cs typeface="Arial" panose="020B0604020202020204" pitchFamily="34" charset="0"/>
+            </a:endParaRPr>
+          </a:p>
+          <a:p>
+            <a:pPr marL="800100" lvl="1" indent="-342900">
+              <a:lnSpc>
+                <a:spcPct val="160000"/>
+              </a:lnSpc>
+              <a:spcBef>
+                <a:spcPct val="0"/>
+              </a:spcBef>
+              <a:spcAft>
+                <a:spcPct val="0"/>
+              </a:spcAft>
+              <a:buFont typeface="Arial" panose="020B0604020202020204" pitchFamily="34" charset="0"/>
+              <a:buAutoNum type="arabicPeriod"/>
+            </a:pPr>
+            <a:r>
+              <a:rPr sz="2000" b="0" i="0">
+                <a:solidFill>
+                  <a:schemeClr val="tx1"/>
+                </a:solidFill>
+                <a:latin typeface="Arial" panose="020B0604020202020204" pitchFamily="34" charset="0"/>
+                <a:ea typeface="Tomorrow"/>
+                <a:cs typeface="Arial" panose="020B0604020202020204" pitchFamily="34" charset="0"/>
+              </a:rPr>
+              <a:t>Bag of Words</a:t>
+            </a:r>
+            <a:endParaRPr sz="2000" b="0" i="0">
+              <a:solidFill>
+                <a:schemeClr val="tx1"/>
+              </a:solidFill>
+              <a:latin typeface="Arial" panose="020B0604020202020204" pitchFamily="34" charset="0"/>
+              <a:ea typeface="Tomorrow"/>
+              <a:cs typeface="Arial" panose="020B0604020202020204" pitchFamily="34" charset="0"/>
+            </a:endParaRPr>
+          </a:p>
+          <a:p>
+            <a:pPr marL="800100" lvl="1" indent="-342900">
+              <a:lnSpc>
+                <a:spcPct val="160000"/>
+              </a:lnSpc>
+              <a:spcBef>
+                <a:spcPct val="0"/>
+              </a:spcBef>
+              <a:spcAft>
+                <a:spcPct val="0"/>
+              </a:spcAft>
+              <a:buFont typeface="Arial" panose="020B0604020202020204" pitchFamily="34" charset="0"/>
+              <a:buAutoNum type="arabicPeriod"/>
+            </a:pPr>
+            <a:r>
+              <a:rPr sz="2000" b="0" i="0">
+                <a:solidFill>
+                  <a:schemeClr val="tx1"/>
+                </a:solidFill>
+                <a:latin typeface="Arial" panose="020B0604020202020204" pitchFamily="34" charset="0"/>
+                <a:ea typeface="Tomorrow"/>
+                <a:cs typeface="Arial" panose="020B0604020202020204" pitchFamily="34" charset="0"/>
+              </a:rPr>
+              <a:t>Stemming &amp; Lemmatization</a:t>
+            </a:r>
+            <a:endParaRPr sz="2000" b="0" i="0">
+              <a:solidFill>
+                <a:schemeClr val="tx1"/>
+              </a:solidFill>
+              <a:latin typeface="Arial" panose="020B0604020202020204" pitchFamily="34" charset="0"/>
+              <a:ea typeface="Tomorrow"/>
+              <a:cs typeface="Arial" panose="020B0604020202020204" pitchFamily="34" charset="0"/>
+            </a:endParaRPr>
+          </a:p>
+          <a:p>
+            <a:pPr marL="800100" lvl="1" indent="-342900">
+              <a:lnSpc>
+                <a:spcPct val="160000"/>
+              </a:lnSpc>
+              <a:spcBef>
+                <a:spcPct val="0"/>
+              </a:spcBef>
+              <a:spcAft>
+                <a:spcPct val="0"/>
+              </a:spcAft>
+              <a:buFont typeface="Arial" panose="020B0604020202020204" pitchFamily="34" charset="0"/>
+              <a:buAutoNum type="arabicPeriod"/>
+            </a:pPr>
+            <a:r>
+              <a:rPr sz="2000" b="0" i="0">
+                <a:solidFill>
+                  <a:schemeClr val="tx1"/>
+                </a:solidFill>
+                <a:latin typeface="Arial" panose="020B0604020202020204" pitchFamily="34" charset="0"/>
+                <a:ea typeface="Tomorrow"/>
+                <a:cs typeface="Arial" panose="020B0604020202020204" pitchFamily="34" charset="0"/>
+              </a:rPr>
+              <a:t>Part of Speech Taging</a:t>
+            </a:r>
+            <a:endParaRPr sz="2000" b="0" i="0">
+              <a:solidFill>
+                <a:schemeClr val="tx1"/>
+              </a:solidFill>
+              <a:latin typeface="Arial" panose="020B0604020202020204" pitchFamily="34" charset="0"/>
+              <a:ea typeface="Tomorrow"/>
+              <a:cs typeface="Arial" panose="020B0604020202020204" pitchFamily="34" charset="0"/>
+            </a:endParaRPr>
+          </a:p>
+          <a:p>
+            <a:pPr marL="800100" lvl="1" indent="-342900">
+              <a:lnSpc>
+                <a:spcPct val="160000"/>
+              </a:lnSpc>
+              <a:spcBef>
+                <a:spcPct val="0"/>
+              </a:spcBef>
+              <a:spcAft>
+                <a:spcPct val="0"/>
+              </a:spcAft>
+              <a:buFont typeface="Arial" panose="020B0604020202020204" pitchFamily="34" charset="0"/>
+              <a:buAutoNum type="arabicPeriod"/>
+            </a:pPr>
+            <a:r>
+              <a:rPr sz="2000" b="0" i="0">
+                <a:solidFill>
+                  <a:schemeClr val="tx1"/>
+                </a:solidFill>
+                <a:latin typeface="Arial" panose="020B0604020202020204" pitchFamily="34" charset="0"/>
+                <a:ea typeface="Tomorrow"/>
+                <a:cs typeface="Arial" panose="020B0604020202020204" pitchFamily="34" charset="0"/>
+              </a:rPr>
+              <a:t>Name Entity Recognition</a:t>
+            </a:r>
+            <a:endParaRPr sz="2000" b="0" i="0">
+              <a:solidFill>
+                <a:schemeClr val="tx1"/>
+              </a:solidFill>
+              <a:latin typeface="Arial" panose="020B0604020202020204" pitchFamily="34" charset="0"/>
+              <a:ea typeface="Tomorrow"/>
+              <a:cs typeface="Arial" panose="020B0604020202020204" pitchFamily="34" charset="0"/>
+            </a:endParaRPr>
+          </a:p>
+          <a:p>
+            <a:pPr marL="800100" lvl="1" indent="-342900">
+              <a:lnSpc>
+                <a:spcPct val="160000"/>
+              </a:lnSpc>
+              <a:spcBef>
+                <a:spcPct val="0"/>
+              </a:spcBef>
+              <a:spcAft>
+                <a:spcPct val="0"/>
+              </a:spcAft>
+              <a:buFont typeface="Arial" panose="020B0604020202020204" pitchFamily="34" charset="0"/>
+              <a:buAutoNum type="arabicPeriod"/>
+            </a:pPr>
+            <a:r>
+              <a:rPr sz="2000" b="0" i="0">
+                <a:solidFill>
+                  <a:schemeClr val="tx1"/>
+                </a:solidFill>
+                <a:latin typeface="Arial" panose="020B0604020202020204" pitchFamily="34" charset="0"/>
+                <a:ea typeface="Tomorrow"/>
+                <a:cs typeface="Arial" panose="020B0604020202020204" pitchFamily="34" charset="0"/>
+              </a:rPr>
+              <a:t>Text Visualization</a:t>
+            </a:r>
+            <a:endParaRPr sz="2000" b="0" i="0">
+              <a:solidFill>
+                <a:schemeClr val="tx1"/>
+              </a:solidFill>
+              <a:latin typeface="Arial" panose="020B0604020202020204" pitchFamily="34" charset="0"/>
+              <a:ea typeface="Tomorrow"/>
+              <a:cs typeface="Arial" panose="020B0604020202020204" pitchFamily="34" charset="0"/>
+            </a:endParaRPr>
+          </a:p>
+          <a:p>
+            <a:pPr marL="800100" lvl="1" indent="-342900">
+              <a:lnSpc>
+                <a:spcPct val="160000"/>
+              </a:lnSpc>
+              <a:spcBef>
+                <a:spcPct val="0"/>
+              </a:spcBef>
+              <a:spcAft>
+                <a:spcPct val="0"/>
+              </a:spcAft>
+              <a:buFont typeface="Arial" panose="020B0604020202020204" pitchFamily="34" charset="0"/>
+              <a:buAutoNum type="arabicPeriod"/>
+            </a:pPr>
+            <a:r>
+              <a:rPr sz="2000" b="0" i="0">
+                <a:solidFill>
+                  <a:schemeClr val="tx1"/>
+                </a:solidFill>
+                <a:latin typeface="Arial" panose="020B0604020202020204" pitchFamily="34" charset="0"/>
+                <a:ea typeface="Tomorrow"/>
+                <a:cs typeface="Arial" panose="020B0604020202020204" pitchFamily="34" charset="0"/>
+              </a:rPr>
+              <a:t>Assignment</a:t>
+            </a:r>
+            <a:endParaRPr sz="2000" b="0" i="0">
+              <a:solidFill>
+                <a:schemeClr val="tx1"/>
+              </a:solidFill>
+              <a:latin typeface="Arial" panose="020B0604020202020204" pitchFamily="34" charset="0"/>
+              <a:ea typeface="Tomorrow"/>
+              <a:cs typeface="Arial" panose="020B0604020202020204" pitchFamily="34" charset="0"/>
+            </a:endParaRPr>
+          </a:p>
+        </p:txBody>
+      </p:sp>
+    </p:spTree>
+  </p:cSld>
+  <p:clrMapOvr>
+    <a:masterClrMapping/>
+  </p:clrMapOvr>
+</p:sld>
+</file>
+
+<file path=ppt/slides/slide20.xml><?xml version="1.0" encoding="utf-8"?>
+<p:sld xmlns:a="http://schemas.openxmlformats.org/drawingml/2006/main" xmlns:r="http://schemas.openxmlformats.org/officeDocument/2006/relationships" xmlns:p="http://schemas.openxmlformats.org/presentationml/2006/main">
+  <p:cSld>
+    <p:spTree>
+      <p:nvGrpSpPr>
+        <p:cNvPr id="1" name=""/>
+        <p:cNvGrpSpPr/>
+        <p:nvPr/>
+      </p:nvGrpSpPr>
+      <p:grpSpPr/>
+      <p:sp>
+        <p:nvSpPr>
+          <p:cNvPr id="2" name="Text Box 1"/>
+          <p:cNvSpPr txBox="1"/>
+          <p:nvPr/>
+        </p:nvSpPr>
+        <p:spPr>
+          <a:xfrm>
+            <a:off x="262890" y="237490"/>
+            <a:ext cx="10505440" cy="6554470"/>
+          </a:xfrm>
+          <a:prstGeom prst="rect">
+            <a:avLst/>
+          </a:prstGeom>
+        </p:spPr>
+        <p:txBody>
+          <a:bodyPr wrap="square">
+            <a:spAutoFit/>
+          </a:bodyPr>
+          <a:p>
+            <a:pPr marL="0" indent="0" algn="l" fontAlgn="base">
+              <a:spcBef>
+                <a:spcPct val="0"/>
+              </a:spcBef>
+              <a:spcAft>
+                <a:spcPct val="0"/>
+              </a:spcAft>
+            </a:pPr>
+            <a:r>
+              <a:rPr sz="3600" b="1" i="0">
+                <a:solidFill>
+                  <a:srgbClr val="C00000"/>
+                </a:solidFill>
+                <a:latin typeface="Arial Black" panose="020B0A04020102020204" charset="0"/>
+                <a:ea typeface="Nunito"/>
+                <a:cs typeface="Arial Black" panose="020B0A04020102020204" charset="0"/>
+              </a:rPr>
+              <a:t>Types of Word Embeddings</a:t>
+            </a:r>
+            <a:endParaRPr sz="3600" b="1" i="0">
+              <a:solidFill>
+                <a:srgbClr val="C00000"/>
+              </a:solidFill>
+              <a:latin typeface="Arial Black" panose="020B0A04020102020204" charset="0"/>
+              <a:ea typeface="Nunito"/>
+              <a:cs typeface="Arial Black" panose="020B0A04020102020204" charset="0"/>
+            </a:endParaRPr>
+          </a:p>
+          <a:p>
+            <a:pPr marL="0" indent="0" algn="l" fontAlgn="base">
+              <a:spcBef>
+                <a:spcPct val="0"/>
+              </a:spcBef>
+              <a:spcAft>
+                <a:spcPct val="0"/>
+              </a:spcAft>
+            </a:pPr>
+            <a:endParaRPr sz="2400" b="1" i="0">
+              <a:solidFill>
+                <a:srgbClr val="FF0000"/>
+              </a:solidFill>
+              <a:effectLst>
+                <a:outerShdw blurRad="38100" dist="38100" dir="2700000" algn="tl">
+                  <a:srgbClr val="000000">
+                    <a:alpha val="43137"/>
+                  </a:srgbClr>
+                </a:outerShdw>
+              </a:effectLst>
+              <a:latin typeface="Nunito"/>
+              <a:ea typeface="Nunito"/>
+            </a:endParaRPr>
+          </a:p>
+          <a:p>
+            <a:pPr marL="0" indent="0" algn="l" fontAlgn="base">
+              <a:spcBef>
+                <a:spcPct val="0"/>
+              </a:spcBef>
+              <a:spcAft>
+                <a:spcPct val="0"/>
+              </a:spcAft>
+            </a:pPr>
+            <a:r>
+              <a:rPr sz="2000" b="1" i="0">
+                <a:solidFill>
+                  <a:srgbClr val="FF0000"/>
+                </a:solidFill>
+                <a:effectLst>
+                  <a:outerShdw blurRad="38100" dist="38100" dir="2700000" algn="tl">
+                    <a:srgbClr val="000000">
+                      <a:alpha val="43137"/>
+                    </a:srgbClr>
+                  </a:outerShdw>
+                </a:effectLst>
+                <a:latin typeface="Nunito"/>
+                <a:ea typeface="Nunito"/>
+              </a:rPr>
+              <a:t>1. Word2Vec:</a:t>
+            </a:r>
+            <a:r>
+              <a:rPr lang="en-US" sz="2000" b="1" i="0">
+                <a:solidFill>
+                  <a:srgbClr val="FF0000"/>
+                </a:solidFill>
+                <a:effectLst>
+                  <a:outerShdw blurRad="38100" dist="38100" dir="2700000" algn="tl">
+                    <a:srgbClr val="000000">
+                      <a:alpha val="43137"/>
+                    </a:srgbClr>
+                  </a:outerShdw>
+                </a:effectLst>
+                <a:latin typeface="Nunito"/>
+                <a:ea typeface="Nunito"/>
+              </a:rPr>
+              <a:t> </a:t>
+            </a:r>
+            <a:endParaRPr sz="2000" b="1" i="0">
+              <a:solidFill>
+                <a:srgbClr val="FF0000"/>
+              </a:solidFill>
+              <a:effectLst>
+                <a:outerShdw blurRad="38100" dist="38100" dir="2700000" algn="tl">
+                  <a:srgbClr val="000000">
+                    <a:alpha val="43137"/>
+                  </a:srgbClr>
+                </a:outerShdw>
+              </a:effectLst>
+              <a:latin typeface="Nunito"/>
+              <a:ea typeface="Nunito"/>
+            </a:endParaRPr>
+          </a:p>
+          <a:p>
+            <a:pPr marL="0" indent="0" algn="l" fontAlgn="base">
+              <a:spcBef>
+                <a:spcPct val="0"/>
+              </a:spcBef>
+              <a:spcAft>
+                <a:spcPct val="0"/>
+              </a:spcAft>
+            </a:pPr>
+            <a:r>
+              <a:rPr b="0" i="0">
+                <a:solidFill>
+                  <a:srgbClr val="273239"/>
+                </a:solidFill>
+                <a:latin typeface="Nunito"/>
+                <a:ea typeface="Nunito"/>
+              </a:rPr>
+              <a:t>Developed by Google, Word2Vec models use neural networks to generate word embeddings.</a:t>
+            </a:r>
+            <a:endParaRPr b="0" i="0">
+              <a:solidFill>
+                <a:srgbClr val="273239"/>
+              </a:solidFill>
+              <a:latin typeface="Nunito"/>
+              <a:ea typeface="Nunito"/>
+            </a:endParaRPr>
+          </a:p>
+          <a:p>
+            <a:pPr marL="1371600" lvl="3" indent="0" algn="l" fontAlgn="base">
+              <a:spcBef>
+                <a:spcPct val="0"/>
+              </a:spcBef>
+              <a:spcAft>
+                <a:spcPct val="0"/>
+              </a:spcAft>
+            </a:pPr>
+            <a:r>
+              <a:rPr lang="en-US" altLang="en-US" b="0" i="0">
+                <a:solidFill>
+                  <a:schemeClr val="accent1">
+                    <a:lumMod val="50000"/>
+                  </a:schemeClr>
+                </a:solidFill>
+                <a:latin typeface="Nunito"/>
+                <a:ea typeface="Nunito"/>
+              </a:rPr>
+              <a:t>https://jalammar.github.io/illustrated-word2vec/</a:t>
+            </a:r>
+            <a:r>
+              <a:rPr b="0" i="0">
+                <a:solidFill>
+                  <a:srgbClr val="273239"/>
+                </a:solidFill>
+                <a:latin typeface="Nunito"/>
+                <a:ea typeface="Nunito"/>
+              </a:rPr>
+              <a:t> </a:t>
+            </a:r>
+            <a:endParaRPr b="0" i="0">
+              <a:solidFill>
+                <a:srgbClr val="273239"/>
+              </a:solidFill>
+              <a:latin typeface="Nunito"/>
+              <a:ea typeface="Nunito"/>
+            </a:endParaRPr>
+          </a:p>
+          <a:p>
+            <a:pPr marL="1371600" lvl="3" indent="0" algn="l" fontAlgn="base">
+              <a:spcBef>
+                <a:spcPct val="0"/>
+              </a:spcBef>
+              <a:spcAft>
+                <a:spcPct val="0"/>
+              </a:spcAft>
+            </a:pPr>
+            <a:endParaRPr lang="en-US" altLang="en-US" b="0" i="0">
+              <a:solidFill>
+                <a:srgbClr val="273239"/>
+              </a:solidFill>
+              <a:latin typeface="Nunito"/>
+              <a:ea typeface="Nunito"/>
+            </a:endParaRPr>
+          </a:p>
+          <a:p>
+            <a:pPr marL="0" indent="0" algn="l" fontAlgn="base">
+              <a:spcBef>
+                <a:spcPct val="0"/>
+              </a:spcBef>
+              <a:spcAft>
+                <a:spcPct val="0"/>
+              </a:spcAft>
+              <a:buFont typeface="Arial" panose="020B0604020202020204"/>
+              <a:buChar char="•"/>
+            </a:pPr>
+            <a:r>
+              <a:rPr b="1" i="0" u="sng">
+                <a:solidFill>
+                  <a:srgbClr val="357960"/>
+                </a:solidFill>
+                <a:latin typeface="Nunito"/>
+                <a:ea typeface="Nunito"/>
+                <a:hlinkClick r:id="rId1"/>
+              </a:rPr>
+              <a:t>Skip-gram Model</a:t>
+            </a:r>
+            <a:r>
+              <a:rPr b="1" i="0">
+                <a:solidFill>
+                  <a:srgbClr val="273239"/>
+                </a:solidFill>
+                <a:latin typeface="Nunito"/>
+                <a:ea typeface="Nunito"/>
+              </a:rPr>
+              <a:t>:</a:t>
+            </a:r>
+            <a:r>
+              <a:rPr b="0" i="0">
+                <a:solidFill>
+                  <a:srgbClr val="273239"/>
+                </a:solidFill>
+                <a:latin typeface="Nunito"/>
+                <a:ea typeface="Nunito"/>
+              </a:rPr>
+              <a:t> Predicts the context words given a target word. It focuses on capturing the context within a specific window size around the target word.</a:t>
+            </a:r>
+            <a:endParaRPr b="0" i="0">
+              <a:solidFill>
+                <a:srgbClr val="273239"/>
+              </a:solidFill>
+              <a:latin typeface="Nunito"/>
+              <a:ea typeface="Nunito"/>
+            </a:endParaRPr>
+          </a:p>
+          <a:p>
+            <a:pPr marL="0" indent="0" algn="l" fontAlgn="base">
+              <a:spcBef>
+                <a:spcPct val="0"/>
+              </a:spcBef>
+              <a:spcAft>
+                <a:spcPct val="0"/>
+              </a:spcAft>
+              <a:buFont typeface="Arial" panose="020B0604020202020204"/>
+              <a:buChar char="•"/>
+            </a:pPr>
+            <a:r>
+              <a:rPr b="1" i="0" u="sng">
+                <a:solidFill>
+                  <a:srgbClr val="357960"/>
+                </a:solidFill>
+                <a:latin typeface="Nunito"/>
+                <a:ea typeface="Nunito"/>
+                <a:hlinkClick r:id="rId2"/>
+              </a:rPr>
+              <a:t>Continuous Bag of Words (CBOW) Model</a:t>
+            </a:r>
+            <a:r>
+              <a:rPr b="1" i="0">
+                <a:solidFill>
+                  <a:srgbClr val="273239"/>
+                </a:solidFill>
+                <a:latin typeface="Nunito"/>
+                <a:ea typeface="Nunito"/>
+              </a:rPr>
+              <a:t>:</a:t>
+            </a:r>
+            <a:r>
+              <a:rPr b="0" i="0">
+                <a:solidFill>
+                  <a:srgbClr val="273239"/>
+                </a:solidFill>
+                <a:latin typeface="Nunito"/>
+                <a:ea typeface="Nunito"/>
+              </a:rPr>
+              <a:t> Predicts a target word based on the context words within a window size. It tends to be faster and more efficient than the Skip-gram model.</a:t>
+            </a:r>
+            <a:endParaRPr b="0" i="0">
+              <a:solidFill>
+                <a:srgbClr val="273239"/>
+              </a:solidFill>
+              <a:latin typeface="Nunito"/>
+              <a:ea typeface="Nunito"/>
+            </a:endParaRPr>
+          </a:p>
+          <a:p>
+            <a:pPr marL="0" indent="0" algn="l" fontAlgn="base">
+              <a:spcBef>
+                <a:spcPct val="0"/>
+              </a:spcBef>
+              <a:spcAft>
+                <a:spcPct val="0"/>
+              </a:spcAft>
+            </a:pPr>
+            <a:endParaRPr sz="1600" b="1" i="0">
+              <a:solidFill>
+                <a:srgbClr val="273239"/>
+              </a:solidFill>
+              <a:effectLst>
+                <a:outerShdw blurRad="38100" dist="38100" dir="2700000" algn="tl">
+                  <a:srgbClr val="000000">
+                    <a:alpha val="43137"/>
+                  </a:srgbClr>
+                </a:outerShdw>
+              </a:effectLst>
+              <a:latin typeface="Nunito"/>
+              <a:ea typeface="Nunito"/>
+            </a:endParaRPr>
+          </a:p>
+          <a:p>
+            <a:pPr marL="0" indent="0" algn="l" fontAlgn="base">
+              <a:spcBef>
+                <a:spcPct val="0"/>
+              </a:spcBef>
+              <a:spcAft>
+                <a:spcPct val="0"/>
+              </a:spcAft>
+            </a:pPr>
+            <a:r>
+              <a:rPr sz="2000" b="1" i="0">
+                <a:solidFill>
+                  <a:srgbClr val="FF0000"/>
+                </a:solidFill>
+                <a:effectLst>
+                  <a:outerShdw blurRad="38100" dist="38100" dir="2700000" algn="tl">
+                    <a:srgbClr val="000000">
+                      <a:alpha val="43137"/>
+                    </a:srgbClr>
+                  </a:outerShdw>
+                </a:effectLst>
+                <a:latin typeface="Nunito"/>
+                <a:ea typeface="Nunito"/>
+              </a:rPr>
+              <a:t>2. GloVe (Global Vectors for Word Representation):</a:t>
+            </a:r>
+            <a:endParaRPr sz="2000" b="1" i="0">
+              <a:solidFill>
+                <a:srgbClr val="FF0000"/>
+              </a:solidFill>
+              <a:effectLst>
+                <a:outerShdw blurRad="38100" dist="38100" dir="2700000" algn="tl">
+                  <a:srgbClr val="000000">
+                    <a:alpha val="43137"/>
+                  </a:srgbClr>
+                </a:outerShdw>
+              </a:effectLst>
+              <a:latin typeface="Nunito"/>
+              <a:ea typeface="Nunito"/>
+            </a:endParaRPr>
+          </a:p>
+          <a:p>
+            <a:pPr marL="0" indent="0" algn="l" fontAlgn="base">
+              <a:spcBef>
+                <a:spcPct val="0"/>
+              </a:spcBef>
+              <a:spcAft>
+                <a:spcPct val="0"/>
+              </a:spcAft>
+            </a:pPr>
+            <a:r>
+              <a:rPr b="0" i="0">
+                <a:solidFill>
+                  <a:srgbClr val="273239"/>
+                </a:solidFill>
+                <a:latin typeface="Nunito"/>
+                <a:ea typeface="Nunito"/>
+              </a:rPr>
+              <a:t>Developed by Stanford, </a:t>
+            </a:r>
+            <a:r>
+              <a:rPr b="0" i="0" u="sng">
+                <a:solidFill>
+                  <a:srgbClr val="357960"/>
+                </a:solidFill>
+                <a:latin typeface="Nunito"/>
+                <a:ea typeface="Nunito"/>
+                <a:hlinkClick r:id="rId3"/>
+              </a:rPr>
+              <a:t>GloVe</a:t>
+            </a:r>
+            <a:r>
+              <a:rPr b="0" i="0">
+                <a:solidFill>
+                  <a:srgbClr val="273239"/>
+                </a:solidFill>
+                <a:latin typeface="Nunito"/>
+                <a:ea typeface="Nunito"/>
+              </a:rPr>
+              <a:t> combines the advantages of global matrix factorization and local context window methods. It generates word vectors by factoring in the co-occurrence matrix of words in a corpus, capturing global statistical information.</a:t>
+            </a:r>
+            <a:endParaRPr b="0" i="0">
+              <a:solidFill>
+                <a:srgbClr val="273239"/>
+              </a:solidFill>
+              <a:latin typeface="Nunito"/>
+              <a:ea typeface="Nunito"/>
+            </a:endParaRPr>
+          </a:p>
+          <a:p>
+            <a:pPr marL="0" indent="0" algn="l" fontAlgn="base">
+              <a:spcBef>
+                <a:spcPct val="0"/>
+              </a:spcBef>
+              <a:spcAft>
+                <a:spcPct val="0"/>
+              </a:spcAft>
+            </a:pPr>
+            <a:endParaRPr sz="1600" b="1" i="0">
+              <a:solidFill>
+                <a:srgbClr val="273239"/>
+              </a:solidFill>
+              <a:latin typeface="Nunito"/>
+              <a:ea typeface="Nunito"/>
+            </a:endParaRPr>
+          </a:p>
+          <a:p>
+            <a:pPr marL="0" indent="0" algn="l" fontAlgn="base">
+              <a:spcBef>
+                <a:spcPct val="0"/>
+              </a:spcBef>
+              <a:spcAft>
+                <a:spcPct val="0"/>
+              </a:spcAft>
+            </a:pPr>
+            <a:r>
+              <a:rPr b="1" i="0">
+                <a:solidFill>
+                  <a:srgbClr val="FF0000"/>
+                </a:solidFill>
+                <a:effectLst>
+                  <a:outerShdw blurRad="38100" dist="38100" dir="2700000" algn="tl">
+                    <a:srgbClr val="000000">
+                      <a:alpha val="43137"/>
+                    </a:srgbClr>
+                  </a:outerShdw>
+                </a:effectLst>
+                <a:latin typeface="Nunito"/>
+                <a:ea typeface="Nunito"/>
+              </a:rPr>
+              <a:t>3. FastText:</a:t>
+            </a:r>
+            <a:endParaRPr b="1" i="0">
+              <a:solidFill>
+                <a:srgbClr val="FF0000"/>
+              </a:solidFill>
+              <a:effectLst>
+                <a:outerShdw blurRad="38100" dist="38100" dir="2700000" algn="tl">
+                  <a:srgbClr val="000000">
+                    <a:alpha val="43137"/>
+                  </a:srgbClr>
+                </a:outerShdw>
+              </a:effectLst>
+              <a:latin typeface="Nunito"/>
+              <a:ea typeface="Nunito"/>
+            </a:endParaRPr>
+          </a:p>
+          <a:p>
+            <a:pPr marL="0" indent="0" algn="l" fontAlgn="base">
+              <a:spcBef>
+                <a:spcPct val="0"/>
+              </a:spcBef>
+              <a:spcAft>
+                <a:spcPct val="0"/>
+              </a:spcAft>
+            </a:pPr>
+            <a:r>
+              <a:rPr b="0" i="0">
+                <a:solidFill>
+                  <a:srgbClr val="273239"/>
+                </a:solidFill>
+                <a:latin typeface="Nunito"/>
+                <a:ea typeface="Nunito"/>
+              </a:rPr>
+              <a:t>Developed by Facebook, FastText extends Word2Vec by representing words as bags of character n-grams. This helps in handling out-of-vocabulary words and capturing subword information.</a:t>
+            </a:r>
+            <a:endParaRPr b="0" i="0">
+              <a:solidFill>
+                <a:srgbClr val="273239"/>
+              </a:solidFill>
+              <a:latin typeface="Nunito"/>
+              <a:ea typeface="Nunito"/>
+            </a:endParaRPr>
+          </a:p>
+        </p:txBody>
+      </p:sp>
+      <p:sp>
+        <p:nvSpPr>
+          <p:cNvPr id="3" name="Text Box 2"/>
+          <p:cNvSpPr txBox="1"/>
+          <p:nvPr/>
+        </p:nvSpPr>
+        <p:spPr>
+          <a:xfrm>
+            <a:off x="6194425" y="1038860"/>
+            <a:ext cx="5301615" cy="368300"/>
+          </a:xfrm>
+          <a:prstGeom prst="rect">
+            <a:avLst/>
+          </a:prstGeom>
+          <a:noFill/>
+        </p:spPr>
+        <p:txBody>
+          <a:bodyPr wrap="square" rtlCol="0" anchor="t">
+            <a:spAutoFit/>
+          </a:bodyPr>
+          <a:p>
+            <a:r>
+              <a:rPr lang="en-US" altLang="en-US"/>
+              <a:t>https://projector.tensorflow.org/ </a:t>
+            </a:r>
+            <a:endParaRPr lang="en-US"/>
+          </a:p>
+        </p:txBody>
+      </p:sp>
+      <p:sp>
+        <p:nvSpPr>
+          <p:cNvPr id="4" name="Text Box 3"/>
+          <p:cNvSpPr txBox="1"/>
+          <p:nvPr/>
+        </p:nvSpPr>
+        <p:spPr>
+          <a:xfrm>
+            <a:off x="5912485" y="6423660"/>
+            <a:ext cx="6096000" cy="368300"/>
+          </a:xfrm>
+          <a:prstGeom prst="rect">
+            <a:avLst/>
+          </a:prstGeom>
+          <a:noFill/>
+        </p:spPr>
+        <p:txBody>
+          <a:bodyPr wrap="square" rtlCol="0" anchor="t">
+            <a:spAutoFit/>
+          </a:bodyPr>
+          <a:p>
+            <a:r>
+              <a:rPr lang="en-US" altLang="en-US"/>
+              <a:t>https://home.ttic.edu/~kgimpel/wordembviz/wordembviz.html</a:t>
+            </a:r>
+            <a:endParaRPr lang="en-US"/>
+          </a:p>
+        </p:txBody>
+      </p:sp>
+      <p:sp>
+        <p:nvSpPr>
+          <p:cNvPr id="5" name="Text Box 4"/>
+          <p:cNvSpPr txBox="1"/>
+          <p:nvPr/>
+        </p:nvSpPr>
+        <p:spPr>
+          <a:xfrm>
+            <a:off x="2729230" y="5426710"/>
+            <a:ext cx="9389110" cy="368300"/>
+          </a:xfrm>
+          <a:prstGeom prst="rect">
+            <a:avLst/>
+          </a:prstGeom>
+          <a:noFill/>
+        </p:spPr>
+        <p:txBody>
+          <a:bodyPr wrap="square" rtlCol="0" anchor="t">
+            <a:spAutoFit/>
+          </a:bodyPr>
+          <a:p>
+            <a:r>
+              <a:rPr lang="en-US" altLang="en-US"/>
+              <a:t>https://www.kaggle.com/code/auxeno/word-embedding-visualisations-nlp</a:t>
+            </a:r>
+            <a:endParaRPr lang="en-US"/>
+          </a:p>
+        </p:txBody>
+      </p:sp>
+    </p:spTree>
+  </p:cSld>
+  <p:clrMapOvr>
+    <a:masterClrMapping/>
+  </p:clrMapOvr>
+</p:sld>
+</file>
+
+<file path=ppt/slides/slide21.xml><?xml version="1.0" encoding="utf-8"?>
+<p:sld xmlns:a="http://schemas.openxmlformats.org/drawingml/2006/main" xmlns:r="http://schemas.openxmlformats.org/officeDocument/2006/relationships" xmlns:p="http://schemas.openxmlformats.org/presentationml/2006/main">
+  <p:cSld>
+    <p:spTree>
+      <p:nvGrpSpPr>
+        <p:cNvPr id="1" name=""/>
+        <p:cNvGrpSpPr/>
+        <p:nvPr/>
+      </p:nvGrpSpPr>
+      <p:grpSpPr/>
+      <p:sp>
+        <p:nvSpPr>
+          <p:cNvPr id="2" name="Text Box 1"/>
+          <p:cNvSpPr txBox="1"/>
+          <p:nvPr/>
+        </p:nvSpPr>
+        <p:spPr>
+          <a:xfrm>
+            <a:off x="451485" y="260985"/>
+            <a:ext cx="9878060" cy="3969385"/>
+          </a:xfrm>
+          <a:prstGeom prst="rect">
+            <a:avLst/>
+          </a:prstGeom>
+        </p:spPr>
+        <p:txBody>
+          <a:bodyPr wrap="square">
+            <a:spAutoFit/>
+          </a:bodyPr>
+          <a:p>
+            <a:pPr marL="0" indent="0" algn="l" fontAlgn="base">
+              <a:spcBef>
+                <a:spcPct val="0"/>
+              </a:spcBef>
+              <a:spcAft>
+                <a:spcPct val="0"/>
+              </a:spcAft>
+            </a:pPr>
+            <a:r>
+              <a:rPr sz="3200" b="1" i="0">
+                <a:solidFill>
+                  <a:srgbClr val="C00000"/>
+                </a:solidFill>
+                <a:latin typeface="Arial Black" panose="020B0A04020102020204" charset="0"/>
+                <a:ea typeface="Nunito"/>
+                <a:cs typeface="Arial Black" panose="020B0A04020102020204" charset="0"/>
+              </a:rPr>
+              <a:t>2. Document Embeddings</a:t>
+            </a:r>
+            <a:endParaRPr sz="3200" b="1" i="0">
+              <a:solidFill>
+                <a:srgbClr val="C00000"/>
+              </a:solidFill>
+              <a:latin typeface="Arial Black" panose="020B0A04020102020204" charset="0"/>
+              <a:ea typeface="Nunito"/>
+              <a:cs typeface="Arial Black" panose="020B0A04020102020204" charset="0"/>
+            </a:endParaRPr>
+          </a:p>
+          <a:p>
+            <a:pPr marL="457200" lvl="1" indent="0" algn="l" fontAlgn="base">
+              <a:spcBef>
+                <a:spcPct val="0"/>
+              </a:spcBef>
+              <a:spcAft>
+                <a:spcPct val="0"/>
+              </a:spcAft>
+            </a:pPr>
+            <a:r>
+              <a:rPr sz="1600" b="0" i="0">
+                <a:solidFill>
+                  <a:srgbClr val="273239"/>
+                </a:solidFill>
+                <a:latin typeface="Nunito"/>
+                <a:ea typeface="Nunito"/>
+              </a:rPr>
+              <a:t>Document embeddings extend word embeddings to represent entire documents as fixed-length vectors. These embeddings capture the overall semantics and contextual information of the document, making them useful for tasks like document classification, clustering, and retrieval.</a:t>
+            </a:r>
+            <a:endParaRPr sz="1600" b="0" i="0">
+              <a:solidFill>
+                <a:srgbClr val="273239"/>
+              </a:solidFill>
+              <a:latin typeface="Nunito"/>
+              <a:ea typeface="Nunito"/>
+            </a:endParaRPr>
+          </a:p>
+          <a:p>
+            <a:pPr marL="457200" lvl="1" indent="0" algn="l" fontAlgn="base">
+              <a:spcBef>
+                <a:spcPct val="0"/>
+              </a:spcBef>
+              <a:spcAft>
+                <a:spcPct val="0"/>
+              </a:spcAft>
+            </a:pPr>
+            <a:endParaRPr sz="1600" b="0" i="0">
+              <a:solidFill>
+                <a:srgbClr val="273239"/>
+              </a:solidFill>
+              <a:latin typeface="Nunito"/>
+              <a:ea typeface="Nunito"/>
+            </a:endParaRPr>
+          </a:p>
+          <a:p>
+            <a:pPr marL="0" indent="0" algn="l" fontAlgn="base">
+              <a:spcBef>
+                <a:spcPct val="0"/>
+              </a:spcBef>
+              <a:spcAft>
+                <a:spcPct val="0"/>
+              </a:spcAft>
+            </a:pPr>
+            <a:r>
+              <a:rPr sz="2000" b="1" i="0">
+                <a:solidFill>
+                  <a:srgbClr val="273239"/>
+                </a:solidFill>
+                <a:latin typeface="Nunito"/>
+                <a:ea typeface="Nunito"/>
+              </a:rPr>
+              <a:t>Advantages:</a:t>
+            </a:r>
+            <a:endParaRPr sz="2000" b="1" i="0">
+              <a:solidFill>
+                <a:srgbClr val="273239"/>
+              </a:solidFill>
+              <a:latin typeface="Nunito"/>
+              <a:ea typeface="Nunito"/>
+            </a:endParaRPr>
+          </a:p>
+          <a:p>
+            <a:pPr marL="457200" lvl="1" indent="0" algn="l" fontAlgn="base">
+              <a:spcBef>
+                <a:spcPct val="0"/>
+              </a:spcBef>
+              <a:spcAft>
+                <a:spcPct val="0"/>
+              </a:spcAft>
+              <a:buFont typeface="Arial" panose="020B0604020202020204"/>
+              <a:buChar char="•"/>
+            </a:pPr>
+            <a:r>
+              <a:rPr sz="1600" b="0" i="0">
+                <a:solidFill>
+                  <a:srgbClr val="273239"/>
+                </a:solidFill>
+                <a:latin typeface="Nunito"/>
+                <a:ea typeface="Nunito"/>
+              </a:rPr>
+              <a:t>Captures overall semantics of documents.</a:t>
+            </a:r>
+            <a:endParaRPr sz="1600" b="0" i="0">
+              <a:solidFill>
+                <a:srgbClr val="273239"/>
+              </a:solidFill>
+              <a:latin typeface="Nunito"/>
+              <a:ea typeface="Nunito"/>
+            </a:endParaRPr>
+          </a:p>
+          <a:p>
+            <a:pPr marL="457200" lvl="1" indent="0" algn="l" fontAlgn="base">
+              <a:spcBef>
+                <a:spcPct val="0"/>
+              </a:spcBef>
+              <a:spcAft>
+                <a:spcPct val="0"/>
+              </a:spcAft>
+              <a:buFont typeface="Arial" panose="020B0604020202020204"/>
+              <a:buChar char="•"/>
+            </a:pPr>
+            <a:r>
+              <a:rPr sz="1600" b="0" i="0">
+                <a:solidFill>
+                  <a:srgbClr val="273239"/>
+                </a:solidFill>
+                <a:latin typeface="Nunito"/>
+                <a:ea typeface="Nunito"/>
+              </a:rPr>
+              <a:t>Useful for various document-level NLP tasks.</a:t>
+            </a:r>
+            <a:endParaRPr sz="1600" b="0" i="0">
+              <a:solidFill>
+                <a:srgbClr val="273239"/>
+              </a:solidFill>
+              <a:latin typeface="Nunito"/>
+              <a:ea typeface="Nunito"/>
+            </a:endParaRPr>
+          </a:p>
+          <a:p>
+            <a:pPr marL="457200" lvl="1" indent="0" algn="l" fontAlgn="base">
+              <a:spcBef>
+                <a:spcPct val="0"/>
+              </a:spcBef>
+              <a:spcAft>
+                <a:spcPct val="0"/>
+              </a:spcAft>
+              <a:buFont typeface="Arial" panose="020B0604020202020204"/>
+              <a:buChar char="•"/>
+            </a:pPr>
+            <a:r>
+              <a:rPr sz="1600" b="0" i="0">
+                <a:solidFill>
+                  <a:srgbClr val="273239"/>
+                </a:solidFill>
+                <a:latin typeface="Nunito"/>
+                <a:ea typeface="Nunito"/>
+              </a:rPr>
+              <a:t>Handles variable-length text inputs.</a:t>
+            </a:r>
+            <a:endParaRPr sz="1600" b="0" i="0">
+              <a:solidFill>
+                <a:srgbClr val="273239"/>
+              </a:solidFill>
+              <a:latin typeface="Nunito"/>
+              <a:ea typeface="Nunito"/>
+            </a:endParaRPr>
+          </a:p>
+          <a:p>
+            <a:pPr marL="0" indent="0" algn="l" fontAlgn="base">
+              <a:spcBef>
+                <a:spcPct val="0"/>
+              </a:spcBef>
+              <a:spcAft>
+                <a:spcPct val="0"/>
+              </a:spcAft>
+              <a:buFont typeface="Arial" panose="020B0604020202020204"/>
+              <a:buChar char="•"/>
+            </a:pPr>
+            <a:endParaRPr sz="2000" b="0" i="0">
+              <a:solidFill>
+                <a:srgbClr val="273239"/>
+              </a:solidFill>
+              <a:latin typeface="Nunito"/>
+              <a:ea typeface="Nunito"/>
+            </a:endParaRPr>
+          </a:p>
+          <a:p>
+            <a:pPr marL="0" indent="0" algn="l" fontAlgn="base">
+              <a:spcBef>
+                <a:spcPct val="0"/>
+              </a:spcBef>
+              <a:spcAft>
+                <a:spcPct val="0"/>
+              </a:spcAft>
+            </a:pPr>
+            <a:r>
+              <a:rPr sz="2000" b="1" i="0">
+                <a:solidFill>
+                  <a:srgbClr val="273239"/>
+                </a:solidFill>
+                <a:latin typeface="Nunito"/>
+                <a:ea typeface="Nunito"/>
+              </a:rPr>
+              <a:t>Disadvantages:</a:t>
+            </a:r>
+            <a:endParaRPr sz="2000" b="1" i="0">
+              <a:solidFill>
+                <a:srgbClr val="273239"/>
+              </a:solidFill>
+              <a:latin typeface="Nunito"/>
+              <a:ea typeface="Nunito"/>
+            </a:endParaRPr>
+          </a:p>
+          <a:p>
+            <a:pPr marL="457200" lvl="1" indent="0" algn="l" fontAlgn="base">
+              <a:spcBef>
+                <a:spcPct val="0"/>
+              </a:spcBef>
+              <a:spcAft>
+                <a:spcPct val="0"/>
+              </a:spcAft>
+              <a:buFont typeface="Arial" panose="020B0604020202020204"/>
+              <a:buChar char="•"/>
+            </a:pPr>
+            <a:r>
+              <a:rPr sz="1600" b="0" i="0">
+                <a:solidFill>
+                  <a:srgbClr val="273239"/>
+                </a:solidFill>
+                <a:latin typeface="Nunito"/>
+                <a:ea typeface="Nunito"/>
+              </a:rPr>
+              <a:t>Requires substantial computational resources for training on large datasets.</a:t>
+            </a:r>
+            <a:endParaRPr sz="1600" b="0" i="0">
+              <a:solidFill>
+                <a:srgbClr val="273239"/>
+              </a:solidFill>
+              <a:latin typeface="Nunito"/>
+              <a:ea typeface="Nunito"/>
+            </a:endParaRPr>
+          </a:p>
+          <a:p>
+            <a:pPr marL="457200" lvl="1" indent="0" algn="l" fontAlgn="base">
+              <a:spcBef>
+                <a:spcPct val="0"/>
+              </a:spcBef>
+              <a:spcAft>
+                <a:spcPct val="0"/>
+              </a:spcAft>
+              <a:buFont typeface="Arial" panose="020B0604020202020204"/>
+              <a:buChar char="•"/>
+            </a:pPr>
+            <a:r>
+              <a:rPr sz="1600" b="0" i="0">
+                <a:solidFill>
+                  <a:srgbClr val="273239"/>
+                </a:solidFill>
+                <a:latin typeface="Nunito"/>
+                <a:ea typeface="Nunito"/>
+              </a:rPr>
+              <a:t>May not capture nuanced details in very large documents.</a:t>
+            </a:r>
+            <a:endParaRPr sz="1600" b="0" i="0">
+              <a:solidFill>
+                <a:srgbClr val="273239"/>
+              </a:solidFill>
+              <a:latin typeface="Nunito"/>
+              <a:ea typeface="Nunito"/>
+            </a:endParaRPr>
+          </a:p>
+        </p:txBody>
+      </p:sp>
+      <p:sp>
+        <p:nvSpPr>
+          <p:cNvPr id="3" name="Text Box 2"/>
+          <p:cNvSpPr txBox="1"/>
+          <p:nvPr/>
+        </p:nvSpPr>
+        <p:spPr>
+          <a:xfrm>
+            <a:off x="460375" y="4337050"/>
+            <a:ext cx="9869170" cy="2368550"/>
+          </a:xfrm>
+          <a:prstGeom prst="rect">
+            <a:avLst/>
+          </a:prstGeom>
+          <a:noFill/>
+        </p:spPr>
+        <p:txBody>
+          <a:bodyPr wrap="square" rtlCol="0" anchor="t">
+            <a:spAutoFit/>
+          </a:bodyPr>
+          <a:p>
+            <a:pPr marL="0" indent="0" algn="l" fontAlgn="base">
+              <a:spcBef>
+                <a:spcPct val="0"/>
+              </a:spcBef>
+              <a:spcAft>
+                <a:spcPct val="0"/>
+              </a:spcAft>
+            </a:pPr>
+            <a:r>
+              <a:rPr sz="2400" b="1">
+                <a:solidFill>
+                  <a:srgbClr val="C00000"/>
+                </a:solidFill>
+                <a:latin typeface="Arial" panose="020B0604020202020204" pitchFamily="34" charset="0"/>
+                <a:ea typeface="Nunito"/>
+                <a:cs typeface="Arial" panose="020B0604020202020204" pitchFamily="34" charset="0"/>
+                <a:sym typeface="+mn-ea"/>
+              </a:rPr>
+              <a:t>Types of Document Embeddings</a:t>
+            </a:r>
+            <a:endParaRPr sz="2400" b="1" i="0">
+              <a:solidFill>
+                <a:srgbClr val="C00000"/>
+              </a:solidFill>
+              <a:latin typeface="Arial" panose="020B0604020202020204" pitchFamily="34" charset="0"/>
+              <a:ea typeface="Nunito"/>
+              <a:cs typeface="Arial" panose="020B0604020202020204" pitchFamily="34" charset="0"/>
+            </a:endParaRPr>
+          </a:p>
+          <a:p>
+            <a:pPr marL="0" indent="0" algn="l" fontAlgn="base">
+              <a:spcBef>
+                <a:spcPct val="0"/>
+              </a:spcBef>
+              <a:spcAft>
+                <a:spcPct val="0"/>
+              </a:spcAft>
+            </a:pPr>
+            <a:endParaRPr sz="2000" b="1" i="0">
+              <a:solidFill>
+                <a:srgbClr val="273239"/>
+              </a:solidFill>
+              <a:latin typeface="Arial" panose="020B0604020202020204" pitchFamily="34" charset="0"/>
+              <a:ea typeface="Nunito"/>
+              <a:cs typeface="Arial" panose="020B0604020202020204" pitchFamily="34" charset="0"/>
+            </a:endParaRPr>
+          </a:p>
+          <a:p>
+            <a:pPr marL="457200" lvl="1" indent="0" algn="l" fontAlgn="base">
+              <a:spcBef>
+                <a:spcPct val="0"/>
+              </a:spcBef>
+              <a:spcAft>
+                <a:spcPct val="0"/>
+              </a:spcAft>
+            </a:pPr>
+            <a:r>
+              <a:rPr sz="1600" b="1">
+                <a:solidFill>
+                  <a:srgbClr val="C00000"/>
+                </a:solidFill>
+                <a:latin typeface="Arial" panose="020B0604020202020204" pitchFamily="34" charset="0"/>
+                <a:ea typeface="Nunito"/>
+                <a:cs typeface="Arial" panose="020B0604020202020204" pitchFamily="34" charset="0"/>
+                <a:sym typeface="+mn-ea"/>
+              </a:rPr>
+              <a:t>1. Doc2Vec:</a:t>
+            </a:r>
+            <a:endParaRPr sz="1600" b="1" i="0">
+              <a:solidFill>
+                <a:srgbClr val="C00000"/>
+              </a:solidFill>
+              <a:latin typeface="Arial" panose="020B0604020202020204" pitchFamily="34" charset="0"/>
+              <a:ea typeface="Nunito"/>
+              <a:cs typeface="Arial" panose="020B0604020202020204" pitchFamily="34" charset="0"/>
+            </a:endParaRPr>
+          </a:p>
+          <a:p>
+            <a:pPr marL="457200" lvl="1" indent="0" algn="l" fontAlgn="base">
+              <a:spcBef>
+                <a:spcPct val="0"/>
+              </a:spcBef>
+              <a:spcAft>
+                <a:spcPct val="0"/>
+              </a:spcAft>
+            </a:pPr>
+            <a:r>
+              <a:rPr>
+                <a:solidFill>
+                  <a:srgbClr val="273239"/>
+                </a:solidFill>
+                <a:latin typeface="Arial" panose="020B0604020202020204" pitchFamily="34" charset="0"/>
+                <a:ea typeface="Nunito"/>
+                <a:cs typeface="Arial" panose="020B0604020202020204" pitchFamily="34" charset="0"/>
+                <a:sym typeface="+mn-ea"/>
+              </a:rPr>
+              <a:t>An extension of Word2Vec, </a:t>
+            </a:r>
+            <a:r>
+              <a:rPr u="sng">
+                <a:solidFill>
+                  <a:srgbClr val="357960"/>
+                </a:solidFill>
+                <a:latin typeface="Arial" panose="020B0604020202020204" pitchFamily="34" charset="0"/>
+                <a:ea typeface="Nunito"/>
+                <a:cs typeface="Arial" panose="020B0604020202020204" pitchFamily="34" charset="0"/>
+                <a:sym typeface="+mn-ea"/>
+                <a:hlinkClick r:id="rId1"/>
+              </a:rPr>
+              <a:t>Doc2Vec</a:t>
+            </a:r>
+            <a:r>
+              <a:rPr>
+                <a:solidFill>
+                  <a:srgbClr val="273239"/>
+                </a:solidFill>
+                <a:latin typeface="Arial" panose="020B0604020202020204" pitchFamily="34" charset="0"/>
+                <a:ea typeface="Nunito"/>
+                <a:cs typeface="Arial" panose="020B0604020202020204" pitchFamily="34" charset="0"/>
+                <a:sym typeface="+mn-ea"/>
+              </a:rPr>
+              <a:t> generates vector representations for documents using two models: Distributed Memory (DM) and Distributed Bag of Words (DBOW).</a:t>
+            </a:r>
+            <a:endParaRPr b="0" i="0">
+              <a:solidFill>
+                <a:srgbClr val="273239"/>
+              </a:solidFill>
+              <a:latin typeface="Arial" panose="020B0604020202020204" pitchFamily="34" charset="0"/>
+              <a:ea typeface="Nunito"/>
+              <a:cs typeface="Arial" panose="020B0604020202020204" pitchFamily="34" charset="0"/>
+            </a:endParaRPr>
+          </a:p>
+          <a:p>
+            <a:pPr marL="457200" lvl="1" indent="0" algn="l" fontAlgn="base">
+              <a:spcBef>
+                <a:spcPct val="0"/>
+              </a:spcBef>
+              <a:spcAft>
+                <a:spcPct val="0"/>
+              </a:spcAft>
+            </a:pPr>
+            <a:r>
+              <a:rPr sz="1600" b="1">
+                <a:solidFill>
+                  <a:srgbClr val="C00000"/>
+                </a:solidFill>
+                <a:effectLst>
+                  <a:outerShdw blurRad="38100" dist="38100" dir="2700000" algn="tl">
+                    <a:srgbClr val="000000">
+                      <a:alpha val="43137"/>
+                    </a:srgbClr>
+                  </a:outerShdw>
+                </a:effectLst>
+                <a:latin typeface="Arial" panose="020B0604020202020204" pitchFamily="34" charset="0"/>
+                <a:ea typeface="Nunito"/>
+                <a:cs typeface="Arial" panose="020B0604020202020204" pitchFamily="34" charset="0"/>
+                <a:sym typeface="+mn-ea"/>
+              </a:rPr>
+              <a:t>2. TF-IDF Weighted Word Embeddings:</a:t>
+            </a:r>
+            <a:endParaRPr sz="1600" b="1" i="0">
+              <a:solidFill>
+                <a:srgbClr val="C00000"/>
+              </a:solidFill>
+              <a:effectLst>
+                <a:outerShdw blurRad="38100" dist="38100" dir="2700000" algn="tl">
+                  <a:srgbClr val="000000">
+                    <a:alpha val="43137"/>
+                  </a:srgbClr>
+                </a:outerShdw>
+              </a:effectLst>
+              <a:latin typeface="Arial" panose="020B0604020202020204" pitchFamily="34" charset="0"/>
+              <a:ea typeface="Nunito"/>
+              <a:cs typeface="Arial" panose="020B0604020202020204" pitchFamily="34" charset="0"/>
+            </a:endParaRPr>
+          </a:p>
+          <a:p>
+            <a:pPr marL="457200" lvl="1" indent="0" algn="l" fontAlgn="base">
+              <a:spcBef>
+                <a:spcPct val="0"/>
+              </a:spcBef>
+              <a:spcAft>
+                <a:spcPct val="0"/>
+              </a:spcAft>
+            </a:pPr>
+            <a:r>
+              <a:rPr>
+                <a:solidFill>
+                  <a:srgbClr val="273239"/>
+                </a:solidFill>
+                <a:latin typeface="Arial" panose="020B0604020202020204" pitchFamily="34" charset="0"/>
+                <a:ea typeface="Nunito"/>
+                <a:cs typeface="Arial" panose="020B0604020202020204" pitchFamily="34" charset="0"/>
+                <a:sym typeface="+mn-ea"/>
+              </a:rPr>
+              <a:t>Combines TF-IDF with word embeddings by weighting each word vector with its TF-IDF score, then averaging to get the document vector.</a:t>
+            </a:r>
+            <a:endParaRPr lang="en-US">
+              <a:solidFill>
+                <a:srgbClr val="273239"/>
+              </a:solidFill>
+              <a:latin typeface="Arial" panose="020B0604020202020204" pitchFamily="34" charset="0"/>
+              <a:ea typeface="Nunito"/>
+              <a:cs typeface="Arial" panose="020B0604020202020204" pitchFamily="34" charset="0"/>
+              <a:sym typeface="+mn-ea"/>
+            </a:endParaRPr>
+          </a:p>
+        </p:txBody>
+      </p:sp>
+    </p:spTree>
+  </p:cSld>
+  <p:clrMapOvr>
+    <a:masterClrMapping/>
+  </p:clrMapOvr>
+</p:sld>
+</file>
+
+<file path=ppt/slides/slide22.xml><?xml version="1.0" encoding="utf-8"?>
+<p:sld xmlns:a="http://schemas.openxmlformats.org/drawingml/2006/main" xmlns:r="http://schemas.openxmlformats.org/officeDocument/2006/relationships" xmlns:p="http://schemas.openxmlformats.org/presentationml/2006/main">
+  <p:cSld>
+    <p:spTree>
+      <p:nvGrpSpPr>
+        <p:cNvPr id="1" name=""/>
+        <p:cNvGrpSpPr/>
+        <p:nvPr/>
+      </p:nvGrpSpPr>
+      <p:grpSpPr/>
+      <p:sp>
+        <p:nvSpPr>
+          <p:cNvPr id="2" name="Text Box 1"/>
+          <p:cNvSpPr txBox="1"/>
+          <p:nvPr/>
+        </p:nvSpPr>
+        <p:spPr>
+          <a:xfrm>
+            <a:off x="142240" y="0"/>
+            <a:ext cx="11467465" cy="7077710"/>
+          </a:xfrm>
+          <a:prstGeom prst="rect">
+            <a:avLst/>
+          </a:prstGeom>
+        </p:spPr>
+        <p:txBody>
+          <a:bodyPr wrap="square">
+            <a:spAutoFit/>
+          </a:bodyPr>
+          <a:p>
+            <a:pPr marL="0" indent="0" algn="l" fontAlgn="base">
+              <a:spcBef>
+                <a:spcPct val="0"/>
+              </a:spcBef>
+              <a:spcAft>
+                <a:spcPct val="0"/>
+              </a:spcAft>
+            </a:pPr>
+            <a:r>
+              <a:rPr sz="2800" b="1" i="0">
+                <a:solidFill>
+                  <a:srgbClr val="FF0000"/>
+                </a:solidFill>
+                <a:latin typeface="Arial" panose="020B0604020202020204" pitchFamily="34" charset="0"/>
+                <a:ea typeface="Nunito"/>
+                <a:cs typeface="Arial" panose="020B0604020202020204" pitchFamily="34" charset="0"/>
+              </a:rPr>
+              <a:t>Contextualized Embeddings in NLP</a:t>
+            </a:r>
+            <a:endParaRPr sz="2800" b="1" i="0">
+              <a:solidFill>
+                <a:srgbClr val="FF0000"/>
+              </a:solidFill>
+              <a:latin typeface="Arial" panose="020B0604020202020204" pitchFamily="34" charset="0"/>
+              <a:ea typeface="Nunito"/>
+              <a:cs typeface="Arial" panose="020B0604020202020204" pitchFamily="34" charset="0"/>
+            </a:endParaRPr>
+          </a:p>
+          <a:p>
+            <a:pPr marL="0" indent="0" algn="l" fontAlgn="base">
+              <a:spcBef>
+                <a:spcPct val="0"/>
+              </a:spcBef>
+              <a:spcAft>
+                <a:spcPct val="0"/>
+              </a:spcAft>
+            </a:pPr>
+            <a:endParaRPr sz="2400" b="1" i="0">
+              <a:solidFill>
+                <a:srgbClr val="273239"/>
+              </a:solidFill>
+              <a:latin typeface="Arial" panose="020B0604020202020204" pitchFamily="34" charset="0"/>
+              <a:ea typeface="Nunito"/>
+              <a:cs typeface="Arial" panose="020B0604020202020204" pitchFamily="34" charset="0"/>
+            </a:endParaRPr>
+          </a:p>
+          <a:p>
+            <a:pPr marL="0" indent="0" algn="l" fontAlgn="base">
+              <a:spcBef>
+                <a:spcPct val="0"/>
+              </a:spcBef>
+              <a:spcAft>
+                <a:spcPct val="0"/>
+              </a:spcAft>
+            </a:pPr>
+            <a:r>
+              <a:rPr sz="2000" b="1" i="0">
+                <a:solidFill>
+                  <a:srgbClr val="C00000"/>
+                </a:solidFill>
+                <a:latin typeface="Arial" panose="020B0604020202020204" pitchFamily="34" charset="0"/>
+                <a:ea typeface="Nunito"/>
+                <a:cs typeface="Arial" panose="020B0604020202020204" pitchFamily="34" charset="0"/>
+              </a:rPr>
+              <a:t>1. ELMo (Embeddings from Language Models)</a:t>
+            </a:r>
+            <a:endParaRPr sz="2000" b="1" i="0">
+              <a:solidFill>
+                <a:srgbClr val="C00000"/>
+              </a:solidFill>
+              <a:latin typeface="Arial" panose="020B0604020202020204" pitchFamily="34" charset="0"/>
+              <a:ea typeface="Nunito"/>
+              <a:cs typeface="Arial" panose="020B0604020202020204" pitchFamily="34" charset="0"/>
+            </a:endParaRPr>
+          </a:p>
+          <a:p>
+            <a:pPr marL="457200" lvl="1" indent="0" algn="l" fontAlgn="base">
+              <a:spcBef>
+                <a:spcPct val="0"/>
+              </a:spcBef>
+              <a:spcAft>
+                <a:spcPct val="0"/>
+              </a:spcAft>
+            </a:pPr>
+            <a:r>
+              <a:rPr b="0" i="0" u="sng">
+                <a:solidFill>
+                  <a:srgbClr val="357960"/>
+                </a:solidFill>
+                <a:latin typeface="Arial" panose="020B0604020202020204" pitchFamily="34" charset="0"/>
+                <a:ea typeface="Nunito"/>
+                <a:cs typeface="Arial" panose="020B0604020202020204" pitchFamily="34" charset="0"/>
+                <a:hlinkClick r:id="rId1"/>
+              </a:rPr>
+              <a:t>ELMo</a:t>
+            </a:r>
+            <a:r>
+              <a:rPr b="0" i="0">
+                <a:solidFill>
+                  <a:srgbClr val="273239"/>
+                </a:solidFill>
+                <a:latin typeface="Arial" panose="020B0604020202020204" pitchFamily="34" charset="0"/>
+                <a:ea typeface="Nunito"/>
+                <a:cs typeface="Arial" panose="020B0604020202020204" pitchFamily="34" charset="0"/>
+              </a:rPr>
+              <a:t> generates word representations that capture both syntactic and semantic aspects of words and their usage across different contexts in a sentence. It uses deep bidirectional language models to achieve this.</a:t>
+            </a:r>
+            <a:endParaRPr b="0" i="0">
+              <a:solidFill>
+                <a:srgbClr val="273239"/>
+              </a:solidFill>
+              <a:latin typeface="Arial" panose="020B0604020202020204" pitchFamily="34" charset="0"/>
+              <a:ea typeface="Nunito"/>
+              <a:cs typeface="Arial" panose="020B0604020202020204" pitchFamily="34" charset="0"/>
+            </a:endParaRPr>
+          </a:p>
+          <a:p>
+            <a:pPr marL="457200" lvl="1" indent="0" algn="l" fontAlgn="base">
+              <a:spcBef>
+                <a:spcPct val="0"/>
+              </a:spcBef>
+              <a:spcAft>
+                <a:spcPct val="0"/>
+              </a:spcAft>
+            </a:pPr>
+            <a:endParaRPr b="1" i="0">
+              <a:solidFill>
+                <a:srgbClr val="273239"/>
+              </a:solidFill>
+              <a:latin typeface="Arial" panose="020B0604020202020204" pitchFamily="34" charset="0"/>
+              <a:ea typeface="Nunito"/>
+              <a:cs typeface="Arial" panose="020B0604020202020204" pitchFamily="34" charset="0"/>
+            </a:endParaRPr>
+          </a:p>
+          <a:p>
+            <a:pPr marL="457200" lvl="1" indent="0" algn="l" fontAlgn="base">
+              <a:spcBef>
+                <a:spcPct val="0"/>
+              </a:spcBef>
+              <a:spcAft>
+                <a:spcPct val="0"/>
+              </a:spcAft>
+            </a:pPr>
+            <a:r>
+              <a:rPr b="1" i="0">
+                <a:solidFill>
+                  <a:srgbClr val="273239"/>
+                </a:solidFill>
+                <a:latin typeface="Arial" panose="020B0604020202020204" pitchFamily="34" charset="0"/>
+                <a:ea typeface="Nunito"/>
+                <a:cs typeface="Arial" panose="020B0604020202020204" pitchFamily="34" charset="0"/>
+              </a:rPr>
+              <a:t>Advantages</a:t>
+            </a:r>
+            <a:endParaRPr b="1" i="0">
+              <a:solidFill>
+                <a:srgbClr val="273239"/>
+              </a:solidFill>
+              <a:latin typeface="Arial" panose="020B0604020202020204" pitchFamily="34" charset="0"/>
+              <a:ea typeface="Nunito"/>
+              <a:cs typeface="Arial" panose="020B0604020202020204" pitchFamily="34" charset="0"/>
+            </a:endParaRPr>
+          </a:p>
+          <a:p>
+            <a:pPr marL="914400" lvl="2" indent="0" algn="l" fontAlgn="base">
+              <a:spcBef>
+                <a:spcPct val="0"/>
+              </a:spcBef>
+              <a:spcAft>
+                <a:spcPct val="0"/>
+              </a:spcAft>
+              <a:buFont typeface="Arial" panose="020B0604020202020204"/>
+              <a:buChar char="•"/>
+            </a:pPr>
+            <a:r>
+              <a:rPr b="0" i="0">
+                <a:solidFill>
+                  <a:srgbClr val="273239"/>
+                </a:solidFill>
+                <a:latin typeface="Arial" panose="020B0604020202020204" pitchFamily="34" charset="0"/>
+                <a:ea typeface="Nunito"/>
+                <a:cs typeface="Arial" panose="020B0604020202020204" pitchFamily="34" charset="0"/>
+              </a:rPr>
+              <a:t>Captures deep contextual information.</a:t>
+            </a:r>
+            <a:endParaRPr b="0" i="0">
+              <a:solidFill>
+                <a:srgbClr val="273239"/>
+              </a:solidFill>
+              <a:latin typeface="Arial" panose="020B0604020202020204" pitchFamily="34" charset="0"/>
+              <a:ea typeface="Nunito"/>
+              <a:cs typeface="Arial" panose="020B0604020202020204" pitchFamily="34" charset="0"/>
+            </a:endParaRPr>
+          </a:p>
+          <a:p>
+            <a:pPr marL="914400" lvl="2" indent="0" algn="l" fontAlgn="base">
+              <a:spcBef>
+                <a:spcPct val="0"/>
+              </a:spcBef>
+              <a:spcAft>
+                <a:spcPct val="0"/>
+              </a:spcAft>
+              <a:buFont typeface="Arial" panose="020B0604020202020204"/>
+              <a:buChar char="•"/>
+            </a:pPr>
+            <a:r>
+              <a:rPr b="0" i="0">
+                <a:solidFill>
+                  <a:srgbClr val="273239"/>
+                </a:solidFill>
+                <a:latin typeface="Arial" panose="020B0604020202020204" pitchFamily="34" charset="0"/>
+                <a:ea typeface="Nunito"/>
+                <a:cs typeface="Arial" panose="020B0604020202020204" pitchFamily="34" charset="0"/>
+              </a:rPr>
+              <a:t>Improves performance on various NLP tasks.</a:t>
+            </a:r>
+            <a:endParaRPr b="0" i="0">
+              <a:solidFill>
+                <a:srgbClr val="273239"/>
+              </a:solidFill>
+              <a:latin typeface="Arial" panose="020B0604020202020204" pitchFamily="34" charset="0"/>
+              <a:ea typeface="Nunito"/>
+              <a:cs typeface="Arial" panose="020B0604020202020204" pitchFamily="34" charset="0"/>
+            </a:endParaRPr>
+          </a:p>
+          <a:p>
+            <a:pPr marL="457200" lvl="1" indent="0" algn="l" fontAlgn="base">
+              <a:spcBef>
+                <a:spcPct val="0"/>
+              </a:spcBef>
+              <a:spcAft>
+                <a:spcPct val="0"/>
+              </a:spcAft>
+            </a:pPr>
+            <a:r>
+              <a:rPr b="1" i="0">
+                <a:solidFill>
+                  <a:srgbClr val="273239"/>
+                </a:solidFill>
+                <a:latin typeface="Arial" panose="020B0604020202020204" pitchFamily="34" charset="0"/>
+                <a:ea typeface="Nunito"/>
+                <a:cs typeface="Arial" panose="020B0604020202020204" pitchFamily="34" charset="0"/>
+              </a:rPr>
+              <a:t>Disadvantages</a:t>
+            </a:r>
+            <a:endParaRPr b="1" i="0">
+              <a:solidFill>
+                <a:srgbClr val="273239"/>
+              </a:solidFill>
+              <a:latin typeface="Arial" panose="020B0604020202020204" pitchFamily="34" charset="0"/>
+              <a:ea typeface="Nunito"/>
+              <a:cs typeface="Arial" panose="020B0604020202020204" pitchFamily="34" charset="0"/>
+            </a:endParaRPr>
+          </a:p>
+          <a:p>
+            <a:pPr marL="914400" lvl="2" indent="0" algn="l" fontAlgn="base">
+              <a:spcBef>
+                <a:spcPct val="0"/>
+              </a:spcBef>
+              <a:spcAft>
+                <a:spcPct val="0"/>
+              </a:spcAft>
+              <a:buFont typeface="Arial" panose="020B0604020202020204"/>
+              <a:buChar char="•"/>
+            </a:pPr>
+            <a:r>
+              <a:rPr b="0" i="0">
+                <a:solidFill>
+                  <a:srgbClr val="273239"/>
+                </a:solidFill>
+                <a:latin typeface="Arial" panose="020B0604020202020204" pitchFamily="34" charset="0"/>
+                <a:ea typeface="Nunito"/>
+                <a:cs typeface="Arial" panose="020B0604020202020204" pitchFamily="34" charset="0"/>
+              </a:rPr>
+              <a:t>Computationally expensive.</a:t>
+            </a:r>
+            <a:endParaRPr b="0" i="0">
+              <a:solidFill>
+                <a:srgbClr val="273239"/>
+              </a:solidFill>
+              <a:latin typeface="Arial" panose="020B0604020202020204" pitchFamily="34" charset="0"/>
+              <a:ea typeface="Nunito"/>
+              <a:cs typeface="Arial" panose="020B0604020202020204" pitchFamily="34" charset="0"/>
+            </a:endParaRPr>
+          </a:p>
+          <a:p>
+            <a:pPr marL="914400" lvl="2" indent="0" algn="l" fontAlgn="base">
+              <a:spcBef>
+                <a:spcPct val="0"/>
+              </a:spcBef>
+              <a:spcAft>
+                <a:spcPct val="0"/>
+              </a:spcAft>
+              <a:buFont typeface="Arial" panose="020B0604020202020204"/>
+              <a:buChar char="•"/>
+            </a:pPr>
+            <a:r>
+              <a:rPr b="0" i="0">
+                <a:solidFill>
+                  <a:srgbClr val="273239"/>
+                </a:solidFill>
+                <a:latin typeface="Arial" panose="020B0604020202020204" pitchFamily="34" charset="0"/>
+                <a:ea typeface="Nunito"/>
+                <a:cs typeface="Arial" panose="020B0604020202020204" pitchFamily="34" charset="0"/>
+              </a:rPr>
+              <a:t>Requires substantial memory resources.</a:t>
+            </a:r>
+            <a:endParaRPr b="0" i="0">
+              <a:solidFill>
+                <a:srgbClr val="273239"/>
+              </a:solidFill>
+              <a:latin typeface="Arial" panose="020B0604020202020204" pitchFamily="34" charset="0"/>
+              <a:ea typeface="Nunito"/>
+              <a:cs typeface="Arial" panose="020B0604020202020204" pitchFamily="34" charset="0"/>
+            </a:endParaRPr>
+          </a:p>
+          <a:p>
+            <a:pPr marL="0" indent="0" algn="l" fontAlgn="base">
+              <a:spcBef>
+                <a:spcPct val="0"/>
+              </a:spcBef>
+              <a:spcAft>
+                <a:spcPct val="0"/>
+              </a:spcAft>
+            </a:pPr>
+            <a:endParaRPr sz="2000" b="1" i="0">
+              <a:solidFill>
+                <a:srgbClr val="273239"/>
+              </a:solidFill>
+              <a:latin typeface="Arial" panose="020B0604020202020204" pitchFamily="34" charset="0"/>
+              <a:ea typeface="Nunito"/>
+              <a:cs typeface="Arial" panose="020B0604020202020204" pitchFamily="34" charset="0"/>
+            </a:endParaRPr>
+          </a:p>
+          <a:p>
+            <a:pPr marL="0" indent="0" algn="l" fontAlgn="base">
+              <a:spcBef>
+                <a:spcPct val="0"/>
+              </a:spcBef>
+              <a:spcAft>
+                <a:spcPct val="0"/>
+              </a:spcAft>
+            </a:pPr>
+            <a:r>
+              <a:rPr sz="2000" b="1" i="0">
+                <a:solidFill>
+                  <a:srgbClr val="C00000"/>
+                </a:solidFill>
+                <a:latin typeface="Arial" panose="020B0604020202020204" pitchFamily="34" charset="0"/>
+                <a:ea typeface="Nunito"/>
+                <a:cs typeface="Arial" panose="020B0604020202020204" pitchFamily="34" charset="0"/>
+              </a:rPr>
+              <a:t>2. BERT (Bidirectional Encoder Representations from Transformers)</a:t>
+            </a:r>
+            <a:endParaRPr sz="2000" b="1" i="0">
+              <a:solidFill>
+                <a:srgbClr val="C00000"/>
+              </a:solidFill>
+              <a:latin typeface="Arial" panose="020B0604020202020204" pitchFamily="34" charset="0"/>
+              <a:ea typeface="Nunito"/>
+              <a:cs typeface="Arial" panose="020B0604020202020204" pitchFamily="34" charset="0"/>
+            </a:endParaRPr>
+          </a:p>
+          <a:p>
+            <a:pPr marL="457200" lvl="1" indent="0" algn="l" fontAlgn="base">
+              <a:spcBef>
+                <a:spcPct val="0"/>
+              </a:spcBef>
+              <a:spcAft>
+                <a:spcPct val="0"/>
+              </a:spcAft>
+            </a:pPr>
+            <a:r>
+              <a:rPr b="0" i="0" u="sng">
+                <a:solidFill>
+                  <a:srgbClr val="357960"/>
+                </a:solidFill>
+                <a:latin typeface="Arial" panose="020B0604020202020204" pitchFamily="34" charset="0"/>
+                <a:ea typeface="Nunito"/>
+                <a:cs typeface="Arial" panose="020B0604020202020204" pitchFamily="34" charset="0"/>
+                <a:hlinkClick r:id="rId2"/>
+              </a:rPr>
+              <a:t>BERT</a:t>
+            </a:r>
+            <a:r>
+              <a:rPr b="0" i="0">
+                <a:solidFill>
+                  <a:srgbClr val="273239"/>
+                </a:solidFill>
+                <a:latin typeface="Arial" panose="020B0604020202020204" pitchFamily="34" charset="0"/>
+                <a:ea typeface="Nunito"/>
+                <a:cs typeface="Arial" panose="020B0604020202020204" pitchFamily="34" charset="0"/>
+              </a:rPr>
+              <a:t> is a transformer-based model that pre-trains bidirectional representations by jointly conditioning on both left and right context in all layers. It can be fine-tuned for specific tasks, making it highly versatile.</a:t>
+            </a:r>
+            <a:endParaRPr b="0" i="0">
+              <a:solidFill>
+                <a:srgbClr val="273239"/>
+              </a:solidFill>
+              <a:latin typeface="Arial" panose="020B0604020202020204" pitchFamily="34" charset="0"/>
+              <a:ea typeface="Nunito"/>
+              <a:cs typeface="Arial" panose="020B0604020202020204" pitchFamily="34" charset="0"/>
+            </a:endParaRPr>
+          </a:p>
+          <a:p>
+            <a:pPr marL="457200" lvl="1" indent="0" algn="l" fontAlgn="base">
+              <a:spcBef>
+                <a:spcPct val="0"/>
+              </a:spcBef>
+              <a:spcAft>
+                <a:spcPct val="0"/>
+              </a:spcAft>
+            </a:pPr>
+            <a:endParaRPr b="1" i="0">
+              <a:solidFill>
+                <a:srgbClr val="273239"/>
+              </a:solidFill>
+              <a:latin typeface="Arial" panose="020B0604020202020204" pitchFamily="34" charset="0"/>
+              <a:ea typeface="Nunito"/>
+              <a:cs typeface="Arial" panose="020B0604020202020204" pitchFamily="34" charset="0"/>
+            </a:endParaRPr>
+          </a:p>
+          <a:p>
+            <a:pPr marL="457200" lvl="1" indent="0" algn="l" fontAlgn="base">
+              <a:spcBef>
+                <a:spcPct val="0"/>
+              </a:spcBef>
+              <a:spcAft>
+                <a:spcPct val="0"/>
+              </a:spcAft>
+            </a:pPr>
+            <a:r>
+              <a:rPr b="1" i="0">
+                <a:solidFill>
+                  <a:srgbClr val="273239"/>
+                </a:solidFill>
+                <a:latin typeface="Arial" panose="020B0604020202020204" pitchFamily="34" charset="0"/>
+                <a:ea typeface="Nunito"/>
+                <a:cs typeface="Arial" panose="020B0604020202020204" pitchFamily="34" charset="0"/>
+              </a:rPr>
+              <a:t>Advantages</a:t>
+            </a:r>
+            <a:endParaRPr b="1" i="0">
+              <a:solidFill>
+                <a:srgbClr val="273239"/>
+              </a:solidFill>
+              <a:latin typeface="Arial" panose="020B0604020202020204" pitchFamily="34" charset="0"/>
+              <a:ea typeface="Nunito"/>
+              <a:cs typeface="Arial" panose="020B0604020202020204" pitchFamily="34" charset="0"/>
+            </a:endParaRPr>
+          </a:p>
+          <a:p>
+            <a:pPr marL="914400" lvl="2" indent="0" algn="l" fontAlgn="base">
+              <a:spcBef>
+                <a:spcPct val="0"/>
+              </a:spcBef>
+              <a:spcAft>
+                <a:spcPct val="0"/>
+              </a:spcAft>
+              <a:buFont typeface="Arial" panose="020B0604020202020204"/>
+              <a:buChar char="•"/>
+            </a:pPr>
+            <a:r>
+              <a:rPr b="0" i="0">
+                <a:solidFill>
+                  <a:srgbClr val="273239"/>
+                </a:solidFill>
+                <a:latin typeface="Arial" panose="020B0604020202020204" pitchFamily="34" charset="0"/>
+                <a:ea typeface="Nunito"/>
+                <a:cs typeface="Arial" panose="020B0604020202020204" pitchFamily="34" charset="0"/>
+              </a:rPr>
+              <a:t>State-of-the-art performance on many NLP tasks.</a:t>
+            </a:r>
+            <a:endParaRPr b="0" i="0">
+              <a:solidFill>
+                <a:srgbClr val="273239"/>
+              </a:solidFill>
+              <a:latin typeface="Arial" panose="020B0604020202020204" pitchFamily="34" charset="0"/>
+              <a:ea typeface="Nunito"/>
+              <a:cs typeface="Arial" panose="020B0604020202020204" pitchFamily="34" charset="0"/>
+            </a:endParaRPr>
+          </a:p>
+          <a:p>
+            <a:pPr marL="914400" lvl="2" indent="0" algn="l" fontAlgn="base">
+              <a:spcBef>
+                <a:spcPct val="0"/>
+              </a:spcBef>
+              <a:spcAft>
+                <a:spcPct val="0"/>
+              </a:spcAft>
+              <a:buFont typeface="Arial" panose="020B0604020202020204"/>
+              <a:buChar char="•"/>
+            </a:pPr>
+            <a:r>
+              <a:rPr b="0" i="0">
+                <a:solidFill>
+                  <a:srgbClr val="273239"/>
+                </a:solidFill>
+                <a:latin typeface="Arial" panose="020B0604020202020204" pitchFamily="34" charset="0"/>
+                <a:ea typeface="Nunito"/>
+                <a:cs typeface="Arial" panose="020B0604020202020204" pitchFamily="34" charset="0"/>
+              </a:rPr>
+              <a:t>Captures bidirectional context.</a:t>
+            </a:r>
+            <a:endParaRPr b="0" i="0">
+              <a:solidFill>
+                <a:srgbClr val="273239"/>
+              </a:solidFill>
+              <a:latin typeface="Arial" panose="020B0604020202020204" pitchFamily="34" charset="0"/>
+              <a:ea typeface="Nunito"/>
+              <a:cs typeface="Arial" panose="020B0604020202020204" pitchFamily="34" charset="0"/>
+            </a:endParaRPr>
+          </a:p>
+          <a:p>
+            <a:pPr marL="457200" lvl="1" indent="0" algn="l" fontAlgn="base">
+              <a:spcBef>
+                <a:spcPct val="0"/>
+              </a:spcBef>
+              <a:spcAft>
+                <a:spcPct val="0"/>
+              </a:spcAft>
+            </a:pPr>
+            <a:r>
+              <a:rPr b="1" i="0">
+                <a:solidFill>
+                  <a:srgbClr val="273239"/>
+                </a:solidFill>
+                <a:latin typeface="Arial" panose="020B0604020202020204" pitchFamily="34" charset="0"/>
+                <a:ea typeface="Nunito"/>
+                <a:cs typeface="Arial" panose="020B0604020202020204" pitchFamily="34" charset="0"/>
+              </a:rPr>
+              <a:t>Disadvantages</a:t>
+            </a:r>
+            <a:endParaRPr b="1" i="0">
+              <a:solidFill>
+                <a:srgbClr val="273239"/>
+              </a:solidFill>
+              <a:latin typeface="Arial" panose="020B0604020202020204" pitchFamily="34" charset="0"/>
+              <a:ea typeface="Nunito"/>
+              <a:cs typeface="Arial" panose="020B0604020202020204" pitchFamily="34" charset="0"/>
+            </a:endParaRPr>
+          </a:p>
+          <a:p>
+            <a:pPr marL="914400" lvl="2" indent="0" algn="l" fontAlgn="base">
+              <a:spcBef>
+                <a:spcPct val="0"/>
+              </a:spcBef>
+              <a:spcAft>
+                <a:spcPct val="0"/>
+              </a:spcAft>
+              <a:buFont typeface="Arial" panose="020B0604020202020204"/>
+              <a:buChar char="•"/>
+            </a:pPr>
+            <a:r>
+              <a:rPr b="0" i="0">
+                <a:solidFill>
+                  <a:srgbClr val="273239"/>
+                </a:solidFill>
+                <a:latin typeface="Arial" panose="020B0604020202020204" pitchFamily="34" charset="0"/>
+                <a:ea typeface="Nunito"/>
+                <a:cs typeface="Arial" panose="020B0604020202020204" pitchFamily="34" charset="0"/>
+              </a:rPr>
+              <a:t>Very large model size.</a:t>
+            </a:r>
+            <a:endParaRPr b="0" i="0">
+              <a:solidFill>
+                <a:srgbClr val="273239"/>
+              </a:solidFill>
+              <a:latin typeface="Arial" panose="020B0604020202020204" pitchFamily="34" charset="0"/>
+              <a:ea typeface="Nunito"/>
+              <a:cs typeface="Arial" panose="020B0604020202020204" pitchFamily="34" charset="0"/>
+            </a:endParaRPr>
+          </a:p>
+          <a:p>
+            <a:pPr marL="914400" lvl="2" indent="0" algn="l" fontAlgn="base">
+              <a:spcBef>
+                <a:spcPct val="0"/>
+              </a:spcBef>
+              <a:spcAft>
+                <a:spcPct val="0"/>
+              </a:spcAft>
+              <a:buFont typeface="Arial" panose="020B0604020202020204"/>
+              <a:buChar char="•"/>
+            </a:pPr>
+            <a:r>
+              <a:rPr b="0" i="0">
+                <a:solidFill>
+                  <a:srgbClr val="273239"/>
+                </a:solidFill>
+                <a:latin typeface="Arial" panose="020B0604020202020204" pitchFamily="34" charset="0"/>
+                <a:ea typeface="Nunito"/>
+                <a:cs typeface="Arial" panose="020B0604020202020204" pitchFamily="34" charset="0"/>
+              </a:rPr>
+              <a:t>High computational requirements for training and inference.</a:t>
+            </a:r>
+            <a:endParaRPr b="0" i="0">
+              <a:solidFill>
+                <a:srgbClr val="273239"/>
+              </a:solidFill>
+              <a:latin typeface="Arial" panose="020B0604020202020204" pitchFamily="34" charset="0"/>
+              <a:ea typeface="Nunito"/>
+              <a:cs typeface="Arial" panose="020B0604020202020204" pitchFamily="34" charset="0"/>
+            </a:endParaRPr>
+          </a:p>
+          <a:p>
+            <a:pPr marL="457200" lvl="1" indent="0" algn="l" fontAlgn="base">
+              <a:spcBef>
+                <a:spcPct val="0"/>
+              </a:spcBef>
+              <a:spcAft>
+                <a:spcPct val="0"/>
+              </a:spcAft>
+            </a:pPr>
+            <a:endParaRPr b="0" i="0">
+              <a:solidFill>
+                <a:srgbClr val="273239"/>
+              </a:solidFill>
+              <a:latin typeface="Arial" panose="020B0604020202020204" pitchFamily="34" charset="0"/>
+              <a:ea typeface="Nunito"/>
+              <a:cs typeface="Arial" panose="020B0604020202020204" pitchFamily="34" charset="0"/>
+            </a:endParaRPr>
+          </a:p>
+        </p:txBody>
+      </p:sp>
+    </p:spTree>
+  </p:cSld>
+  <p:clrMapOvr>
+    <a:masterClrMapping/>
+  </p:clrMapOvr>
+</p:sld>
+</file>
+
+<file path=ppt/slides/slide23.xml><?xml version="1.0" encoding="utf-8"?>
+<p:sld xmlns:a="http://schemas.openxmlformats.org/drawingml/2006/main" xmlns:r="http://schemas.openxmlformats.org/officeDocument/2006/relationships" xmlns:p="http://schemas.openxmlformats.org/presentationml/2006/main">
+  <p:cSld>
+    <p:spTree>
+      <p:nvGrpSpPr>
+        <p:cNvPr id="1" name=""/>
+        <p:cNvGrpSpPr/>
+        <p:nvPr/>
+      </p:nvGrpSpPr>
+      <p:grpSpPr/>
+      <p:sp>
+        <p:nvSpPr>
+          <p:cNvPr id="2" name="Text Box 1"/>
+          <p:cNvSpPr txBox="1"/>
+          <p:nvPr/>
+        </p:nvSpPr>
+        <p:spPr>
+          <a:xfrm>
+            <a:off x="706120" y="283845"/>
+            <a:ext cx="9870440" cy="3476625"/>
+          </a:xfrm>
+          <a:prstGeom prst="rect">
+            <a:avLst/>
+          </a:prstGeom>
+          <a:noFill/>
+        </p:spPr>
+        <p:txBody>
+          <a:bodyPr wrap="square" rtlCol="0" anchor="t">
+            <a:spAutoFit/>
+          </a:bodyPr>
+          <a:p>
+            <a:pPr marL="0" indent="0" algn="l" fontAlgn="base">
+              <a:spcBef>
+                <a:spcPct val="0"/>
+              </a:spcBef>
+              <a:spcAft>
+                <a:spcPct val="0"/>
+              </a:spcAft>
+            </a:pPr>
+            <a:endParaRPr sz="2000" b="1" i="0">
+              <a:solidFill>
+                <a:srgbClr val="C00000"/>
+              </a:solidFill>
+              <a:latin typeface="Arial" panose="020B0604020202020204" pitchFamily="34" charset="0"/>
+              <a:ea typeface="Nunito"/>
+              <a:cs typeface="Arial" panose="020B0604020202020204" pitchFamily="34" charset="0"/>
+            </a:endParaRPr>
+          </a:p>
+          <a:p>
+            <a:pPr marL="0" indent="0" algn="l" fontAlgn="base">
+              <a:spcBef>
+                <a:spcPct val="0"/>
+              </a:spcBef>
+              <a:spcAft>
+                <a:spcPct val="0"/>
+              </a:spcAft>
+            </a:pPr>
+            <a:r>
+              <a:rPr sz="2000" b="1">
+                <a:solidFill>
+                  <a:srgbClr val="C00000"/>
+                </a:solidFill>
+                <a:latin typeface="Arial" panose="020B0604020202020204" pitchFamily="34" charset="0"/>
+                <a:ea typeface="Nunito"/>
+                <a:cs typeface="Arial" panose="020B0604020202020204" pitchFamily="34" charset="0"/>
+                <a:sym typeface="+mn-ea"/>
+              </a:rPr>
+              <a:t>3. GPT (Generative Pre-trained Transformer)</a:t>
+            </a:r>
+            <a:endParaRPr sz="2000" b="1" i="0">
+              <a:solidFill>
+                <a:srgbClr val="C00000"/>
+              </a:solidFill>
+              <a:latin typeface="Arial" panose="020B0604020202020204" pitchFamily="34" charset="0"/>
+              <a:ea typeface="Nunito"/>
+              <a:cs typeface="Arial" panose="020B0604020202020204" pitchFamily="34" charset="0"/>
+            </a:endParaRPr>
+          </a:p>
+          <a:p>
+            <a:pPr marL="457200" lvl="1" indent="0" algn="l" fontAlgn="base">
+              <a:spcBef>
+                <a:spcPct val="0"/>
+              </a:spcBef>
+              <a:spcAft>
+                <a:spcPct val="0"/>
+              </a:spcAft>
+            </a:pPr>
+            <a:r>
+              <a:rPr>
+                <a:solidFill>
+                  <a:srgbClr val="273239"/>
+                </a:solidFill>
+                <a:latin typeface="Arial" panose="020B0604020202020204" pitchFamily="34" charset="0"/>
+                <a:ea typeface="Nunito"/>
+                <a:cs typeface="Arial" panose="020B0604020202020204" pitchFamily="34" charset="0"/>
+                <a:sym typeface="+mn-ea"/>
+              </a:rPr>
+              <a:t>GPT is a transformer-based model that generates text by predicting the next word in a sequence, making it highly effective for language generation tasks.</a:t>
+            </a:r>
+            <a:endParaRPr b="0" i="0">
+              <a:solidFill>
+                <a:srgbClr val="273239"/>
+              </a:solidFill>
+              <a:latin typeface="Arial" panose="020B0604020202020204" pitchFamily="34" charset="0"/>
+              <a:ea typeface="Nunito"/>
+              <a:cs typeface="Arial" panose="020B0604020202020204" pitchFamily="34" charset="0"/>
+            </a:endParaRPr>
+          </a:p>
+          <a:p>
+            <a:pPr marL="457200" lvl="1" indent="0" algn="l" fontAlgn="base">
+              <a:spcBef>
+                <a:spcPct val="0"/>
+              </a:spcBef>
+              <a:spcAft>
+                <a:spcPct val="0"/>
+              </a:spcAft>
+            </a:pPr>
+            <a:endParaRPr b="1">
+              <a:solidFill>
+                <a:srgbClr val="273239"/>
+              </a:solidFill>
+              <a:latin typeface="Arial" panose="020B0604020202020204" pitchFamily="34" charset="0"/>
+              <a:ea typeface="Nunito"/>
+              <a:cs typeface="Arial" panose="020B0604020202020204" pitchFamily="34" charset="0"/>
+              <a:sym typeface="+mn-ea"/>
+            </a:endParaRPr>
+          </a:p>
+          <a:p>
+            <a:pPr marL="457200" lvl="1" indent="0" algn="l" fontAlgn="base">
+              <a:spcBef>
+                <a:spcPct val="0"/>
+              </a:spcBef>
+              <a:spcAft>
+                <a:spcPct val="0"/>
+              </a:spcAft>
+            </a:pPr>
+            <a:r>
+              <a:rPr b="1">
+                <a:solidFill>
+                  <a:srgbClr val="273239"/>
+                </a:solidFill>
+                <a:latin typeface="Arial" panose="020B0604020202020204" pitchFamily="34" charset="0"/>
+                <a:ea typeface="Nunito"/>
+                <a:cs typeface="Arial" panose="020B0604020202020204" pitchFamily="34" charset="0"/>
+                <a:sym typeface="+mn-ea"/>
+              </a:rPr>
+              <a:t>Advantages</a:t>
+            </a:r>
+            <a:endParaRPr b="1" i="0">
+              <a:solidFill>
+                <a:srgbClr val="273239"/>
+              </a:solidFill>
+              <a:latin typeface="Arial" panose="020B0604020202020204" pitchFamily="34" charset="0"/>
+              <a:ea typeface="Nunito"/>
+              <a:cs typeface="Arial" panose="020B0604020202020204" pitchFamily="34" charset="0"/>
+            </a:endParaRPr>
+          </a:p>
+          <a:p>
+            <a:pPr marL="914400" lvl="2" indent="0" algn="l" fontAlgn="base">
+              <a:spcBef>
+                <a:spcPct val="0"/>
+              </a:spcBef>
+              <a:spcAft>
+                <a:spcPct val="0"/>
+              </a:spcAft>
+              <a:buFont typeface="Arial" panose="020B0604020202020204"/>
+              <a:buChar char="•"/>
+            </a:pPr>
+            <a:r>
+              <a:rPr>
+                <a:solidFill>
+                  <a:srgbClr val="273239"/>
+                </a:solidFill>
+                <a:latin typeface="Arial" panose="020B0604020202020204" pitchFamily="34" charset="0"/>
+                <a:ea typeface="Nunito"/>
+                <a:cs typeface="Arial" panose="020B0604020202020204" pitchFamily="34" charset="0"/>
+                <a:sym typeface="+mn-ea"/>
+              </a:rPr>
+              <a:t>Excellent performance in text generation tasks.</a:t>
+            </a:r>
+            <a:endParaRPr b="0" i="0">
+              <a:solidFill>
+                <a:srgbClr val="273239"/>
+              </a:solidFill>
+              <a:latin typeface="Arial" panose="020B0604020202020204" pitchFamily="34" charset="0"/>
+              <a:ea typeface="Nunito"/>
+              <a:cs typeface="Arial" panose="020B0604020202020204" pitchFamily="34" charset="0"/>
+            </a:endParaRPr>
+          </a:p>
+          <a:p>
+            <a:pPr marL="914400" lvl="2" indent="0" algn="l" fontAlgn="base">
+              <a:spcBef>
+                <a:spcPct val="0"/>
+              </a:spcBef>
+              <a:spcAft>
+                <a:spcPct val="0"/>
+              </a:spcAft>
+              <a:buFont typeface="Arial" panose="020B0604020202020204"/>
+              <a:buChar char="•"/>
+            </a:pPr>
+            <a:r>
+              <a:rPr>
+                <a:solidFill>
+                  <a:srgbClr val="273239"/>
+                </a:solidFill>
+                <a:latin typeface="Arial" panose="020B0604020202020204" pitchFamily="34" charset="0"/>
+                <a:ea typeface="Nunito"/>
+                <a:cs typeface="Arial" panose="020B0604020202020204" pitchFamily="34" charset="0"/>
+                <a:sym typeface="+mn-ea"/>
+              </a:rPr>
+              <a:t>Can be fine-tuned for various applications.</a:t>
+            </a:r>
+            <a:endParaRPr b="0" i="0">
+              <a:solidFill>
+                <a:srgbClr val="273239"/>
+              </a:solidFill>
+              <a:latin typeface="Arial" panose="020B0604020202020204" pitchFamily="34" charset="0"/>
+              <a:ea typeface="Nunito"/>
+              <a:cs typeface="Arial" panose="020B0604020202020204" pitchFamily="34" charset="0"/>
+            </a:endParaRPr>
+          </a:p>
+          <a:p>
+            <a:pPr marL="457200" lvl="1" indent="0" algn="l" fontAlgn="base">
+              <a:spcBef>
+                <a:spcPct val="0"/>
+              </a:spcBef>
+              <a:spcAft>
+                <a:spcPct val="0"/>
+              </a:spcAft>
+            </a:pPr>
+            <a:endParaRPr b="1">
+              <a:solidFill>
+                <a:srgbClr val="273239"/>
+              </a:solidFill>
+              <a:latin typeface="Arial" panose="020B0604020202020204" pitchFamily="34" charset="0"/>
+              <a:ea typeface="Nunito"/>
+              <a:cs typeface="Arial" panose="020B0604020202020204" pitchFamily="34" charset="0"/>
+              <a:sym typeface="+mn-ea"/>
+            </a:endParaRPr>
+          </a:p>
+          <a:p>
+            <a:pPr marL="457200" lvl="1" indent="0" algn="l" fontAlgn="base">
+              <a:spcBef>
+                <a:spcPct val="0"/>
+              </a:spcBef>
+              <a:spcAft>
+                <a:spcPct val="0"/>
+              </a:spcAft>
+            </a:pPr>
+            <a:r>
+              <a:rPr b="1">
+                <a:solidFill>
+                  <a:srgbClr val="273239"/>
+                </a:solidFill>
+                <a:latin typeface="Arial" panose="020B0604020202020204" pitchFamily="34" charset="0"/>
+                <a:ea typeface="Nunito"/>
+                <a:cs typeface="Arial" panose="020B0604020202020204" pitchFamily="34" charset="0"/>
+                <a:sym typeface="+mn-ea"/>
+              </a:rPr>
+              <a:t>Disadvantages</a:t>
+            </a:r>
+            <a:endParaRPr b="1" i="0">
+              <a:solidFill>
+                <a:srgbClr val="273239"/>
+              </a:solidFill>
+              <a:latin typeface="Arial" panose="020B0604020202020204" pitchFamily="34" charset="0"/>
+              <a:ea typeface="Nunito"/>
+              <a:cs typeface="Arial" panose="020B0604020202020204" pitchFamily="34" charset="0"/>
+            </a:endParaRPr>
+          </a:p>
+          <a:p>
+            <a:pPr marL="914400" lvl="2" indent="0" algn="l" fontAlgn="base">
+              <a:spcBef>
+                <a:spcPct val="0"/>
+              </a:spcBef>
+              <a:spcAft>
+                <a:spcPct val="0"/>
+              </a:spcAft>
+              <a:buFont typeface="Arial" panose="020B0604020202020204"/>
+              <a:buChar char="•"/>
+            </a:pPr>
+            <a:r>
+              <a:rPr>
+                <a:solidFill>
+                  <a:srgbClr val="273239"/>
+                </a:solidFill>
+                <a:latin typeface="Arial" panose="020B0604020202020204" pitchFamily="34" charset="0"/>
+                <a:ea typeface="Nunito"/>
+                <a:cs typeface="Arial" panose="020B0604020202020204" pitchFamily="34" charset="0"/>
+                <a:sym typeface="+mn-ea"/>
+              </a:rPr>
+              <a:t>High computational cost.</a:t>
+            </a:r>
+            <a:endParaRPr b="0" i="0">
+              <a:solidFill>
+                <a:srgbClr val="273239"/>
+              </a:solidFill>
+              <a:latin typeface="Arial" panose="020B0604020202020204" pitchFamily="34" charset="0"/>
+              <a:ea typeface="Nunito"/>
+              <a:cs typeface="Arial" panose="020B0604020202020204" pitchFamily="34" charset="0"/>
+            </a:endParaRPr>
+          </a:p>
+          <a:p>
+            <a:pPr marL="914400" lvl="2" indent="0" algn="l" fontAlgn="base">
+              <a:spcBef>
+                <a:spcPct val="0"/>
+              </a:spcBef>
+              <a:spcAft>
+                <a:spcPct val="0"/>
+              </a:spcAft>
+              <a:buFont typeface="Arial" panose="020B0604020202020204"/>
+              <a:buChar char="•"/>
+            </a:pPr>
+            <a:r>
+              <a:rPr>
+                <a:solidFill>
+                  <a:srgbClr val="273239"/>
+                </a:solidFill>
+                <a:latin typeface="Arial" panose="020B0604020202020204" pitchFamily="34" charset="0"/>
+                <a:ea typeface="Nunito"/>
+                <a:cs typeface="Arial" panose="020B0604020202020204" pitchFamily="34" charset="0"/>
+                <a:sym typeface="+mn-ea"/>
+              </a:rPr>
+              <a:t>Requires large amounts of data for training.</a:t>
+            </a:r>
+            <a:endParaRPr lang="en-US">
+              <a:solidFill>
+                <a:srgbClr val="273239"/>
+              </a:solidFill>
+              <a:latin typeface="Arial" panose="020B0604020202020204" pitchFamily="34" charset="0"/>
+              <a:ea typeface="Nunito"/>
+              <a:cs typeface="Arial" panose="020B0604020202020204" pitchFamily="34" charset="0"/>
+              <a:sym typeface="+mn-ea"/>
+            </a:endParaRPr>
+          </a:p>
+        </p:txBody>
+      </p:sp>
+    </p:spTree>
+  </p:cSld>
+  <p:clrMapOvr>
+    <a:masterClrMapping/>
+  </p:clrMapOvr>
+</p:sld>
+</file>
+
+<file path=ppt/slides/slide24.xml><?xml version="1.0" encoding="utf-8"?>
+<p:sld xmlns:a="http://schemas.openxmlformats.org/drawingml/2006/main" xmlns:r="http://schemas.openxmlformats.org/officeDocument/2006/relationships" xmlns:p="http://schemas.openxmlformats.org/presentationml/2006/main">
+  <p:cSld>
+    <p:spTree>
+      <p:nvGrpSpPr>
+        <p:cNvPr id="1" name=""/>
+        <p:cNvGrpSpPr/>
+        <p:nvPr/>
+      </p:nvGrpSpPr>
+      <p:grpSpPr/>
+    </p:spTree>
+  </p:cSld>
+  <p:clrMapOvr>
+    <a:masterClrMapping/>
+  </p:clrMapOvr>
+</p:sld>
+</file>
+
+<file path=ppt/slides/slide25.xml><?xml version="1.0" encoding="utf-8"?>
 <p:sld xmlns:a="http://schemas.openxmlformats.org/drawingml/2006/main" xmlns:r="http://schemas.openxmlformats.org/officeDocument/2006/relationships" xmlns:p="http://schemas.openxmlformats.org/presentationml/2006/main">
   <p:cSld>
     <p:spTree>
@@ -4055,7 +10322,7 @@
             <a:endParaRPr sz="1900" b="1"/>
           </a:p>
           <a:p>
-            <a:pPr>
+            <a:pPr lvl="1">
               <a:buFont typeface="Arial" panose="020B0604020202020204"/>
               <a:buChar char="•"/>
             </a:pPr>
@@ -4066,7 +10333,7 @@
             <a:endParaRPr sz="1600"/>
           </a:p>
           <a:p>
-            <a:pPr>
+            <a:pPr lvl="1">
               <a:buFont typeface="Arial" panose="020B0604020202020204"/>
               <a:buChar char="•"/>
             </a:pPr>
@@ -4077,7 +10344,7 @@
             <a:endParaRPr sz="1600"/>
           </a:p>
           <a:p>
-            <a:pPr>
+            <a:pPr lvl="1">
               <a:buFont typeface="Arial" panose="020B0604020202020204"/>
               <a:buChar char="•"/>
             </a:pPr>
@@ -4088,7 +10355,7 @@
             <a:endParaRPr sz="1600"/>
           </a:p>
           <a:p>
-            <a:pPr>
+            <a:pPr lvl="1">
               <a:buFont typeface="Arial" panose="020B0604020202020204"/>
               <a:buChar char="•"/>
             </a:pPr>
@@ -4099,7 +10366,7 @@
             <a:endParaRPr sz="1600"/>
           </a:p>
           <a:p>
-            <a:pPr>
+            <a:pPr lvl="1">
               <a:buFont typeface="Arial" panose="020B0604020202020204"/>
               <a:buChar char="•"/>
             </a:pPr>
@@ -4110,6 +10377,7 @@
             <a:endParaRPr sz="1600"/>
           </a:p>
           <a:p>
+            <a:pPr lvl="1"/>
             <a:r>
               <a:rPr sz="1600"/>
               <a:t>These steps make text ready for modeling.</a:t>
@@ -4129,6 +10397,7 @@
             <a:endParaRPr sz="1900" b="1"/>
           </a:p>
           <a:p>
+            <a:pPr lvl="1"/>
             <a:r>
               <a:rPr sz="1600"/>
               <a:t>Introduce feature extraction methods:</a:t>
@@ -4136,7 +10405,7 @@
             <a:endParaRPr sz="1600"/>
           </a:p>
           <a:p>
-            <a:pPr>
+            <a:pPr lvl="1">
               <a:buFont typeface="Arial" panose="020B0604020202020204"/>
               <a:buChar char="•"/>
             </a:pPr>
@@ -4147,7 +10416,7 @@
             <a:endParaRPr sz="1600"/>
           </a:p>
           <a:p>
-            <a:pPr>
+            <a:pPr lvl="1">
               <a:buFont typeface="Arial" panose="020B0604020202020204"/>
               <a:buChar char="•"/>
             </a:pPr>
@@ -4158,7 +10427,7 @@
             <a:endParaRPr sz="1600"/>
           </a:p>
           <a:p>
-            <a:pPr>
+            <a:pPr lvl="1">
               <a:buFont typeface="Arial" panose="020B0604020202020204"/>
               <a:buChar char="•"/>
             </a:pPr>
@@ -4169,7 +10438,7 @@
             <a:endParaRPr sz="1600"/>
           </a:p>
           <a:p>
-            <a:pPr>
+            <a:pPr lvl="1">
               <a:buFont typeface="Arial" panose="020B0604020202020204"/>
               <a:buChar char="•"/>
             </a:pPr>
@@ -4180,6 +10449,7 @@
             <a:endParaRPr sz="1600"/>
           </a:p>
           <a:p>
+            <a:pPr lvl="1"/>
             <a:r>
               <a:rPr sz="1600"/>
               <a:t>This bridges the gap between raw text and numeric input for models.</a:t>
@@ -4196,7 +10466,7 @@
         </p:nvSpPr>
         <p:spPr>
           <a:xfrm>
-            <a:off x="6253480" y="2724150"/>
+            <a:off x="6638925" y="2358390"/>
             <a:ext cx="5553075" cy="1828800"/>
           </a:xfrm>
           <a:prstGeom prst="rect">
@@ -4223,6 +10493,7 @@
             <a:endParaRPr sz="1900" b="1"/>
           </a:p>
           <a:p>
+            <a:pPr lvl="1"/>
             <a:r>
               <a:rPr sz="1600">
                 <a:sym typeface="+mn-ea"/>
@@ -4232,7 +10503,7 @@
             <a:endParaRPr sz="1600"/>
           </a:p>
           <a:p>
-            <a:pPr>
+            <a:pPr lvl="1">
               <a:buFont typeface="Arial" panose="020B0604020202020204"/>
               <a:buChar char="•"/>
             </a:pPr>
@@ -4245,7 +10516,7 @@
             <a:endParaRPr sz="1600"/>
           </a:p>
           <a:p>
-            <a:pPr>
+            <a:pPr lvl="1">
               <a:buFont typeface="Arial" panose="020B0604020202020204"/>
               <a:buChar char="•"/>
             </a:pPr>
@@ -4258,7 +10529,7 @@
             <a:endParaRPr sz="1600"/>
           </a:p>
           <a:p>
-            <a:pPr>
+            <a:pPr lvl="1">
               <a:buFont typeface="Arial" panose="020B0604020202020204"/>
               <a:buChar char="•"/>
             </a:pPr>
@@ -4282,7 +10553,7 @@
 </p:sld>
 </file>
 
-<file path=ppt/slides/slide13.xml><?xml version="1.0" encoding="utf-8"?>
+<file path=ppt/slides/slide26.xml><?xml version="1.0" encoding="utf-8"?>
 <p:sld xmlns:a="http://schemas.openxmlformats.org/drawingml/2006/main" xmlns:r="http://schemas.openxmlformats.org/officeDocument/2006/relationships" xmlns:p="http://schemas.openxmlformats.org/presentationml/2006/main">
   <p:cSld>
     <p:spTree>
@@ -4476,7 +10747,7 @@
 </p:sld>
 </file>
 
-<file path=ppt/slides/slide14.xml><?xml version="1.0" encoding="utf-8"?>
+<file path=ppt/slides/slide27.xml><?xml version="1.0" encoding="utf-8"?>
 <p:sld xmlns:a="http://schemas.openxmlformats.org/drawingml/2006/main" xmlns:r="http://schemas.openxmlformats.org/officeDocument/2006/relationships" xmlns:p="http://schemas.openxmlformats.org/presentationml/2006/main">
   <p:cSld>
     <p:spTree>
@@ -4760,7 +11031,7 @@
 </p:sld>
 </file>
 
-<file path=ppt/slides/slide15.xml><?xml version="1.0" encoding="utf-8"?>
+<file path=ppt/slides/slide28.xml><?xml version="1.0" encoding="utf-8"?>
 <p:sld xmlns:a="http://schemas.openxmlformats.org/drawingml/2006/main" xmlns:r="http://schemas.openxmlformats.org/officeDocument/2006/relationships" xmlns:p="http://schemas.openxmlformats.org/presentationml/2006/main">
   <p:cSld>
     <p:spTree>
@@ -5244,7 +11515,7 @@
 </p:sld>
 </file>
 
-<file path=ppt/slides/slide16.xml><?xml version="1.0" encoding="utf-8"?>
+<file path=ppt/slides/slide29.xml><?xml version="1.0" encoding="utf-8"?>
 <p:sld xmlns:a="http://schemas.openxmlformats.org/drawingml/2006/main" xmlns:r="http://schemas.openxmlformats.org/officeDocument/2006/relationships" xmlns:p="http://schemas.openxmlformats.org/presentationml/2006/main">
   <p:cSld>
     <p:spTree>
@@ -5599,7 +11870,166 @@
 </p:sld>
 </file>
 
-<file path=ppt/slides/slide17.xml><?xml version="1.0" encoding="utf-8"?>
+<file path=ppt/slides/slide3.xml><?xml version="1.0" encoding="utf-8"?>
+<p:sld xmlns:a="http://schemas.openxmlformats.org/drawingml/2006/main" xmlns:r="http://schemas.openxmlformats.org/officeDocument/2006/relationships" xmlns:p="http://schemas.openxmlformats.org/presentationml/2006/main">
+  <p:cSld>
+    <p:spTree>
+      <p:nvGrpSpPr>
+        <p:cNvPr id="1" name=""/>
+        <p:cNvGrpSpPr/>
+        <p:nvPr/>
+      </p:nvGrpSpPr>
+      <p:grpSpPr/>
+      <p:sp>
+        <p:nvSpPr>
+          <p:cNvPr id="2" name="Text Box 1"/>
+          <p:cNvSpPr txBox="1"/>
+          <p:nvPr/>
+        </p:nvSpPr>
+        <p:spPr>
+          <a:xfrm>
+            <a:off x="434975" y="1939925"/>
+            <a:ext cx="9144000" cy="3907790"/>
+          </a:xfrm>
+          <a:prstGeom prst="rect">
+            <a:avLst/>
+          </a:prstGeom>
+          <a:noFill/>
+        </p:spPr>
+        <p:txBody>
+          <a:bodyPr wrap="square" rtlCol="0">
+            <a:spAutoFit/>
+          </a:bodyPr>
+          <a:p>
+            <a:r>
+              <a:rPr lang="en-US" sz="3200" b="1"/>
+              <a:t>Steps</a:t>
+            </a:r>
+            <a:endParaRPr lang="en-US" sz="2400"/>
+          </a:p>
+          <a:p>
+            <a:pPr marL="285750" indent="-285750">
+              <a:buFont typeface="Arial" panose="020B0604020202020204" pitchFamily="34" charset="0"/>
+              <a:buChar char="•"/>
+            </a:pPr>
+            <a:r>
+              <a:rPr lang="en-US"/>
+              <a:t>c</a:t>
+            </a:r>
+            <a:r>
+              <a:rPr lang="en-US" sz="2400"/>
+              <a:t>lean text-&gt;lower,uper,remove special char</a:t>
+            </a:r>
+            <a:endParaRPr lang="en-US" sz="2400"/>
+          </a:p>
+          <a:p>
+            <a:pPr indent="0">
+              <a:buFont typeface="Arial" panose="020B0604020202020204" pitchFamily="34" charset="0"/>
+              <a:buNone/>
+            </a:pPr>
+            <a:endParaRPr lang="en-US" sz="2400"/>
+          </a:p>
+          <a:p>
+            <a:pPr marL="285750" indent="-285750" algn="l">
+              <a:buFont typeface="Arial" panose="020B0604020202020204" pitchFamily="34" charset="0"/>
+              <a:buChar char="•"/>
+            </a:pPr>
+            <a:r>
+              <a:rPr lang="en-US" sz="2400"/>
+              <a:t>Tokenizations --&gt; word,sentence, stopswords removel,lemmitations, stemming</a:t>
+            </a:r>
+            <a:endParaRPr lang="en-US" sz="2400"/>
+          </a:p>
+          <a:p>
+            <a:pPr marL="285750" indent="-285750">
+              <a:buFont typeface="Arial" panose="020B0604020202020204" pitchFamily="34" charset="0"/>
+              <a:buChar char="•"/>
+            </a:pPr>
+            <a:endParaRPr lang="en-US" sz="2400"/>
+          </a:p>
+          <a:p>
+            <a:pPr marL="285750" indent="-285750">
+              <a:buFont typeface="Arial" panose="020B0604020202020204" pitchFamily="34" charset="0"/>
+              <a:buChar char="•"/>
+            </a:pPr>
+            <a:r>
+              <a:rPr lang="en-US" sz="2400"/>
+              <a:t>convert words/text representations</a:t>
+            </a:r>
+            <a:endParaRPr lang="en-US" sz="2400"/>
+          </a:p>
+          <a:p>
+            <a:pPr marL="285750" indent="-285750">
+              <a:buFont typeface="Arial" panose="020B0604020202020204" pitchFamily="34" charset="0"/>
+              <a:buChar char="•"/>
+            </a:pPr>
+            <a:r>
+              <a:rPr lang="en-US" sz="2400"/>
+              <a:t>BOW,</a:t>
+            </a:r>
+            <a:endParaRPr lang="en-US" sz="2400"/>
+          </a:p>
+          <a:p>
+            <a:pPr indent="457200"/>
+            <a:endParaRPr lang="en-US" sz="2400"/>
+          </a:p>
+          <a:p>
+            <a:endParaRPr lang="en-US" sz="2400"/>
+          </a:p>
+        </p:txBody>
+      </p:sp>
+      <p:sp>
+        <p:nvSpPr>
+          <p:cNvPr id="4" name="Text Box 3"/>
+          <p:cNvSpPr txBox="1"/>
+          <p:nvPr/>
+        </p:nvSpPr>
+        <p:spPr>
+          <a:xfrm>
+            <a:off x="608330" y="288290"/>
+            <a:ext cx="11362055" cy="1014730"/>
+          </a:xfrm>
+          <a:prstGeom prst="rect">
+            <a:avLst/>
+          </a:prstGeom>
+        </p:spPr>
+        <p:txBody>
+          <a:bodyPr wrap="square">
+            <a:spAutoFit/>
+          </a:bodyPr>
+          <a:p>
+            <a:pPr marL="342900" indent="-342900">
+              <a:buFont typeface="Arial" panose="020B0604020202020204" pitchFamily="34" charset="0"/>
+              <a:buChar char="•"/>
+            </a:pPr>
+            <a:r>
+              <a:rPr sz="2000"/>
+              <a:t>Text preprocessing is the process of cleaning and preparing raw text data before feeding it into NLP models.</a:t>
+            </a:r>
+            <a:endParaRPr sz="2000"/>
+          </a:p>
+          <a:p>
+            <a:pPr marL="342900" indent="-342900">
+              <a:buFont typeface="Arial" panose="020B0604020202020204" pitchFamily="34" charset="0"/>
+              <a:buChar char="•"/>
+            </a:pPr>
+            <a:r>
+              <a:rPr sz="2000"/>
+              <a:t> It helps models understand text more efficiently and accurately.</a:t>
+            </a:r>
+            <a:endParaRPr sz="2000"/>
+          </a:p>
+        </p:txBody>
+      </p:sp>
+    </p:spTree>
+  </p:cSld>
+  <p:clrMapOvr>
+    <a:masterClrMapping/>
+  </p:clrMapOvr>
+</p:sld>
+</file>
+
+<file path=ppt/slides/slide30.xml><?xml version="1.0" encoding="utf-8"?>
 <p:sld xmlns:a="http://schemas.openxmlformats.org/drawingml/2006/main" xmlns:r="http://schemas.openxmlformats.org/officeDocument/2006/relationships" xmlns:p="http://schemas.openxmlformats.org/presentationml/2006/main">
   <p:cSld>
     <p:spTree>
@@ -5811,7 +12241,7 @@
 </p:sld>
 </file>
 
-<file path=ppt/slides/slide18.xml><?xml version="1.0" encoding="utf-8"?>
+<file path=ppt/slides/slide31.xml><?xml version="1.0" encoding="utf-8"?>
 <p:sld xmlns:a="http://schemas.openxmlformats.org/drawingml/2006/main" xmlns:r="http://schemas.openxmlformats.org/officeDocument/2006/relationships" xmlns:p="http://schemas.openxmlformats.org/presentationml/2006/main">
   <p:cSld>
     <p:spTree>
@@ -6076,7 +12506,7 @@
 </p:sld>
 </file>
 
-<file path=ppt/slides/slide19.xml><?xml version="1.0" encoding="utf-8"?>
+<file path=ppt/slides/slide32.xml><?xml version="1.0" encoding="utf-8"?>
 <p:sld xmlns:a="http://schemas.openxmlformats.org/drawingml/2006/main" xmlns:r="http://schemas.openxmlformats.org/officeDocument/2006/relationships" xmlns:p="http://schemas.openxmlformats.org/presentationml/2006/main">
   <p:cSld>
     <p:spTree>
@@ -6385,397 +12815,7 @@
 </p:sld>
 </file>
 
-<file path=ppt/slides/slide2.xml><?xml version="1.0" encoding="utf-8"?>
-<p:sld xmlns:a="http://schemas.openxmlformats.org/drawingml/2006/main" xmlns:r="http://schemas.openxmlformats.org/officeDocument/2006/relationships" xmlns:p="http://schemas.openxmlformats.org/presentationml/2006/main">
-  <p:cSld>
-    <p:spTree>
-      <p:nvGrpSpPr>
-        <p:cNvPr id="1" name=""/>
-        <p:cNvGrpSpPr/>
-        <p:nvPr/>
-      </p:nvGrpSpPr>
-      <p:grpSpPr/>
-      <p:sp>
-        <p:nvSpPr>
-          <p:cNvPr id="4" name="Text Box 3"/>
-          <p:cNvSpPr txBox="1"/>
-          <p:nvPr/>
-        </p:nvSpPr>
-        <p:spPr>
-          <a:xfrm>
-            <a:off x="838200" y="480695"/>
-            <a:ext cx="6417945" cy="5542280"/>
-          </a:xfrm>
-          <a:prstGeom prst="rect">
-            <a:avLst/>
-          </a:prstGeom>
-        </p:spPr>
-        <p:txBody>
-          <a:bodyPr>
-            <a:noAutofit/>
-          </a:bodyPr>
-          <a:p>
-            <a:pPr marL="0" indent="0">
-              <a:spcBef>
-                <a:spcPts val="1000"/>
-              </a:spcBef>
-              <a:spcAft>
-                <a:spcPts val="500"/>
-              </a:spcAft>
-            </a:pPr>
-            <a:r>
-              <a:rPr sz="3200" b="1" i="0">
-                <a:solidFill>
-                  <a:srgbClr val="FF0000"/>
-                </a:solidFill>
-                <a:effectLst>
-                  <a:outerShdw blurRad="38100" dist="38100" dir="2700000" algn="tl">
-                    <a:srgbClr val="000000">
-                      <a:alpha val="43137"/>
-                    </a:srgbClr>
-                  </a:outerShdw>
-                </a:effectLst>
-                <a:latin typeface="Arial" panose="020B0604020202020204" pitchFamily="34" charset="0"/>
-                <a:ea typeface="Tomorrow"/>
-                <a:cs typeface="Arial" panose="020B0604020202020204" pitchFamily="34" charset="0"/>
-              </a:rPr>
-              <a:t>Text Preprocessing</a:t>
-            </a:r>
-            <a:r>
-              <a:rPr sz="3200" b="0" i="0">
-                <a:solidFill>
-                  <a:srgbClr val="333333"/>
-                </a:solidFill>
-                <a:latin typeface="Tomorrow"/>
-                <a:ea typeface="Tomorrow"/>
-              </a:rPr>
-              <a:t>  </a:t>
-            </a:r>
-            <a:endParaRPr sz="3200" b="0" i="0">
-              <a:solidFill>
-                <a:srgbClr val="333333"/>
-              </a:solidFill>
-              <a:latin typeface="Tomorrow"/>
-              <a:ea typeface="Tomorrow"/>
-            </a:endParaRPr>
-          </a:p>
-          <a:p>
-            <a:pPr marL="800100" lvl="1" indent="-342900">
-              <a:lnSpc>
-                <a:spcPct val="160000"/>
-              </a:lnSpc>
-              <a:spcBef>
-                <a:spcPct val="0"/>
-              </a:spcBef>
-              <a:spcAft>
-                <a:spcPct val="0"/>
-              </a:spcAft>
-              <a:buFont typeface="Arial" panose="020B0604020202020204" pitchFamily="34" charset="0"/>
-              <a:buAutoNum type="arabicPeriod"/>
-            </a:pPr>
-            <a:r>
-              <a:rPr sz="2000" b="0" i="0">
-                <a:solidFill>
-                  <a:schemeClr val="tx1"/>
-                </a:solidFill>
-                <a:latin typeface="Arial" panose="020B0604020202020204" pitchFamily="34" charset="0"/>
-                <a:ea typeface="Tomorrow"/>
-                <a:cs typeface="Arial" panose="020B0604020202020204" pitchFamily="34" charset="0"/>
-              </a:rPr>
-              <a:t>Tokenization</a:t>
-            </a:r>
-            <a:endParaRPr sz="2000" b="0" i="0">
-              <a:solidFill>
-                <a:schemeClr val="tx1"/>
-              </a:solidFill>
-              <a:latin typeface="Arial" panose="020B0604020202020204" pitchFamily="34" charset="0"/>
-              <a:ea typeface="Tomorrow"/>
-              <a:cs typeface="Arial" panose="020B0604020202020204" pitchFamily="34" charset="0"/>
-            </a:endParaRPr>
-          </a:p>
-          <a:p>
-            <a:pPr marL="800100" lvl="1" indent="-342900">
-              <a:lnSpc>
-                <a:spcPct val="160000"/>
-              </a:lnSpc>
-              <a:spcBef>
-                <a:spcPct val="0"/>
-              </a:spcBef>
-              <a:spcAft>
-                <a:spcPct val="0"/>
-              </a:spcAft>
-              <a:buFont typeface="Arial" panose="020B0604020202020204" pitchFamily="34" charset="0"/>
-              <a:buAutoNum type="arabicPeriod"/>
-            </a:pPr>
-            <a:r>
-              <a:rPr sz="2000" b="0" i="0">
-                <a:solidFill>
-                  <a:schemeClr val="tx1"/>
-                </a:solidFill>
-                <a:latin typeface="Arial" panose="020B0604020202020204" pitchFamily="34" charset="0"/>
-                <a:ea typeface="Tomorrow"/>
-                <a:cs typeface="Arial" panose="020B0604020202020204" pitchFamily="34" charset="0"/>
-              </a:rPr>
-              <a:t>Non Alphabets Removal</a:t>
-            </a:r>
-            <a:endParaRPr sz="2000" b="0" i="0">
-              <a:solidFill>
-                <a:schemeClr val="tx1"/>
-              </a:solidFill>
-              <a:latin typeface="Arial" panose="020B0604020202020204" pitchFamily="34" charset="0"/>
-              <a:ea typeface="Tomorrow"/>
-              <a:cs typeface="Arial" panose="020B0604020202020204" pitchFamily="34" charset="0"/>
-            </a:endParaRPr>
-          </a:p>
-          <a:p>
-            <a:pPr marL="800100" lvl="1" indent="-342900">
-              <a:lnSpc>
-                <a:spcPct val="160000"/>
-              </a:lnSpc>
-              <a:spcBef>
-                <a:spcPct val="0"/>
-              </a:spcBef>
-              <a:spcAft>
-                <a:spcPct val="0"/>
-              </a:spcAft>
-              <a:buFont typeface="Arial" panose="020B0604020202020204" pitchFamily="34" charset="0"/>
-              <a:buAutoNum type="arabicPeriod"/>
-            </a:pPr>
-            <a:r>
-              <a:rPr sz="2000" b="0" i="0">
-                <a:solidFill>
-                  <a:schemeClr val="tx1"/>
-                </a:solidFill>
-                <a:latin typeface="Arial" panose="020B0604020202020204" pitchFamily="34" charset="0"/>
-                <a:ea typeface="Tomorrow"/>
-                <a:cs typeface="Arial" panose="020B0604020202020204" pitchFamily="34" charset="0"/>
-              </a:rPr>
-              <a:t>Stopwords Removal</a:t>
-            </a:r>
-            <a:endParaRPr sz="2000" b="0" i="0">
-              <a:solidFill>
-                <a:schemeClr val="tx1"/>
-              </a:solidFill>
-              <a:latin typeface="Arial" panose="020B0604020202020204" pitchFamily="34" charset="0"/>
-              <a:ea typeface="Tomorrow"/>
-              <a:cs typeface="Arial" panose="020B0604020202020204" pitchFamily="34" charset="0"/>
-            </a:endParaRPr>
-          </a:p>
-          <a:p>
-            <a:pPr marL="800100" lvl="1" indent="-342900">
-              <a:lnSpc>
-                <a:spcPct val="160000"/>
-              </a:lnSpc>
-              <a:spcBef>
-                <a:spcPct val="0"/>
-              </a:spcBef>
-              <a:spcAft>
-                <a:spcPct val="0"/>
-              </a:spcAft>
-              <a:buFont typeface="Arial" panose="020B0604020202020204" pitchFamily="34" charset="0"/>
-              <a:buAutoNum type="arabicPeriod"/>
-            </a:pPr>
-            <a:r>
-              <a:rPr sz="2000" b="0" i="0">
-                <a:solidFill>
-                  <a:schemeClr val="tx1"/>
-                </a:solidFill>
-                <a:latin typeface="Arial" panose="020B0604020202020204" pitchFamily="34" charset="0"/>
-                <a:ea typeface="Tomorrow"/>
-                <a:cs typeface="Arial" panose="020B0604020202020204" pitchFamily="34" charset="0"/>
-              </a:rPr>
-              <a:t>Bag of Words</a:t>
-            </a:r>
-            <a:endParaRPr sz="2000" b="0" i="0">
-              <a:solidFill>
-                <a:schemeClr val="tx1"/>
-              </a:solidFill>
-              <a:latin typeface="Arial" panose="020B0604020202020204" pitchFamily="34" charset="0"/>
-              <a:ea typeface="Tomorrow"/>
-              <a:cs typeface="Arial" panose="020B0604020202020204" pitchFamily="34" charset="0"/>
-            </a:endParaRPr>
-          </a:p>
-          <a:p>
-            <a:pPr marL="800100" lvl="1" indent="-342900">
-              <a:lnSpc>
-                <a:spcPct val="160000"/>
-              </a:lnSpc>
-              <a:spcBef>
-                <a:spcPct val="0"/>
-              </a:spcBef>
-              <a:spcAft>
-                <a:spcPct val="0"/>
-              </a:spcAft>
-              <a:buFont typeface="Arial" panose="020B0604020202020204" pitchFamily="34" charset="0"/>
-              <a:buAutoNum type="arabicPeriod"/>
-            </a:pPr>
-            <a:r>
-              <a:rPr sz="2000" b="0" i="0">
-                <a:solidFill>
-                  <a:schemeClr val="tx1"/>
-                </a:solidFill>
-                <a:latin typeface="Arial" panose="020B0604020202020204" pitchFamily="34" charset="0"/>
-                <a:ea typeface="Tomorrow"/>
-                <a:cs typeface="Arial" panose="020B0604020202020204" pitchFamily="34" charset="0"/>
-              </a:rPr>
-              <a:t>Stemming &amp; Lemmatization</a:t>
-            </a:r>
-            <a:endParaRPr sz="2000" b="0" i="0">
-              <a:solidFill>
-                <a:schemeClr val="tx1"/>
-              </a:solidFill>
-              <a:latin typeface="Arial" panose="020B0604020202020204" pitchFamily="34" charset="0"/>
-              <a:ea typeface="Tomorrow"/>
-              <a:cs typeface="Arial" panose="020B0604020202020204" pitchFamily="34" charset="0"/>
-            </a:endParaRPr>
-          </a:p>
-          <a:p>
-            <a:pPr marL="800100" lvl="1" indent="-342900">
-              <a:lnSpc>
-                <a:spcPct val="160000"/>
-              </a:lnSpc>
-              <a:spcBef>
-                <a:spcPct val="0"/>
-              </a:spcBef>
-              <a:spcAft>
-                <a:spcPct val="0"/>
-              </a:spcAft>
-              <a:buFont typeface="Arial" panose="020B0604020202020204" pitchFamily="34" charset="0"/>
-              <a:buAutoNum type="arabicPeriod"/>
-            </a:pPr>
-            <a:r>
-              <a:rPr sz="2000" b="0" i="0">
-                <a:solidFill>
-                  <a:schemeClr val="tx1"/>
-                </a:solidFill>
-                <a:latin typeface="Arial" panose="020B0604020202020204" pitchFamily="34" charset="0"/>
-                <a:ea typeface="Tomorrow"/>
-                <a:cs typeface="Arial" panose="020B0604020202020204" pitchFamily="34" charset="0"/>
-              </a:rPr>
-              <a:t>Part of Speech Taging</a:t>
-            </a:r>
-            <a:endParaRPr sz="2000" b="0" i="0">
-              <a:solidFill>
-                <a:schemeClr val="tx1"/>
-              </a:solidFill>
-              <a:latin typeface="Arial" panose="020B0604020202020204" pitchFamily="34" charset="0"/>
-              <a:ea typeface="Tomorrow"/>
-              <a:cs typeface="Arial" panose="020B0604020202020204" pitchFamily="34" charset="0"/>
-            </a:endParaRPr>
-          </a:p>
-          <a:p>
-            <a:pPr marL="800100" lvl="1" indent="-342900">
-              <a:lnSpc>
-                <a:spcPct val="160000"/>
-              </a:lnSpc>
-              <a:spcBef>
-                <a:spcPct val="0"/>
-              </a:spcBef>
-              <a:spcAft>
-                <a:spcPct val="0"/>
-              </a:spcAft>
-              <a:buFont typeface="Arial" panose="020B0604020202020204" pitchFamily="34" charset="0"/>
-              <a:buAutoNum type="arabicPeriod"/>
-            </a:pPr>
-            <a:r>
-              <a:rPr sz="2000" b="0" i="0">
-                <a:solidFill>
-                  <a:schemeClr val="tx1"/>
-                </a:solidFill>
-                <a:latin typeface="Arial" panose="020B0604020202020204" pitchFamily="34" charset="0"/>
-                <a:ea typeface="Tomorrow"/>
-                <a:cs typeface="Arial" panose="020B0604020202020204" pitchFamily="34" charset="0"/>
-              </a:rPr>
-              <a:t>Name Entity Recognition</a:t>
-            </a:r>
-            <a:endParaRPr sz="2000" b="0" i="0">
-              <a:solidFill>
-                <a:schemeClr val="tx1"/>
-              </a:solidFill>
-              <a:latin typeface="Arial" panose="020B0604020202020204" pitchFamily="34" charset="0"/>
-              <a:ea typeface="Tomorrow"/>
-              <a:cs typeface="Arial" panose="020B0604020202020204" pitchFamily="34" charset="0"/>
-            </a:endParaRPr>
-          </a:p>
-          <a:p>
-            <a:pPr marL="800100" lvl="1" indent="-342900">
-              <a:lnSpc>
-                <a:spcPct val="160000"/>
-              </a:lnSpc>
-              <a:spcBef>
-                <a:spcPct val="0"/>
-              </a:spcBef>
-              <a:spcAft>
-                <a:spcPct val="0"/>
-              </a:spcAft>
-              <a:buFont typeface="Arial" panose="020B0604020202020204" pitchFamily="34" charset="0"/>
-              <a:buAutoNum type="arabicPeriod"/>
-            </a:pPr>
-            <a:r>
-              <a:rPr sz="2000" b="0" i="0">
-                <a:solidFill>
-                  <a:schemeClr val="tx1"/>
-                </a:solidFill>
-                <a:latin typeface="Arial" panose="020B0604020202020204" pitchFamily="34" charset="0"/>
-                <a:ea typeface="Tomorrow"/>
-                <a:cs typeface="Arial" panose="020B0604020202020204" pitchFamily="34" charset="0"/>
-              </a:rPr>
-              <a:t>Text Visualization</a:t>
-            </a:r>
-            <a:endParaRPr sz="2000" b="0" i="0">
-              <a:solidFill>
-                <a:schemeClr val="tx1"/>
-              </a:solidFill>
-              <a:latin typeface="Arial" panose="020B0604020202020204" pitchFamily="34" charset="0"/>
-              <a:ea typeface="Tomorrow"/>
-              <a:cs typeface="Arial" panose="020B0604020202020204" pitchFamily="34" charset="0"/>
-            </a:endParaRPr>
-          </a:p>
-          <a:p>
-            <a:pPr marL="800100" lvl="1" indent="-342900">
-              <a:lnSpc>
-                <a:spcPct val="160000"/>
-              </a:lnSpc>
-              <a:spcBef>
-                <a:spcPct val="0"/>
-              </a:spcBef>
-              <a:spcAft>
-                <a:spcPct val="0"/>
-              </a:spcAft>
-              <a:buFont typeface="Arial" panose="020B0604020202020204" pitchFamily="34" charset="0"/>
-              <a:buAutoNum type="arabicPeriod"/>
-            </a:pPr>
-            <a:r>
-              <a:rPr sz="2000" b="0" i="0">
-                <a:solidFill>
-                  <a:schemeClr val="tx1"/>
-                </a:solidFill>
-                <a:latin typeface="Arial" panose="020B0604020202020204" pitchFamily="34" charset="0"/>
-                <a:ea typeface="Tomorrow"/>
-                <a:cs typeface="Arial" panose="020B0604020202020204" pitchFamily="34" charset="0"/>
-              </a:rPr>
-              <a:t>Assignment</a:t>
-            </a:r>
-            <a:endParaRPr sz="2000" b="0" i="0">
-              <a:solidFill>
-                <a:schemeClr val="tx1"/>
-              </a:solidFill>
-              <a:latin typeface="Arial" panose="020B0604020202020204" pitchFamily="34" charset="0"/>
-              <a:ea typeface="Tomorrow"/>
-              <a:cs typeface="Arial" panose="020B0604020202020204" pitchFamily="34" charset="0"/>
-            </a:endParaRPr>
-          </a:p>
-        </p:txBody>
-      </p:sp>
-    </p:spTree>
-  </p:cSld>
-  <p:clrMapOvr>
-    <a:masterClrMapping/>
-  </p:clrMapOvr>
-</p:sld>
-</file>
-
-<file path=ppt/slides/slide20.xml><?xml version="1.0" encoding="utf-8"?>
+<file path=ppt/slides/slide33.xml><?xml version="1.0" encoding="utf-8"?>
 <p:sld xmlns:a="http://schemas.openxmlformats.org/drawingml/2006/main" xmlns:r="http://schemas.openxmlformats.org/officeDocument/2006/relationships" xmlns:p="http://schemas.openxmlformats.org/presentationml/2006/main">
   <p:cSld>
     <p:spTree>
@@ -7018,7 +13058,7 @@
 </p:sld>
 </file>
 
-<file path=ppt/slides/slide21.xml><?xml version="1.0" encoding="utf-8"?>
+<file path=ppt/slides/slide34.xml><?xml version="1.0" encoding="utf-8"?>
 <p:sld xmlns:a="http://schemas.openxmlformats.org/drawingml/2006/main" xmlns:r="http://schemas.openxmlformats.org/officeDocument/2006/relationships" xmlns:p="http://schemas.openxmlformats.org/presentationml/2006/main">
   <p:cSld>
     <p:spTree>
@@ -7144,7 +13184,7 @@
 </p:sld>
 </file>
 
-<file path=ppt/slides/slide22.xml><?xml version="1.0" encoding="utf-8"?>
+<file path=ppt/slides/slide35.xml><?xml version="1.0" encoding="utf-8"?>
 <p:sld xmlns:a="http://schemas.openxmlformats.org/drawingml/2006/main" xmlns:r="http://schemas.openxmlformats.org/officeDocument/2006/relationships" xmlns:p="http://schemas.openxmlformats.org/presentationml/2006/main">
   <p:cSld>
     <p:spTree>
@@ -7397,7 +13437,7 @@
 </p:sld>
 </file>
 
-<file path=ppt/slides/slide23.xml><?xml version="1.0" encoding="utf-8"?>
+<file path=ppt/slides/slide36.xml><?xml version="1.0" encoding="utf-8"?>
 <p:sld xmlns:a="http://schemas.openxmlformats.org/drawingml/2006/main" xmlns:r="http://schemas.openxmlformats.org/officeDocument/2006/relationships" xmlns:p="http://schemas.openxmlformats.org/presentationml/2006/main">
   <p:cSld>
     <p:spTree>
@@ -7620,7 +13660,7 @@
 </p:sld>
 </file>
 
-<file path=ppt/slides/slide24.xml><?xml version="1.0" encoding="utf-8"?>
+<file path=ppt/slides/slide37.xml><?xml version="1.0" encoding="utf-8"?>
 <p:sld xmlns:a="http://schemas.openxmlformats.org/drawingml/2006/main" xmlns:r="http://schemas.openxmlformats.org/officeDocument/2006/relationships" xmlns:p="http://schemas.openxmlformats.org/presentationml/2006/main">
   <p:cSld>
     <p:spTree>
@@ -8129,7 +14169,7 @@
 </p:sld>
 </file>
 
-<file path=ppt/slides/slide25.xml><?xml version="1.0" encoding="utf-8"?>
+<file path=ppt/slides/slide38.xml><?xml version="1.0" encoding="utf-8"?>
 <p:sld xmlns:a="http://schemas.openxmlformats.org/drawingml/2006/main" xmlns:r="http://schemas.openxmlformats.org/officeDocument/2006/relationships" xmlns:p="http://schemas.openxmlformats.org/presentationml/2006/main">
   <p:cSld>
     <p:spTree>
@@ -8841,7 +14881,7 @@
 </p:sld>
 </file>
 
-<file path=ppt/slides/slide26.xml><?xml version="1.0" encoding="utf-8"?>
+<file path=ppt/slides/slide39.xml><?xml version="1.0" encoding="utf-8"?>
 <p:sld xmlns:a="http://schemas.openxmlformats.org/drawingml/2006/main" xmlns:r="http://schemas.openxmlformats.org/officeDocument/2006/relationships" xmlns:p="http://schemas.openxmlformats.org/presentationml/2006/main">
   <p:cSld>
     <p:spTree>
@@ -9768,461 +15808,6 @@
               <a:latin typeface="Tomorrow"/>
               <a:ea typeface="Tomorrow"/>
             </a:endParaRPr>
-          </a:p>
-        </p:txBody>
-      </p:sp>
-    </p:spTree>
-  </p:cSld>
-  <p:clrMapOvr>
-    <a:masterClrMapping/>
-  </p:clrMapOvr>
-</p:sld>
-</file>
-
-<file path=ppt/slides/slide27.xml><?xml version="1.0" encoding="utf-8"?>
-<p:sld xmlns:a="http://schemas.openxmlformats.org/drawingml/2006/main" xmlns:r="http://schemas.openxmlformats.org/officeDocument/2006/relationships" xmlns:p="http://schemas.openxmlformats.org/presentationml/2006/main">
-  <p:cSld>
-    <p:spTree>
-      <p:nvGrpSpPr>
-        <p:cNvPr id="1" name=""/>
-        <p:cNvGrpSpPr/>
-        <p:nvPr/>
-      </p:nvGrpSpPr>
-      <p:grpSpPr/>
-      <p:sp>
-        <p:nvSpPr>
-          <p:cNvPr id="2" name="Text Box 1"/>
-          <p:cNvSpPr txBox="1"/>
-          <p:nvPr/>
-        </p:nvSpPr>
-        <p:spPr>
-          <a:xfrm>
-            <a:off x="998855" y="248285"/>
-            <a:ext cx="6096000" cy="768350"/>
-          </a:xfrm>
-          <a:prstGeom prst="rect">
-            <a:avLst/>
-          </a:prstGeom>
-          <a:noFill/>
-        </p:spPr>
-        <p:txBody>
-          <a:bodyPr wrap="square" rtlCol="0" anchor="t">
-            <a:spAutoFit/>
-          </a:bodyPr>
-          <a:p>
-            <a:r>
-              <a:rPr lang="en-IN" altLang="en-US" sz="4400" b="1">
-                <a:solidFill>
-                  <a:srgbClr val="FF0000"/>
-                </a:solidFill>
-                <a:effectLst>
-                  <a:outerShdw blurRad="38100" dist="38100" dir="2700000" algn="tl">
-                    <a:srgbClr val="000000">
-                      <a:alpha val="43137"/>
-                    </a:srgbClr>
-                  </a:outerShdw>
-                </a:effectLst>
-                <a:sym typeface="+mn-ea"/>
-              </a:rPr>
-              <a:t>NLP</a:t>
-            </a:r>
-            <a:r>
-              <a:rPr lang="en-US" altLang="en-IN" sz="4400" b="1">
-                <a:solidFill>
-                  <a:srgbClr val="FF0000"/>
-                </a:solidFill>
-                <a:effectLst>
-                  <a:outerShdw blurRad="38100" dist="38100" dir="2700000" algn="tl">
-                    <a:srgbClr val="000000">
-                      <a:alpha val="43137"/>
-                    </a:srgbClr>
-                  </a:outerShdw>
-                </a:effectLst>
-                <a:sym typeface="+mn-ea"/>
-              </a:rPr>
-              <a:t> Reference</a:t>
-            </a:r>
-            <a:endParaRPr lang="en-US" altLang="en-IN" sz="4400" b="1">
-              <a:solidFill>
-                <a:srgbClr val="FF0000"/>
-              </a:solidFill>
-              <a:effectLst>
-                <a:outerShdw blurRad="38100" dist="38100" dir="2700000" algn="tl">
-                  <a:srgbClr val="000000">
-                    <a:alpha val="43137"/>
-                  </a:srgbClr>
-                </a:outerShdw>
-              </a:effectLst>
-              <a:sym typeface="+mn-ea"/>
-            </a:endParaRPr>
-          </a:p>
-        </p:txBody>
-      </p:sp>
-      <p:sp>
-        <p:nvSpPr>
-          <p:cNvPr id="4" name="Text Box 3"/>
-          <p:cNvSpPr txBox="1"/>
-          <p:nvPr/>
-        </p:nvSpPr>
-        <p:spPr>
-          <a:xfrm>
-            <a:off x="362585" y="1119505"/>
-            <a:ext cx="9230360" cy="368300"/>
-          </a:xfrm>
-          <a:prstGeom prst="rect">
-            <a:avLst/>
-          </a:prstGeom>
-          <a:noFill/>
-        </p:spPr>
-        <p:txBody>
-          <a:bodyPr wrap="square" rtlCol="0" anchor="t">
-            <a:spAutoFit/>
-          </a:bodyPr>
-          <a:p>
-            <a:r>
-              <a:rPr lang="en-US" altLang="en-US" b="1"/>
-              <a:t>https://www.geeksforgeeks.org/natural-language-processing-nlp-tutorial</a:t>
-            </a:r>
-            <a:endParaRPr lang="en-US" b="1"/>
-          </a:p>
-        </p:txBody>
-      </p:sp>
-      <p:sp>
-        <p:nvSpPr>
-          <p:cNvPr id="7" name="Text Box 6"/>
-          <p:cNvSpPr txBox="1"/>
-          <p:nvPr/>
-        </p:nvSpPr>
-        <p:spPr>
-          <a:xfrm>
-            <a:off x="267335" y="2355850"/>
-            <a:ext cx="5349240" cy="3415030"/>
-          </a:xfrm>
-          <a:prstGeom prst="rect">
-            <a:avLst/>
-          </a:prstGeom>
-          <a:noFill/>
-        </p:spPr>
-        <p:txBody>
-          <a:bodyPr wrap="square" rtlCol="0">
-            <a:spAutoFit/>
-          </a:bodyPr>
-          <a:p>
-            <a:r>
-              <a:rPr lang="en-IN" altLang="en-US" b="1"/>
-              <a:t>PROJECT</a:t>
-            </a:r>
-            <a:endParaRPr lang="en-IN" altLang="en-US" b="1"/>
-          </a:p>
-          <a:p>
-            <a:r>
-              <a:rPr lang="en-US" altLang="en-US"/>
-              <a:t>https://www.geeksforgeeks.org/twitter-sentiment-analysis-using-python/</a:t>
-            </a:r>
-            <a:endParaRPr lang="en-US" altLang="en-US"/>
-          </a:p>
-          <a:p>
-            <a:r>
-              <a:rPr lang="en-US" altLang="en-US"/>
-              <a:t>https://www.geeksforgeeks.org/next-sentence-prediction-using-bert/</a:t>
-            </a:r>
-            <a:endParaRPr lang="en-US" altLang="en-US"/>
-          </a:p>
-          <a:p>
-            <a:endParaRPr lang="en-US" altLang="en-US"/>
-          </a:p>
-          <a:p>
-            <a:r>
-              <a:rPr lang="en-US" altLang="en-US"/>
-              <a:t>https://www.geeksforgeeks.org/fine-tuning-bert-model-for-sentiment-analysis/</a:t>
-            </a:r>
-            <a:endParaRPr lang="en-US" altLang="en-US"/>
-          </a:p>
-          <a:p>
-            <a:r>
-              <a:rPr lang="en-US" altLang="en-US"/>
-              <a:t>https://www.geeksforgeeks.org/sentiment-classification-using-bert/</a:t>
-            </a:r>
-            <a:endParaRPr lang="en-US" altLang="en-US"/>
-          </a:p>
-          <a:p>
-            <a:r>
-              <a:rPr lang="en-US" altLang="en-US"/>
-              <a:t>https://www.geeksforgeeks.org/sentiment-analysis-with-an-recurrent-neural-networks-rnn/</a:t>
-            </a:r>
-            <a:endParaRPr lang="en-US" altLang="en-US"/>
-          </a:p>
-        </p:txBody>
-      </p:sp>
-      <p:sp>
-        <p:nvSpPr>
-          <p:cNvPr id="8" name="Text Box 7"/>
-          <p:cNvSpPr txBox="1"/>
-          <p:nvPr/>
-        </p:nvSpPr>
-        <p:spPr>
-          <a:xfrm>
-            <a:off x="362585" y="5872480"/>
-            <a:ext cx="6096000" cy="368300"/>
-          </a:xfrm>
-          <a:prstGeom prst="rect">
-            <a:avLst/>
-          </a:prstGeom>
-          <a:noFill/>
-        </p:spPr>
-        <p:txBody>
-          <a:bodyPr wrap="square" rtlCol="0" anchor="t">
-            <a:spAutoFit/>
-          </a:bodyPr>
-          <a:p>
-            <a:r>
-              <a:rPr lang="en-US" altLang="en-US"/>
-              <a:t>https://www.geeksforgeeks.org/ai-ml-ds-projects/?ref=lbp</a:t>
-            </a:r>
-            <a:endParaRPr lang="en-US"/>
-          </a:p>
-        </p:txBody>
-      </p:sp>
-    </p:spTree>
-  </p:cSld>
-  <p:clrMapOvr>
-    <a:masterClrMapping/>
-  </p:clrMapOvr>
-</p:sld>
-</file>
-
-<file path=ppt/slides/slide28.xml><?xml version="1.0" encoding="utf-8"?>
-<p:sld xmlns:a="http://schemas.openxmlformats.org/drawingml/2006/main" xmlns:r="http://schemas.openxmlformats.org/officeDocument/2006/relationships" xmlns:p="http://schemas.openxmlformats.org/presentationml/2006/main">
-  <p:cSld>
-    <p:spTree>
-      <p:nvGrpSpPr>
-        <p:cNvPr id="1" name=""/>
-        <p:cNvGrpSpPr/>
-        <p:nvPr/>
-      </p:nvGrpSpPr>
-      <p:grpSpPr/>
-      <p:sp>
-        <p:nvSpPr>
-          <p:cNvPr id="2" name="Text Box 1"/>
-          <p:cNvSpPr txBox="1"/>
-          <p:nvPr/>
-        </p:nvSpPr>
-        <p:spPr>
-          <a:xfrm>
-            <a:off x="421005" y="832485"/>
-            <a:ext cx="10677525" cy="2306955"/>
-          </a:xfrm>
-          <a:prstGeom prst="rect">
-            <a:avLst/>
-          </a:prstGeom>
-          <a:noFill/>
-        </p:spPr>
-        <p:txBody>
-          <a:bodyPr wrap="square" rtlCol="0" anchor="t">
-            <a:spAutoFit/>
-          </a:bodyPr>
-          <a:p>
-            <a:r>
-              <a:rPr lang="en-US" altLang="en-US"/>
-              <a:t>https://www.kaggle.com/code/ashishpatel26/beginner-to-intermediate-nlp-tutorial</a:t>
-            </a:r>
-            <a:endParaRPr lang="en-US" altLang="en-US"/>
-          </a:p>
-          <a:p>
-            <a:endParaRPr lang="en-US"/>
-          </a:p>
-          <a:p>
-            <a:r>
-              <a:rPr lang="en-US" altLang="en-US"/>
-              <a:t>https://www.deeplearning.ai/resources/natural-language-processing/</a:t>
-            </a:r>
-            <a:endParaRPr lang="en-US" altLang="en-US"/>
-          </a:p>
-          <a:p>
-            <a:r>
-              <a:rPr lang="en-US" altLang="en-US"/>
-              <a:t>https://www.analyticsvidhya.com/blog/2022/01/nlp-tutorials-part-i-from-basics-to-advance/</a:t>
-            </a:r>
-            <a:endParaRPr lang="en-US" altLang="en-US"/>
-          </a:p>
-          <a:p>
-            <a:endParaRPr lang="en-US" altLang="en-US"/>
-          </a:p>
-          <a:p>
-            <a:r>
-              <a:rPr lang="en-US" altLang="en-US"/>
-              <a:t>https://huggingface.co/learn/nlp-course/en/chapter1/1</a:t>
-            </a:r>
-            <a:endParaRPr lang="en-US" altLang="en-US"/>
-          </a:p>
-          <a:p>
-            <a:endParaRPr lang="en-US" altLang="en-US"/>
-          </a:p>
-          <a:p>
-            <a:r>
-              <a:rPr lang="en-US" altLang="en-US"/>
-              <a:t>https://github.com/graykode/nlp-tutorial</a:t>
-            </a:r>
-            <a:endParaRPr lang="en-US" altLang="en-US"/>
-          </a:p>
-        </p:txBody>
-      </p:sp>
-    </p:spTree>
-  </p:cSld>
-  <p:clrMapOvr>
-    <a:masterClrMapping/>
-  </p:clrMapOvr>
-</p:sld>
-</file>
-
-<file path=ppt/slides/slide3.xml><?xml version="1.0" encoding="utf-8"?>
-<p:sld xmlns:a="http://schemas.openxmlformats.org/drawingml/2006/main" xmlns:r="http://schemas.openxmlformats.org/officeDocument/2006/relationships" xmlns:p="http://schemas.openxmlformats.org/presentationml/2006/main">
-  <p:cSld>
-    <p:spTree>
-      <p:nvGrpSpPr>
-        <p:cNvPr id="1" name=""/>
-        <p:cNvGrpSpPr/>
-        <p:nvPr/>
-      </p:nvGrpSpPr>
-      <p:grpSpPr/>
-      <p:sp>
-        <p:nvSpPr>
-          <p:cNvPr id="2" name="Text Box 1"/>
-          <p:cNvSpPr txBox="1"/>
-          <p:nvPr/>
-        </p:nvSpPr>
-        <p:spPr>
-          <a:xfrm>
-            <a:off x="434975" y="1939925"/>
-            <a:ext cx="9144000" cy="3907790"/>
-          </a:xfrm>
-          <a:prstGeom prst="rect">
-            <a:avLst/>
-          </a:prstGeom>
-          <a:noFill/>
-        </p:spPr>
-        <p:txBody>
-          <a:bodyPr wrap="square" rtlCol="0">
-            <a:spAutoFit/>
-          </a:bodyPr>
-          <a:p>
-            <a:r>
-              <a:rPr lang="en-US" sz="3200" b="1"/>
-              <a:t>Steps</a:t>
-            </a:r>
-            <a:endParaRPr lang="en-US" sz="2400"/>
-          </a:p>
-          <a:p>
-            <a:pPr marL="285750" indent="-285750">
-              <a:buFont typeface="Arial" panose="020B0604020202020204" pitchFamily="34" charset="0"/>
-              <a:buChar char="•"/>
-            </a:pPr>
-            <a:r>
-              <a:rPr lang="en-US"/>
-              <a:t>c</a:t>
-            </a:r>
-            <a:r>
-              <a:rPr lang="en-US" sz="2400"/>
-              <a:t>lean text-&gt;lower,uper,remove special char</a:t>
-            </a:r>
-            <a:endParaRPr lang="en-US" sz="2400"/>
-          </a:p>
-          <a:p>
-            <a:pPr indent="0">
-              <a:buFont typeface="Arial" panose="020B0604020202020204" pitchFamily="34" charset="0"/>
-              <a:buNone/>
-            </a:pPr>
-            <a:endParaRPr lang="en-US" sz="2400"/>
-          </a:p>
-          <a:p>
-            <a:pPr marL="285750" indent="-285750" algn="l">
-              <a:buFont typeface="Arial" panose="020B0604020202020204" pitchFamily="34" charset="0"/>
-              <a:buChar char="•"/>
-            </a:pPr>
-            <a:r>
-              <a:rPr lang="en-US" sz="2400"/>
-              <a:t>Tokenizations --&gt; word,sentence, stopswords removel,lemmitations, stemming</a:t>
-            </a:r>
-            <a:endParaRPr lang="en-US" sz="2400"/>
-          </a:p>
-          <a:p>
-            <a:pPr marL="285750" indent="-285750">
-              <a:buFont typeface="Arial" panose="020B0604020202020204" pitchFamily="34" charset="0"/>
-              <a:buChar char="•"/>
-            </a:pPr>
-            <a:endParaRPr lang="en-US" sz="2400"/>
-          </a:p>
-          <a:p>
-            <a:pPr marL="285750" indent="-285750">
-              <a:buFont typeface="Arial" panose="020B0604020202020204" pitchFamily="34" charset="0"/>
-              <a:buChar char="•"/>
-            </a:pPr>
-            <a:r>
-              <a:rPr lang="en-US" sz="2400"/>
-              <a:t>convert words/text representations</a:t>
-            </a:r>
-            <a:endParaRPr lang="en-US" sz="2400"/>
-          </a:p>
-          <a:p>
-            <a:pPr marL="285750" indent="-285750">
-              <a:buFont typeface="Arial" panose="020B0604020202020204" pitchFamily="34" charset="0"/>
-              <a:buChar char="•"/>
-            </a:pPr>
-            <a:r>
-              <a:rPr lang="en-US" sz="2400"/>
-              <a:t>BOW,</a:t>
-            </a:r>
-            <a:endParaRPr lang="en-US" sz="2400"/>
-          </a:p>
-          <a:p>
-            <a:pPr indent="457200"/>
-            <a:endParaRPr lang="en-US" sz="2400"/>
-          </a:p>
-          <a:p>
-            <a:endParaRPr lang="en-US" sz="2400"/>
-          </a:p>
-        </p:txBody>
-      </p:sp>
-      <p:sp>
-        <p:nvSpPr>
-          <p:cNvPr id="4" name="Text Box 3"/>
-          <p:cNvSpPr txBox="1"/>
-          <p:nvPr/>
-        </p:nvSpPr>
-        <p:spPr>
-          <a:xfrm>
-            <a:off x="608330" y="288290"/>
-            <a:ext cx="11362055" cy="1014730"/>
-          </a:xfrm>
-          <a:prstGeom prst="rect">
-            <a:avLst/>
-          </a:prstGeom>
-        </p:spPr>
-        <p:txBody>
-          <a:bodyPr wrap="square">
-            <a:spAutoFit/>
-          </a:bodyPr>
-          <a:p>
-            <a:pPr marL="342900" indent="-342900">
-              <a:buFont typeface="Arial" panose="020B0604020202020204" pitchFamily="34" charset="0"/>
-              <a:buChar char="•"/>
-            </a:pPr>
-            <a:r>
-              <a:rPr sz="2000"/>
-              <a:t>Text preprocessing is the process of cleaning and preparing raw text data before feeding it into NLP models.</a:t>
-            </a:r>
-            <a:endParaRPr sz="2000"/>
-          </a:p>
-          <a:p>
-            <a:pPr marL="342900" indent="-342900">
-              <a:buFont typeface="Arial" panose="020B0604020202020204" pitchFamily="34" charset="0"/>
-              <a:buChar char="•"/>
-            </a:pPr>
-            <a:r>
-              <a:rPr sz="2000"/>
-              <a:t> It helps models understand text more efficiently and accurately.</a:t>
-            </a:r>
-            <a:endParaRPr sz="2000"/>
           </a:p>
         </p:txBody>
       </p:sp>
@@ -10514,6 +16099,302 @@
             <a:endParaRPr lang="en-US" sz="1600">
               <a:sym typeface="+mn-ea"/>
             </a:endParaRPr>
+          </a:p>
+        </p:txBody>
+      </p:sp>
+    </p:spTree>
+  </p:cSld>
+  <p:clrMapOvr>
+    <a:masterClrMapping/>
+  </p:clrMapOvr>
+</p:sld>
+</file>
+
+<file path=ppt/slides/slide40.xml><?xml version="1.0" encoding="utf-8"?>
+<p:sld xmlns:a="http://schemas.openxmlformats.org/drawingml/2006/main" xmlns:r="http://schemas.openxmlformats.org/officeDocument/2006/relationships" xmlns:p="http://schemas.openxmlformats.org/presentationml/2006/main">
+  <p:cSld>
+    <p:spTree>
+      <p:nvGrpSpPr>
+        <p:cNvPr id="1" name=""/>
+        <p:cNvGrpSpPr/>
+        <p:nvPr/>
+      </p:nvGrpSpPr>
+      <p:grpSpPr/>
+      <p:sp>
+        <p:nvSpPr>
+          <p:cNvPr id="2" name="Text Box 1"/>
+          <p:cNvSpPr txBox="1"/>
+          <p:nvPr/>
+        </p:nvSpPr>
+        <p:spPr>
+          <a:xfrm>
+            <a:off x="998855" y="248285"/>
+            <a:ext cx="6096000" cy="768350"/>
+          </a:xfrm>
+          <a:prstGeom prst="rect">
+            <a:avLst/>
+          </a:prstGeom>
+          <a:noFill/>
+        </p:spPr>
+        <p:txBody>
+          <a:bodyPr wrap="square" rtlCol="0" anchor="t">
+            <a:spAutoFit/>
+          </a:bodyPr>
+          <a:p>
+            <a:r>
+              <a:rPr lang="en-IN" altLang="en-US" sz="4400" b="1">
+                <a:solidFill>
+                  <a:srgbClr val="FF0000"/>
+                </a:solidFill>
+                <a:effectLst>
+                  <a:outerShdw blurRad="38100" dist="38100" dir="2700000" algn="tl">
+                    <a:srgbClr val="000000">
+                      <a:alpha val="43137"/>
+                    </a:srgbClr>
+                  </a:outerShdw>
+                </a:effectLst>
+                <a:sym typeface="+mn-ea"/>
+              </a:rPr>
+              <a:t>NLP</a:t>
+            </a:r>
+            <a:r>
+              <a:rPr lang="en-US" altLang="en-IN" sz="4400" b="1">
+                <a:solidFill>
+                  <a:srgbClr val="FF0000"/>
+                </a:solidFill>
+                <a:effectLst>
+                  <a:outerShdw blurRad="38100" dist="38100" dir="2700000" algn="tl">
+                    <a:srgbClr val="000000">
+                      <a:alpha val="43137"/>
+                    </a:srgbClr>
+                  </a:outerShdw>
+                </a:effectLst>
+                <a:sym typeface="+mn-ea"/>
+              </a:rPr>
+              <a:t> Reference</a:t>
+            </a:r>
+            <a:endParaRPr lang="en-US" altLang="en-IN" sz="4400" b="1">
+              <a:solidFill>
+                <a:srgbClr val="FF0000"/>
+              </a:solidFill>
+              <a:effectLst>
+                <a:outerShdw blurRad="38100" dist="38100" dir="2700000" algn="tl">
+                  <a:srgbClr val="000000">
+                    <a:alpha val="43137"/>
+                  </a:srgbClr>
+                </a:outerShdw>
+              </a:effectLst>
+              <a:sym typeface="+mn-ea"/>
+            </a:endParaRPr>
+          </a:p>
+        </p:txBody>
+      </p:sp>
+      <p:sp>
+        <p:nvSpPr>
+          <p:cNvPr id="4" name="Text Box 3"/>
+          <p:cNvSpPr txBox="1"/>
+          <p:nvPr/>
+        </p:nvSpPr>
+        <p:spPr>
+          <a:xfrm>
+            <a:off x="362585" y="1119505"/>
+            <a:ext cx="9230360" cy="368300"/>
+          </a:xfrm>
+          <a:prstGeom prst="rect">
+            <a:avLst/>
+          </a:prstGeom>
+          <a:noFill/>
+        </p:spPr>
+        <p:txBody>
+          <a:bodyPr wrap="square" rtlCol="0" anchor="t">
+            <a:spAutoFit/>
+          </a:bodyPr>
+          <a:p>
+            <a:r>
+              <a:rPr lang="en-US" altLang="en-US" b="1"/>
+              <a:t>https://www.geeksforgeeks.org/natural-language-processing-nlp-tutorial</a:t>
+            </a:r>
+            <a:endParaRPr lang="en-US" b="1"/>
+          </a:p>
+        </p:txBody>
+      </p:sp>
+      <p:sp>
+        <p:nvSpPr>
+          <p:cNvPr id="7" name="Text Box 6"/>
+          <p:cNvSpPr txBox="1"/>
+          <p:nvPr/>
+        </p:nvSpPr>
+        <p:spPr>
+          <a:xfrm>
+            <a:off x="267335" y="2355850"/>
+            <a:ext cx="5349240" cy="3415030"/>
+          </a:xfrm>
+          <a:prstGeom prst="rect">
+            <a:avLst/>
+          </a:prstGeom>
+          <a:noFill/>
+        </p:spPr>
+        <p:txBody>
+          <a:bodyPr wrap="square" rtlCol="0">
+            <a:spAutoFit/>
+          </a:bodyPr>
+          <a:p>
+            <a:r>
+              <a:rPr lang="en-IN" altLang="en-US" b="1"/>
+              <a:t>PROJECT</a:t>
+            </a:r>
+            <a:endParaRPr lang="en-IN" altLang="en-US" b="1"/>
+          </a:p>
+          <a:p>
+            <a:r>
+              <a:rPr lang="en-US" altLang="en-US"/>
+              <a:t>https://www.geeksforgeeks.org/twitter-sentiment-analysis-using-python/</a:t>
+            </a:r>
+            <a:endParaRPr lang="en-US" altLang="en-US"/>
+          </a:p>
+          <a:p>
+            <a:r>
+              <a:rPr lang="en-US" altLang="en-US"/>
+              <a:t>https://www.geeksforgeeks.org/next-sentence-prediction-using-bert/</a:t>
+            </a:r>
+            <a:endParaRPr lang="en-US" altLang="en-US"/>
+          </a:p>
+          <a:p>
+            <a:endParaRPr lang="en-US" altLang="en-US"/>
+          </a:p>
+          <a:p>
+            <a:r>
+              <a:rPr lang="en-US" altLang="en-US"/>
+              <a:t>https://www.geeksforgeeks.org/fine-tuning-bert-model-for-sentiment-analysis/</a:t>
+            </a:r>
+            <a:endParaRPr lang="en-US" altLang="en-US"/>
+          </a:p>
+          <a:p>
+            <a:r>
+              <a:rPr lang="en-US" altLang="en-US"/>
+              <a:t>https://www.geeksforgeeks.org/sentiment-classification-using-bert/</a:t>
+            </a:r>
+            <a:endParaRPr lang="en-US" altLang="en-US"/>
+          </a:p>
+          <a:p>
+            <a:r>
+              <a:rPr lang="en-US" altLang="en-US"/>
+              <a:t>https://www.geeksforgeeks.org/sentiment-analysis-with-an-recurrent-neural-networks-rnn/</a:t>
+            </a:r>
+            <a:endParaRPr lang="en-US" altLang="en-US"/>
+          </a:p>
+        </p:txBody>
+      </p:sp>
+      <p:sp>
+        <p:nvSpPr>
+          <p:cNvPr id="8" name="Text Box 7"/>
+          <p:cNvSpPr txBox="1"/>
+          <p:nvPr/>
+        </p:nvSpPr>
+        <p:spPr>
+          <a:xfrm>
+            <a:off x="362585" y="5872480"/>
+            <a:ext cx="6096000" cy="368300"/>
+          </a:xfrm>
+          <a:prstGeom prst="rect">
+            <a:avLst/>
+          </a:prstGeom>
+          <a:noFill/>
+        </p:spPr>
+        <p:txBody>
+          <a:bodyPr wrap="square" rtlCol="0" anchor="t">
+            <a:spAutoFit/>
+          </a:bodyPr>
+          <a:p>
+            <a:r>
+              <a:rPr lang="en-US" altLang="en-US"/>
+              <a:t>https://www.geeksforgeeks.org/ai-ml-ds-projects/?ref=lbp</a:t>
+            </a:r>
+            <a:endParaRPr lang="en-US"/>
+          </a:p>
+        </p:txBody>
+      </p:sp>
+    </p:spTree>
+  </p:cSld>
+  <p:clrMapOvr>
+    <a:masterClrMapping/>
+  </p:clrMapOvr>
+</p:sld>
+</file>
+
+<file path=ppt/slides/slide41.xml><?xml version="1.0" encoding="utf-8"?>
+<p:sld xmlns:a="http://schemas.openxmlformats.org/drawingml/2006/main" xmlns:r="http://schemas.openxmlformats.org/officeDocument/2006/relationships" xmlns:p="http://schemas.openxmlformats.org/presentationml/2006/main">
+  <p:cSld>
+    <p:spTree>
+      <p:nvGrpSpPr>
+        <p:cNvPr id="1" name=""/>
+        <p:cNvGrpSpPr/>
+        <p:nvPr/>
+      </p:nvGrpSpPr>
+      <p:grpSpPr/>
+      <p:sp>
+        <p:nvSpPr>
+          <p:cNvPr id="2" name="Text Box 1"/>
+          <p:cNvSpPr txBox="1"/>
+          <p:nvPr/>
+        </p:nvSpPr>
+        <p:spPr>
+          <a:xfrm>
+            <a:off x="421005" y="832485"/>
+            <a:ext cx="10677525" cy="2306955"/>
+          </a:xfrm>
+          <a:prstGeom prst="rect">
+            <a:avLst/>
+          </a:prstGeom>
+          <a:noFill/>
+        </p:spPr>
+        <p:txBody>
+          <a:bodyPr wrap="square" rtlCol="0" anchor="t">
+            <a:spAutoFit/>
+          </a:bodyPr>
+          <a:p>
+            <a:r>
+              <a:rPr lang="en-US" altLang="en-US"/>
+              <a:t>https://www.kaggle.com/code/ashishpatel26/beginner-to-intermediate-nlp-tutorial</a:t>
+            </a:r>
+            <a:endParaRPr lang="en-US" altLang="en-US"/>
+          </a:p>
+          <a:p>
+            <a:endParaRPr lang="en-US"/>
+          </a:p>
+          <a:p>
+            <a:r>
+              <a:rPr lang="en-US" altLang="en-US"/>
+              <a:t>https://www.deeplearning.ai/resources/natural-language-processing/</a:t>
+            </a:r>
+            <a:endParaRPr lang="en-US" altLang="en-US"/>
+          </a:p>
+          <a:p>
+            <a:r>
+              <a:rPr lang="en-US" altLang="en-US"/>
+              <a:t>https://www.analyticsvidhya.com/blog/2022/01/nlp-tutorials-part-i-from-basics-to-advance/</a:t>
+            </a:r>
+            <a:endParaRPr lang="en-US" altLang="en-US"/>
+          </a:p>
+          <a:p>
+            <a:endParaRPr lang="en-US" altLang="en-US"/>
+          </a:p>
+          <a:p>
+            <a:r>
+              <a:rPr lang="en-US" altLang="en-US"/>
+              <a:t>https://huggingface.co/learn/nlp-course/en/chapter1/1</a:t>
+            </a:r>
+            <a:endParaRPr lang="en-US" altLang="en-US"/>
+          </a:p>
+          <a:p>
+            <a:endParaRPr lang="en-US" altLang="en-US"/>
+          </a:p>
+          <a:p>
+            <a:r>
+              <a:rPr lang="en-US" altLang="en-US"/>
+              <a:t>https://github.com/graykode/nlp-tutorial</a:t>
+            </a:r>
+            <a:endParaRPr lang="en-US" altLang="en-US"/>
           </a:p>
         </p:txBody>
       </p:sp>

--- a/9.Deep_learning/class_11.1_text_vectorizarion_sentiment_analysis.pptx
+++ b/9.Deep_learning/class_11.1_text_vectorizarion_sentiment_analysis.pptx
@@ -28,27 +28,28 @@
     <p:sldId id="437" r:id="rId21"/>
     <p:sldId id="438" r:id="rId22"/>
     <p:sldId id="439" r:id="rId23"/>
-    <p:sldId id="440" r:id="rId24"/>
-    <p:sldId id="441" r:id="rId25"/>
-    <p:sldId id="442" r:id="rId26"/>
-    <p:sldId id="419" r:id="rId27"/>
-    <p:sldId id="418" r:id="rId28"/>
-    <p:sldId id="420" r:id="rId29"/>
-    <p:sldId id="416" r:id="rId30"/>
-    <p:sldId id="417" r:id="rId31"/>
-    <p:sldId id="422" r:id="rId32"/>
-    <p:sldId id="421" r:id="rId33"/>
-    <p:sldId id="423" r:id="rId34"/>
-    <p:sldId id="424" r:id="rId35"/>
-    <p:sldId id="425" r:id="rId36"/>
-    <p:sldId id="426" r:id="rId37"/>
-    <p:sldId id="427" r:id="rId38"/>
-    <p:sldId id="428" r:id="rId39"/>
-    <p:sldId id="429" r:id="rId40"/>
-    <p:sldId id="410" r:id="rId41"/>
-    <p:sldId id="412" r:id="rId42"/>
-    <p:sldId id="368" r:id="rId43"/>
-    <p:sldId id="393" r:id="rId44"/>
+    <p:sldId id="443" r:id="rId24"/>
+    <p:sldId id="440" r:id="rId25"/>
+    <p:sldId id="441" r:id="rId26"/>
+    <p:sldId id="442" r:id="rId27"/>
+    <p:sldId id="419" r:id="rId28"/>
+    <p:sldId id="418" r:id="rId29"/>
+    <p:sldId id="420" r:id="rId30"/>
+    <p:sldId id="416" r:id="rId31"/>
+    <p:sldId id="417" r:id="rId32"/>
+    <p:sldId id="422" r:id="rId33"/>
+    <p:sldId id="421" r:id="rId34"/>
+    <p:sldId id="423" r:id="rId35"/>
+    <p:sldId id="424" r:id="rId36"/>
+    <p:sldId id="425" r:id="rId37"/>
+    <p:sldId id="426" r:id="rId38"/>
+    <p:sldId id="427" r:id="rId39"/>
+    <p:sldId id="428" r:id="rId40"/>
+    <p:sldId id="429" r:id="rId41"/>
+    <p:sldId id="410" r:id="rId42"/>
+    <p:sldId id="412" r:id="rId43"/>
+    <p:sldId id="368" r:id="rId44"/>
+    <p:sldId id="393" r:id="rId45"/>
   </p:sldIdLst>
   <p:sldSz cx="12192000" cy="6858000"/>
   <p:notesSz cx="6858000" cy="9144000"/>
@@ -6997,6 +6998,64 @@
           </a:p>
         </p:txBody>
       </p:sp>
+      <p:sp>
+        <p:nvSpPr>
+          <p:cNvPr id="7" name="Text Box 6"/>
+          <p:cNvSpPr txBox="1"/>
+          <p:nvPr/>
+        </p:nvSpPr>
+        <p:spPr>
+          <a:xfrm>
+            <a:off x="674370" y="4889500"/>
+            <a:ext cx="8736965" cy="645160"/>
+          </a:xfrm>
+          <a:prstGeom prst="rect">
+            <a:avLst/>
+          </a:prstGeom>
+          <a:noFill/>
+        </p:spPr>
+        <p:txBody>
+          <a:bodyPr wrap="square" rtlCol="0">
+            <a:spAutoFit/>
+          </a:bodyPr>
+          <a:p>
+            <a:r>
+              <a:rPr lang="en-US" altLang="en-US"/>
+              <a:t>https://medium.com/plotly/understanding-word-embedding-arithmetic-why-theres-no-single-answer-to-king-man-woman-cd2760e2cb7f</a:t>
+            </a:r>
+            <a:endParaRPr lang="en-US" altLang="en-US"/>
+          </a:p>
+        </p:txBody>
+      </p:sp>
+      <p:sp>
+        <p:nvSpPr>
+          <p:cNvPr id="8" name="Text Box 7"/>
+          <p:cNvSpPr txBox="1"/>
+          <p:nvPr/>
+        </p:nvSpPr>
+        <p:spPr>
+          <a:xfrm>
+            <a:off x="3048000" y="3244850"/>
+            <a:ext cx="6096000" cy="368300"/>
+          </a:xfrm>
+          <a:prstGeom prst="rect">
+            <a:avLst/>
+          </a:prstGeom>
+          <a:noFill/>
+        </p:spPr>
+        <p:txBody>
+          <a:bodyPr wrap="square" rtlCol="0" anchor="t">
+            <a:spAutoFit/>
+          </a:bodyPr>
+          <a:p>
+            <a:r>
+              <a:rPr lang="en-US" altLang="en-US"/>
+              <a:t>https://dash.gallery/dash-word-arithmetic/</a:t>
+            </a:r>
+            <a:endParaRPr lang="en-US"/>
+          </a:p>
+        </p:txBody>
+      </p:sp>
     </p:spTree>
   </p:cSld>
   <p:clrMapOvr>
@@ -8625,307 +8684,24 @@
         </p:nvSpPr>
         <p:spPr>
           <a:xfrm>
-            <a:off x="451485" y="260985"/>
-            <a:ext cx="9878060" cy="3969385"/>
+            <a:off x="3048000" y="3106420"/>
+            <a:ext cx="6096000" cy="645160"/>
           </a:xfrm>
           <a:prstGeom prst="rect">
             <a:avLst/>
           </a:prstGeom>
+          <a:noFill/>
         </p:spPr>
         <p:txBody>
-          <a:bodyPr wrap="square">
+          <a:bodyPr wrap="square" rtlCol="0" anchor="t">
             <a:spAutoFit/>
           </a:bodyPr>
           <a:p>
-            <a:pPr marL="0" indent="0" algn="l" fontAlgn="base">
-              <a:spcBef>
-                <a:spcPct val="0"/>
-              </a:spcBef>
-              <a:spcAft>
-                <a:spcPct val="0"/>
-              </a:spcAft>
-            </a:pPr>
-            <a:r>
-              <a:rPr sz="3200" b="1" i="0">
-                <a:solidFill>
-                  <a:srgbClr val="C00000"/>
-                </a:solidFill>
-                <a:latin typeface="Arial Black" panose="020B0A04020102020204" charset="0"/>
-                <a:ea typeface="Nunito"/>
-                <a:cs typeface="Arial Black" panose="020B0A04020102020204" charset="0"/>
-              </a:rPr>
-              <a:t>2. Document Embeddings</a:t>
-            </a:r>
-            <a:endParaRPr sz="3200" b="1" i="0">
-              <a:solidFill>
-                <a:srgbClr val="C00000"/>
-              </a:solidFill>
-              <a:latin typeface="Arial Black" panose="020B0A04020102020204" charset="0"/>
-              <a:ea typeface="Nunito"/>
-              <a:cs typeface="Arial Black" panose="020B0A04020102020204" charset="0"/>
-            </a:endParaRPr>
-          </a:p>
-          <a:p>
-            <a:pPr marL="457200" lvl="1" indent="0" algn="l" fontAlgn="base">
-              <a:spcBef>
-                <a:spcPct val="0"/>
-              </a:spcBef>
-              <a:spcAft>
-                <a:spcPct val="0"/>
-              </a:spcAft>
-            </a:pPr>
-            <a:r>
-              <a:rPr sz="1600" b="0" i="0">
-                <a:solidFill>
-                  <a:srgbClr val="273239"/>
-                </a:solidFill>
-                <a:latin typeface="Nunito"/>
-                <a:ea typeface="Nunito"/>
-              </a:rPr>
-              <a:t>Document embeddings extend word embeddings to represent entire documents as fixed-length vectors. These embeddings capture the overall semantics and contextual information of the document, making them useful for tasks like document classification, clustering, and retrieval.</a:t>
-            </a:r>
-            <a:endParaRPr sz="1600" b="0" i="0">
-              <a:solidFill>
-                <a:srgbClr val="273239"/>
-              </a:solidFill>
-              <a:latin typeface="Nunito"/>
-              <a:ea typeface="Nunito"/>
-            </a:endParaRPr>
-          </a:p>
-          <a:p>
-            <a:pPr marL="457200" lvl="1" indent="0" algn="l" fontAlgn="base">
-              <a:spcBef>
-                <a:spcPct val="0"/>
-              </a:spcBef>
-              <a:spcAft>
-                <a:spcPct val="0"/>
-              </a:spcAft>
-            </a:pPr>
-            <a:endParaRPr sz="1600" b="0" i="0">
-              <a:solidFill>
-                <a:srgbClr val="273239"/>
-              </a:solidFill>
-              <a:latin typeface="Nunito"/>
-              <a:ea typeface="Nunito"/>
-            </a:endParaRPr>
-          </a:p>
-          <a:p>
-            <a:pPr marL="0" indent="0" algn="l" fontAlgn="base">
-              <a:spcBef>
-                <a:spcPct val="0"/>
-              </a:spcBef>
-              <a:spcAft>
-                <a:spcPct val="0"/>
-              </a:spcAft>
-            </a:pPr>
-            <a:r>
-              <a:rPr sz="2000" b="1" i="0">
-                <a:solidFill>
-                  <a:srgbClr val="273239"/>
-                </a:solidFill>
-                <a:latin typeface="Nunito"/>
-                <a:ea typeface="Nunito"/>
-              </a:rPr>
-              <a:t>Advantages:</a:t>
-            </a:r>
-            <a:endParaRPr sz="2000" b="1" i="0">
-              <a:solidFill>
-                <a:srgbClr val="273239"/>
-              </a:solidFill>
-              <a:latin typeface="Nunito"/>
-              <a:ea typeface="Nunito"/>
-            </a:endParaRPr>
-          </a:p>
-          <a:p>
-            <a:pPr marL="457200" lvl="1" indent="0" algn="l" fontAlgn="base">
-              <a:spcBef>
-                <a:spcPct val="0"/>
-              </a:spcBef>
-              <a:spcAft>
-                <a:spcPct val="0"/>
-              </a:spcAft>
-              <a:buFont typeface="Arial" panose="020B0604020202020204"/>
-              <a:buChar char="•"/>
-            </a:pPr>
-            <a:r>
-              <a:rPr sz="1600" b="0" i="0">
-                <a:solidFill>
-                  <a:srgbClr val="273239"/>
-                </a:solidFill>
-                <a:latin typeface="Nunito"/>
-                <a:ea typeface="Nunito"/>
-              </a:rPr>
-              <a:t>Captures overall semantics of documents.</a:t>
-            </a:r>
-            <a:endParaRPr sz="1600" b="0" i="0">
-              <a:solidFill>
-                <a:srgbClr val="273239"/>
-              </a:solidFill>
-              <a:latin typeface="Nunito"/>
-              <a:ea typeface="Nunito"/>
-            </a:endParaRPr>
-          </a:p>
-          <a:p>
-            <a:pPr marL="457200" lvl="1" indent="0" algn="l" fontAlgn="base">
-              <a:spcBef>
-                <a:spcPct val="0"/>
-              </a:spcBef>
-              <a:spcAft>
-                <a:spcPct val="0"/>
-              </a:spcAft>
-              <a:buFont typeface="Arial" panose="020B0604020202020204"/>
-              <a:buChar char="•"/>
-            </a:pPr>
-            <a:r>
-              <a:rPr sz="1600" b="0" i="0">
-                <a:solidFill>
-                  <a:srgbClr val="273239"/>
-                </a:solidFill>
-                <a:latin typeface="Nunito"/>
-                <a:ea typeface="Nunito"/>
-              </a:rPr>
-              <a:t>Useful for various document-level NLP tasks.</a:t>
-            </a:r>
-            <a:endParaRPr sz="1600" b="0" i="0">
-              <a:solidFill>
-                <a:srgbClr val="273239"/>
-              </a:solidFill>
-              <a:latin typeface="Nunito"/>
-              <a:ea typeface="Nunito"/>
-            </a:endParaRPr>
-          </a:p>
-          <a:p>
-            <a:pPr marL="457200" lvl="1" indent="0" algn="l" fontAlgn="base">
-              <a:spcBef>
-                <a:spcPct val="0"/>
-              </a:spcBef>
-              <a:spcAft>
-                <a:spcPct val="0"/>
-              </a:spcAft>
-              <a:buFont typeface="Arial" panose="020B0604020202020204"/>
-              <a:buChar char="•"/>
-            </a:pPr>
-            <a:r>
-              <a:rPr sz="1600" b="0" i="0">
-                <a:solidFill>
-                  <a:srgbClr val="273239"/>
-                </a:solidFill>
-                <a:latin typeface="Nunito"/>
-                <a:ea typeface="Nunito"/>
-              </a:rPr>
-              <a:t>Handles variable-length text inputs.</a:t>
-            </a:r>
-            <a:endParaRPr sz="1600" b="0" i="0">
-              <a:solidFill>
-                <a:srgbClr val="273239"/>
-              </a:solidFill>
-              <a:latin typeface="Nunito"/>
-              <a:ea typeface="Nunito"/>
-            </a:endParaRPr>
-          </a:p>
-          <a:p>
-            <a:pPr marL="0" indent="0" algn="l" fontAlgn="base">
-              <a:spcBef>
-                <a:spcPct val="0"/>
-              </a:spcBef>
-              <a:spcAft>
-                <a:spcPct val="0"/>
-              </a:spcAft>
-              <a:buFont typeface="Arial" panose="020B0604020202020204"/>
-              <a:buChar char="•"/>
-            </a:pPr>
-            <a:endParaRPr sz="2000" b="0" i="0">
-              <a:solidFill>
-                <a:srgbClr val="273239"/>
-              </a:solidFill>
-              <a:latin typeface="Nunito"/>
-              <a:ea typeface="Nunito"/>
-            </a:endParaRPr>
-          </a:p>
-          <a:p>
-            <a:pPr marL="0" indent="0" algn="l" fontAlgn="base">
-              <a:spcBef>
-                <a:spcPct val="0"/>
-              </a:spcBef>
-              <a:spcAft>
-                <a:spcPct val="0"/>
-              </a:spcAft>
-            </a:pPr>
-            <a:r>
-              <a:rPr sz="2000" b="1" i="0">
-                <a:solidFill>
-                  <a:srgbClr val="273239"/>
-                </a:solidFill>
-                <a:latin typeface="Nunito"/>
-                <a:ea typeface="Nunito"/>
-              </a:rPr>
-              <a:t>Disadvantages:</a:t>
-            </a:r>
-            <a:endParaRPr sz="2000" b="1" i="0">
-              <a:solidFill>
-                <a:srgbClr val="273239"/>
-              </a:solidFill>
-              <a:latin typeface="Nunito"/>
-              <a:ea typeface="Nunito"/>
-            </a:endParaRPr>
-          </a:p>
-          <a:p>
-            <a:pPr marL="457200" lvl="1" indent="0" algn="l" fontAlgn="base">
-              <a:spcBef>
-                <a:spcPct val="0"/>
-              </a:spcBef>
-              <a:spcAft>
-                <a:spcPct val="0"/>
-              </a:spcAft>
-              <a:buFont typeface="Arial" panose="020B0604020202020204"/>
-              <a:buChar char="•"/>
-            </a:pPr>
-            <a:r>
-              <a:rPr sz="1600" b="0" i="0">
-                <a:solidFill>
-                  <a:srgbClr val="273239"/>
-                </a:solidFill>
-                <a:latin typeface="Nunito"/>
-                <a:ea typeface="Nunito"/>
-              </a:rPr>
-              <a:t>Requires substantial computational resources for training on large datasets.</a:t>
-            </a:r>
-            <a:endParaRPr sz="1600" b="0" i="0">
-              <a:solidFill>
-                <a:srgbClr val="273239"/>
-              </a:solidFill>
-              <a:latin typeface="Nunito"/>
-              <a:ea typeface="Nunito"/>
-            </a:endParaRPr>
-          </a:p>
-          <a:p>
-            <a:pPr marL="457200" lvl="1" indent="0" algn="l" fontAlgn="base">
-              <a:spcBef>
-                <a:spcPct val="0"/>
-              </a:spcBef>
-              <a:spcAft>
-                <a:spcPct val="0"/>
-              </a:spcAft>
-              <a:buFont typeface="Arial" panose="020B0604020202020204"/>
-              <a:buChar char="•"/>
-            </a:pPr>
-            <a:r>
-              <a:rPr sz="1600" b="0" i="0">
-                <a:solidFill>
-                  <a:srgbClr val="273239"/>
-                </a:solidFill>
-                <a:latin typeface="Nunito"/>
-                <a:ea typeface="Nunito"/>
-              </a:rPr>
-              <a:t>May not capture nuanced details in very large documents.</a:t>
-            </a:r>
-            <a:endParaRPr sz="1600" b="0" i="0">
-              <a:solidFill>
-                <a:srgbClr val="273239"/>
-              </a:solidFill>
-              <a:latin typeface="Nunito"/>
-              <a:ea typeface="Nunito"/>
-            </a:endParaRPr>
+            <a:r>
+              <a:rPr lang="en-US" altLang="en-US"/>
+              <a:t>https://github.com/dfgrisales5078/Text-Classification-Project/tree/main/CovidDataSet</a:t>
+            </a:r>
+            <a:endParaRPr lang="en-US"/>
           </a:p>
         </p:txBody>
       </p:sp>
@@ -8937,8 +8713,8 @@
         </p:nvSpPr>
         <p:spPr>
           <a:xfrm>
-            <a:off x="460375" y="4337050"/>
-            <a:ext cx="9869170" cy="2368550"/>
+            <a:off x="3048000" y="4130675"/>
+            <a:ext cx="6096000" cy="645160"/>
           </a:xfrm>
           <a:prstGeom prst="rect">
             <a:avLst/>
@@ -8950,212 +8726,69 @@
             <a:spAutoFit/>
           </a:bodyPr>
           <a:p>
-            <a:pPr marL="0" indent="0" algn="l" fontAlgn="base">
-              <a:spcBef>
-                <a:spcPct val="0"/>
-              </a:spcBef>
-              <a:spcAft>
-                <a:spcPct val="0"/>
-              </a:spcAft>
-            </a:pPr>
-            <a:r>
-              <a:rPr sz="2400" b="1">
-                <a:solidFill>
-                  <a:srgbClr val="C00000"/>
-                </a:solidFill>
-                <a:latin typeface="Arial" panose="020B0604020202020204" pitchFamily="34" charset="0"/>
-                <a:ea typeface="Nunito"/>
-                <a:cs typeface="Arial" panose="020B0604020202020204" pitchFamily="34" charset="0"/>
-                <a:sym typeface="+mn-ea"/>
-              </a:rPr>
-              <a:t>Types of Document Embeddings</a:t>
-            </a:r>
-            <a:endParaRPr sz="2400" b="1" i="0">
-              <a:solidFill>
-                <a:srgbClr val="C00000"/>
-              </a:solidFill>
-              <a:latin typeface="Arial" panose="020B0604020202020204" pitchFamily="34" charset="0"/>
-              <a:ea typeface="Nunito"/>
-              <a:cs typeface="Arial" panose="020B0604020202020204" pitchFamily="34" charset="0"/>
-            </a:endParaRPr>
-          </a:p>
-          <a:p>
-            <a:pPr marL="0" indent="0" algn="l" fontAlgn="base">
-              <a:spcBef>
-                <a:spcPct val="0"/>
-              </a:spcBef>
-              <a:spcAft>
-                <a:spcPct val="0"/>
-              </a:spcAft>
-            </a:pPr>
-            <a:endParaRPr sz="2000" b="1" i="0">
-              <a:solidFill>
-                <a:srgbClr val="273239"/>
-              </a:solidFill>
-              <a:latin typeface="Arial" panose="020B0604020202020204" pitchFamily="34" charset="0"/>
-              <a:ea typeface="Nunito"/>
-              <a:cs typeface="Arial" panose="020B0604020202020204" pitchFamily="34" charset="0"/>
-            </a:endParaRPr>
-          </a:p>
-          <a:p>
-            <a:pPr marL="457200" lvl="1" indent="0" algn="l" fontAlgn="base">
-              <a:spcBef>
-                <a:spcPct val="0"/>
-              </a:spcBef>
-              <a:spcAft>
-                <a:spcPct val="0"/>
-              </a:spcAft>
-            </a:pPr>
-            <a:r>
-              <a:rPr sz="1600" b="1">
-                <a:solidFill>
-                  <a:srgbClr val="C00000"/>
-                </a:solidFill>
-                <a:latin typeface="Arial" panose="020B0604020202020204" pitchFamily="34" charset="0"/>
-                <a:ea typeface="Nunito"/>
-                <a:cs typeface="Arial" panose="020B0604020202020204" pitchFamily="34" charset="0"/>
-                <a:sym typeface="+mn-ea"/>
-              </a:rPr>
-              <a:t>1. Doc2Vec:</a:t>
-            </a:r>
-            <a:endParaRPr sz="1600" b="1" i="0">
-              <a:solidFill>
-                <a:srgbClr val="C00000"/>
-              </a:solidFill>
-              <a:latin typeface="Arial" panose="020B0604020202020204" pitchFamily="34" charset="0"/>
-              <a:ea typeface="Nunito"/>
-              <a:cs typeface="Arial" panose="020B0604020202020204" pitchFamily="34" charset="0"/>
-            </a:endParaRPr>
-          </a:p>
-          <a:p>
-            <a:pPr marL="457200" lvl="1" indent="0" algn="l" fontAlgn="base">
-              <a:spcBef>
-                <a:spcPct val="0"/>
-              </a:spcBef>
-              <a:spcAft>
-                <a:spcPct val="0"/>
-              </a:spcAft>
-            </a:pPr>
-            <a:r>
-              <a:rPr>
-                <a:solidFill>
-                  <a:srgbClr val="273239"/>
-                </a:solidFill>
-                <a:latin typeface="Arial" panose="020B0604020202020204" pitchFamily="34" charset="0"/>
-                <a:ea typeface="Nunito"/>
-                <a:cs typeface="Arial" panose="020B0604020202020204" pitchFamily="34" charset="0"/>
-                <a:sym typeface="+mn-ea"/>
-              </a:rPr>
-              <a:t>An extension of Word2Vec, </a:t>
-            </a:r>
-            <a:r>
-              <a:rPr u="sng">
-                <a:solidFill>
-                  <a:srgbClr val="357960"/>
-                </a:solidFill>
-                <a:latin typeface="Arial" panose="020B0604020202020204" pitchFamily="34" charset="0"/>
-                <a:ea typeface="Nunito"/>
-                <a:cs typeface="Arial" panose="020B0604020202020204" pitchFamily="34" charset="0"/>
-                <a:sym typeface="+mn-ea"/>
-                <a:hlinkClick r:id="rId1"/>
-              </a:rPr>
-              <a:t>Doc2Vec</a:t>
-            </a:r>
-            <a:r>
-              <a:rPr>
-                <a:solidFill>
-                  <a:srgbClr val="273239"/>
-                </a:solidFill>
-                <a:latin typeface="Arial" panose="020B0604020202020204" pitchFamily="34" charset="0"/>
-                <a:ea typeface="Nunito"/>
-                <a:cs typeface="Arial" panose="020B0604020202020204" pitchFamily="34" charset="0"/>
-                <a:sym typeface="+mn-ea"/>
-              </a:rPr>
-              <a:t> generates vector representations for documents using two models: Distributed Memory (DM) and Distributed Bag of Words (DBOW).</a:t>
-            </a:r>
-            <a:endParaRPr b="0" i="0">
-              <a:solidFill>
-                <a:srgbClr val="273239"/>
-              </a:solidFill>
-              <a:latin typeface="Arial" panose="020B0604020202020204" pitchFamily="34" charset="0"/>
-              <a:ea typeface="Nunito"/>
-              <a:cs typeface="Arial" panose="020B0604020202020204" pitchFamily="34" charset="0"/>
-            </a:endParaRPr>
-          </a:p>
-          <a:p>
-            <a:pPr marL="457200" lvl="1" indent="0" algn="l" fontAlgn="base">
-              <a:spcBef>
-                <a:spcPct val="0"/>
-              </a:spcBef>
-              <a:spcAft>
-                <a:spcPct val="0"/>
-              </a:spcAft>
-            </a:pPr>
-            <a:r>
-              <a:rPr sz="1600" b="1">
-                <a:solidFill>
-                  <a:srgbClr val="C00000"/>
-                </a:solidFill>
-                <a:effectLst>
-                  <a:outerShdw blurRad="38100" dist="38100" dir="2700000" algn="tl">
-                    <a:srgbClr val="000000">
-                      <a:alpha val="43137"/>
-                    </a:srgbClr>
-                  </a:outerShdw>
-                </a:effectLst>
-                <a:latin typeface="Arial" panose="020B0604020202020204" pitchFamily="34" charset="0"/>
-                <a:ea typeface="Nunito"/>
-                <a:cs typeface="Arial" panose="020B0604020202020204" pitchFamily="34" charset="0"/>
-                <a:sym typeface="+mn-ea"/>
-              </a:rPr>
-              <a:t>2. TF-IDF Weighted Word Embeddings:</a:t>
-            </a:r>
-            <a:endParaRPr sz="1600" b="1" i="0">
-              <a:solidFill>
-                <a:srgbClr val="C00000"/>
-              </a:solidFill>
-              <a:effectLst>
-                <a:outerShdw blurRad="38100" dist="38100" dir="2700000" algn="tl">
-                  <a:srgbClr val="000000">
-                    <a:alpha val="43137"/>
-                  </a:srgbClr>
-                </a:outerShdw>
-              </a:effectLst>
-              <a:latin typeface="Arial" panose="020B0604020202020204" pitchFamily="34" charset="0"/>
-              <a:ea typeface="Nunito"/>
-              <a:cs typeface="Arial" panose="020B0604020202020204" pitchFamily="34" charset="0"/>
-            </a:endParaRPr>
-          </a:p>
-          <a:p>
-            <a:pPr marL="457200" lvl="1" indent="0" algn="l" fontAlgn="base">
-              <a:spcBef>
-                <a:spcPct val="0"/>
-              </a:spcBef>
-              <a:spcAft>
-                <a:spcPct val="0"/>
-              </a:spcAft>
-            </a:pPr>
-            <a:r>
-              <a:rPr>
-                <a:solidFill>
-                  <a:srgbClr val="273239"/>
-                </a:solidFill>
-                <a:latin typeface="Arial" panose="020B0604020202020204" pitchFamily="34" charset="0"/>
-                <a:ea typeface="Nunito"/>
-                <a:cs typeface="Arial" panose="020B0604020202020204" pitchFamily="34" charset="0"/>
-                <a:sym typeface="+mn-ea"/>
-              </a:rPr>
-              <a:t>Combines TF-IDF with word embeddings by weighting each word vector with its TF-IDF score, then averaging to get the document vector.</a:t>
-            </a:r>
-            <a:endParaRPr lang="en-US">
-              <a:solidFill>
-                <a:srgbClr val="273239"/>
-              </a:solidFill>
-              <a:latin typeface="Arial" panose="020B0604020202020204" pitchFamily="34" charset="0"/>
-              <a:ea typeface="Nunito"/>
-              <a:cs typeface="Arial" panose="020B0604020202020204" pitchFamily="34" charset="0"/>
-              <a:sym typeface="+mn-ea"/>
-            </a:endParaRPr>
+            <a:r>
+              <a:rPr lang="en-US" altLang="en-US"/>
+              <a:t>https://github.com/topics/text-classification?o=asc&amp;s=forks&amp;utm_source=chatgpt.com</a:t>
+            </a:r>
+            <a:endParaRPr lang="en-US"/>
+          </a:p>
+        </p:txBody>
+      </p:sp>
+      <p:sp>
+        <p:nvSpPr>
+          <p:cNvPr id="4" name="Text Box 3"/>
+          <p:cNvSpPr txBox="1"/>
+          <p:nvPr/>
+        </p:nvSpPr>
+        <p:spPr>
+          <a:xfrm>
+            <a:off x="3048000" y="4775835"/>
+            <a:ext cx="6096000" cy="645160"/>
+          </a:xfrm>
+          <a:prstGeom prst="rect">
+            <a:avLst/>
+          </a:prstGeom>
+          <a:noFill/>
+        </p:spPr>
+        <p:txBody>
+          <a:bodyPr wrap="square" rtlCol="0" anchor="t">
+            <a:spAutoFit/>
+          </a:bodyPr>
+          <a:p>
+            <a:r>
+              <a:rPr lang="en-US" altLang="en-US"/>
+              <a:t>https://www.kaggle.com/datasets/bittlingmayer/amazonreviews</a:t>
+            </a:r>
+            <a:endParaRPr lang="en-US"/>
+          </a:p>
+        </p:txBody>
+      </p:sp>
+      <p:sp>
+        <p:nvSpPr>
+          <p:cNvPr id="5" name="Text Box 4"/>
+          <p:cNvSpPr txBox="1"/>
+          <p:nvPr/>
+        </p:nvSpPr>
+        <p:spPr>
+          <a:xfrm>
+            <a:off x="2828290" y="5636260"/>
+            <a:ext cx="6096000" cy="645160"/>
+          </a:xfrm>
+          <a:prstGeom prst="rect">
+            <a:avLst/>
+          </a:prstGeom>
+          <a:noFill/>
+        </p:spPr>
+        <p:txBody>
+          <a:bodyPr wrap="square" rtlCol="0" anchor="t">
+            <a:spAutoFit/>
+          </a:bodyPr>
+          <a:p>
+            <a:r>
+              <a:rPr lang="en-US" altLang="en-US"/>
+              <a:t>https://github.com/nafisalawalidris/Product-Review-Sentiment-Analysis/blob/main/Product_Review_Analysis.ipynb</a:t>
+            </a:r>
+            <a:endParaRPr lang="en-US"/>
           </a:p>
         </p:txBody>
       </p:sp>
@@ -9185,6 +8818,566 @@
         </p:nvSpPr>
         <p:spPr>
           <a:xfrm>
+            <a:off x="451485" y="260985"/>
+            <a:ext cx="9878060" cy="3969385"/>
+          </a:xfrm>
+          <a:prstGeom prst="rect">
+            <a:avLst/>
+          </a:prstGeom>
+        </p:spPr>
+        <p:txBody>
+          <a:bodyPr wrap="square">
+            <a:spAutoFit/>
+          </a:bodyPr>
+          <a:p>
+            <a:pPr marL="0" indent="0" algn="l" fontAlgn="base">
+              <a:spcBef>
+                <a:spcPct val="0"/>
+              </a:spcBef>
+              <a:spcAft>
+                <a:spcPct val="0"/>
+              </a:spcAft>
+            </a:pPr>
+            <a:r>
+              <a:rPr sz="3200" b="1" i="0">
+                <a:solidFill>
+                  <a:srgbClr val="C00000"/>
+                </a:solidFill>
+                <a:latin typeface="Arial Black" panose="020B0A04020102020204" charset="0"/>
+                <a:ea typeface="Nunito"/>
+                <a:cs typeface="Arial Black" panose="020B0A04020102020204" charset="0"/>
+              </a:rPr>
+              <a:t>2. Document Embeddings</a:t>
+            </a:r>
+            <a:endParaRPr sz="3200" b="1" i="0">
+              <a:solidFill>
+                <a:srgbClr val="C00000"/>
+              </a:solidFill>
+              <a:latin typeface="Arial Black" panose="020B0A04020102020204" charset="0"/>
+              <a:ea typeface="Nunito"/>
+              <a:cs typeface="Arial Black" panose="020B0A04020102020204" charset="0"/>
+            </a:endParaRPr>
+          </a:p>
+          <a:p>
+            <a:pPr marL="457200" lvl="1" indent="0" algn="l" fontAlgn="base">
+              <a:spcBef>
+                <a:spcPct val="0"/>
+              </a:spcBef>
+              <a:spcAft>
+                <a:spcPct val="0"/>
+              </a:spcAft>
+            </a:pPr>
+            <a:r>
+              <a:rPr sz="1600" b="0" i="0">
+                <a:solidFill>
+                  <a:srgbClr val="273239"/>
+                </a:solidFill>
+                <a:latin typeface="Nunito"/>
+                <a:ea typeface="Nunito"/>
+              </a:rPr>
+              <a:t>Document embeddings extend word embeddings to represent entire documents as fixed-length vectors. These embeddings capture the overall semantics and contextual information of the document, making them useful for tasks like document classification, clustering, and retrieval.</a:t>
+            </a:r>
+            <a:endParaRPr sz="1600" b="0" i="0">
+              <a:solidFill>
+                <a:srgbClr val="273239"/>
+              </a:solidFill>
+              <a:latin typeface="Nunito"/>
+              <a:ea typeface="Nunito"/>
+            </a:endParaRPr>
+          </a:p>
+          <a:p>
+            <a:pPr marL="457200" lvl="1" indent="0" algn="l" fontAlgn="base">
+              <a:spcBef>
+                <a:spcPct val="0"/>
+              </a:spcBef>
+              <a:spcAft>
+                <a:spcPct val="0"/>
+              </a:spcAft>
+            </a:pPr>
+            <a:endParaRPr sz="1600" b="0" i="0">
+              <a:solidFill>
+                <a:srgbClr val="273239"/>
+              </a:solidFill>
+              <a:latin typeface="Nunito"/>
+              <a:ea typeface="Nunito"/>
+            </a:endParaRPr>
+          </a:p>
+          <a:p>
+            <a:pPr marL="0" indent="0" algn="l" fontAlgn="base">
+              <a:spcBef>
+                <a:spcPct val="0"/>
+              </a:spcBef>
+              <a:spcAft>
+                <a:spcPct val="0"/>
+              </a:spcAft>
+            </a:pPr>
+            <a:r>
+              <a:rPr sz="2000" b="1" i="0">
+                <a:solidFill>
+                  <a:srgbClr val="273239"/>
+                </a:solidFill>
+                <a:latin typeface="Nunito"/>
+                <a:ea typeface="Nunito"/>
+              </a:rPr>
+              <a:t>Advantages:</a:t>
+            </a:r>
+            <a:endParaRPr sz="2000" b="1" i="0">
+              <a:solidFill>
+                <a:srgbClr val="273239"/>
+              </a:solidFill>
+              <a:latin typeface="Nunito"/>
+              <a:ea typeface="Nunito"/>
+            </a:endParaRPr>
+          </a:p>
+          <a:p>
+            <a:pPr marL="457200" lvl="1" indent="0" algn="l" fontAlgn="base">
+              <a:spcBef>
+                <a:spcPct val="0"/>
+              </a:spcBef>
+              <a:spcAft>
+                <a:spcPct val="0"/>
+              </a:spcAft>
+              <a:buFont typeface="Arial" panose="020B0604020202020204"/>
+              <a:buChar char="•"/>
+            </a:pPr>
+            <a:r>
+              <a:rPr sz="1600" b="0" i="0">
+                <a:solidFill>
+                  <a:srgbClr val="273239"/>
+                </a:solidFill>
+                <a:latin typeface="Nunito"/>
+                <a:ea typeface="Nunito"/>
+              </a:rPr>
+              <a:t>Captures overall semantics of documents.</a:t>
+            </a:r>
+            <a:endParaRPr sz="1600" b="0" i="0">
+              <a:solidFill>
+                <a:srgbClr val="273239"/>
+              </a:solidFill>
+              <a:latin typeface="Nunito"/>
+              <a:ea typeface="Nunito"/>
+            </a:endParaRPr>
+          </a:p>
+          <a:p>
+            <a:pPr marL="457200" lvl="1" indent="0" algn="l" fontAlgn="base">
+              <a:spcBef>
+                <a:spcPct val="0"/>
+              </a:spcBef>
+              <a:spcAft>
+                <a:spcPct val="0"/>
+              </a:spcAft>
+              <a:buFont typeface="Arial" panose="020B0604020202020204"/>
+              <a:buChar char="•"/>
+            </a:pPr>
+            <a:r>
+              <a:rPr sz="1600" b="0" i="0">
+                <a:solidFill>
+                  <a:srgbClr val="273239"/>
+                </a:solidFill>
+                <a:latin typeface="Nunito"/>
+                <a:ea typeface="Nunito"/>
+              </a:rPr>
+              <a:t>Useful for various document-level NLP tasks.</a:t>
+            </a:r>
+            <a:endParaRPr sz="1600" b="0" i="0">
+              <a:solidFill>
+                <a:srgbClr val="273239"/>
+              </a:solidFill>
+              <a:latin typeface="Nunito"/>
+              <a:ea typeface="Nunito"/>
+            </a:endParaRPr>
+          </a:p>
+          <a:p>
+            <a:pPr marL="457200" lvl="1" indent="0" algn="l" fontAlgn="base">
+              <a:spcBef>
+                <a:spcPct val="0"/>
+              </a:spcBef>
+              <a:spcAft>
+                <a:spcPct val="0"/>
+              </a:spcAft>
+              <a:buFont typeface="Arial" panose="020B0604020202020204"/>
+              <a:buChar char="•"/>
+            </a:pPr>
+            <a:r>
+              <a:rPr sz="1600" b="0" i="0">
+                <a:solidFill>
+                  <a:srgbClr val="273239"/>
+                </a:solidFill>
+                <a:latin typeface="Nunito"/>
+                <a:ea typeface="Nunito"/>
+              </a:rPr>
+              <a:t>Handles variable-length text inputs.</a:t>
+            </a:r>
+            <a:endParaRPr sz="1600" b="0" i="0">
+              <a:solidFill>
+                <a:srgbClr val="273239"/>
+              </a:solidFill>
+              <a:latin typeface="Nunito"/>
+              <a:ea typeface="Nunito"/>
+            </a:endParaRPr>
+          </a:p>
+          <a:p>
+            <a:pPr marL="0" indent="0" algn="l" fontAlgn="base">
+              <a:spcBef>
+                <a:spcPct val="0"/>
+              </a:spcBef>
+              <a:spcAft>
+                <a:spcPct val="0"/>
+              </a:spcAft>
+              <a:buFont typeface="Arial" panose="020B0604020202020204"/>
+              <a:buChar char="•"/>
+            </a:pPr>
+            <a:endParaRPr sz="2000" b="0" i="0">
+              <a:solidFill>
+                <a:srgbClr val="273239"/>
+              </a:solidFill>
+              <a:latin typeface="Nunito"/>
+              <a:ea typeface="Nunito"/>
+            </a:endParaRPr>
+          </a:p>
+          <a:p>
+            <a:pPr marL="0" indent="0" algn="l" fontAlgn="base">
+              <a:spcBef>
+                <a:spcPct val="0"/>
+              </a:spcBef>
+              <a:spcAft>
+                <a:spcPct val="0"/>
+              </a:spcAft>
+            </a:pPr>
+            <a:r>
+              <a:rPr sz="2000" b="1" i="0">
+                <a:solidFill>
+                  <a:srgbClr val="273239"/>
+                </a:solidFill>
+                <a:latin typeface="Nunito"/>
+                <a:ea typeface="Nunito"/>
+              </a:rPr>
+              <a:t>Disadvantages:</a:t>
+            </a:r>
+            <a:endParaRPr sz="2000" b="1" i="0">
+              <a:solidFill>
+                <a:srgbClr val="273239"/>
+              </a:solidFill>
+              <a:latin typeface="Nunito"/>
+              <a:ea typeface="Nunito"/>
+            </a:endParaRPr>
+          </a:p>
+          <a:p>
+            <a:pPr marL="457200" lvl="1" indent="0" algn="l" fontAlgn="base">
+              <a:spcBef>
+                <a:spcPct val="0"/>
+              </a:spcBef>
+              <a:spcAft>
+                <a:spcPct val="0"/>
+              </a:spcAft>
+              <a:buFont typeface="Arial" panose="020B0604020202020204"/>
+              <a:buChar char="•"/>
+            </a:pPr>
+            <a:r>
+              <a:rPr sz="1600" b="0" i="0">
+                <a:solidFill>
+                  <a:srgbClr val="273239"/>
+                </a:solidFill>
+                <a:latin typeface="Nunito"/>
+                <a:ea typeface="Nunito"/>
+              </a:rPr>
+              <a:t>Requires substantial computational resources for training on large datasets.</a:t>
+            </a:r>
+            <a:endParaRPr sz="1600" b="0" i="0">
+              <a:solidFill>
+                <a:srgbClr val="273239"/>
+              </a:solidFill>
+              <a:latin typeface="Nunito"/>
+              <a:ea typeface="Nunito"/>
+            </a:endParaRPr>
+          </a:p>
+          <a:p>
+            <a:pPr marL="457200" lvl="1" indent="0" algn="l" fontAlgn="base">
+              <a:spcBef>
+                <a:spcPct val="0"/>
+              </a:spcBef>
+              <a:spcAft>
+                <a:spcPct val="0"/>
+              </a:spcAft>
+              <a:buFont typeface="Arial" panose="020B0604020202020204"/>
+              <a:buChar char="•"/>
+            </a:pPr>
+            <a:r>
+              <a:rPr sz="1600" b="0" i="0">
+                <a:solidFill>
+                  <a:srgbClr val="273239"/>
+                </a:solidFill>
+                <a:latin typeface="Nunito"/>
+                <a:ea typeface="Nunito"/>
+              </a:rPr>
+              <a:t>May not capture nuanced details in very large documents.</a:t>
+            </a:r>
+            <a:endParaRPr sz="1600" b="0" i="0">
+              <a:solidFill>
+                <a:srgbClr val="273239"/>
+              </a:solidFill>
+              <a:latin typeface="Nunito"/>
+              <a:ea typeface="Nunito"/>
+            </a:endParaRPr>
+          </a:p>
+        </p:txBody>
+      </p:sp>
+      <p:sp>
+        <p:nvSpPr>
+          <p:cNvPr id="3" name="Text Box 2"/>
+          <p:cNvSpPr txBox="1"/>
+          <p:nvPr/>
+        </p:nvSpPr>
+        <p:spPr>
+          <a:xfrm>
+            <a:off x="460375" y="4337050"/>
+            <a:ext cx="9869170" cy="2368550"/>
+          </a:xfrm>
+          <a:prstGeom prst="rect">
+            <a:avLst/>
+          </a:prstGeom>
+          <a:noFill/>
+        </p:spPr>
+        <p:txBody>
+          <a:bodyPr wrap="square" rtlCol="0" anchor="t">
+            <a:spAutoFit/>
+          </a:bodyPr>
+          <a:p>
+            <a:pPr marL="0" indent="0" algn="l" fontAlgn="base">
+              <a:spcBef>
+                <a:spcPct val="0"/>
+              </a:spcBef>
+              <a:spcAft>
+                <a:spcPct val="0"/>
+              </a:spcAft>
+            </a:pPr>
+            <a:r>
+              <a:rPr sz="2400" b="1">
+                <a:solidFill>
+                  <a:srgbClr val="C00000"/>
+                </a:solidFill>
+                <a:latin typeface="Arial" panose="020B0604020202020204" pitchFamily="34" charset="0"/>
+                <a:ea typeface="Nunito"/>
+                <a:cs typeface="Arial" panose="020B0604020202020204" pitchFamily="34" charset="0"/>
+                <a:sym typeface="+mn-ea"/>
+              </a:rPr>
+              <a:t>Types of Document Embeddings</a:t>
+            </a:r>
+            <a:endParaRPr sz="2400" b="1" i="0">
+              <a:solidFill>
+                <a:srgbClr val="C00000"/>
+              </a:solidFill>
+              <a:latin typeface="Arial" panose="020B0604020202020204" pitchFamily="34" charset="0"/>
+              <a:ea typeface="Nunito"/>
+              <a:cs typeface="Arial" panose="020B0604020202020204" pitchFamily="34" charset="0"/>
+            </a:endParaRPr>
+          </a:p>
+          <a:p>
+            <a:pPr marL="0" indent="0" algn="l" fontAlgn="base">
+              <a:spcBef>
+                <a:spcPct val="0"/>
+              </a:spcBef>
+              <a:spcAft>
+                <a:spcPct val="0"/>
+              </a:spcAft>
+            </a:pPr>
+            <a:endParaRPr sz="2000" b="1" i="0">
+              <a:solidFill>
+                <a:srgbClr val="273239"/>
+              </a:solidFill>
+              <a:latin typeface="Arial" panose="020B0604020202020204" pitchFamily="34" charset="0"/>
+              <a:ea typeface="Nunito"/>
+              <a:cs typeface="Arial" panose="020B0604020202020204" pitchFamily="34" charset="0"/>
+            </a:endParaRPr>
+          </a:p>
+          <a:p>
+            <a:pPr marL="457200" lvl="1" indent="0" algn="l" fontAlgn="base">
+              <a:spcBef>
+                <a:spcPct val="0"/>
+              </a:spcBef>
+              <a:spcAft>
+                <a:spcPct val="0"/>
+              </a:spcAft>
+            </a:pPr>
+            <a:r>
+              <a:rPr sz="1600" b="1">
+                <a:solidFill>
+                  <a:srgbClr val="C00000"/>
+                </a:solidFill>
+                <a:latin typeface="Arial" panose="020B0604020202020204" pitchFamily="34" charset="0"/>
+                <a:ea typeface="Nunito"/>
+                <a:cs typeface="Arial" panose="020B0604020202020204" pitchFamily="34" charset="0"/>
+                <a:sym typeface="+mn-ea"/>
+              </a:rPr>
+              <a:t>1. Doc2Vec:</a:t>
+            </a:r>
+            <a:endParaRPr sz="1600" b="1" i="0">
+              <a:solidFill>
+                <a:srgbClr val="C00000"/>
+              </a:solidFill>
+              <a:latin typeface="Arial" panose="020B0604020202020204" pitchFamily="34" charset="0"/>
+              <a:ea typeface="Nunito"/>
+              <a:cs typeface="Arial" panose="020B0604020202020204" pitchFamily="34" charset="0"/>
+            </a:endParaRPr>
+          </a:p>
+          <a:p>
+            <a:pPr marL="457200" lvl="1" indent="0" algn="l" fontAlgn="base">
+              <a:spcBef>
+                <a:spcPct val="0"/>
+              </a:spcBef>
+              <a:spcAft>
+                <a:spcPct val="0"/>
+              </a:spcAft>
+            </a:pPr>
+            <a:r>
+              <a:rPr>
+                <a:solidFill>
+                  <a:srgbClr val="273239"/>
+                </a:solidFill>
+                <a:latin typeface="Arial" panose="020B0604020202020204" pitchFamily="34" charset="0"/>
+                <a:ea typeface="Nunito"/>
+                <a:cs typeface="Arial" panose="020B0604020202020204" pitchFamily="34" charset="0"/>
+                <a:sym typeface="+mn-ea"/>
+              </a:rPr>
+              <a:t>An extension of Word2Vec, </a:t>
+            </a:r>
+            <a:r>
+              <a:rPr u="sng">
+                <a:solidFill>
+                  <a:srgbClr val="357960"/>
+                </a:solidFill>
+                <a:latin typeface="Arial" panose="020B0604020202020204" pitchFamily="34" charset="0"/>
+                <a:ea typeface="Nunito"/>
+                <a:cs typeface="Arial" panose="020B0604020202020204" pitchFamily="34" charset="0"/>
+                <a:sym typeface="+mn-ea"/>
+                <a:hlinkClick r:id="rId1"/>
+              </a:rPr>
+              <a:t>Doc2Vec</a:t>
+            </a:r>
+            <a:r>
+              <a:rPr>
+                <a:solidFill>
+                  <a:srgbClr val="273239"/>
+                </a:solidFill>
+                <a:latin typeface="Arial" panose="020B0604020202020204" pitchFamily="34" charset="0"/>
+                <a:ea typeface="Nunito"/>
+                <a:cs typeface="Arial" panose="020B0604020202020204" pitchFamily="34" charset="0"/>
+                <a:sym typeface="+mn-ea"/>
+              </a:rPr>
+              <a:t> generates vector representations for documents using two models: Distributed Memory (DM) and Distributed Bag of Words (DBOW).</a:t>
+            </a:r>
+            <a:endParaRPr b="0" i="0">
+              <a:solidFill>
+                <a:srgbClr val="273239"/>
+              </a:solidFill>
+              <a:latin typeface="Arial" panose="020B0604020202020204" pitchFamily="34" charset="0"/>
+              <a:ea typeface="Nunito"/>
+              <a:cs typeface="Arial" panose="020B0604020202020204" pitchFamily="34" charset="0"/>
+            </a:endParaRPr>
+          </a:p>
+          <a:p>
+            <a:pPr marL="457200" lvl="1" indent="0" algn="l" fontAlgn="base">
+              <a:spcBef>
+                <a:spcPct val="0"/>
+              </a:spcBef>
+              <a:spcAft>
+                <a:spcPct val="0"/>
+              </a:spcAft>
+            </a:pPr>
+            <a:r>
+              <a:rPr sz="1600" b="1">
+                <a:solidFill>
+                  <a:srgbClr val="C00000"/>
+                </a:solidFill>
+                <a:effectLst>
+                  <a:outerShdw blurRad="38100" dist="38100" dir="2700000" algn="tl">
+                    <a:srgbClr val="000000">
+                      <a:alpha val="43137"/>
+                    </a:srgbClr>
+                  </a:outerShdw>
+                </a:effectLst>
+                <a:latin typeface="Arial" panose="020B0604020202020204" pitchFamily="34" charset="0"/>
+                <a:ea typeface="Nunito"/>
+                <a:cs typeface="Arial" panose="020B0604020202020204" pitchFamily="34" charset="0"/>
+                <a:sym typeface="+mn-ea"/>
+              </a:rPr>
+              <a:t>2. TF-IDF Weighted Word Embeddings:</a:t>
+            </a:r>
+            <a:endParaRPr sz="1600" b="1" i="0">
+              <a:solidFill>
+                <a:srgbClr val="C00000"/>
+              </a:solidFill>
+              <a:effectLst>
+                <a:outerShdw blurRad="38100" dist="38100" dir="2700000" algn="tl">
+                  <a:srgbClr val="000000">
+                    <a:alpha val="43137"/>
+                  </a:srgbClr>
+                </a:outerShdw>
+              </a:effectLst>
+              <a:latin typeface="Arial" panose="020B0604020202020204" pitchFamily="34" charset="0"/>
+              <a:ea typeface="Nunito"/>
+              <a:cs typeface="Arial" panose="020B0604020202020204" pitchFamily="34" charset="0"/>
+            </a:endParaRPr>
+          </a:p>
+          <a:p>
+            <a:pPr marL="457200" lvl="1" indent="0" algn="l" fontAlgn="base">
+              <a:spcBef>
+                <a:spcPct val="0"/>
+              </a:spcBef>
+              <a:spcAft>
+                <a:spcPct val="0"/>
+              </a:spcAft>
+            </a:pPr>
+            <a:r>
+              <a:rPr>
+                <a:solidFill>
+                  <a:srgbClr val="273239"/>
+                </a:solidFill>
+                <a:latin typeface="Arial" panose="020B0604020202020204" pitchFamily="34" charset="0"/>
+                <a:ea typeface="Nunito"/>
+                <a:cs typeface="Arial" panose="020B0604020202020204" pitchFamily="34" charset="0"/>
+                <a:sym typeface="+mn-ea"/>
+              </a:rPr>
+              <a:t>Combines TF-IDF with word embeddings by weighting each word vector with its TF-IDF score, then averaging to get the document vector.</a:t>
+            </a:r>
+            <a:endParaRPr lang="en-US">
+              <a:solidFill>
+                <a:srgbClr val="273239"/>
+              </a:solidFill>
+              <a:latin typeface="Arial" panose="020B0604020202020204" pitchFamily="34" charset="0"/>
+              <a:ea typeface="Nunito"/>
+              <a:cs typeface="Arial" panose="020B0604020202020204" pitchFamily="34" charset="0"/>
+              <a:sym typeface="+mn-ea"/>
+            </a:endParaRPr>
+          </a:p>
+        </p:txBody>
+      </p:sp>
+    </p:spTree>
+  </p:cSld>
+  <p:clrMapOvr>
+    <a:masterClrMapping/>
+  </p:clrMapOvr>
+</p:sld>
+</file>
+
+<file path=ppt/slides/slide23.xml><?xml version="1.0" encoding="utf-8"?>
+<p:sld xmlns:a="http://schemas.openxmlformats.org/drawingml/2006/main" xmlns:r="http://schemas.openxmlformats.org/officeDocument/2006/relationships" xmlns:p="http://schemas.openxmlformats.org/presentationml/2006/main">
+  <p:cSld>
+    <p:spTree>
+      <p:nvGrpSpPr>
+        <p:cNvPr id="1" name=""/>
+        <p:cNvGrpSpPr/>
+        <p:nvPr/>
+      </p:nvGrpSpPr>
+      <p:grpSpPr/>
+      <p:sp>
+        <p:nvSpPr>
+          <p:cNvPr id="2" name="Text Box 1"/>
+          <p:cNvSpPr txBox="1"/>
+          <p:nvPr/>
+        </p:nvSpPr>
+        <p:spPr>
+          <a:xfrm>
             <a:off x="142240" y="0"/>
             <a:ext cx="11467465" cy="7077710"/>
           </a:xfrm>
@@ -9829,7 +10022,7 @@
 </p:sld>
 </file>
 
-<file path=ppt/slides/slide23.xml><?xml version="1.0" encoding="utf-8"?>
+<file path=ppt/slides/slide24.xml><?xml version="1.0" encoding="utf-8"?>
 <p:sld xmlns:a="http://schemas.openxmlformats.org/drawingml/2006/main" xmlns:r="http://schemas.openxmlformats.org/officeDocument/2006/relationships" xmlns:p="http://schemas.openxmlformats.org/presentationml/2006/main">
   <p:cSld>
     <p:spTree>
@@ -10174,7 +10367,7 @@
 </p:sld>
 </file>
 
-<file path=ppt/slides/slide24.xml><?xml version="1.0" encoding="utf-8"?>
+<file path=ppt/slides/slide25.xml><?xml version="1.0" encoding="utf-8"?>
 <p:sld xmlns:a="http://schemas.openxmlformats.org/drawingml/2006/main" xmlns:r="http://schemas.openxmlformats.org/officeDocument/2006/relationships" xmlns:p="http://schemas.openxmlformats.org/presentationml/2006/main">
   <p:cSld>
     <p:spTree>
@@ -10192,7 +10385,7 @@
 </p:sld>
 </file>
 
-<file path=ppt/slides/slide25.xml><?xml version="1.0" encoding="utf-8"?>
+<file path=ppt/slides/slide26.xml><?xml version="1.0" encoding="utf-8"?>
 <p:sld xmlns:a="http://schemas.openxmlformats.org/drawingml/2006/main" xmlns:r="http://schemas.openxmlformats.org/officeDocument/2006/relationships" xmlns:p="http://schemas.openxmlformats.org/presentationml/2006/main">
   <p:cSld>
     <p:spTree>
@@ -10553,7 +10746,7 @@
 </p:sld>
 </file>
 
-<file path=ppt/slides/slide26.xml><?xml version="1.0" encoding="utf-8"?>
+<file path=ppt/slides/slide27.xml><?xml version="1.0" encoding="utf-8"?>
 <p:sld xmlns:a="http://schemas.openxmlformats.org/drawingml/2006/main" xmlns:r="http://schemas.openxmlformats.org/officeDocument/2006/relationships" xmlns:p="http://schemas.openxmlformats.org/presentationml/2006/main">
   <p:cSld>
     <p:spTree>
@@ -10747,7 +10940,7 @@
 </p:sld>
 </file>
 
-<file path=ppt/slides/slide27.xml><?xml version="1.0" encoding="utf-8"?>
+<file path=ppt/slides/slide28.xml><?xml version="1.0" encoding="utf-8"?>
 <p:sld xmlns:a="http://schemas.openxmlformats.org/drawingml/2006/main" xmlns:r="http://schemas.openxmlformats.org/officeDocument/2006/relationships" xmlns:p="http://schemas.openxmlformats.org/presentationml/2006/main">
   <p:cSld>
     <p:spTree>
@@ -11031,7 +11224,7 @@
 </p:sld>
 </file>
 
-<file path=ppt/slides/slide28.xml><?xml version="1.0" encoding="utf-8"?>
+<file path=ppt/slides/slide29.xml><?xml version="1.0" encoding="utf-8"?>
 <p:sld xmlns:a="http://schemas.openxmlformats.org/drawingml/2006/main" xmlns:r="http://schemas.openxmlformats.org/officeDocument/2006/relationships" xmlns:p="http://schemas.openxmlformats.org/presentationml/2006/main">
   <p:cSld>
     <p:spTree>
@@ -11515,7 +11708,166 @@
 </p:sld>
 </file>
 
-<file path=ppt/slides/slide29.xml><?xml version="1.0" encoding="utf-8"?>
+<file path=ppt/slides/slide3.xml><?xml version="1.0" encoding="utf-8"?>
+<p:sld xmlns:a="http://schemas.openxmlformats.org/drawingml/2006/main" xmlns:r="http://schemas.openxmlformats.org/officeDocument/2006/relationships" xmlns:p="http://schemas.openxmlformats.org/presentationml/2006/main">
+  <p:cSld>
+    <p:spTree>
+      <p:nvGrpSpPr>
+        <p:cNvPr id="1" name=""/>
+        <p:cNvGrpSpPr/>
+        <p:nvPr/>
+      </p:nvGrpSpPr>
+      <p:grpSpPr/>
+      <p:sp>
+        <p:nvSpPr>
+          <p:cNvPr id="2" name="Text Box 1"/>
+          <p:cNvSpPr txBox="1"/>
+          <p:nvPr/>
+        </p:nvSpPr>
+        <p:spPr>
+          <a:xfrm>
+            <a:off x="434975" y="1939925"/>
+            <a:ext cx="9144000" cy="3907790"/>
+          </a:xfrm>
+          <a:prstGeom prst="rect">
+            <a:avLst/>
+          </a:prstGeom>
+          <a:noFill/>
+        </p:spPr>
+        <p:txBody>
+          <a:bodyPr wrap="square" rtlCol="0">
+            <a:spAutoFit/>
+          </a:bodyPr>
+          <a:p>
+            <a:r>
+              <a:rPr lang="en-US" sz="3200" b="1"/>
+              <a:t>Steps</a:t>
+            </a:r>
+            <a:endParaRPr lang="en-US" sz="2400"/>
+          </a:p>
+          <a:p>
+            <a:pPr marL="285750" indent="-285750">
+              <a:buFont typeface="Arial" panose="020B0604020202020204" pitchFamily="34" charset="0"/>
+              <a:buChar char="•"/>
+            </a:pPr>
+            <a:r>
+              <a:rPr lang="en-US"/>
+              <a:t>c</a:t>
+            </a:r>
+            <a:r>
+              <a:rPr lang="en-US" sz="2400"/>
+              <a:t>lean text-&gt;lower,uper,remove special char</a:t>
+            </a:r>
+            <a:endParaRPr lang="en-US" sz="2400"/>
+          </a:p>
+          <a:p>
+            <a:pPr indent="0">
+              <a:buFont typeface="Arial" panose="020B0604020202020204" pitchFamily="34" charset="0"/>
+              <a:buNone/>
+            </a:pPr>
+            <a:endParaRPr lang="en-US" sz="2400"/>
+          </a:p>
+          <a:p>
+            <a:pPr marL="285750" indent="-285750" algn="l">
+              <a:buFont typeface="Arial" panose="020B0604020202020204" pitchFamily="34" charset="0"/>
+              <a:buChar char="•"/>
+            </a:pPr>
+            <a:r>
+              <a:rPr lang="en-US" sz="2400"/>
+              <a:t>Tokenizations --&gt; word,sentence, stopswords removel,lemmitations, stemming</a:t>
+            </a:r>
+            <a:endParaRPr lang="en-US" sz="2400"/>
+          </a:p>
+          <a:p>
+            <a:pPr marL="285750" indent="-285750">
+              <a:buFont typeface="Arial" panose="020B0604020202020204" pitchFamily="34" charset="0"/>
+              <a:buChar char="•"/>
+            </a:pPr>
+            <a:endParaRPr lang="en-US" sz="2400"/>
+          </a:p>
+          <a:p>
+            <a:pPr marL="285750" indent="-285750">
+              <a:buFont typeface="Arial" panose="020B0604020202020204" pitchFamily="34" charset="0"/>
+              <a:buChar char="•"/>
+            </a:pPr>
+            <a:r>
+              <a:rPr lang="en-US" sz="2400"/>
+              <a:t>convert words/text representations</a:t>
+            </a:r>
+            <a:endParaRPr lang="en-US" sz="2400"/>
+          </a:p>
+          <a:p>
+            <a:pPr marL="285750" indent="-285750">
+              <a:buFont typeface="Arial" panose="020B0604020202020204" pitchFamily="34" charset="0"/>
+              <a:buChar char="•"/>
+            </a:pPr>
+            <a:r>
+              <a:rPr lang="en-US" sz="2400"/>
+              <a:t>BOW,</a:t>
+            </a:r>
+            <a:endParaRPr lang="en-US" sz="2400"/>
+          </a:p>
+          <a:p>
+            <a:pPr indent="457200"/>
+            <a:endParaRPr lang="en-US" sz="2400"/>
+          </a:p>
+          <a:p>
+            <a:endParaRPr lang="en-US" sz="2400"/>
+          </a:p>
+        </p:txBody>
+      </p:sp>
+      <p:sp>
+        <p:nvSpPr>
+          <p:cNvPr id="4" name="Text Box 3"/>
+          <p:cNvSpPr txBox="1"/>
+          <p:nvPr/>
+        </p:nvSpPr>
+        <p:spPr>
+          <a:xfrm>
+            <a:off x="608330" y="288290"/>
+            <a:ext cx="11362055" cy="1014730"/>
+          </a:xfrm>
+          <a:prstGeom prst="rect">
+            <a:avLst/>
+          </a:prstGeom>
+        </p:spPr>
+        <p:txBody>
+          <a:bodyPr wrap="square">
+            <a:spAutoFit/>
+          </a:bodyPr>
+          <a:p>
+            <a:pPr marL="342900" indent="-342900">
+              <a:buFont typeface="Arial" panose="020B0604020202020204" pitchFamily="34" charset="0"/>
+              <a:buChar char="•"/>
+            </a:pPr>
+            <a:r>
+              <a:rPr sz="2000"/>
+              <a:t>Text preprocessing is the process of cleaning and preparing raw text data before feeding it into NLP models.</a:t>
+            </a:r>
+            <a:endParaRPr sz="2000"/>
+          </a:p>
+          <a:p>
+            <a:pPr marL="342900" indent="-342900">
+              <a:buFont typeface="Arial" panose="020B0604020202020204" pitchFamily="34" charset="0"/>
+              <a:buChar char="•"/>
+            </a:pPr>
+            <a:r>
+              <a:rPr sz="2000"/>
+              <a:t> It helps models understand text more efficiently and accurately.</a:t>
+            </a:r>
+            <a:endParaRPr sz="2000"/>
+          </a:p>
+        </p:txBody>
+      </p:sp>
+    </p:spTree>
+  </p:cSld>
+  <p:clrMapOvr>
+    <a:masterClrMapping/>
+  </p:clrMapOvr>
+</p:sld>
+</file>
+
+<file path=ppt/slides/slide30.xml><?xml version="1.0" encoding="utf-8"?>
 <p:sld xmlns:a="http://schemas.openxmlformats.org/drawingml/2006/main" xmlns:r="http://schemas.openxmlformats.org/officeDocument/2006/relationships" xmlns:p="http://schemas.openxmlformats.org/presentationml/2006/main">
   <p:cSld>
     <p:spTree>
@@ -11870,166 +12222,7 @@
 </p:sld>
 </file>
 
-<file path=ppt/slides/slide3.xml><?xml version="1.0" encoding="utf-8"?>
-<p:sld xmlns:a="http://schemas.openxmlformats.org/drawingml/2006/main" xmlns:r="http://schemas.openxmlformats.org/officeDocument/2006/relationships" xmlns:p="http://schemas.openxmlformats.org/presentationml/2006/main">
-  <p:cSld>
-    <p:spTree>
-      <p:nvGrpSpPr>
-        <p:cNvPr id="1" name=""/>
-        <p:cNvGrpSpPr/>
-        <p:nvPr/>
-      </p:nvGrpSpPr>
-      <p:grpSpPr/>
-      <p:sp>
-        <p:nvSpPr>
-          <p:cNvPr id="2" name="Text Box 1"/>
-          <p:cNvSpPr txBox="1"/>
-          <p:nvPr/>
-        </p:nvSpPr>
-        <p:spPr>
-          <a:xfrm>
-            <a:off x="434975" y="1939925"/>
-            <a:ext cx="9144000" cy="3907790"/>
-          </a:xfrm>
-          <a:prstGeom prst="rect">
-            <a:avLst/>
-          </a:prstGeom>
-          <a:noFill/>
-        </p:spPr>
-        <p:txBody>
-          <a:bodyPr wrap="square" rtlCol="0">
-            <a:spAutoFit/>
-          </a:bodyPr>
-          <a:p>
-            <a:r>
-              <a:rPr lang="en-US" sz="3200" b="1"/>
-              <a:t>Steps</a:t>
-            </a:r>
-            <a:endParaRPr lang="en-US" sz="2400"/>
-          </a:p>
-          <a:p>
-            <a:pPr marL="285750" indent="-285750">
-              <a:buFont typeface="Arial" panose="020B0604020202020204" pitchFamily="34" charset="0"/>
-              <a:buChar char="•"/>
-            </a:pPr>
-            <a:r>
-              <a:rPr lang="en-US"/>
-              <a:t>c</a:t>
-            </a:r>
-            <a:r>
-              <a:rPr lang="en-US" sz="2400"/>
-              <a:t>lean text-&gt;lower,uper,remove special char</a:t>
-            </a:r>
-            <a:endParaRPr lang="en-US" sz="2400"/>
-          </a:p>
-          <a:p>
-            <a:pPr indent="0">
-              <a:buFont typeface="Arial" panose="020B0604020202020204" pitchFamily="34" charset="0"/>
-              <a:buNone/>
-            </a:pPr>
-            <a:endParaRPr lang="en-US" sz="2400"/>
-          </a:p>
-          <a:p>
-            <a:pPr marL="285750" indent="-285750" algn="l">
-              <a:buFont typeface="Arial" panose="020B0604020202020204" pitchFamily="34" charset="0"/>
-              <a:buChar char="•"/>
-            </a:pPr>
-            <a:r>
-              <a:rPr lang="en-US" sz="2400"/>
-              <a:t>Tokenizations --&gt; word,sentence, stopswords removel,lemmitations, stemming</a:t>
-            </a:r>
-            <a:endParaRPr lang="en-US" sz="2400"/>
-          </a:p>
-          <a:p>
-            <a:pPr marL="285750" indent="-285750">
-              <a:buFont typeface="Arial" panose="020B0604020202020204" pitchFamily="34" charset="0"/>
-              <a:buChar char="•"/>
-            </a:pPr>
-            <a:endParaRPr lang="en-US" sz="2400"/>
-          </a:p>
-          <a:p>
-            <a:pPr marL="285750" indent="-285750">
-              <a:buFont typeface="Arial" panose="020B0604020202020204" pitchFamily="34" charset="0"/>
-              <a:buChar char="•"/>
-            </a:pPr>
-            <a:r>
-              <a:rPr lang="en-US" sz="2400"/>
-              <a:t>convert words/text representations</a:t>
-            </a:r>
-            <a:endParaRPr lang="en-US" sz="2400"/>
-          </a:p>
-          <a:p>
-            <a:pPr marL="285750" indent="-285750">
-              <a:buFont typeface="Arial" panose="020B0604020202020204" pitchFamily="34" charset="0"/>
-              <a:buChar char="•"/>
-            </a:pPr>
-            <a:r>
-              <a:rPr lang="en-US" sz="2400"/>
-              <a:t>BOW,</a:t>
-            </a:r>
-            <a:endParaRPr lang="en-US" sz="2400"/>
-          </a:p>
-          <a:p>
-            <a:pPr indent="457200"/>
-            <a:endParaRPr lang="en-US" sz="2400"/>
-          </a:p>
-          <a:p>
-            <a:endParaRPr lang="en-US" sz="2400"/>
-          </a:p>
-        </p:txBody>
-      </p:sp>
-      <p:sp>
-        <p:nvSpPr>
-          <p:cNvPr id="4" name="Text Box 3"/>
-          <p:cNvSpPr txBox="1"/>
-          <p:nvPr/>
-        </p:nvSpPr>
-        <p:spPr>
-          <a:xfrm>
-            <a:off x="608330" y="288290"/>
-            <a:ext cx="11362055" cy="1014730"/>
-          </a:xfrm>
-          <a:prstGeom prst="rect">
-            <a:avLst/>
-          </a:prstGeom>
-        </p:spPr>
-        <p:txBody>
-          <a:bodyPr wrap="square">
-            <a:spAutoFit/>
-          </a:bodyPr>
-          <a:p>
-            <a:pPr marL="342900" indent="-342900">
-              <a:buFont typeface="Arial" panose="020B0604020202020204" pitchFamily="34" charset="0"/>
-              <a:buChar char="•"/>
-            </a:pPr>
-            <a:r>
-              <a:rPr sz="2000"/>
-              <a:t>Text preprocessing is the process of cleaning and preparing raw text data before feeding it into NLP models.</a:t>
-            </a:r>
-            <a:endParaRPr sz="2000"/>
-          </a:p>
-          <a:p>
-            <a:pPr marL="342900" indent="-342900">
-              <a:buFont typeface="Arial" panose="020B0604020202020204" pitchFamily="34" charset="0"/>
-              <a:buChar char="•"/>
-            </a:pPr>
-            <a:r>
-              <a:rPr sz="2000"/>
-              <a:t> It helps models understand text more efficiently and accurately.</a:t>
-            </a:r>
-            <a:endParaRPr sz="2000"/>
-          </a:p>
-        </p:txBody>
-      </p:sp>
-    </p:spTree>
-  </p:cSld>
-  <p:clrMapOvr>
-    <a:masterClrMapping/>
-  </p:clrMapOvr>
-</p:sld>
-</file>
-
-<file path=ppt/slides/slide30.xml><?xml version="1.0" encoding="utf-8"?>
+<file path=ppt/slides/slide31.xml><?xml version="1.0" encoding="utf-8"?>
 <p:sld xmlns:a="http://schemas.openxmlformats.org/drawingml/2006/main" xmlns:r="http://schemas.openxmlformats.org/officeDocument/2006/relationships" xmlns:p="http://schemas.openxmlformats.org/presentationml/2006/main">
   <p:cSld>
     <p:spTree>
@@ -12241,7 +12434,7 @@
 </p:sld>
 </file>
 
-<file path=ppt/slides/slide31.xml><?xml version="1.0" encoding="utf-8"?>
+<file path=ppt/slides/slide32.xml><?xml version="1.0" encoding="utf-8"?>
 <p:sld xmlns:a="http://schemas.openxmlformats.org/drawingml/2006/main" xmlns:r="http://schemas.openxmlformats.org/officeDocument/2006/relationships" xmlns:p="http://schemas.openxmlformats.org/presentationml/2006/main">
   <p:cSld>
     <p:spTree>
@@ -12506,7 +12699,7 @@
 </p:sld>
 </file>
 
-<file path=ppt/slides/slide32.xml><?xml version="1.0" encoding="utf-8"?>
+<file path=ppt/slides/slide33.xml><?xml version="1.0" encoding="utf-8"?>
 <p:sld xmlns:a="http://schemas.openxmlformats.org/drawingml/2006/main" xmlns:r="http://schemas.openxmlformats.org/officeDocument/2006/relationships" xmlns:p="http://schemas.openxmlformats.org/presentationml/2006/main">
   <p:cSld>
     <p:spTree>
@@ -12815,7 +13008,7 @@
 </p:sld>
 </file>
 
-<file path=ppt/slides/slide33.xml><?xml version="1.0" encoding="utf-8"?>
+<file path=ppt/slides/slide34.xml><?xml version="1.0" encoding="utf-8"?>
 <p:sld xmlns:a="http://schemas.openxmlformats.org/drawingml/2006/main" xmlns:r="http://schemas.openxmlformats.org/officeDocument/2006/relationships" xmlns:p="http://schemas.openxmlformats.org/presentationml/2006/main">
   <p:cSld>
     <p:spTree>
@@ -13058,7 +13251,7 @@
 </p:sld>
 </file>
 
-<file path=ppt/slides/slide34.xml><?xml version="1.0" encoding="utf-8"?>
+<file path=ppt/slides/slide35.xml><?xml version="1.0" encoding="utf-8"?>
 <p:sld xmlns:a="http://schemas.openxmlformats.org/drawingml/2006/main" xmlns:r="http://schemas.openxmlformats.org/officeDocument/2006/relationships" xmlns:p="http://schemas.openxmlformats.org/presentationml/2006/main">
   <p:cSld>
     <p:spTree>
@@ -13184,7 +13377,7 @@
 </p:sld>
 </file>
 
-<file path=ppt/slides/slide35.xml><?xml version="1.0" encoding="utf-8"?>
+<file path=ppt/slides/slide36.xml><?xml version="1.0" encoding="utf-8"?>
 <p:sld xmlns:a="http://schemas.openxmlformats.org/drawingml/2006/main" xmlns:r="http://schemas.openxmlformats.org/officeDocument/2006/relationships" xmlns:p="http://schemas.openxmlformats.org/presentationml/2006/main">
   <p:cSld>
     <p:spTree>
@@ -13437,7 +13630,7 @@
 </p:sld>
 </file>
 
-<file path=ppt/slides/slide36.xml><?xml version="1.0" encoding="utf-8"?>
+<file path=ppt/slides/slide37.xml><?xml version="1.0" encoding="utf-8"?>
 <p:sld xmlns:a="http://schemas.openxmlformats.org/drawingml/2006/main" xmlns:r="http://schemas.openxmlformats.org/officeDocument/2006/relationships" xmlns:p="http://schemas.openxmlformats.org/presentationml/2006/main">
   <p:cSld>
     <p:spTree>
@@ -13660,7 +13853,7 @@
 </p:sld>
 </file>
 
-<file path=ppt/slides/slide37.xml><?xml version="1.0" encoding="utf-8"?>
+<file path=ppt/slides/slide38.xml><?xml version="1.0" encoding="utf-8"?>
 <p:sld xmlns:a="http://schemas.openxmlformats.org/drawingml/2006/main" xmlns:r="http://schemas.openxmlformats.org/officeDocument/2006/relationships" xmlns:p="http://schemas.openxmlformats.org/presentationml/2006/main">
   <p:cSld>
     <p:spTree>
@@ -14169,7 +14362,7 @@
 </p:sld>
 </file>
 
-<file path=ppt/slides/slide38.xml><?xml version="1.0" encoding="utf-8"?>
+<file path=ppt/slides/slide39.xml><?xml version="1.0" encoding="utf-8"?>
 <p:sld xmlns:a="http://schemas.openxmlformats.org/drawingml/2006/main" xmlns:r="http://schemas.openxmlformats.org/officeDocument/2006/relationships" xmlns:p="http://schemas.openxmlformats.org/presentationml/2006/main">
   <p:cSld>
     <p:spTree>
@@ -14869,944 +15062,6 @@
               <a:solidFill>
                 <a:srgbClr val="FF0000"/>
               </a:solidFill>
-            </a:endParaRPr>
-          </a:p>
-        </p:txBody>
-      </p:sp>
-    </p:spTree>
-  </p:cSld>
-  <p:clrMapOvr>
-    <a:masterClrMapping/>
-  </p:clrMapOvr>
-</p:sld>
-</file>
-
-<file path=ppt/slides/slide39.xml><?xml version="1.0" encoding="utf-8"?>
-<p:sld xmlns:a="http://schemas.openxmlformats.org/drawingml/2006/main" xmlns:r="http://schemas.openxmlformats.org/officeDocument/2006/relationships" xmlns:p="http://schemas.openxmlformats.org/presentationml/2006/main">
-  <p:cSld>
-    <p:spTree>
-      <p:nvGrpSpPr>
-        <p:cNvPr id="1" name=""/>
-        <p:cNvGrpSpPr/>
-        <p:nvPr/>
-      </p:nvGrpSpPr>
-      <p:grpSpPr/>
-      <p:sp>
-        <p:nvSpPr>
-          <p:cNvPr id="5" name="Text Box 4"/>
-          <p:cNvSpPr txBox="1"/>
-          <p:nvPr/>
-        </p:nvSpPr>
-        <p:spPr>
-          <a:xfrm>
-            <a:off x="565785" y="362903"/>
-            <a:ext cx="5080000" cy="2263775"/>
-          </a:xfrm>
-          <a:prstGeom prst="rect">
-            <a:avLst/>
-          </a:prstGeom>
-        </p:spPr>
-        <p:txBody>
-          <a:bodyPr>
-            <a:spAutoFit/>
-          </a:bodyPr>
-          <a:p>
-            <a:pPr marL="0" indent="0">
-              <a:spcBef>
-                <a:spcPts val="1000"/>
-              </a:spcBef>
-              <a:spcAft>
-                <a:spcPts val="500"/>
-              </a:spcAft>
-            </a:pPr>
-            <a:r>
-              <a:rPr sz="2500" b="0" i="0">
-                <a:solidFill>
-                  <a:srgbClr val="333333"/>
-                </a:solidFill>
-                <a:latin typeface="Tomorrow"/>
-                <a:ea typeface="Tomorrow"/>
-              </a:rPr>
-              <a:t>RASA Chatbot  </a:t>
-            </a:r>
-            <a:endParaRPr sz="2500" b="0" i="0">
-              <a:solidFill>
-                <a:srgbClr val="333333"/>
-              </a:solidFill>
-              <a:latin typeface="Tomorrow"/>
-              <a:ea typeface="Tomorrow"/>
-            </a:endParaRPr>
-          </a:p>
-          <a:p>
-            <a:pPr marL="742950" lvl="1" indent="-285750">
-              <a:spcBef>
-                <a:spcPct val="0"/>
-              </a:spcBef>
-              <a:spcAft>
-                <a:spcPct val="0"/>
-              </a:spcAft>
-              <a:buFont typeface="Arial" panose="020B0604020202020204" pitchFamily="34" charset="0"/>
-              <a:buChar char="•"/>
-            </a:pPr>
-            <a:r>
-              <a:rPr sz="1600" b="0" i="0">
-                <a:solidFill>
-                  <a:srgbClr val="333333"/>
-                </a:solidFill>
-                <a:latin typeface="Tomorrow"/>
-                <a:ea typeface="Tomorrow"/>
-              </a:rPr>
-              <a:t>What is RASA</a:t>
-            </a:r>
-            <a:endParaRPr sz="1600" b="0" i="0">
-              <a:solidFill>
-                <a:srgbClr val="333333"/>
-              </a:solidFill>
-              <a:latin typeface="Tomorrow"/>
-              <a:ea typeface="Tomorrow"/>
-            </a:endParaRPr>
-          </a:p>
-          <a:p>
-            <a:pPr marL="742950" lvl="1" indent="-285750">
-              <a:spcBef>
-                <a:spcPct val="0"/>
-              </a:spcBef>
-              <a:spcAft>
-                <a:spcPct val="0"/>
-              </a:spcAft>
-              <a:buFont typeface="Arial" panose="020B0604020202020204" pitchFamily="34" charset="0"/>
-              <a:buChar char="•"/>
-            </a:pPr>
-            <a:r>
-              <a:rPr sz="1600" b="0" i="0">
-                <a:solidFill>
-                  <a:srgbClr val="333333"/>
-                </a:solidFill>
-                <a:latin typeface="Tomorrow"/>
-                <a:ea typeface="Tomorrow"/>
-              </a:rPr>
-              <a:t>RASA Installation</a:t>
-            </a:r>
-            <a:endParaRPr sz="1600" b="0" i="0">
-              <a:solidFill>
-                <a:srgbClr val="333333"/>
-              </a:solidFill>
-              <a:latin typeface="Tomorrow"/>
-              <a:ea typeface="Tomorrow"/>
-            </a:endParaRPr>
-          </a:p>
-          <a:p>
-            <a:pPr marL="742950" lvl="1" indent="-285750">
-              <a:spcBef>
-                <a:spcPct val="0"/>
-              </a:spcBef>
-              <a:spcAft>
-                <a:spcPct val="0"/>
-              </a:spcAft>
-              <a:buFont typeface="Arial" panose="020B0604020202020204" pitchFamily="34" charset="0"/>
-              <a:buChar char="•"/>
-            </a:pPr>
-            <a:r>
-              <a:rPr sz="1600" b="0" i="0">
-                <a:solidFill>
-                  <a:srgbClr val="333333"/>
-                </a:solidFill>
-                <a:latin typeface="Tomorrow"/>
-                <a:ea typeface="Tomorrow"/>
-              </a:rPr>
-              <a:t>RASA Initialization</a:t>
-            </a:r>
-            <a:endParaRPr sz="1600" b="0" i="0">
-              <a:solidFill>
-                <a:srgbClr val="333333"/>
-              </a:solidFill>
-              <a:latin typeface="Tomorrow"/>
-              <a:ea typeface="Tomorrow"/>
-            </a:endParaRPr>
-          </a:p>
-          <a:p>
-            <a:pPr marL="742950" lvl="1" indent="-285750">
-              <a:spcBef>
-                <a:spcPct val="0"/>
-              </a:spcBef>
-              <a:spcAft>
-                <a:spcPct val="0"/>
-              </a:spcAft>
-              <a:buFont typeface="Arial" panose="020B0604020202020204" pitchFamily="34" charset="0"/>
-              <a:buChar char="•"/>
-            </a:pPr>
-            <a:r>
-              <a:rPr sz="1600" b="0" i="0">
-                <a:solidFill>
-                  <a:srgbClr val="333333"/>
-                </a:solidFill>
-                <a:latin typeface="Tomorrow"/>
-                <a:ea typeface="Tomorrow"/>
-              </a:rPr>
-              <a:t>RASA Configuration and File System</a:t>
-            </a:r>
-            <a:endParaRPr sz="1600" b="0" i="0">
-              <a:solidFill>
-                <a:srgbClr val="333333"/>
-              </a:solidFill>
-              <a:latin typeface="Tomorrow"/>
-              <a:ea typeface="Tomorrow"/>
-            </a:endParaRPr>
-          </a:p>
-          <a:p>
-            <a:pPr marL="742950" lvl="1" indent="-285750">
-              <a:spcBef>
-                <a:spcPct val="0"/>
-              </a:spcBef>
-              <a:spcAft>
-                <a:spcPct val="0"/>
-              </a:spcAft>
-              <a:buFont typeface="Arial" panose="020B0604020202020204" pitchFamily="34" charset="0"/>
-              <a:buChar char="•"/>
-            </a:pPr>
-            <a:r>
-              <a:rPr sz="1600" b="0" i="0">
-                <a:solidFill>
-                  <a:srgbClr val="333333"/>
-                </a:solidFill>
-                <a:latin typeface="Tomorrow"/>
-                <a:ea typeface="Tomorrow"/>
-              </a:rPr>
-              <a:t>Intents, Entity,Response and Story</a:t>
-            </a:r>
-            <a:endParaRPr sz="1600" b="0" i="0">
-              <a:solidFill>
-                <a:srgbClr val="333333"/>
-              </a:solidFill>
-              <a:latin typeface="Tomorrow"/>
-              <a:ea typeface="Tomorrow"/>
-            </a:endParaRPr>
-          </a:p>
-          <a:p>
-            <a:pPr marL="742950" lvl="1" indent="-285750">
-              <a:spcBef>
-                <a:spcPct val="0"/>
-              </a:spcBef>
-              <a:spcAft>
-                <a:spcPct val="0"/>
-              </a:spcAft>
-              <a:buFont typeface="Arial" panose="020B0604020202020204" pitchFamily="34" charset="0"/>
-              <a:buChar char="•"/>
-            </a:pPr>
-            <a:r>
-              <a:rPr sz="1600" b="0" i="0">
-                <a:solidFill>
-                  <a:srgbClr val="333333"/>
-                </a:solidFill>
-                <a:latin typeface="Tomorrow"/>
-                <a:ea typeface="Tomorrow"/>
-              </a:rPr>
-              <a:t>Actions</a:t>
-            </a:r>
-            <a:endParaRPr sz="1600" b="0" i="0">
-              <a:solidFill>
-                <a:srgbClr val="333333"/>
-              </a:solidFill>
-              <a:latin typeface="Tomorrow"/>
-              <a:ea typeface="Tomorrow"/>
-            </a:endParaRPr>
-          </a:p>
-          <a:p>
-            <a:pPr marL="742950" lvl="1" indent="-285750">
-              <a:spcBef>
-                <a:spcPct val="0"/>
-              </a:spcBef>
-              <a:spcAft>
-                <a:spcPct val="0"/>
-              </a:spcAft>
-              <a:buFont typeface="Arial" panose="020B0604020202020204" pitchFamily="34" charset="0"/>
-              <a:buChar char="•"/>
-            </a:pPr>
-            <a:r>
-              <a:rPr sz="1600" b="0" i="0">
-                <a:solidFill>
-                  <a:srgbClr val="333333"/>
-                </a:solidFill>
-                <a:latin typeface="Tomorrow"/>
-                <a:ea typeface="Tomorrow"/>
-              </a:rPr>
-              <a:t>Assignment</a:t>
-            </a:r>
-            <a:endParaRPr sz="1600" b="0" i="0">
-              <a:solidFill>
-                <a:srgbClr val="333333"/>
-              </a:solidFill>
-              <a:latin typeface="Tomorrow"/>
-              <a:ea typeface="Tomorrow"/>
-            </a:endParaRPr>
-          </a:p>
-        </p:txBody>
-      </p:sp>
-      <p:sp>
-        <p:nvSpPr>
-          <p:cNvPr id="6" name="Text Box 5"/>
-          <p:cNvSpPr txBox="1"/>
-          <p:nvPr/>
-        </p:nvSpPr>
-        <p:spPr>
-          <a:xfrm>
-            <a:off x="471805" y="2954020"/>
-            <a:ext cx="5340985" cy="2894330"/>
-          </a:xfrm>
-          <a:prstGeom prst="rect">
-            <a:avLst/>
-          </a:prstGeom>
-        </p:spPr>
-        <p:txBody>
-          <a:bodyPr wrap="square">
-            <a:spAutoFit/>
-          </a:bodyPr>
-          <a:p>
-            <a:pPr marL="0" indent="0">
-              <a:spcBef>
-                <a:spcPts val="1000"/>
-              </a:spcBef>
-              <a:spcAft>
-                <a:spcPts val="500"/>
-              </a:spcAft>
-            </a:pPr>
-            <a:r>
-              <a:rPr sz="2500" b="0" i="0">
-                <a:solidFill>
-                  <a:srgbClr val="333333"/>
-                </a:solidFill>
-                <a:latin typeface="Tomorrow"/>
-                <a:ea typeface="Tomorrow"/>
-              </a:rPr>
-              <a:t>Introduction to Time Series Analysis  </a:t>
-            </a:r>
-            <a:endParaRPr sz="2500" b="0" i="0">
-              <a:solidFill>
-                <a:srgbClr val="333333"/>
-              </a:solidFill>
-              <a:latin typeface="Tomorrow"/>
-              <a:ea typeface="Tomorrow"/>
-            </a:endParaRPr>
-          </a:p>
-          <a:p>
-            <a:pPr marL="457200" lvl="1" indent="0">
-              <a:spcBef>
-                <a:spcPct val="0"/>
-              </a:spcBef>
-              <a:spcAft>
-                <a:spcPct val="0"/>
-              </a:spcAft>
-            </a:pPr>
-            <a:r>
-              <a:rPr sz="1600" b="0" i="0">
-                <a:solidFill>
-                  <a:srgbClr val="333333"/>
-                </a:solidFill>
-                <a:latin typeface="Tomorrow"/>
-                <a:ea typeface="Tomorrow"/>
-              </a:rPr>
-              <a:t>What is Sequential Data &amp; Time Series</a:t>
-            </a:r>
-            <a:endParaRPr sz="1600" b="0" i="0">
-              <a:solidFill>
-                <a:srgbClr val="333333"/>
-              </a:solidFill>
-              <a:latin typeface="Tomorrow"/>
-              <a:ea typeface="Tomorrow"/>
-            </a:endParaRPr>
-          </a:p>
-          <a:p>
-            <a:pPr marL="457200" lvl="1" indent="0">
-              <a:spcBef>
-                <a:spcPct val="0"/>
-              </a:spcBef>
-              <a:spcAft>
-                <a:spcPct val="0"/>
-              </a:spcAft>
-            </a:pPr>
-            <a:r>
-              <a:rPr sz="1600" b="0" i="0">
-                <a:solidFill>
-                  <a:srgbClr val="333333"/>
-                </a:solidFill>
-                <a:latin typeface="Tomorrow"/>
-                <a:ea typeface="Tomorrow"/>
-              </a:rPr>
-              <a:t>Functional Relationship</a:t>
-            </a:r>
-            <a:endParaRPr sz="1600" b="0" i="0">
-              <a:solidFill>
-                <a:srgbClr val="333333"/>
-              </a:solidFill>
-              <a:latin typeface="Tomorrow"/>
-              <a:ea typeface="Tomorrow"/>
-            </a:endParaRPr>
-          </a:p>
-          <a:p>
-            <a:pPr marL="457200" lvl="1" indent="0">
-              <a:spcBef>
-                <a:spcPct val="0"/>
-              </a:spcBef>
-              <a:spcAft>
-                <a:spcPct val="0"/>
-              </a:spcAft>
-            </a:pPr>
-            <a:r>
-              <a:rPr sz="1600" b="0" i="0">
-                <a:solidFill>
-                  <a:srgbClr val="333333"/>
-                </a:solidFill>
-                <a:latin typeface="Tomorrow"/>
-                <a:ea typeface="Tomorrow"/>
-              </a:rPr>
-              <a:t>Components of Time Series</a:t>
-            </a:r>
-            <a:endParaRPr sz="1600" b="0" i="0">
-              <a:solidFill>
-                <a:srgbClr val="333333"/>
-              </a:solidFill>
-              <a:latin typeface="Tomorrow"/>
-              <a:ea typeface="Tomorrow"/>
-            </a:endParaRPr>
-          </a:p>
-          <a:p>
-            <a:pPr marL="457200" lvl="1" indent="0">
-              <a:spcBef>
-                <a:spcPct val="0"/>
-              </a:spcBef>
-              <a:spcAft>
-                <a:spcPct val="0"/>
-              </a:spcAft>
-            </a:pPr>
-            <a:r>
-              <a:rPr sz="1600" b="0" i="0">
-                <a:solidFill>
-                  <a:srgbClr val="333333"/>
-                </a:solidFill>
-                <a:latin typeface="Tomorrow"/>
-                <a:ea typeface="Tomorrow"/>
-              </a:rPr>
-              <a:t>Mathemetical Representation of Time Series</a:t>
-            </a:r>
-            <a:endParaRPr sz="1600" b="0" i="0">
-              <a:solidFill>
-                <a:srgbClr val="333333"/>
-              </a:solidFill>
-              <a:latin typeface="Tomorrow"/>
-              <a:ea typeface="Tomorrow"/>
-            </a:endParaRPr>
-          </a:p>
-          <a:p>
-            <a:pPr marL="457200" lvl="1" indent="0">
-              <a:spcBef>
-                <a:spcPct val="0"/>
-              </a:spcBef>
-              <a:spcAft>
-                <a:spcPct val="0"/>
-              </a:spcAft>
-            </a:pPr>
-            <a:r>
-              <a:rPr sz="1600" b="0" i="0">
-                <a:solidFill>
-                  <a:srgbClr val="333333"/>
-                </a:solidFill>
-                <a:latin typeface="Tomorrow"/>
-                <a:ea typeface="Tomorrow"/>
-              </a:rPr>
-              <a:t>ETS Decompositon</a:t>
-            </a:r>
-            <a:endParaRPr sz="1600" b="0" i="0">
-              <a:solidFill>
-                <a:srgbClr val="333333"/>
-              </a:solidFill>
-              <a:latin typeface="Tomorrow"/>
-              <a:ea typeface="Tomorrow"/>
-            </a:endParaRPr>
-          </a:p>
-          <a:p>
-            <a:pPr marL="457200" lvl="1" indent="0">
-              <a:spcBef>
-                <a:spcPct val="0"/>
-              </a:spcBef>
-              <a:spcAft>
-                <a:spcPct val="0"/>
-              </a:spcAft>
-            </a:pPr>
-            <a:r>
-              <a:rPr sz="1600" b="0" i="0">
-                <a:solidFill>
-                  <a:srgbClr val="333333"/>
-                </a:solidFill>
-                <a:latin typeface="Tomorrow"/>
-                <a:ea typeface="Tomorrow"/>
-              </a:rPr>
-              <a:t>Classification of Time Series</a:t>
-            </a:r>
-            <a:endParaRPr sz="1600" b="0" i="0">
-              <a:solidFill>
-                <a:srgbClr val="333333"/>
-              </a:solidFill>
-              <a:latin typeface="Tomorrow"/>
-              <a:ea typeface="Tomorrow"/>
-            </a:endParaRPr>
-          </a:p>
-          <a:p>
-            <a:pPr marL="457200" lvl="1" indent="0">
-              <a:spcBef>
-                <a:spcPct val="0"/>
-              </a:spcBef>
-              <a:spcAft>
-                <a:spcPct val="0"/>
-              </a:spcAft>
-            </a:pPr>
-            <a:r>
-              <a:rPr sz="1600" b="0" i="0">
-                <a:solidFill>
-                  <a:srgbClr val="333333"/>
-                </a:solidFill>
-                <a:latin typeface="Tomorrow"/>
-                <a:ea typeface="Tomorrow"/>
-              </a:rPr>
-              <a:t>Defference between ACF &amp; PACF</a:t>
-            </a:r>
-            <a:endParaRPr sz="1600" b="0" i="0">
-              <a:solidFill>
-                <a:srgbClr val="333333"/>
-              </a:solidFill>
-              <a:latin typeface="Tomorrow"/>
-              <a:ea typeface="Tomorrow"/>
-            </a:endParaRPr>
-          </a:p>
-          <a:p>
-            <a:pPr marL="457200" lvl="1" indent="0">
-              <a:spcBef>
-                <a:spcPct val="0"/>
-              </a:spcBef>
-              <a:spcAft>
-                <a:spcPct val="0"/>
-              </a:spcAft>
-            </a:pPr>
-            <a:r>
-              <a:rPr sz="1600" b="0" i="0">
-                <a:solidFill>
-                  <a:srgbClr val="333333"/>
-                </a:solidFill>
-                <a:latin typeface="Tomorrow"/>
-                <a:ea typeface="Tomorrow"/>
-              </a:rPr>
-              <a:t>Assignment</a:t>
-            </a:r>
-            <a:endParaRPr sz="1600" b="0" i="0">
-              <a:solidFill>
-                <a:srgbClr val="333333"/>
-              </a:solidFill>
-              <a:latin typeface="Tomorrow"/>
-              <a:ea typeface="Tomorrow"/>
-            </a:endParaRPr>
-          </a:p>
-        </p:txBody>
-      </p:sp>
-      <p:sp>
-        <p:nvSpPr>
-          <p:cNvPr id="7" name="Text Box 6"/>
-          <p:cNvSpPr txBox="1"/>
-          <p:nvPr/>
-        </p:nvSpPr>
-        <p:spPr>
-          <a:xfrm>
-            <a:off x="6305550" y="362903"/>
-            <a:ext cx="5080000" cy="2402205"/>
-          </a:xfrm>
-          <a:prstGeom prst="rect">
-            <a:avLst/>
-          </a:prstGeom>
-        </p:spPr>
-        <p:txBody>
-          <a:bodyPr>
-            <a:spAutoFit/>
-          </a:bodyPr>
-          <a:p>
-            <a:pPr marL="0" indent="0">
-              <a:spcBef>
-                <a:spcPts val="1000"/>
-              </a:spcBef>
-              <a:spcAft>
-                <a:spcPts val="500"/>
-              </a:spcAft>
-            </a:pPr>
-            <a:r>
-              <a:rPr sz="2500" b="0" i="0">
-                <a:solidFill>
-                  <a:srgbClr val="333333"/>
-                </a:solidFill>
-                <a:latin typeface="Tomorrow"/>
-                <a:ea typeface="Tomorrow"/>
-              </a:rPr>
-              <a:t>Weather Forecasting using ARIMA Model  </a:t>
-            </a:r>
-            <a:endParaRPr sz="2500" b="0" i="0">
-              <a:solidFill>
-                <a:srgbClr val="333333"/>
-              </a:solidFill>
-              <a:latin typeface="Tomorrow"/>
-              <a:ea typeface="Tomorrow"/>
-            </a:endParaRPr>
-          </a:p>
-          <a:p>
-            <a:pPr marL="742950" lvl="1" indent="-285750">
-              <a:spcBef>
-                <a:spcPct val="0"/>
-              </a:spcBef>
-              <a:spcAft>
-                <a:spcPct val="0"/>
-              </a:spcAft>
-              <a:buFont typeface="Arial" panose="020B0604020202020204" pitchFamily="34" charset="0"/>
-              <a:buChar char="•"/>
-            </a:pPr>
-            <a:r>
-              <a:rPr sz="1600" b="0" i="0">
-                <a:solidFill>
-                  <a:srgbClr val="333333"/>
-                </a:solidFill>
-                <a:latin typeface="Tomorrow"/>
-                <a:ea typeface="Tomorrow"/>
-              </a:rPr>
-              <a:t>Introduction to AR and MA model</a:t>
-            </a:r>
-            <a:endParaRPr sz="1600" b="0" i="0">
-              <a:solidFill>
-                <a:srgbClr val="333333"/>
-              </a:solidFill>
-              <a:latin typeface="Tomorrow"/>
-              <a:ea typeface="Tomorrow"/>
-            </a:endParaRPr>
-          </a:p>
-          <a:p>
-            <a:pPr marL="742950" lvl="1" indent="-285750">
-              <a:spcBef>
-                <a:spcPct val="0"/>
-              </a:spcBef>
-              <a:spcAft>
-                <a:spcPct val="0"/>
-              </a:spcAft>
-              <a:buFont typeface="Arial" panose="020B0604020202020204" pitchFamily="34" charset="0"/>
-              <a:buChar char="•"/>
-            </a:pPr>
-            <a:r>
-              <a:rPr sz="1600" b="0" i="0">
-                <a:solidFill>
-                  <a:srgbClr val="333333"/>
-                </a:solidFill>
-                <a:latin typeface="Tomorrow"/>
-                <a:ea typeface="Tomorrow"/>
-              </a:rPr>
-              <a:t>Stationarity &amp; Differencing</a:t>
-            </a:r>
-            <a:endParaRPr sz="1600" b="0" i="0">
-              <a:solidFill>
-                <a:srgbClr val="333333"/>
-              </a:solidFill>
-              <a:latin typeface="Tomorrow"/>
-              <a:ea typeface="Tomorrow"/>
-            </a:endParaRPr>
-          </a:p>
-          <a:p>
-            <a:pPr marL="742950" lvl="1" indent="-285750">
-              <a:spcBef>
-                <a:spcPct val="0"/>
-              </a:spcBef>
-              <a:spcAft>
-                <a:spcPct val="0"/>
-              </a:spcAft>
-              <a:buFont typeface="Arial" panose="020B0604020202020204" pitchFamily="34" charset="0"/>
-              <a:buChar char="•"/>
-            </a:pPr>
-            <a:r>
-              <a:rPr sz="1600" b="0" i="0">
-                <a:solidFill>
-                  <a:srgbClr val="333333"/>
-                </a:solidFill>
-                <a:latin typeface="Tomorrow"/>
-                <a:ea typeface="Tomorrow"/>
-              </a:rPr>
-              <a:t>SariMax of Seasonal Data</a:t>
-            </a:r>
-            <a:endParaRPr sz="1600" b="0" i="0">
-              <a:solidFill>
-                <a:srgbClr val="333333"/>
-              </a:solidFill>
-              <a:latin typeface="Tomorrow"/>
-              <a:ea typeface="Tomorrow"/>
-            </a:endParaRPr>
-          </a:p>
-          <a:p>
-            <a:pPr marL="742950" lvl="1" indent="-285750">
-              <a:spcBef>
-                <a:spcPct val="0"/>
-              </a:spcBef>
-              <a:spcAft>
-                <a:spcPct val="0"/>
-              </a:spcAft>
-              <a:buFont typeface="Arial" panose="020B0604020202020204" pitchFamily="34" charset="0"/>
-              <a:buChar char="•"/>
-            </a:pPr>
-            <a:r>
-              <a:rPr sz="1600" b="0" i="0">
-                <a:solidFill>
-                  <a:srgbClr val="333333"/>
-                </a:solidFill>
-                <a:latin typeface="Tomorrow"/>
-                <a:ea typeface="Tomorrow"/>
-              </a:rPr>
-              <a:t>Identifying order AR(p), I(d), MA(q)</a:t>
-            </a:r>
-            <a:endParaRPr sz="1600" b="0" i="0">
-              <a:solidFill>
-                <a:srgbClr val="333333"/>
-              </a:solidFill>
-              <a:latin typeface="Tomorrow"/>
-              <a:ea typeface="Tomorrow"/>
-            </a:endParaRPr>
-          </a:p>
-          <a:p>
-            <a:pPr marL="742950" lvl="1" indent="-285750">
-              <a:spcBef>
-                <a:spcPct val="0"/>
-              </a:spcBef>
-              <a:spcAft>
-                <a:spcPct val="0"/>
-              </a:spcAft>
-              <a:buFont typeface="Arial" panose="020B0604020202020204" pitchFamily="34" charset="0"/>
-              <a:buChar char="•"/>
-            </a:pPr>
-            <a:r>
-              <a:rPr sz="1600" b="0" i="0">
-                <a:solidFill>
-                  <a:srgbClr val="333333"/>
-                </a:solidFill>
-                <a:latin typeface="Tomorrow"/>
-                <a:ea typeface="Tomorrow"/>
-              </a:rPr>
-              <a:t>Implementation of ARIMA</a:t>
-            </a:r>
-            <a:endParaRPr sz="1600" b="0" i="0">
-              <a:solidFill>
-                <a:srgbClr val="333333"/>
-              </a:solidFill>
-              <a:latin typeface="Tomorrow"/>
-              <a:ea typeface="Tomorrow"/>
-            </a:endParaRPr>
-          </a:p>
-          <a:p>
-            <a:pPr marL="742950" lvl="1" indent="-285750">
-              <a:spcBef>
-                <a:spcPct val="0"/>
-              </a:spcBef>
-              <a:spcAft>
-                <a:spcPct val="0"/>
-              </a:spcAft>
-              <a:buFont typeface="Arial" panose="020B0604020202020204" pitchFamily="34" charset="0"/>
-              <a:buChar char="•"/>
-            </a:pPr>
-            <a:r>
-              <a:rPr sz="1600" b="0" i="0">
-                <a:solidFill>
-                  <a:srgbClr val="333333"/>
-                </a:solidFill>
-                <a:latin typeface="Tomorrow"/>
-                <a:ea typeface="Tomorrow"/>
-              </a:rPr>
-              <a:t>Assignment</a:t>
-            </a:r>
-            <a:endParaRPr sz="1600" b="0" i="0">
-              <a:solidFill>
-                <a:srgbClr val="333333"/>
-              </a:solidFill>
-              <a:latin typeface="Tomorrow"/>
-              <a:ea typeface="Tomorrow"/>
-            </a:endParaRPr>
-          </a:p>
-        </p:txBody>
-      </p:sp>
-      <p:sp>
-        <p:nvSpPr>
-          <p:cNvPr id="8" name="Text Box 7"/>
-          <p:cNvSpPr txBox="1"/>
-          <p:nvPr/>
-        </p:nvSpPr>
-        <p:spPr>
-          <a:xfrm>
-            <a:off x="6399530" y="3322638"/>
-            <a:ext cx="5080000" cy="2402205"/>
-          </a:xfrm>
-          <a:prstGeom prst="rect">
-            <a:avLst/>
-          </a:prstGeom>
-        </p:spPr>
-        <p:txBody>
-          <a:bodyPr>
-            <a:spAutoFit/>
-          </a:bodyPr>
-          <a:p>
-            <a:pPr marL="0" indent="0">
-              <a:spcBef>
-                <a:spcPts val="1000"/>
-              </a:spcBef>
-              <a:spcAft>
-                <a:spcPts val="500"/>
-              </a:spcAft>
-            </a:pPr>
-            <a:r>
-              <a:rPr sz="2500" b="0" i="0">
-                <a:solidFill>
-                  <a:srgbClr val="333333"/>
-                </a:solidFill>
-                <a:latin typeface="Tomorrow"/>
-                <a:ea typeface="Tomorrow"/>
-              </a:rPr>
-              <a:t>Stock Price Prediction using Sequence Model  </a:t>
-            </a:r>
-            <a:endParaRPr sz="2500" b="0" i="0">
-              <a:solidFill>
-                <a:srgbClr val="333333"/>
-              </a:solidFill>
-              <a:latin typeface="Tomorrow"/>
-              <a:ea typeface="Tomorrow"/>
-            </a:endParaRPr>
-          </a:p>
-          <a:p>
-            <a:pPr marL="457200" lvl="1" indent="0">
-              <a:spcBef>
-                <a:spcPct val="0"/>
-              </a:spcBef>
-              <a:spcAft>
-                <a:spcPct val="0"/>
-              </a:spcAft>
-            </a:pPr>
-            <a:r>
-              <a:rPr sz="1600" b="0" i="0">
-                <a:solidFill>
-                  <a:srgbClr val="333333"/>
-                </a:solidFill>
-                <a:latin typeface="Tomorrow"/>
-                <a:ea typeface="Tomorrow"/>
-              </a:rPr>
-              <a:t>Introduction to Sequence Models RNN, LSTM</a:t>
-            </a:r>
-            <a:endParaRPr sz="1600" b="0" i="0">
-              <a:solidFill>
-                <a:srgbClr val="333333"/>
-              </a:solidFill>
-              <a:latin typeface="Tomorrow"/>
-              <a:ea typeface="Tomorrow"/>
-            </a:endParaRPr>
-          </a:p>
-          <a:p>
-            <a:pPr marL="457200" lvl="1" indent="0">
-              <a:spcBef>
-                <a:spcPct val="0"/>
-              </a:spcBef>
-              <a:spcAft>
-                <a:spcPct val="0"/>
-              </a:spcAft>
-            </a:pPr>
-            <a:r>
-              <a:rPr sz="1600" b="0" i="0">
-                <a:solidFill>
-                  <a:srgbClr val="333333"/>
-                </a:solidFill>
-                <a:latin typeface="Tomorrow"/>
-                <a:ea typeface="Tomorrow"/>
-              </a:rPr>
-              <a:t>Preparing Time Series Data for LSTM</a:t>
-            </a:r>
-            <a:endParaRPr sz="1600" b="0" i="0">
-              <a:solidFill>
-                <a:srgbClr val="333333"/>
-              </a:solidFill>
-              <a:latin typeface="Tomorrow"/>
-              <a:ea typeface="Tomorrow"/>
-            </a:endParaRPr>
-          </a:p>
-          <a:p>
-            <a:pPr marL="457200" lvl="1" indent="0">
-              <a:spcBef>
-                <a:spcPct val="0"/>
-              </a:spcBef>
-              <a:spcAft>
-                <a:spcPct val="0"/>
-              </a:spcAft>
-            </a:pPr>
-            <a:r>
-              <a:rPr sz="1600" b="0" i="0">
-                <a:solidFill>
-                  <a:srgbClr val="333333"/>
-                </a:solidFill>
-                <a:latin typeface="Tomorrow"/>
-                <a:ea typeface="Tomorrow"/>
-              </a:rPr>
-              <a:t>Forecasting using LSTM</a:t>
-            </a:r>
-            <a:endParaRPr sz="1600" b="0" i="0">
-              <a:solidFill>
-                <a:srgbClr val="333333"/>
-              </a:solidFill>
-              <a:latin typeface="Tomorrow"/>
-              <a:ea typeface="Tomorrow"/>
-            </a:endParaRPr>
-          </a:p>
-          <a:p>
-            <a:pPr marL="457200" lvl="1" indent="0">
-              <a:spcBef>
-                <a:spcPct val="0"/>
-              </a:spcBef>
-              <a:spcAft>
-                <a:spcPct val="0"/>
-              </a:spcAft>
-            </a:pPr>
-            <a:r>
-              <a:rPr sz="1600" b="0" i="0">
-                <a:solidFill>
-                  <a:srgbClr val="333333"/>
-                </a:solidFill>
-                <a:latin typeface="Tomorrow"/>
-                <a:ea typeface="Tomorrow"/>
-              </a:rPr>
-              <a:t>Future Forecast</a:t>
-            </a:r>
-            <a:endParaRPr sz="1600" b="0" i="0">
-              <a:solidFill>
-                <a:srgbClr val="333333"/>
-              </a:solidFill>
-              <a:latin typeface="Tomorrow"/>
-              <a:ea typeface="Tomorrow"/>
-            </a:endParaRPr>
-          </a:p>
-          <a:p>
-            <a:pPr marL="457200" lvl="1" indent="0">
-              <a:spcBef>
-                <a:spcPct val="0"/>
-              </a:spcBef>
-              <a:spcAft>
-                <a:spcPct val="0"/>
-              </a:spcAft>
-            </a:pPr>
-            <a:r>
-              <a:rPr sz="1600" b="0" i="0">
-                <a:solidFill>
-                  <a:srgbClr val="333333"/>
-                </a:solidFill>
-                <a:latin typeface="Tomorrow"/>
-                <a:ea typeface="Tomorrow"/>
-              </a:rPr>
-              <a:t>Assignment</a:t>
-            </a:r>
-            <a:endParaRPr sz="1600" b="0" i="0">
-              <a:solidFill>
-                <a:srgbClr val="333333"/>
-              </a:solidFill>
-              <a:latin typeface="Tomorrow"/>
-              <a:ea typeface="Tomorrow"/>
             </a:endParaRPr>
           </a:p>
         </p:txBody>
@@ -16122,6 +15377,944 @@
       <p:grpSpPr/>
       <p:sp>
         <p:nvSpPr>
+          <p:cNvPr id="5" name="Text Box 4"/>
+          <p:cNvSpPr txBox="1"/>
+          <p:nvPr/>
+        </p:nvSpPr>
+        <p:spPr>
+          <a:xfrm>
+            <a:off x="565785" y="362903"/>
+            <a:ext cx="5080000" cy="2263775"/>
+          </a:xfrm>
+          <a:prstGeom prst="rect">
+            <a:avLst/>
+          </a:prstGeom>
+        </p:spPr>
+        <p:txBody>
+          <a:bodyPr>
+            <a:spAutoFit/>
+          </a:bodyPr>
+          <a:p>
+            <a:pPr marL="0" indent="0">
+              <a:spcBef>
+                <a:spcPts val="1000"/>
+              </a:spcBef>
+              <a:spcAft>
+                <a:spcPts val="500"/>
+              </a:spcAft>
+            </a:pPr>
+            <a:r>
+              <a:rPr sz="2500" b="0" i="0">
+                <a:solidFill>
+                  <a:srgbClr val="333333"/>
+                </a:solidFill>
+                <a:latin typeface="Tomorrow"/>
+                <a:ea typeface="Tomorrow"/>
+              </a:rPr>
+              <a:t>RASA Chatbot  </a:t>
+            </a:r>
+            <a:endParaRPr sz="2500" b="0" i="0">
+              <a:solidFill>
+                <a:srgbClr val="333333"/>
+              </a:solidFill>
+              <a:latin typeface="Tomorrow"/>
+              <a:ea typeface="Tomorrow"/>
+            </a:endParaRPr>
+          </a:p>
+          <a:p>
+            <a:pPr marL="742950" lvl="1" indent="-285750">
+              <a:spcBef>
+                <a:spcPct val="0"/>
+              </a:spcBef>
+              <a:spcAft>
+                <a:spcPct val="0"/>
+              </a:spcAft>
+              <a:buFont typeface="Arial" panose="020B0604020202020204" pitchFamily="34" charset="0"/>
+              <a:buChar char="•"/>
+            </a:pPr>
+            <a:r>
+              <a:rPr sz="1600" b="0" i="0">
+                <a:solidFill>
+                  <a:srgbClr val="333333"/>
+                </a:solidFill>
+                <a:latin typeface="Tomorrow"/>
+                <a:ea typeface="Tomorrow"/>
+              </a:rPr>
+              <a:t>What is RASA</a:t>
+            </a:r>
+            <a:endParaRPr sz="1600" b="0" i="0">
+              <a:solidFill>
+                <a:srgbClr val="333333"/>
+              </a:solidFill>
+              <a:latin typeface="Tomorrow"/>
+              <a:ea typeface="Tomorrow"/>
+            </a:endParaRPr>
+          </a:p>
+          <a:p>
+            <a:pPr marL="742950" lvl="1" indent="-285750">
+              <a:spcBef>
+                <a:spcPct val="0"/>
+              </a:spcBef>
+              <a:spcAft>
+                <a:spcPct val="0"/>
+              </a:spcAft>
+              <a:buFont typeface="Arial" panose="020B0604020202020204" pitchFamily="34" charset="0"/>
+              <a:buChar char="•"/>
+            </a:pPr>
+            <a:r>
+              <a:rPr sz="1600" b="0" i="0">
+                <a:solidFill>
+                  <a:srgbClr val="333333"/>
+                </a:solidFill>
+                <a:latin typeface="Tomorrow"/>
+                <a:ea typeface="Tomorrow"/>
+              </a:rPr>
+              <a:t>RASA Installation</a:t>
+            </a:r>
+            <a:endParaRPr sz="1600" b="0" i="0">
+              <a:solidFill>
+                <a:srgbClr val="333333"/>
+              </a:solidFill>
+              <a:latin typeface="Tomorrow"/>
+              <a:ea typeface="Tomorrow"/>
+            </a:endParaRPr>
+          </a:p>
+          <a:p>
+            <a:pPr marL="742950" lvl="1" indent="-285750">
+              <a:spcBef>
+                <a:spcPct val="0"/>
+              </a:spcBef>
+              <a:spcAft>
+                <a:spcPct val="0"/>
+              </a:spcAft>
+              <a:buFont typeface="Arial" panose="020B0604020202020204" pitchFamily="34" charset="0"/>
+              <a:buChar char="•"/>
+            </a:pPr>
+            <a:r>
+              <a:rPr sz="1600" b="0" i="0">
+                <a:solidFill>
+                  <a:srgbClr val="333333"/>
+                </a:solidFill>
+                <a:latin typeface="Tomorrow"/>
+                <a:ea typeface="Tomorrow"/>
+              </a:rPr>
+              <a:t>RASA Initialization</a:t>
+            </a:r>
+            <a:endParaRPr sz="1600" b="0" i="0">
+              <a:solidFill>
+                <a:srgbClr val="333333"/>
+              </a:solidFill>
+              <a:latin typeface="Tomorrow"/>
+              <a:ea typeface="Tomorrow"/>
+            </a:endParaRPr>
+          </a:p>
+          <a:p>
+            <a:pPr marL="742950" lvl="1" indent="-285750">
+              <a:spcBef>
+                <a:spcPct val="0"/>
+              </a:spcBef>
+              <a:spcAft>
+                <a:spcPct val="0"/>
+              </a:spcAft>
+              <a:buFont typeface="Arial" panose="020B0604020202020204" pitchFamily="34" charset="0"/>
+              <a:buChar char="•"/>
+            </a:pPr>
+            <a:r>
+              <a:rPr sz="1600" b="0" i="0">
+                <a:solidFill>
+                  <a:srgbClr val="333333"/>
+                </a:solidFill>
+                <a:latin typeface="Tomorrow"/>
+                <a:ea typeface="Tomorrow"/>
+              </a:rPr>
+              <a:t>RASA Configuration and File System</a:t>
+            </a:r>
+            <a:endParaRPr sz="1600" b="0" i="0">
+              <a:solidFill>
+                <a:srgbClr val="333333"/>
+              </a:solidFill>
+              <a:latin typeface="Tomorrow"/>
+              <a:ea typeface="Tomorrow"/>
+            </a:endParaRPr>
+          </a:p>
+          <a:p>
+            <a:pPr marL="742950" lvl="1" indent="-285750">
+              <a:spcBef>
+                <a:spcPct val="0"/>
+              </a:spcBef>
+              <a:spcAft>
+                <a:spcPct val="0"/>
+              </a:spcAft>
+              <a:buFont typeface="Arial" panose="020B0604020202020204" pitchFamily="34" charset="0"/>
+              <a:buChar char="•"/>
+            </a:pPr>
+            <a:r>
+              <a:rPr sz="1600" b="0" i="0">
+                <a:solidFill>
+                  <a:srgbClr val="333333"/>
+                </a:solidFill>
+                <a:latin typeface="Tomorrow"/>
+                <a:ea typeface="Tomorrow"/>
+              </a:rPr>
+              <a:t>Intents, Entity,Response and Story</a:t>
+            </a:r>
+            <a:endParaRPr sz="1600" b="0" i="0">
+              <a:solidFill>
+                <a:srgbClr val="333333"/>
+              </a:solidFill>
+              <a:latin typeface="Tomorrow"/>
+              <a:ea typeface="Tomorrow"/>
+            </a:endParaRPr>
+          </a:p>
+          <a:p>
+            <a:pPr marL="742950" lvl="1" indent="-285750">
+              <a:spcBef>
+                <a:spcPct val="0"/>
+              </a:spcBef>
+              <a:spcAft>
+                <a:spcPct val="0"/>
+              </a:spcAft>
+              <a:buFont typeface="Arial" panose="020B0604020202020204" pitchFamily="34" charset="0"/>
+              <a:buChar char="•"/>
+            </a:pPr>
+            <a:r>
+              <a:rPr sz="1600" b="0" i="0">
+                <a:solidFill>
+                  <a:srgbClr val="333333"/>
+                </a:solidFill>
+                <a:latin typeface="Tomorrow"/>
+                <a:ea typeface="Tomorrow"/>
+              </a:rPr>
+              <a:t>Actions</a:t>
+            </a:r>
+            <a:endParaRPr sz="1600" b="0" i="0">
+              <a:solidFill>
+                <a:srgbClr val="333333"/>
+              </a:solidFill>
+              <a:latin typeface="Tomorrow"/>
+              <a:ea typeface="Tomorrow"/>
+            </a:endParaRPr>
+          </a:p>
+          <a:p>
+            <a:pPr marL="742950" lvl="1" indent="-285750">
+              <a:spcBef>
+                <a:spcPct val="0"/>
+              </a:spcBef>
+              <a:spcAft>
+                <a:spcPct val="0"/>
+              </a:spcAft>
+              <a:buFont typeface="Arial" panose="020B0604020202020204" pitchFamily="34" charset="0"/>
+              <a:buChar char="•"/>
+            </a:pPr>
+            <a:r>
+              <a:rPr sz="1600" b="0" i="0">
+                <a:solidFill>
+                  <a:srgbClr val="333333"/>
+                </a:solidFill>
+                <a:latin typeface="Tomorrow"/>
+                <a:ea typeface="Tomorrow"/>
+              </a:rPr>
+              <a:t>Assignment</a:t>
+            </a:r>
+            <a:endParaRPr sz="1600" b="0" i="0">
+              <a:solidFill>
+                <a:srgbClr val="333333"/>
+              </a:solidFill>
+              <a:latin typeface="Tomorrow"/>
+              <a:ea typeface="Tomorrow"/>
+            </a:endParaRPr>
+          </a:p>
+        </p:txBody>
+      </p:sp>
+      <p:sp>
+        <p:nvSpPr>
+          <p:cNvPr id="6" name="Text Box 5"/>
+          <p:cNvSpPr txBox="1"/>
+          <p:nvPr/>
+        </p:nvSpPr>
+        <p:spPr>
+          <a:xfrm>
+            <a:off x="471805" y="2954020"/>
+            <a:ext cx="5340985" cy="2894330"/>
+          </a:xfrm>
+          <a:prstGeom prst="rect">
+            <a:avLst/>
+          </a:prstGeom>
+        </p:spPr>
+        <p:txBody>
+          <a:bodyPr wrap="square">
+            <a:spAutoFit/>
+          </a:bodyPr>
+          <a:p>
+            <a:pPr marL="0" indent="0">
+              <a:spcBef>
+                <a:spcPts val="1000"/>
+              </a:spcBef>
+              <a:spcAft>
+                <a:spcPts val="500"/>
+              </a:spcAft>
+            </a:pPr>
+            <a:r>
+              <a:rPr sz="2500" b="0" i="0">
+                <a:solidFill>
+                  <a:srgbClr val="333333"/>
+                </a:solidFill>
+                <a:latin typeface="Tomorrow"/>
+                <a:ea typeface="Tomorrow"/>
+              </a:rPr>
+              <a:t>Introduction to Time Series Analysis  </a:t>
+            </a:r>
+            <a:endParaRPr sz="2500" b="0" i="0">
+              <a:solidFill>
+                <a:srgbClr val="333333"/>
+              </a:solidFill>
+              <a:latin typeface="Tomorrow"/>
+              <a:ea typeface="Tomorrow"/>
+            </a:endParaRPr>
+          </a:p>
+          <a:p>
+            <a:pPr marL="457200" lvl="1" indent="0">
+              <a:spcBef>
+                <a:spcPct val="0"/>
+              </a:spcBef>
+              <a:spcAft>
+                <a:spcPct val="0"/>
+              </a:spcAft>
+            </a:pPr>
+            <a:r>
+              <a:rPr sz="1600" b="0" i="0">
+                <a:solidFill>
+                  <a:srgbClr val="333333"/>
+                </a:solidFill>
+                <a:latin typeface="Tomorrow"/>
+                <a:ea typeface="Tomorrow"/>
+              </a:rPr>
+              <a:t>What is Sequential Data &amp; Time Series</a:t>
+            </a:r>
+            <a:endParaRPr sz="1600" b="0" i="0">
+              <a:solidFill>
+                <a:srgbClr val="333333"/>
+              </a:solidFill>
+              <a:latin typeface="Tomorrow"/>
+              <a:ea typeface="Tomorrow"/>
+            </a:endParaRPr>
+          </a:p>
+          <a:p>
+            <a:pPr marL="457200" lvl="1" indent="0">
+              <a:spcBef>
+                <a:spcPct val="0"/>
+              </a:spcBef>
+              <a:spcAft>
+                <a:spcPct val="0"/>
+              </a:spcAft>
+            </a:pPr>
+            <a:r>
+              <a:rPr sz="1600" b="0" i="0">
+                <a:solidFill>
+                  <a:srgbClr val="333333"/>
+                </a:solidFill>
+                <a:latin typeface="Tomorrow"/>
+                <a:ea typeface="Tomorrow"/>
+              </a:rPr>
+              <a:t>Functional Relationship</a:t>
+            </a:r>
+            <a:endParaRPr sz="1600" b="0" i="0">
+              <a:solidFill>
+                <a:srgbClr val="333333"/>
+              </a:solidFill>
+              <a:latin typeface="Tomorrow"/>
+              <a:ea typeface="Tomorrow"/>
+            </a:endParaRPr>
+          </a:p>
+          <a:p>
+            <a:pPr marL="457200" lvl="1" indent="0">
+              <a:spcBef>
+                <a:spcPct val="0"/>
+              </a:spcBef>
+              <a:spcAft>
+                <a:spcPct val="0"/>
+              </a:spcAft>
+            </a:pPr>
+            <a:r>
+              <a:rPr sz="1600" b="0" i="0">
+                <a:solidFill>
+                  <a:srgbClr val="333333"/>
+                </a:solidFill>
+                <a:latin typeface="Tomorrow"/>
+                <a:ea typeface="Tomorrow"/>
+              </a:rPr>
+              <a:t>Components of Time Series</a:t>
+            </a:r>
+            <a:endParaRPr sz="1600" b="0" i="0">
+              <a:solidFill>
+                <a:srgbClr val="333333"/>
+              </a:solidFill>
+              <a:latin typeface="Tomorrow"/>
+              <a:ea typeface="Tomorrow"/>
+            </a:endParaRPr>
+          </a:p>
+          <a:p>
+            <a:pPr marL="457200" lvl="1" indent="0">
+              <a:spcBef>
+                <a:spcPct val="0"/>
+              </a:spcBef>
+              <a:spcAft>
+                <a:spcPct val="0"/>
+              </a:spcAft>
+            </a:pPr>
+            <a:r>
+              <a:rPr sz="1600" b="0" i="0">
+                <a:solidFill>
+                  <a:srgbClr val="333333"/>
+                </a:solidFill>
+                <a:latin typeface="Tomorrow"/>
+                <a:ea typeface="Tomorrow"/>
+              </a:rPr>
+              <a:t>Mathemetical Representation of Time Series</a:t>
+            </a:r>
+            <a:endParaRPr sz="1600" b="0" i="0">
+              <a:solidFill>
+                <a:srgbClr val="333333"/>
+              </a:solidFill>
+              <a:latin typeface="Tomorrow"/>
+              <a:ea typeface="Tomorrow"/>
+            </a:endParaRPr>
+          </a:p>
+          <a:p>
+            <a:pPr marL="457200" lvl="1" indent="0">
+              <a:spcBef>
+                <a:spcPct val="0"/>
+              </a:spcBef>
+              <a:spcAft>
+                <a:spcPct val="0"/>
+              </a:spcAft>
+            </a:pPr>
+            <a:r>
+              <a:rPr sz="1600" b="0" i="0">
+                <a:solidFill>
+                  <a:srgbClr val="333333"/>
+                </a:solidFill>
+                <a:latin typeface="Tomorrow"/>
+                <a:ea typeface="Tomorrow"/>
+              </a:rPr>
+              <a:t>ETS Decompositon</a:t>
+            </a:r>
+            <a:endParaRPr sz="1600" b="0" i="0">
+              <a:solidFill>
+                <a:srgbClr val="333333"/>
+              </a:solidFill>
+              <a:latin typeface="Tomorrow"/>
+              <a:ea typeface="Tomorrow"/>
+            </a:endParaRPr>
+          </a:p>
+          <a:p>
+            <a:pPr marL="457200" lvl="1" indent="0">
+              <a:spcBef>
+                <a:spcPct val="0"/>
+              </a:spcBef>
+              <a:spcAft>
+                <a:spcPct val="0"/>
+              </a:spcAft>
+            </a:pPr>
+            <a:r>
+              <a:rPr sz="1600" b="0" i="0">
+                <a:solidFill>
+                  <a:srgbClr val="333333"/>
+                </a:solidFill>
+                <a:latin typeface="Tomorrow"/>
+                <a:ea typeface="Tomorrow"/>
+              </a:rPr>
+              <a:t>Classification of Time Series</a:t>
+            </a:r>
+            <a:endParaRPr sz="1600" b="0" i="0">
+              <a:solidFill>
+                <a:srgbClr val="333333"/>
+              </a:solidFill>
+              <a:latin typeface="Tomorrow"/>
+              <a:ea typeface="Tomorrow"/>
+            </a:endParaRPr>
+          </a:p>
+          <a:p>
+            <a:pPr marL="457200" lvl="1" indent="0">
+              <a:spcBef>
+                <a:spcPct val="0"/>
+              </a:spcBef>
+              <a:spcAft>
+                <a:spcPct val="0"/>
+              </a:spcAft>
+            </a:pPr>
+            <a:r>
+              <a:rPr sz="1600" b="0" i="0">
+                <a:solidFill>
+                  <a:srgbClr val="333333"/>
+                </a:solidFill>
+                <a:latin typeface="Tomorrow"/>
+                <a:ea typeface="Tomorrow"/>
+              </a:rPr>
+              <a:t>Defference between ACF &amp; PACF</a:t>
+            </a:r>
+            <a:endParaRPr sz="1600" b="0" i="0">
+              <a:solidFill>
+                <a:srgbClr val="333333"/>
+              </a:solidFill>
+              <a:latin typeface="Tomorrow"/>
+              <a:ea typeface="Tomorrow"/>
+            </a:endParaRPr>
+          </a:p>
+          <a:p>
+            <a:pPr marL="457200" lvl="1" indent="0">
+              <a:spcBef>
+                <a:spcPct val="0"/>
+              </a:spcBef>
+              <a:spcAft>
+                <a:spcPct val="0"/>
+              </a:spcAft>
+            </a:pPr>
+            <a:r>
+              <a:rPr sz="1600" b="0" i="0">
+                <a:solidFill>
+                  <a:srgbClr val="333333"/>
+                </a:solidFill>
+                <a:latin typeface="Tomorrow"/>
+                <a:ea typeface="Tomorrow"/>
+              </a:rPr>
+              <a:t>Assignment</a:t>
+            </a:r>
+            <a:endParaRPr sz="1600" b="0" i="0">
+              <a:solidFill>
+                <a:srgbClr val="333333"/>
+              </a:solidFill>
+              <a:latin typeface="Tomorrow"/>
+              <a:ea typeface="Tomorrow"/>
+            </a:endParaRPr>
+          </a:p>
+        </p:txBody>
+      </p:sp>
+      <p:sp>
+        <p:nvSpPr>
+          <p:cNvPr id="7" name="Text Box 6"/>
+          <p:cNvSpPr txBox="1"/>
+          <p:nvPr/>
+        </p:nvSpPr>
+        <p:spPr>
+          <a:xfrm>
+            <a:off x="6305550" y="362903"/>
+            <a:ext cx="5080000" cy="2402205"/>
+          </a:xfrm>
+          <a:prstGeom prst="rect">
+            <a:avLst/>
+          </a:prstGeom>
+        </p:spPr>
+        <p:txBody>
+          <a:bodyPr>
+            <a:spAutoFit/>
+          </a:bodyPr>
+          <a:p>
+            <a:pPr marL="0" indent="0">
+              <a:spcBef>
+                <a:spcPts val="1000"/>
+              </a:spcBef>
+              <a:spcAft>
+                <a:spcPts val="500"/>
+              </a:spcAft>
+            </a:pPr>
+            <a:r>
+              <a:rPr sz="2500" b="0" i="0">
+                <a:solidFill>
+                  <a:srgbClr val="333333"/>
+                </a:solidFill>
+                <a:latin typeface="Tomorrow"/>
+                <a:ea typeface="Tomorrow"/>
+              </a:rPr>
+              <a:t>Weather Forecasting using ARIMA Model  </a:t>
+            </a:r>
+            <a:endParaRPr sz="2500" b="0" i="0">
+              <a:solidFill>
+                <a:srgbClr val="333333"/>
+              </a:solidFill>
+              <a:latin typeface="Tomorrow"/>
+              <a:ea typeface="Tomorrow"/>
+            </a:endParaRPr>
+          </a:p>
+          <a:p>
+            <a:pPr marL="742950" lvl="1" indent="-285750">
+              <a:spcBef>
+                <a:spcPct val="0"/>
+              </a:spcBef>
+              <a:spcAft>
+                <a:spcPct val="0"/>
+              </a:spcAft>
+              <a:buFont typeface="Arial" panose="020B0604020202020204" pitchFamily="34" charset="0"/>
+              <a:buChar char="•"/>
+            </a:pPr>
+            <a:r>
+              <a:rPr sz="1600" b="0" i="0">
+                <a:solidFill>
+                  <a:srgbClr val="333333"/>
+                </a:solidFill>
+                <a:latin typeface="Tomorrow"/>
+                <a:ea typeface="Tomorrow"/>
+              </a:rPr>
+              <a:t>Introduction to AR and MA model</a:t>
+            </a:r>
+            <a:endParaRPr sz="1600" b="0" i="0">
+              <a:solidFill>
+                <a:srgbClr val="333333"/>
+              </a:solidFill>
+              <a:latin typeface="Tomorrow"/>
+              <a:ea typeface="Tomorrow"/>
+            </a:endParaRPr>
+          </a:p>
+          <a:p>
+            <a:pPr marL="742950" lvl="1" indent="-285750">
+              <a:spcBef>
+                <a:spcPct val="0"/>
+              </a:spcBef>
+              <a:spcAft>
+                <a:spcPct val="0"/>
+              </a:spcAft>
+              <a:buFont typeface="Arial" panose="020B0604020202020204" pitchFamily="34" charset="0"/>
+              <a:buChar char="•"/>
+            </a:pPr>
+            <a:r>
+              <a:rPr sz="1600" b="0" i="0">
+                <a:solidFill>
+                  <a:srgbClr val="333333"/>
+                </a:solidFill>
+                <a:latin typeface="Tomorrow"/>
+                <a:ea typeface="Tomorrow"/>
+              </a:rPr>
+              <a:t>Stationarity &amp; Differencing</a:t>
+            </a:r>
+            <a:endParaRPr sz="1600" b="0" i="0">
+              <a:solidFill>
+                <a:srgbClr val="333333"/>
+              </a:solidFill>
+              <a:latin typeface="Tomorrow"/>
+              <a:ea typeface="Tomorrow"/>
+            </a:endParaRPr>
+          </a:p>
+          <a:p>
+            <a:pPr marL="742950" lvl="1" indent="-285750">
+              <a:spcBef>
+                <a:spcPct val="0"/>
+              </a:spcBef>
+              <a:spcAft>
+                <a:spcPct val="0"/>
+              </a:spcAft>
+              <a:buFont typeface="Arial" panose="020B0604020202020204" pitchFamily="34" charset="0"/>
+              <a:buChar char="•"/>
+            </a:pPr>
+            <a:r>
+              <a:rPr sz="1600" b="0" i="0">
+                <a:solidFill>
+                  <a:srgbClr val="333333"/>
+                </a:solidFill>
+                <a:latin typeface="Tomorrow"/>
+                <a:ea typeface="Tomorrow"/>
+              </a:rPr>
+              <a:t>SariMax of Seasonal Data</a:t>
+            </a:r>
+            <a:endParaRPr sz="1600" b="0" i="0">
+              <a:solidFill>
+                <a:srgbClr val="333333"/>
+              </a:solidFill>
+              <a:latin typeface="Tomorrow"/>
+              <a:ea typeface="Tomorrow"/>
+            </a:endParaRPr>
+          </a:p>
+          <a:p>
+            <a:pPr marL="742950" lvl="1" indent="-285750">
+              <a:spcBef>
+                <a:spcPct val="0"/>
+              </a:spcBef>
+              <a:spcAft>
+                <a:spcPct val="0"/>
+              </a:spcAft>
+              <a:buFont typeface="Arial" panose="020B0604020202020204" pitchFamily="34" charset="0"/>
+              <a:buChar char="•"/>
+            </a:pPr>
+            <a:r>
+              <a:rPr sz="1600" b="0" i="0">
+                <a:solidFill>
+                  <a:srgbClr val="333333"/>
+                </a:solidFill>
+                <a:latin typeface="Tomorrow"/>
+                <a:ea typeface="Tomorrow"/>
+              </a:rPr>
+              <a:t>Identifying order AR(p), I(d), MA(q)</a:t>
+            </a:r>
+            <a:endParaRPr sz="1600" b="0" i="0">
+              <a:solidFill>
+                <a:srgbClr val="333333"/>
+              </a:solidFill>
+              <a:latin typeface="Tomorrow"/>
+              <a:ea typeface="Tomorrow"/>
+            </a:endParaRPr>
+          </a:p>
+          <a:p>
+            <a:pPr marL="742950" lvl="1" indent="-285750">
+              <a:spcBef>
+                <a:spcPct val="0"/>
+              </a:spcBef>
+              <a:spcAft>
+                <a:spcPct val="0"/>
+              </a:spcAft>
+              <a:buFont typeface="Arial" panose="020B0604020202020204" pitchFamily="34" charset="0"/>
+              <a:buChar char="•"/>
+            </a:pPr>
+            <a:r>
+              <a:rPr sz="1600" b="0" i="0">
+                <a:solidFill>
+                  <a:srgbClr val="333333"/>
+                </a:solidFill>
+                <a:latin typeface="Tomorrow"/>
+                <a:ea typeface="Tomorrow"/>
+              </a:rPr>
+              <a:t>Implementation of ARIMA</a:t>
+            </a:r>
+            <a:endParaRPr sz="1600" b="0" i="0">
+              <a:solidFill>
+                <a:srgbClr val="333333"/>
+              </a:solidFill>
+              <a:latin typeface="Tomorrow"/>
+              <a:ea typeface="Tomorrow"/>
+            </a:endParaRPr>
+          </a:p>
+          <a:p>
+            <a:pPr marL="742950" lvl="1" indent="-285750">
+              <a:spcBef>
+                <a:spcPct val="0"/>
+              </a:spcBef>
+              <a:spcAft>
+                <a:spcPct val="0"/>
+              </a:spcAft>
+              <a:buFont typeface="Arial" panose="020B0604020202020204" pitchFamily="34" charset="0"/>
+              <a:buChar char="•"/>
+            </a:pPr>
+            <a:r>
+              <a:rPr sz="1600" b="0" i="0">
+                <a:solidFill>
+                  <a:srgbClr val="333333"/>
+                </a:solidFill>
+                <a:latin typeface="Tomorrow"/>
+                <a:ea typeface="Tomorrow"/>
+              </a:rPr>
+              <a:t>Assignment</a:t>
+            </a:r>
+            <a:endParaRPr sz="1600" b="0" i="0">
+              <a:solidFill>
+                <a:srgbClr val="333333"/>
+              </a:solidFill>
+              <a:latin typeface="Tomorrow"/>
+              <a:ea typeface="Tomorrow"/>
+            </a:endParaRPr>
+          </a:p>
+        </p:txBody>
+      </p:sp>
+      <p:sp>
+        <p:nvSpPr>
+          <p:cNvPr id="8" name="Text Box 7"/>
+          <p:cNvSpPr txBox="1"/>
+          <p:nvPr/>
+        </p:nvSpPr>
+        <p:spPr>
+          <a:xfrm>
+            <a:off x="6399530" y="3322638"/>
+            <a:ext cx="5080000" cy="2402205"/>
+          </a:xfrm>
+          <a:prstGeom prst="rect">
+            <a:avLst/>
+          </a:prstGeom>
+        </p:spPr>
+        <p:txBody>
+          <a:bodyPr>
+            <a:spAutoFit/>
+          </a:bodyPr>
+          <a:p>
+            <a:pPr marL="0" indent="0">
+              <a:spcBef>
+                <a:spcPts val="1000"/>
+              </a:spcBef>
+              <a:spcAft>
+                <a:spcPts val="500"/>
+              </a:spcAft>
+            </a:pPr>
+            <a:r>
+              <a:rPr sz="2500" b="0" i="0">
+                <a:solidFill>
+                  <a:srgbClr val="333333"/>
+                </a:solidFill>
+                <a:latin typeface="Tomorrow"/>
+                <a:ea typeface="Tomorrow"/>
+              </a:rPr>
+              <a:t>Stock Price Prediction using Sequence Model  </a:t>
+            </a:r>
+            <a:endParaRPr sz="2500" b="0" i="0">
+              <a:solidFill>
+                <a:srgbClr val="333333"/>
+              </a:solidFill>
+              <a:latin typeface="Tomorrow"/>
+              <a:ea typeface="Tomorrow"/>
+            </a:endParaRPr>
+          </a:p>
+          <a:p>
+            <a:pPr marL="457200" lvl="1" indent="0">
+              <a:spcBef>
+                <a:spcPct val="0"/>
+              </a:spcBef>
+              <a:spcAft>
+                <a:spcPct val="0"/>
+              </a:spcAft>
+            </a:pPr>
+            <a:r>
+              <a:rPr sz="1600" b="0" i="0">
+                <a:solidFill>
+                  <a:srgbClr val="333333"/>
+                </a:solidFill>
+                <a:latin typeface="Tomorrow"/>
+                <a:ea typeface="Tomorrow"/>
+              </a:rPr>
+              <a:t>Introduction to Sequence Models RNN, LSTM</a:t>
+            </a:r>
+            <a:endParaRPr sz="1600" b="0" i="0">
+              <a:solidFill>
+                <a:srgbClr val="333333"/>
+              </a:solidFill>
+              <a:latin typeface="Tomorrow"/>
+              <a:ea typeface="Tomorrow"/>
+            </a:endParaRPr>
+          </a:p>
+          <a:p>
+            <a:pPr marL="457200" lvl="1" indent="0">
+              <a:spcBef>
+                <a:spcPct val="0"/>
+              </a:spcBef>
+              <a:spcAft>
+                <a:spcPct val="0"/>
+              </a:spcAft>
+            </a:pPr>
+            <a:r>
+              <a:rPr sz="1600" b="0" i="0">
+                <a:solidFill>
+                  <a:srgbClr val="333333"/>
+                </a:solidFill>
+                <a:latin typeface="Tomorrow"/>
+                <a:ea typeface="Tomorrow"/>
+              </a:rPr>
+              <a:t>Preparing Time Series Data for LSTM</a:t>
+            </a:r>
+            <a:endParaRPr sz="1600" b="0" i="0">
+              <a:solidFill>
+                <a:srgbClr val="333333"/>
+              </a:solidFill>
+              <a:latin typeface="Tomorrow"/>
+              <a:ea typeface="Tomorrow"/>
+            </a:endParaRPr>
+          </a:p>
+          <a:p>
+            <a:pPr marL="457200" lvl="1" indent="0">
+              <a:spcBef>
+                <a:spcPct val="0"/>
+              </a:spcBef>
+              <a:spcAft>
+                <a:spcPct val="0"/>
+              </a:spcAft>
+            </a:pPr>
+            <a:r>
+              <a:rPr sz="1600" b="0" i="0">
+                <a:solidFill>
+                  <a:srgbClr val="333333"/>
+                </a:solidFill>
+                <a:latin typeface="Tomorrow"/>
+                <a:ea typeface="Tomorrow"/>
+              </a:rPr>
+              <a:t>Forecasting using LSTM</a:t>
+            </a:r>
+            <a:endParaRPr sz="1600" b="0" i="0">
+              <a:solidFill>
+                <a:srgbClr val="333333"/>
+              </a:solidFill>
+              <a:latin typeface="Tomorrow"/>
+              <a:ea typeface="Tomorrow"/>
+            </a:endParaRPr>
+          </a:p>
+          <a:p>
+            <a:pPr marL="457200" lvl="1" indent="0">
+              <a:spcBef>
+                <a:spcPct val="0"/>
+              </a:spcBef>
+              <a:spcAft>
+                <a:spcPct val="0"/>
+              </a:spcAft>
+            </a:pPr>
+            <a:r>
+              <a:rPr sz="1600" b="0" i="0">
+                <a:solidFill>
+                  <a:srgbClr val="333333"/>
+                </a:solidFill>
+                <a:latin typeface="Tomorrow"/>
+                <a:ea typeface="Tomorrow"/>
+              </a:rPr>
+              <a:t>Future Forecast</a:t>
+            </a:r>
+            <a:endParaRPr sz="1600" b="0" i="0">
+              <a:solidFill>
+                <a:srgbClr val="333333"/>
+              </a:solidFill>
+              <a:latin typeface="Tomorrow"/>
+              <a:ea typeface="Tomorrow"/>
+            </a:endParaRPr>
+          </a:p>
+          <a:p>
+            <a:pPr marL="457200" lvl="1" indent="0">
+              <a:spcBef>
+                <a:spcPct val="0"/>
+              </a:spcBef>
+              <a:spcAft>
+                <a:spcPct val="0"/>
+              </a:spcAft>
+            </a:pPr>
+            <a:r>
+              <a:rPr sz="1600" b="0" i="0">
+                <a:solidFill>
+                  <a:srgbClr val="333333"/>
+                </a:solidFill>
+                <a:latin typeface="Tomorrow"/>
+                <a:ea typeface="Tomorrow"/>
+              </a:rPr>
+              <a:t>Assignment</a:t>
+            </a:r>
+            <a:endParaRPr sz="1600" b="0" i="0">
+              <a:solidFill>
+                <a:srgbClr val="333333"/>
+              </a:solidFill>
+              <a:latin typeface="Tomorrow"/>
+              <a:ea typeface="Tomorrow"/>
+            </a:endParaRPr>
+          </a:p>
+        </p:txBody>
+      </p:sp>
+    </p:spTree>
+  </p:cSld>
+  <p:clrMapOvr>
+    <a:masterClrMapping/>
+  </p:clrMapOvr>
+</p:sld>
+</file>
+
+<file path=ppt/slides/slide41.xml><?xml version="1.0" encoding="utf-8"?>
+<p:sld xmlns:a="http://schemas.openxmlformats.org/drawingml/2006/main" xmlns:r="http://schemas.openxmlformats.org/officeDocument/2006/relationships" xmlns:p="http://schemas.openxmlformats.org/presentationml/2006/main">
+  <p:cSld>
+    <p:spTree>
+      <p:nvGrpSpPr>
+        <p:cNvPr id="1" name=""/>
+        <p:cNvGrpSpPr/>
+        <p:nvPr/>
+      </p:nvGrpSpPr>
+      <p:grpSpPr/>
+      <p:sp>
+        <p:nvSpPr>
           <p:cNvPr id="2" name="Text Box 1"/>
           <p:cNvSpPr txBox="1"/>
           <p:nvPr/>
@@ -16322,7 +16515,7 @@
 </p:sld>
 </file>
 
-<file path=ppt/slides/slide41.xml><?xml version="1.0" encoding="utf-8"?>
+<file path=ppt/slides/slide42.xml><?xml version="1.0" encoding="utf-8"?>
 <p:sld xmlns:a="http://schemas.openxmlformats.org/drawingml/2006/main" xmlns:r="http://schemas.openxmlformats.org/officeDocument/2006/relationships" xmlns:p="http://schemas.openxmlformats.org/presentationml/2006/main">
   <p:cSld>
     <p:spTree>
